--- a/임베디드컴퓨팅 기말발표.pptx
+++ b/임베디드컴퓨팅 기말발표.pptx
@@ -11,7 +11,11 @@
     <p:sldId id="259" r:id="rId5"/>
     <p:sldId id="261" r:id="rId6"/>
     <p:sldId id="262" r:id="rId7"/>
-    <p:sldId id="260" r:id="rId8"/>
+    <p:sldId id="263" r:id="rId8"/>
+    <p:sldId id="264" r:id="rId9"/>
+    <p:sldId id="265" r:id="rId10"/>
+    <p:sldId id="266" r:id="rId11"/>
+    <p:sldId id="260" r:id="rId12"/>
   </p:sldIdLst>
   <p:sldSz cx="12192000" cy="6858000"/>
   <p:notesSz cx="6858000" cy="9144000"/>
@@ -265,7 +269,7 @@
           <a:p>
             <a:fld id="{D98130FA-BAF7-4782-AE60-3CD72BAE011A}" type="datetimeFigureOut">
               <a:rPr lang="ko-KR" altLang="en-US" smtClean="0"/>
-              <a:t>2022-12-12</a:t>
+              <a:t>2022-12-13</a:t>
             </a:fld>
             <a:endParaRPr lang="ko-KR" altLang="en-US"/>
           </a:p>
@@ -463,7 +467,7 @@
           <a:p>
             <a:fld id="{D98130FA-BAF7-4782-AE60-3CD72BAE011A}" type="datetimeFigureOut">
               <a:rPr lang="ko-KR" altLang="en-US" smtClean="0"/>
-              <a:t>2022-12-12</a:t>
+              <a:t>2022-12-13</a:t>
             </a:fld>
             <a:endParaRPr lang="ko-KR" altLang="en-US"/>
           </a:p>
@@ -671,7 +675,7 @@
           <a:p>
             <a:fld id="{D98130FA-BAF7-4782-AE60-3CD72BAE011A}" type="datetimeFigureOut">
               <a:rPr lang="ko-KR" altLang="en-US" smtClean="0"/>
-              <a:t>2022-12-12</a:t>
+              <a:t>2022-12-13</a:t>
             </a:fld>
             <a:endParaRPr lang="ko-KR" altLang="en-US"/>
           </a:p>
@@ -869,7 +873,7 @@
           <a:p>
             <a:fld id="{D98130FA-BAF7-4782-AE60-3CD72BAE011A}" type="datetimeFigureOut">
               <a:rPr lang="ko-KR" altLang="en-US" smtClean="0"/>
-              <a:t>2022-12-12</a:t>
+              <a:t>2022-12-13</a:t>
             </a:fld>
             <a:endParaRPr lang="ko-KR" altLang="en-US"/>
           </a:p>
@@ -1144,7 +1148,7 @@
           <a:p>
             <a:fld id="{D98130FA-BAF7-4782-AE60-3CD72BAE011A}" type="datetimeFigureOut">
               <a:rPr lang="ko-KR" altLang="en-US" smtClean="0"/>
-              <a:t>2022-12-12</a:t>
+              <a:t>2022-12-13</a:t>
             </a:fld>
             <a:endParaRPr lang="ko-KR" altLang="en-US"/>
           </a:p>
@@ -1409,7 +1413,7 @@
           <a:p>
             <a:fld id="{D98130FA-BAF7-4782-AE60-3CD72BAE011A}" type="datetimeFigureOut">
               <a:rPr lang="ko-KR" altLang="en-US" smtClean="0"/>
-              <a:t>2022-12-12</a:t>
+              <a:t>2022-12-13</a:t>
             </a:fld>
             <a:endParaRPr lang="ko-KR" altLang="en-US"/>
           </a:p>
@@ -1821,7 +1825,7 @@
           <a:p>
             <a:fld id="{D98130FA-BAF7-4782-AE60-3CD72BAE011A}" type="datetimeFigureOut">
               <a:rPr lang="ko-KR" altLang="en-US" smtClean="0"/>
-              <a:t>2022-12-12</a:t>
+              <a:t>2022-12-13</a:t>
             </a:fld>
             <a:endParaRPr lang="ko-KR" altLang="en-US"/>
           </a:p>
@@ -1962,7 +1966,7 @@
           <a:p>
             <a:fld id="{D98130FA-BAF7-4782-AE60-3CD72BAE011A}" type="datetimeFigureOut">
               <a:rPr lang="ko-KR" altLang="en-US" smtClean="0"/>
-              <a:t>2022-12-12</a:t>
+              <a:t>2022-12-13</a:t>
             </a:fld>
             <a:endParaRPr lang="ko-KR" altLang="en-US"/>
           </a:p>
@@ -2075,7 +2079,7 @@
           <a:p>
             <a:fld id="{D98130FA-BAF7-4782-AE60-3CD72BAE011A}" type="datetimeFigureOut">
               <a:rPr lang="ko-KR" altLang="en-US" smtClean="0"/>
-              <a:t>2022-12-12</a:t>
+              <a:t>2022-12-13</a:t>
             </a:fld>
             <a:endParaRPr lang="ko-KR" altLang="en-US"/>
           </a:p>
@@ -2386,7 +2390,7 @@
           <a:p>
             <a:fld id="{D98130FA-BAF7-4782-AE60-3CD72BAE011A}" type="datetimeFigureOut">
               <a:rPr lang="ko-KR" altLang="en-US" smtClean="0"/>
-              <a:t>2022-12-12</a:t>
+              <a:t>2022-12-13</a:t>
             </a:fld>
             <a:endParaRPr lang="ko-KR" altLang="en-US"/>
           </a:p>
@@ -2674,7 +2678,7 @@
           <a:p>
             <a:fld id="{D98130FA-BAF7-4782-AE60-3CD72BAE011A}" type="datetimeFigureOut">
               <a:rPr lang="ko-KR" altLang="en-US" smtClean="0"/>
-              <a:t>2022-12-12</a:t>
+              <a:t>2022-12-13</a:t>
             </a:fld>
             <a:endParaRPr lang="ko-KR" altLang="en-US"/>
           </a:p>
@@ -2915,7 +2919,7 @@
           <a:p>
             <a:fld id="{D98130FA-BAF7-4782-AE60-3CD72BAE011A}" type="datetimeFigureOut">
               <a:rPr lang="ko-KR" altLang="en-US" smtClean="0"/>
-              <a:t>2022-12-12</a:t>
+              <a:t>2022-12-13</a:t>
             </a:fld>
             <a:endParaRPr lang="ko-KR" altLang="en-US"/>
           </a:p>
@@ -3439,6 +3443,694 @@
 </p:sld>
 </file>
 
+<file path=ppt/slides/slide10.xml><?xml version="1.0" encoding="utf-8"?>
+<p:sld xmlns:a="http://schemas.openxmlformats.org/drawingml/2006/main" xmlns:r="http://schemas.openxmlformats.org/officeDocument/2006/relationships" xmlns:p="http://schemas.openxmlformats.org/presentationml/2006/main">
+  <p:cSld>
+    <p:spTree>
+      <p:nvGrpSpPr>
+        <p:cNvPr id="1" name=""/>
+        <p:cNvGrpSpPr/>
+        <p:nvPr/>
+      </p:nvGrpSpPr>
+      <p:grpSpPr>
+        <a:xfrm>
+          <a:off x="0" y="0"/>
+          <a:ext cx="0" cy="0"/>
+          <a:chOff x="0" y="0"/>
+          <a:chExt cx="0" cy="0"/>
+        </a:xfrm>
+      </p:grpSpPr>
+      <p:sp>
+        <p:nvSpPr>
+          <p:cNvPr id="2" name="제목 1">
+            <a:extLst>
+              <a:ext uri="{FF2B5EF4-FFF2-40B4-BE49-F238E27FC236}">
+                <a16:creationId xmlns:a16="http://schemas.microsoft.com/office/drawing/2014/main" id="{65BC78FF-ED87-0626-D409-704F15D08714}"/>
+              </a:ext>
+            </a:extLst>
+          </p:cNvPr>
+          <p:cNvSpPr>
+            <a:spLocks noGrp="1"/>
+          </p:cNvSpPr>
+          <p:nvPr>
+            <p:ph type="title"/>
+          </p:nvPr>
+        </p:nvSpPr>
+        <p:spPr/>
+        <p:txBody>
+          <a:bodyPr/>
+          <a:lstStyle/>
+          <a:p>
+            <a:r>
+              <a:rPr lang="ko-KR" altLang="en-US" dirty="0"/>
+              <a:t>개발 부품 및 기능 설명</a:t>
+            </a:r>
+          </a:p>
+        </p:txBody>
+      </p:sp>
+      <p:graphicFrame>
+        <p:nvGraphicFramePr>
+          <p:cNvPr id="5" name="표 5">
+            <a:extLst>
+              <a:ext uri="{FF2B5EF4-FFF2-40B4-BE49-F238E27FC236}">
+                <a16:creationId xmlns:a16="http://schemas.microsoft.com/office/drawing/2014/main" id="{79C17199-CE86-ADFB-E374-7C635DF402BA}"/>
+              </a:ext>
+            </a:extLst>
+          </p:cNvPr>
+          <p:cNvGraphicFramePr>
+            <a:graphicFrameLocks noGrp="1"/>
+          </p:cNvGraphicFramePr>
+          <p:nvPr>
+            <p:extLst>
+              <p:ext uri="{D42A27DB-BD31-4B8C-83A1-F6EECF244321}">
+                <p14:modId xmlns:p14="http://schemas.microsoft.com/office/powerpoint/2010/main" val="3885315647"/>
+              </p:ext>
+            </p:extLst>
+          </p:nvPr>
+        </p:nvGraphicFramePr>
+        <p:xfrm>
+          <a:off x="1327325" y="2501123"/>
+          <a:ext cx="8128000" cy="1855754"/>
+        </p:xfrm>
+        <a:graphic>
+          <a:graphicData uri="http://schemas.openxmlformats.org/drawingml/2006/table">
+            <a:tbl>
+              <a:tblPr>
+                <a:tableStyleId>{5C22544A-7EE6-4342-B048-85BDC9FD1C3A}</a:tableStyleId>
+              </a:tblPr>
+              <a:tblGrid>
+                <a:gridCol w="4064000">
+                  <a:extLst>
+                    <a:ext uri="{9D8B030D-6E8A-4147-A177-3AD203B41FA5}">
+                      <a16:colId xmlns:a16="http://schemas.microsoft.com/office/drawing/2014/main" val="3057513107"/>
+                    </a:ext>
+                  </a:extLst>
+                </a:gridCol>
+                <a:gridCol w="4064000">
+                  <a:extLst>
+                    <a:ext uri="{9D8B030D-6E8A-4147-A177-3AD203B41FA5}">
+                      <a16:colId xmlns:a16="http://schemas.microsoft.com/office/drawing/2014/main" val="429643153"/>
+                    </a:ext>
+                  </a:extLst>
+                </a:gridCol>
+              </a:tblGrid>
+              <a:tr h="370840">
+                <a:tc>
+                  <a:txBody>
+                    <a:bodyPr/>
+                    <a:lstStyle/>
+                    <a:p>
+                      <a:pPr algn="ctr" latinLnBrk="1"/>
+                      <a:endParaRPr lang="ko-KR" altLang="en-US" dirty="0"/>
+                    </a:p>
+                  </a:txBody>
+                  <a:tcPr anchor="ctr">
+                    <a:lnL w="12700" cap="flat" cmpd="sng" algn="ctr">
+                      <a:solidFill>
+                        <a:schemeClr val="tx1"/>
+                      </a:solidFill>
+                      <a:prstDash val="solid"/>
+                      <a:round/>
+                      <a:headEnd type="none" w="med" len="med"/>
+                      <a:tailEnd type="none" w="med" len="med"/>
+                    </a:lnL>
+                    <a:lnR w="12700" cap="flat" cmpd="sng" algn="ctr">
+                      <a:solidFill>
+                        <a:schemeClr val="tx1"/>
+                      </a:solidFill>
+                      <a:prstDash val="solid"/>
+                      <a:round/>
+                      <a:headEnd type="none" w="med" len="med"/>
+                      <a:tailEnd type="none" w="med" len="med"/>
+                    </a:lnR>
+                    <a:lnT w="12700" cap="flat" cmpd="sng" algn="ctr">
+                      <a:solidFill>
+                        <a:schemeClr val="tx1"/>
+                      </a:solidFill>
+                      <a:prstDash val="solid"/>
+                      <a:round/>
+                      <a:headEnd type="none" w="med" len="med"/>
+                      <a:tailEnd type="none" w="med" len="med"/>
+                    </a:lnT>
+                    <a:lnB w="12700" cap="flat" cmpd="sng" algn="ctr">
+                      <a:solidFill>
+                        <a:schemeClr val="tx1"/>
+                      </a:solidFill>
+                      <a:prstDash val="solid"/>
+                      <a:round/>
+                      <a:headEnd type="none" w="med" len="med"/>
+                      <a:tailEnd type="none" w="med" len="med"/>
+                    </a:lnB>
+                    <a:solidFill>
+                      <a:schemeClr val="bg1"/>
+                    </a:solidFill>
+                  </a:tcPr>
+                </a:tc>
+                <a:tc>
+                  <a:txBody>
+                    <a:bodyPr/>
+                    <a:lstStyle/>
+                    <a:p>
+                      <a:pPr algn="ctr" latinLnBrk="1"/>
+                      <a:endParaRPr lang="ko-KR" altLang="en-US" dirty="0"/>
+                    </a:p>
+                  </a:txBody>
+                  <a:tcPr anchor="ctr">
+                    <a:lnL w="12700" cap="flat" cmpd="sng" algn="ctr">
+                      <a:solidFill>
+                        <a:schemeClr val="tx1"/>
+                      </a:solidFill>
+                      <a:prstDash val="solid"/>
+                      <a:round/>
+                      <a:headEnd type="none" w="med" len="med"/>
+                      <a:tailEnd type="none" w="med" len="med"/>
+                    </a:lnL>
+                    <a:lnR w="12700" cap="flat" cmpd="sng" algn="ctr">
+                      <a:solidFill>
+                        <a:schemeClr val="tx1"/>
+                      </a:solidFill>
+                      <a:prstDash val="solid"/>
+                      <a:round/>
+                      <a:headEnd type="none" w="med" len="med"/>
+                      <a:tailEnd type="none" w="med" len="med"/>
+                    </a:lnR>
+                    <a:lnT w="12700" cap="flat" cmpd="sng" algn="ctr">
+                      <a:solidFill>
+                        <a:schemeClr val="tx1"/>
+                      </a:solidFill>
+                      <a:prstDash val="solid"/>
+                      <a:round/>
+                      <a:headEnd type="none" w="med" len="med"/>
+                      <a:tailEnd type="none" w="med" len="med"/>
+                    </a:lnT>
+                    <a:lnB w="12700" cap="flat" cmpd="sng" algn="ctr">
+                      <a:solidFill>
+                        <a:schemeClr val="tx1"/>
+                      </a:solidFill>
+                      <a:prstDash val="solid"/>
+                      <a:round/>
+                      <a:headEnd type="none" w="med" len="med"/>
+                      <a:tailEnd type="none" w="med" len="med"/>
+                    </a:lnB>
+                    <a:solidFill>
+                      <a:schemeClr val="bg1"/>
+                    </a:solidFill>
+                  </a:tcPr>
+                </a:tc>
+                <a:extLst>
+                  <a:ext uri="{0D108BD9-81ED-4DB2-BD59-A6C34878D82A}">
+                    <a16:rowId xmlns:a16="http://schemas.microsoft.com/office/drawing/2014/main" val="2391504428"/>
+                  </a:ext>
+                </a:extLst>
+              </a:tr>
+              <a:tr h="370840">
+                <a:tc rowSpan="4">
+                  <a:txBody>
+                    <a:bodyPr/>
+                    <a:lstStyle/>
+                    <a:p>
+                      <a:pPr algn="ctr" latinLnBrk="1"/>
+                      <a:endParaRPr lang="ko-KR" altLang="en-US" dirty="0"/>
+                    </a:p>
+                  </a:txBody>
+                  <a:tcPr anchor="ctr">
+                    <a:lnL w="12700" cap="flat" cmpd="sng" algn="ctr">
+                      <a:solidFill>
+                        <a:schemeClr val="tx1"/>
+                      </a:solidFill>
+                      <a:prstDash val="solid"/>
+                      <a:round/>
+                      <a:headEnd type="none" w="med" len="med"/>
+                      <a:tailEnd type="none" w="med" len="med"/>
+                    </a:lnL>
+                    <a:lnR w="12700" cap="flat" cmpd="sng" algn="ctr">
+                      <a:solidFill>
+                        <a:schemeClr val="tx1"/>
+                      </a:solidFill>
+                      <a:prstDash val="solid"/>
+                      <a:round/>
+                      <a:headEnd type="none" w="med" len="med"/>
+                      <a:tailEnd type="none" w="med" len="med"/>
+                    </a:lnR>
+                    <a:lnT w="12700" cap="flat" cmpd="sng" algn="ctr">
+                      <a:solidFill>
+                        <a:schemeClr val="tx1"/>
+                      </a:solidFill>
+                      <a:prstDash val="solid"/>
+                      <a:round/>
+                      <a:headEnd type="none" w="med" len="med"/>
+                      <a:tailEnd type="none" w="med" len="med"/>
+                    </a:lnT>
+                    <a:lnB w="12700" cap="flat" cmpd="sng" algn="ctr">
+                      <a:solidFill>
+                        <a:schemeClr val="tx1"/>
+                      </a:solidFill>
+                      <a:prstDash val="solid"/>
+                      <a:round/>
+                      <a:headEnd type="none" w="med" len="med"/>
+                      <a:tailEnd type="none" w="med" len="med"/>
+                    </a:lnB>
+                    <a:solidFill>
+                      <a:schemeClr val="bg1"/>
+                    </a:solidFill>
+                  </a:tcPr>
+                </a:tc>
+                <a:tc>
+                  <a:txBody>
+                    <a:bodyPr/>
+                    <a:lstStyle/>
+                    <a:p>
+                      <a:pPr algn="ctr" latinLnBrk="1"/>
+                      <a:endParaRPr lang="ko-KR" altLang="en-US" dirty="0"/>
+                    </a:p>
+                  </a:txBody>
+                  <a:tcPr anchor="ctr">
+                    <a:lnL w="12700" cap="flat" cmpd="sng" algn="ctr">
+                      <a:solidFill>
+                        <a:schemeClr val="tx1"/>
+                      </a:solidFill>
+                      <a:prstDash val="solid"/>
+                      <a:round/>
+                      <a:headEnd type="none" w="med" len="med"/>
+                      <a:tailEnd type="none" w="med" len="med"/>
+                    </a:lnL>
+                    <a:lnR w="12700" cap="flat" cmpd="sng" algn="ctr">
+                      <a:solidFill>
+                        <a:schemeClr val="tx1"/>
+                      </a:solidFill>
+                      <a:prstDash val="solid"/>
+                      <a:round/>
+                      <a:headEnd type="none" w="med" len="med"/>
+                      <a:tailEnd type="none" w="med" len="med"/>
+                    </a:lnR>
+                    <a:lnT w="12700" cap="flat" cmpd="sng" algn="ctr">
+                      <a:solidFill>
+                        <a:schemeClr val="tx1"/>
+                      </a:solidFill>
+                      <a:prstDash val="solid"/>
+                      <a:round/>
+                      <a:headEnd type="none" w="med" len="med"/>
+                      <a:tailEnd type="none" w="med" len="med"/>
+                    </a:lnT>
+                    <a:lnB w="12700" cap="flat" cmpd="sng" algn="ctr">
+                      <a:solidFill>
+                        <a:schemeClr val="tx1"/>
+                      </a:solidFill>
+                      <a:prstDash val="solid"/>
+                      <a:round/>
+                      <a:headEnd type="none" w="med" len="med"/>
+                      <a:tailEnd type="none" w="med" len="med"/>
+                    </a:lnB>
+                    <a:solidFill>
+                      <a:schemeClr val="bg1"/>
+                    </a:solidFill>
+                  </a:tcPr>
+                </a:tc>
+                <a:extLst>
+                  <a:ext uri="{0D108BD9-81ED-4DB2-BD59-A6C34878D82A}">
+                    <a16:rowId xmlns:a16="http://schemas.microsoft.com/office/drawing/2014/main" val="2943886123"/>
+                  </a:ext>
+                </a:extLst>
+              </a:tr>
+              <a:tr h="370840">
+                <a:tc vMerge="1">
+                  <a:txBody>
+                    <a:bodyPr/>
+                    <a:lstStyle/>
+                    <a:p>
+                      <a:pPr latinLnBrk="1"/>
+                      <a:endParaRPr lang="ko-KR" altLang="en-US" dirty="0"/>
+                    </a:p>
+                  </a:txBody>
+                  <a:tcPr/>
+                </a:tc>
+                <a:tc>
+                  <a:txBody>
+                    <a:bodyPr/>
+                    <a:lstStyle/>
+                    <a:p>
+                      <a:pPr algn="ctr" latinLnBrk="1"/>
+                      <a:endParaRPr lang="ko-KR" altLang="en-US" dirty="0"/>
+                    </a:p>
+                  </a:txBody>
+                  <a:tcPr anchor="ctr">
+                    <a:lnL w="12700" cap="flat" cmpd="sng" algn="ctr">
+                      <a:solidFill>
+                        <a:schemeClr val="tx1"/>
+                      </a:solidFill>
+                      <a:prstDash val="solid"/>
+                      <a:round/>
+                      <a:headEnd type="none" w="med" len="med"/>
+                      <a:tailEnd type="none" w="med" len="med"/>
+                    </a:lnL>
+                    <a:lnR w="12700" cap="flat" cmpd="sng" algn="ctr">
+                      <a:solidFill>
+                        <a:schemeClr val="tx1"/>
+                      </a:solidFill>
+                      <a:prstDash val="solid"/>
+                      <a:round/>
+                      <a:headEnd type="none" w="med" len="med"/>
+                      <a:tailEnd type="none" w="med" len="med"/>
+                    </a:lnR>
+                    <a:lnT w="12700" cap="flat" cmpd="sng" algn="ctr">
+                      <a:solidFill>
+                        <a:schemeClr val="tx1"/>
+                      </a:solidFill>
+                      <a:prstDash val="solid"/>
+                      <a:round/>
+                      <a:headEnd type="none" w="med" len="med"/>
+                      <a:tailEnd type="none" w="med" len="med"/>
+                    </a:lnT>
+                    <a:lnB w="12700" cap="flat" cmpd="sng" algn="ctr">
+                      <a:solidFill>
+                        <a:schemeClr val="tx1"/>
+                      </a:solidFill>
+                      <a:prstDash val="solid"/>
+                      <a:round/>
+                      <a:headEnd type="none" w="med" len="med"/>
+                      <a:tailEnd type="none" w="med" len="med"/>
+                    </a:lnB>
+                    <a:solidFill>
+                      <a:schemeClr val="bg1"/>
+                    </a:solidFill>
+                  </a:tcPr>
+                </a:tc>
+                <a:extLst>
+                  <a:ext uri="{0D108BD9-81ED-4DB2-BD59-A6C34878D82A}">
+                    <a16:rowId xmlns:a16="http://schemas.microsoft.com/office/drawing/2014/main" val="936401105"/>
+                  </a:ext>
+                </a:extLst>
+              </a:tr>
+              <a:tr h="370840">
+                <a:tc vMerge="1">
+                  <a:txBody>
+                    <a:bodyPr/>
+                    <a:lstStyle/>
+                    <a:p>
+                      <a:pPr latinLnBrk="1"/>
+                      <a:endParaRPr lang="ko-KR" altLang="en-US" dirty="0"/>
+                    </a:p>
+                  </a:txBody>
+                  <a:tcPr/>
+                </a:tc>
+                <a:tc>
+                  <a:txBody>
+                    <a:bodyPr/>
+                    <a:lstStyle/>
+                    <a:p>
+                      <a:pPr algn="ctr" latinLnBrk="1"/>
+                      <a:endParaRPr lang="ko-KR" altLang="en-US" dirty="0"/>
+                    </a:p>
+                  </a:txBody>
+                  <a:tcPr anchor="ctr">
+                    <a:lnL w="12700" cap="flat" cmpd="sng" algn="ctr">
+                      <a:solidFill>
+                        <a:schemeClr val="tx1"/>
+                      </a:solidFill>
+                      <a:prstDash val="solid"/>
+                      <a:round/>
+                      <a:headEnd type="none" w="med" len="med"/>
+                      <a:tailEnd type="none" w="med" len="med"/>
+                    </a:lnL>
+                    <a:lnR w="12700" cap="flat" cmpd="sng" algn="ctr">
+                      <a:solidFill>
+                        <a:schemeClr val="tx1"/>
+                      </a:solidFill>
+                      <a:prstDash val="solid"/>
+                      <a:round/>
+                      <a:headEnd type="none" w="med" len="med"/>
+                      <a:tailEnd type="none" w="med" len="med"/>
+                    </a:lnR>
+                    <a:lnT w="12700" cap="flat" cmpd="sng" algn="ctr">
+                      <a:solidFill>
+                        <a:schemeClr val="tx1"/>
+                      </a:solidFill>
+                      <a:prstDash val="solid"/>
+                      <a:round/>
+                      <a:headEnd type="none" w="med" len="med"/>
+                      <a:tailEnd type="none" w="med" len="med"/>
+                    </a:lnT>
+                    <a:lnB w="12700" cap="flat" cmpd="sng" algn="ctr">
+                      <a:solidFill>
+                        <a:schemeClr val="tx1"/>
+                      </a:solidFill>
+                      <a:prstDash val="solid"/>
+                      <a:round/>
+                      <a:headEnd type="none" w="med" len="med"/>
+                      <a:tailEnd type="none" w="med" len="med"/>
+                    </a:lnB>
+                    <a:solidFill>
+                      <a:schemeClr val="bg1"/>
+                    </a:solidFill>
+                  </a:tcPr>
+                </a:tc>
+                <a:extLst>
+                  <a:ext uri="{0D108BD9-81ED-4DB2-BD59-A6C34878D82A}">
+                    <a16:rowId xmlns:a16="http://schemas.microsoft.com/office/drawing/2014/main" val="3582455734"/>
+                  </a:ext>
+                </a:extLst>
+              </a:tr>
+              <a:tr h="372394">
+                <a:tc vMerge="1">
+                  <a:txBody>
+                    <a:bodyPr/>
+                    <a:lstStyle/>
+                    <a:p>
+                      <a:pPr latinLnBrk="1"/>
+                      <a:endParaRPr lang="ko-KR" altLang="en-US" dirty="0"/>
+                    </a:p>
+                  </a:txBody>
+                  <a:tcPr/>
+                </a:tc>
+                <a:tc>
+                  <a:txBody>
+                    <a:bodyPr/>
+                    <a:lstStyle/>
+                    <a:p>
+                      <a:pPr algn="ctr" latinLnBrk="1"/>
+                      <a:endParaRPr lang="ko-KR" altLang="en-US" dirty="0"/>
+                    </a:p>
+                  </a:txBody>
+                  <a:tcPr anchor="ctr">
+                    <a:lnL w="12700" cap="flat" cmpd="sng" algn="ctr">
+                      <a:solidFill>
+                        <a:schemeClr val="tx1"/>
+                      </a:solidFill>
+                      <a:prstDash val="solid"/>
+                      <a:round/>
+                      <a:headEnd type="none" w="med" len="med"/>
+                      <a:tailEnd type="none" w="med" len="med"/>
+                    </a:lnL>
+                    <a:lnR w="12700" cap="flat" cmpd="sng" algn="ctr">
+                      <a:solidFill>
+                        <a:schemeClr val="tx1"/>
+                      </a:solidFill>
+                      <a:prstDash val="solid"/>
+                      <a:round/>
+                      <a:headEnd type="none" w="med" len="med"/>
+                      <a:tailEnd type="none" w="med" len="med"/>
+                    </a:lnR>
+                    <a:lnT w="12700" cap="flat" cmpd="sng" algn="ctr">
+                      <a:solidFill>
+                        <a:schemeClr val="tx1"/>
+                      </a:solidFill>
+                      <a:prstDash val="solid"/>
+                      <a:round/>
+                      <a:headEnd type="none" w="med" len="med"/>
+                      <a:tailEnd type="none" w="med" len="med"/>
+                    </a:lnT>
+                    <a:lnB w="12700" cap="flat" cmpd="sng" algn="ctr">
+                      <a:solidFill>
+                        <a:schemeClr val="tx1"/>
+                      </a:solidFill>
+                      <a:prstDash val="solid"/>
+                      <a:round/>
+                      <a:headEnd type="none" w="med" len="med"/>
+                      <a:tailEnd type="none" w="med" len="med"/>
+                    </a:lnB>
+                    <a:solidFill>
+                      <a:schemeClr val="bg1"/>
+                    </a:solidFill>
+                  </a:tcPr>
+                </a:tc>
+                <a:extLst>
+                  <a:ext uri="{0D108BD9-81ED-4DB2-BD59-A6C34878D82A}">
+                    <a16:rowId xmlns:a16="http://schemas.microsoft.com/office/drawing/2014/main" val="3938762273"/>
+                  </a:ext>
+                </a:extLst>
+              </a:tr>
+            </a:tbl>
+          </a:graphicData>
+        </a:graphic>
+      </p:graphicFrame>
+    </p:spTree>
+    <p:extLst>
+      <p:ext uri="{BB962C8B-B14F-4D97-AF65-F5344CB8AC3E}">
+        <p14:creationId xmlns:p14="http://schemas.microsoft.com/office/powerpoint/2010/main" val="2289234945"/>
+      </p:ext>
+    </p:extLst>
+  </p:cSld>
+  <p:clrMapOvr>
+    <a:masterClrMapping/>
+  </p:clrMapOvr>
+</p:sld>
+</file>
+
+<file path=ppt/slides/slide11.xml><?xml version="1.0" encoding="utf-8"?>
+<p:sld xmlns:a="http://schemas.openxmlformats.org/drawingml/2006/main" xmlns:r="http://schemas.openxmlformats.org/officeDocument/2006/relationships" xmlns:p="http://schemas.openxmlformats.org/presentationml/2006/main">
+  <p:cSld>
+    <p:spTree>
+      <p:nvGrpSpPr>
+        <p:cNvPr id="1" name=""/>
+        <p:cNvGrpSpPr/>
+        <p:nvPr/>
+      </p:nvGrpSpPr>
+      <p:grpSpPr>
+        <a:xfrm>
+          <a:off x="0" y="0"/>
+          <a:ext cx="0" cy="0"/>
+          <a:chOff x="0" y="0"/>
+          <a:chExt cx="0" cy="0"/>
+        </a:xfrm>
+      </p:grpSpPr>
+      <p:sp>
+        <p:nvSpPr>
+          <p:cNvPr id="2" name="제목 1">
+            <a:extLst>
+              <a:ext uri="{FF2B5EF4-FFF2-40B4-BE49-F238E27FC236}">
+                <a16:creationId xmlns:a16="http://schemas.microsoft.com/office/drawing/2014/main" id="{637433FE-3326-ACE4-EB7B-9A184EAD3978}"/>
+              </a:ext>
+            </a:extLst>
+          </p:cNvPr>
+          <p:cNvSpPr>
+            <a:spLocks noGrp="1"/>
+          </p:cNvSpPr>
+          <p:nvPr>
+            <p:ph type="title"/>
+          </p:nvPr>
+        </p:nvSpPr>
+        <p:spPr/>
+        <p:txBody>
+          <a:bodyPr/>
+          <a:lstStyle/>
+          <a:p>
+            <a:r>
+              <a:rPr lang="ko-KR" altLang="en-US" dirty="0"/>
+              <a:t>출처</a:t>
+            </a:r>
+          </a:p>
+        </p:txBody>
+      </p:sp>
+      <p:sp>
+        <p:nvSpPr>
+          <p:cNvPr id="3" name="내용 개체 틀 2">
+            <a:extLst>
+              <a:ext uri="{FF2B5EF4-FFF2-40B4-BE49-F238E27FC236}">
+                <a16:creationId xmlns:a16="http://schemas.microsoft.com/office/drawing/2014/main" id="{0617A873-5482-5F65-CA4C-6646CEA3CAD2}"/>
+              </a:ext>
+            </a:extLst>
+          </p:cNvPr>
+          <p:cNvSpPr>
+            <a:spLocks noGrp="1"/>
+          </p:cNvSpPr>
+          <p:nvPr>
+            <p:ph idx="1"/>
+          </p:nvPr>
+        </p:nvSpPr>
+        <p:spPr/>
+        <p:txBody>
+          <a:bodyPr>
+            <a:normAutofit/>
+          </a:bodyPr>
+          <a:lstStyle/>
+          <a:p>
+            <a:pPr marL="0" indent="0">
+              <a:buNone/>
+            </a:pPr>
+            <a:r>
+              <a:rPr lang="ko-KR" altLang="en-US" sz="1600" dirty="0"/>
+              <a:t>기존 </a:t>
+            </a:r>
+            <a:r>
+              <a:rPr lang="ko-KR" altLang="en-US" sz="1600" dirty="0" err="1"/>
+              <a:t>아두이노</a:t>
+            </a:r>
+            <a:r>
+              <a:rPr lang="ko-KR" altLang="en-US" sz="1600" dirty="0"/>
+              <a:t> 프로그램 조사</a:t>
+            </a:r>
+            <a:endParaRPr lang="en-US" altLang="ko-KR" sz="1600" dirty="0"/>
+          </a:p>
+          <a:p>
+            <a:r>
+              <a:rPr lang="en-US" altLang="ko-KR" sz="1600" dirty="0"/>
+              <a:t>https://m.blog.naver.com/PostView.naver?isHttpsRedirect=true&amp;blogId=eduino&amp;logNo=221187957461</a:t>
+            </a:r>
+          </a:p>
+          <a:p>
+            <a:r>
+              <a:rPr lang="en-US" altLang="ko-KR" sz="1600" dirty="0">
+                <a:hlinkClick r:id="rId2"/>
+              </a:rPr>
+              <a:t>https://kocoafab.cc/tutorial/view/726</a:t>
+            </a:r>
+            <a:endParaRPr lang="en-US" altLang="ko-KR" sz="1600" dirty="0"/>
+          </a:p>
+          <a:p>
+            <a:r>
+              <a:rPr lang="en-US" altLang="ko-KR" sz="1600" dirty="0">
+                <a:hlinkClick r:id="rId3"/>
+              </a:rPr>
+              <a:t>https://m.blog.naver.com/eduino/220932193318</a:t>
+            </a:r>
+            <a:endParaRPr lang="en-US" altLang="ko-KR" sz="1600" dirty="0"/>
+          </a:p>
+          <a:p>
+            <a:endParaRPr lang="en-US" altLang="ko-KR" sz="1600" dirty="0"/>
+          </a:p>
+          <a:p>
+            <a:pPr marL="0" indent="0">
+              <a:buNone/>
+            </a:pPr>
+            <a:r>
+              <a:rPr lang="ko-KR" altLang="en-US" sz="1600" dirty="0"/>
+              <a:t>순서도 설계</a:t>
+            </a:r>
+            <a:endParaRPr lang="en-US" altLang="ko-KR" sz="1600" dirty="0"/>
+          </a:p>
+          <a:p>
+            <a:r>
+              <a:rPr lang="en-US" altLang="ko-KR" sz="1600" dirty="0">
+                <a:hlinkClick r:id="rId4"/>
+              </a:rPr>
+              <a:t>https://kor.pngtree.com/freepng/outline-person-icon_5196472.html</a:t>
+            </a:r>
+            <a:endParaRPr lang="en-US" altLang="ko-KR" sz="1600" dirty="0"/>
+          </a:p>
+          <a:p>
+            <a:r>
+              <a:rPr lang="en-US" altLang="ko-KR" sz="1600" dirty="0"/>
+              <a:t>https://www.flaticon.com/kr/free-icon/flower-shape_3977192</a:t>
+            </a:r>
+          </a:p>
+          <a:p>
+            <a:endParaRPr lang="ko-KR" altLang="en-US" sz="1600" dirty="0"/>
+          </a:p>
+        </p:txBody>
+      </p:sp>
+    </p:spTree>
+    <p:extLst>
+      <p:ext uri="{BB962C8B-B14F-4D97-AF65-F5344CB8AC3E}">
+        <p14:creationId xmlns:p14="http://schemas.microsoft.com/office/powerpoint/2010/main" val="3074141157"/>
+      </p:ext>
+    </p:extLst>
+  </p:cSld>
+  <p:clrMapOvr>
+    <a:masterClrMapping/>
+  </p:clrMapOvr>
+</p:sld>
+</file>
+
 <file path=ppt/slides/slide2.xml><?xml version="1.0" encoding="utf-8"?>
 <p:sld xmlns:a="http://schemas.openxmlformats.org/drawingml/2006/main" xmlns:r="http://schemas.openxmlformats.org/officeDocument/2006/relationships" xmlns:p="http://schemas.openxmlformats.org/presentationml/2006/main">
   <p:cSld>
@@ -9109,7 +9801,7 @@
           <p:cNvPr id="2" name="제목 1">
             <a:extLst>
               <a:ext uri="{FF2B5EF4-FFF2-40B4-BE49-F238E27FC236}">
-                <a16:creationId xmlns:a16="http://schemas.microsoft.com/office/drawing/2014/main" id="{637433FE-3326-ACE4-EB7B-9A184EAD3978}"/>
+                <a16:creationId xmlns:a16="http://schemas.microsoft.com/office/drawing/2014/main" id="{25530B73-02C0-3356-2DE8-F6BB62FAB3E6}"/>
               </a:ext>
             </a:extLst>
           </p:cNvPr>
@@ -9126,8 +9818,1404 @@
           <a:lstStyle/>
           <a:p>
             <a:r>
+              <a:rPr lang="ko-KR" altLang="en-US" dirty="0" err="1"/>
+              <a:t>플로우차트</a:t>
+            </a:r>
+            <a:endParaRPr lang="ko-KR" altLang="en-US" dirty="0"/>
+          </a:p>
+        </p:txBody>
+      </p:sp>
+    </p:spTree>
+    <p:extLst>
+      <p:ext uri="{BB962C8B-B14F-4D97-AF65-F5344CB8AC3E}">
+        <p14:creationId xmlns:p14="http://schemas.microsoft.com/office/powerpoint/2010/main" val="2544008587"/>
+      </p:ext>
+    </p:extLst>
+  </p:cSld>
+  <p:clrMapOvr>
+    <a:masterClrMapping/>
+  </p:clrMapOvr>
+</p:sld>
+</file>
+
+<file path=ppt/slides/slide8.xml><?xml version="1.0" encoding="utf-8"?>
+<p:sld xmlns:a="http://schemas.openxmlformats.org/drawingml/2006/main" xmlns:r="http://schemas.openxmlformats.org/officeDocument/2006/relationships" xmlns:p="http://schemas.openxmlformats.org/presentationml/2006/main">
+  <p:cSld>
+    <p:spTree>
+      <p:nvGrpSpPr>
+        <p:cNvPr id="1" name=""/>
+        <p:cNvGrpSpPr/>
+        <p:nvPr/>
+      </p:nvGrpSpPr>
+      <p:grpSpPr>
+        <a:xfrm>
+          <a:off x="0" y="0"/>
+          <a:ext cx="0" cy="0"/>
+          <a:chOff x="0" y="0"/>
+          <a:chExt cx="0" cy="0"/>
+        </a:xfrm>
+      </p:grpSpPr>
+      <p:sp>
+        <p:nvSpPr>
+          <p:cNvPr id="2" name="제목 1">
+            <a:extLst>
+              <a:ext uri="{FF2B5EF4-FFF2-40B4-BE49-F238E27FC236}">
+                <a16:creationId xmlns:a16="http://schemas.microsoft.com/office/drawing/2014/main" id="{7363A1AC-E1C9-8BA0-E05A-709F85013ED6}"/>
+              </a:ext>
+            </a:extLst>
+          </p:cNvPr>
+          <p:cNvSpPr>
+            <a:spLocks noGrp="1"/>
+          </p:cNvSpPr>
+          <p:nvPr>
+            <p:ph type="title"/>
+          </p:nvPr>
+        </p:nvSpPr>
+        <p:spPr/>
+        <p:txBody>
+          <a:bodyPr/>
+          <a:lstStyle/>
+          <a:p>
+            <a:r>
               <a:rPr lang="ko-KR" altLang="en-US" dirty="0"/>
-              <a:t>출처</a:t>
+              <a:t>순서도 설계</a:t>
+            </a:r>
+          </a:p>
+        </p:txBody>
+      </p:sp>
+      <p:pic>
+        <p:nvPicPr>
+          <p:cNvPr id="1026" name="Picture 2" descr="개요 사람 일러스트 아이콘, 사람 클립 아트, 사람 아이콘, 개요 아이콘 PNG 일러스트 및 PSD 이미지 무료 다운로드 -  Pngtree">
+            <a:extLst>
+              <a:ext uri="{FF2B5EF4-FFF2-40B4-BE49-F238E27FC236}">
+                <a16:creationId xmlns:a16="http://schemas.microsoft.com/office/drawing/2014/main" id="{07EF6310-5DB2-E862-0A32-9DCCE7185A41}"/>
+              </a:ext>
+            </a:extLst>
+          </p:cNvPr>
+          <p:cNvPicPr>
+            <a:picLocks noChangeAspect="1" noChangeArrowheads="1"/>
+          </p:cNvPicPr>
+          <p:nvPr/>
+        </p:nvPicPr>
+        <p:blipFill>
+          <a:blip r:embed="rId2">
+            <a:extLst>
+              <a:ext uri="{28A0092B-C50C-407E-A947-70E740481C1C}">
+                <a14:useLocalDpi xmlns:a14="http://schemas.microsoft.com/office/drawing/2010/main" val="0"/>
+              </a:ext>
+            </a:extLst>
+          </a:blip>
+          <a:srcRect/>
+          <a:stretch>
+            <a:fillRect/>
+          </a:stretch>
+        </p:blipFill>
+        <p:spPr bwMode="auto">
+          <a:xfrm>
+            <a:off x="1348169" y="1492412"/>
+            <a:ext cx="701352" cy="701352"/>
+          </a:xfrm>
+          <a:prstGeom prst="rect">
+            <a:avLst/>
+          </a:prstGeom>
+          <a:noFill/>
+          <a:extLst>
+            <a:ext uri="{909E8E84-426E-40DD-AFC4-6F175D3DCCD1}">
+              <a14:hiddenFill xmlns:a14="http://schemas.microsoft.com/office/drawing/2010/main">
+                <a:solidFill>
+                  <a:srgbClr val="FFFFFF"/>
+                </a:solidFill>
+              </a14:hiddenFill>
+            </a:ext>
+          </a:extLst>
+        </p:spPr>
+      </p:pic>
+      <p:pic>
+        <p:nvPicPr>
+          <p:cNvPr id="1028" name="Picture 4" descr="꽃 모양 - 무료 자연개 아이콘">
+            <a:extLst>
+              <a:ext uri="{FF2B5EF4-FFF2-40B4-BE49-F238E27FC236}">
+                <a16:creationId xmlns:a16="http://schemas.microsoft.com/office/drawing/2014/main" id="{A972B6F8-38EF-A3B1-30B5-C3FB9C4E5A07}"/>
+              </a:ext>
+            </a:extLst>
+          </p:cNvPr>
+          <p:cNvPicPr>
+            <a:picLocks noChangeAspect="1" noChangeArrowheads="1"/>
+          </p:cNvPicPr>
+          <p:nvPr/>
+        </p:nvPicPr>
+        <p:blipFill>
+          <a:blip r:embed="rId3">
+            <a:extLst>
+              <a:ext uri="{28A0092B-C50C-407E-A947-70E740481C1C}">
+                <a14:useLocalDpi xmlns:a14="http://schemas.microsoft.com/office/drawing/2010/main" val="0"/>
+              </a:ext>
+            </a:extLst>
+          </a:blip>
+          <a:srcRect/>
+          <a:stretch>
+            <a:fillRect/>
+          </a:stretch>
+        </p:blipFill>
+        <p:spPr bwMode="auto">
+          <a:xfrm>
+            <a:off x="10465194" y="1270844"/>
+            <a:ext cx="922920" cy="922920"/>
+          </a:xfrm>
+          <a:prstGeom prst="rect">
+            <a:avLst/>
+          </a:prstGeom>
+          <a:noFill/>
+          <a:extLst>
+            <a:ext uri="{909E8E84-426E-40DD-AFC4-6F175D3DCCD1}">
+              <a14:hiddenFill xmlns:a14="http://schemas.microsoft.com/office/drawing/2010/main">
+                <a:solidFill>
+                  <a:srgbClr val="FFFFFF"/>
+                </a:solidFill>
+              </a14:hiddenFill>
+            </a:ext>
+          </a:extLst>
+        </p:spPr>
+      </p:pic>
+      <p:sp>
+        <p:nvSpPr>
+          <p:cNvPr id="4" name="사각형: 둥근 모서리 3">
+            <a:extLst>
+              <a:ext uri="{FF2B5EF4-FFF2-40B4-BE49-F238E27FC236}">
+                <a16:creationId xmlns:a16="http://schemas.microsoft.com/office/drawing/2014/main" id="{D28E5F9A-C06B-01F4-5CFA-B2F81287690C}"/>
+              </a:ext>
+            </a:extLst>
+          </p:cNvPr>
+          <p:cNvSpPr/>
+          <p:nvPr/>
+        </p:nvSpPr>
+        <p:spPr>
+          <a:xfrm>
+            <a:off x="2853267" y="1568582"/>
+            <a:ext cx="1317071" cy="549011"/>
+          </a:xfrm>
+          <a:prstGeom prst="roundRect">
+            <a:avLst/>
+          </a:prstGeom>
+        </p:spPr>
+        <p:style>
+          <a:lnRef idx="2">
+            <a:schemeClr val="accent1"/>
+          </a:lnRef>
+          <a:fillRef idx="1">
+            <a:schemeClr val="lt1"/>
+          </a:fillRef>
+          <a:effectRef idx="0">
+            <a:schemeClr val="accent1"/>
+          </a:effectRef>
+          <a:fontRef idx="minor">
+            <a:schemeClr val="dk1"/>
+          </a:fontRef>
+        </p:style>
+        <p:txBody>
+          <a:bodyPr rtlCol="0" anchor="ctr"/>
+          <a:lstStyle/>
+          <a:p>
+            <a:pPr algn="ctr"/>
+            <a:r>
+              <a:rPr lang="ko-KR" altLang="en-US"/>
+              <a:t>아두이노</a:t>
+            </a:r>
+            <a:endParaRPr lang="ko-KR" altLang="en-US" dirty="0"/>
+          </a:p>
+        </p:txBody>
+      </p:sp>
+      <p:sp>
+        <p:nvSpPr>
+          <p:cNvPr id="5" name="사각형: 둥근 모서리 4">
+            <a:extLst>
+              <a:ext uri="{FF2B5EF4-FFF2-40B4-BE49-F238E27FC236}">
+                <a16:creationId xmlns:a16="http://schemas.microsoft.com/office/drawing/2014/main" id="{10FBC2AD-1D65-D38F-CC2B-9243944037AB}"/>
+              </a:ext>
+            </a:extLst>
+          </p:cNvPr>
+          <p:cNvSpPr/>
+          <p:nvPr/>
+        </p:nvSpPr>
+        <p:spPr>
+          <a:xfrm>
+            <a:off x="6867913" y="1567326"/>
+            <a:ext cx="1317071" cy="549011"/>
+          </a:xfrm>
+          <a:prstGeom prst="roundRect">
+            <a:avLst/>
+          </a:prstGeom>
+        </p:spPr>
+        <p:style>
+          <a:lnRef idx="2">
+            <a:schemeClr val="accent1"/>
+          </a:lnRef>
+          <a:fillRef idx="1">
+            <a:schemeClr val="lt1"/>
+          </a:fillRef>
+          <a:effectRef idx="0">
+            <a:schemeClr val="accent1"/>
+          </a:effectRef>
+          <a:fontRef idx="minor">
+            <a:schemeClr val="dk1"/>
+          </a:fontRef>
+        </p:style>
+        <p:txBody>
+          <a:bodyPr rtlCol="0" anchor="ctr"/>
+          <a:lstStyle/>
+          <a:p>
+            <a:pPr algn="ctr"/>
+            <a:r>
+              <a:rPr lang="ko-KR" altLang="en-US" sz="1400" dirty="0" err="1"/>
+              <a:t>온습도센서</a:t>
+            </a:r>
+            <a:endParaRPr lang="ko-KR" altLang="en-US" sz="1400" dirty="0"/>
+          </a:p>
+        </p:txBody>
+      </p:sp>
+      <p:sp>
+        <p:nvSpPr>
+          <p:cNvPr id="6" name="사각형: 둥근 모서리 5">
+            <a:extLst>
+              <a:ext uri="{FF2B5EF4-FFF2-40B4-BE49-F238E27FC236}">
+                <a16:creationId xmlns:a16="http://schemas.microsoft.com/office/drawing/2014/main" id="{2F739CC6-1A74-DE82-17EC-D3D8F4F23ECA}"/>
+              </a:ext>
+            </a:extLst>
+          </p:cNvPr>
+          <p:cNvSpPr/>
+          <p:nvPr/>
+        </p:nvSpPr>
+        <p:spPr>
+          <a:xfrm>
+            <a:off x="4860590" y="1567327"/>
+            <a:ext cx="1317071" cy="549011"/>
+          </a:xfrm>
+          <a:prstGeom prst="roundRect">
+            <a:avLst/>
+          </a:prstGeom>
+        </p:spPr>
+        <p:style>
+          <a:lnRef idx="2">
+            <a:schemeClr val="accent1"/>
+          </a:lnRef>
+          <a:fillRef idx="1">
+            <a:schemeClr val="lt1"/>
+          </a:fillRef>
+          <a:effectRef idx="0">
+            <a:schemeClr val="accent1"/>
+          </a:effectRef>
+          <a:fontRef idx="minor">
+            <a:schemeClr val="dk1"/>
+          </a:fontRef>
+        </p:style>
+        <p:txBody>
+          <a:bodyPr rtlCol="0" anchor="ctr"/>
+          <a:lstStyle/>
+          <a:p>
+            <a:pPr algn="ctr"/>
+            <a:r>
+              <a:rPr lang="ko-KR" altLang="en-US" sz="1200" dirty="0" err="1"/>
+              <a:t>토양습도센서</a:t>
+            </a:r>
+            <a:endParaRPr lang="ko-KR" altLang="en-US" sz="1200" dirty="0"/>
+          </a:p>
+        </p:txBody>
+      </p:sp>
+      <p:cxnSp>
+        <p:nvCxnSpPr>
+          <p:cNvPr id="10" name="직선 연결선 9">
+            <a:extLst>
+              <a:ext uri="{FF2B5EF4-FFF2-40B4-BE49-F238E27FC236}">
+                <a16:creationId xmlns:a16="http://schemas.microsoft.com/office/drawing/2014/main" id="{6160B766-FFD5-6555-0C7F-71DF6FACA269}"/>
+              </a:ext>
+            </a:extLst>
+          </p:cNvPr>
+          <p:cNvCxnSpPr>
+            <a:stCxn id="4" idx="2"/>
+          </p:cNvCxnSpPr>
+          <p:nvPr/>
+        </p:nvCxnSpPr>
+        <p:spPr>
+          <a:xfrm flipH="1">
+            <a:off x="3511802" y="2117593"/>
+            <a:ext cx="1" cy="3897313"/>
+          </a:xfrm>
+          <a:prstGeom prst="line">
+            <a:avLst/>
+          </a:prstGeom>
+          <a:ln w="76200" cap="flat" cmpd="sng" algn="ctr">
+            <a:solidFill>
+              <a:schemeClr val="accent1"/>
+            </a:solidFill>
+            <a:prstDash val="dash"/>
+            <a:round/>
+            <a:headEnd type="none" w="med" len="med"/>
+            <a:tailEnd type="none" w="med" len="med"/>
+          </a:ln>
+        </p:spPr>
+        <p:style>
+          <a:lnRef idx="0">
+            <a:scrgbClr r="0" g="0" b="0"/>
+          </a:lnRef>
+          <a:fillRef idx="0">
+            <a:scrgbClr r="0" g="0" b="0"/>
+          </a:fillRef>
+          <a:effectRef idx="0">
+            <a:scrgbClr r="0" g="0" b="0"/>
+          </a:effectRef>
+          <a:fontRef idx="minor">
+            <a:schemeClr val="tx1"/>
+          </a:fontRef>
+        </p:style>
+      </p:cxnSp>
+      <p:cxnSp>
+        <p:nvCxnSpPr>
+          <p:cNvPr id="11" name="직선 연결선 10">
+            <a:extLst>
+              <a:ext uri="{FF2B5EF4-FFF2-40B4-BE49-F238E27FC236}">
+                <a16:creationId xmlns:a16="http://schemas.microsoft.com/office/drawing/2014/main" id="{48CD1305-0C81-AF8B-B74B-C70A4697D024}"/>
+              </a:ext>
+            </a:extLst>
+          </p:cNvPr>
+          <p:cNvCxnSpPr>
+            <a:cxnSpLocks/>
+            <a:stCxn id="6" idx="2"/>
+          </p:cNvCxnSpPr>
+          <p:nvPr/>
+        </p:nvCxnSpPr>
+        <p:spPr>
+          <a:xfrm flipH="1">
+            <a:off x="5519124" y="2116338"/>
+            <a:ext cx="2" cy="3898568"/>
+          </a:xfrm>
+          <a:prstGeom prst="line">
+            <a:avLst/>
+          </a:prstGeom>
+          <a:ln w="76200" cap="flat" cmpd="sng" algn="ctr">
+            <a:solidFill>
+              <a:schemeClr val="accent1"/>
+            </a:solidFill>
+            <a:prstDash val="dash"/>
+            <a:round/>
+            <a:headEnd type="none" w="med" len="med"/>
+            <a:tailEnd type="none" w="med" len="med"/>
+          </a:ln>
+        </p:spPr>
+        <p:style>
+          <a:lnRef idx="0">
+            <a:scrgbClr r="0" g="0" b="0"/>
+          </a:lnRef>
+          <a:fillRef idx="0">
+            <a:scrgbClr r="0" g="0" b="0"/>
+          </a:fillRef>
+          <a:effectRef idx="0">
+            <a:scrgbClr r="0" g="0" b="0"/>
+          </a:effectRef>
+          <a:fontRef idx="minor">
+            <a:schemeClr val="tx1"/>
+          </a:fontRef>
+        </p:style>
+      </p:cxnSp>
+      <p:cxnSp>
+        <p:nvCxnSpPr>
+          <p:cNvPr id="12" name="직선 연결선 11">
+            <a:extLst>
+              <a:ext uri="{FF2B5EF4-FFF2-40B4-BE49-F238E27FC236}">
+                <a16:creationId xmlns:a16="http://schemas.microsoft.com/office/drawing/2014/main" id="{DBB21795-16ED-576E-492B-D0C081A684DD}"/>
+              </a:ext>
+            </a:extLst>
+          </p:cNvPr>
+          <p:cNvCxnSpPr>
+            <a:cxnSpLocks/>
+            <a:stCxn id="5" idx="2"/>
+          </p:cNvCxnSpPr>
+          <p:nvPr/>
+        </p:nvCxnSpPr>
+        <p:spPr>
+          <a:xfrm flipH="1">
+            <a:off x="7526445" y="2116337"/>
+            <a:ext cx="4" cy="3872089"/>
+          </a:xfrm>
+          <a:prstGeom prst="line">
+            <a:avLst/>
+          </a:prstGeom>
+          <a:ln w="76200" cap="flat" cmpd="sng" algn="ctr">
+            <a:solidFill>
+              <a:schemeClr val="accent1"/>
+            </a:solidFill>
+            <a:prstDash val="dash"/>
+            <a:round/>
+            <a:headEnd type="none" w="med" len="med"/>
+            <a:tailEnd type="none" w="med" len="med"/>
+          </a:ln>
+        </p:spPr>
+        <p:style>
+          <a:lnRef idx="0">
+            <a:scrgbClr r="0" g="0" b="0"/>
+          </a:lnRef>
+          <a:fillRef idx="0">
+            <a:scrgbClr r="0" g="0" b="0"/>
+          </a:fillRef>
+          <a:effectRef idx="0">
+            <a:scrgbClr r="0" g="0" b="0"/>
+          </a:effectRef>
+          <a:fontRef idx="minor">
+            <a:schemeClr val="tx1"/>
+          </a:fontRef>
+        </p:style>
+      </p:cxnSp>
+      <p:cxnSp>
+        <p:nvCxnSpPr>
+          <p:cNvPr id="15" name="직선 연결선 14">
+            <a:extLst>
+              <a:ext uri="{FF2B5EF4-FFF2-40B4-BE49-F238E27FC236}">
+                <a16:creationId xmlns:a16="http://schemas.microsoft.com/office/drawing/2014/main" id="{E1DBE5A4-72F1-00B6-D4F0-1F91B9894ABF}"/>
+              </a:ext>
+            </a:extLst>
+          </p:cNvPr>
+          <p:cNvCxnSpPr>
+            <a:cxnSpLocks/>
+            <a:stCxn id="1026" idx="2"/>
+          </p:cNvCxnSpPr>
+          <p:nvPr/>
+        </p:nvCxnSpPr>
+        <p:spPr>
+          <a:xfrm>
+            <a:off x="1698845" y="2193764"/>
+            <a:ext cx="0" cy="3821142"/>
+          </a:xfrm>
+          <a:prstGeom prst="line">
+            <a:avLst/>
+          </a:prstGeom>
+          <a:ln w="76200" cap="flat" cmpd="sng" algn="ctr">
+            <a:solidFill>
+              <a:schemeClr val="accent1"/>
+            </a:solidFill>
+            <a:prstDash val="dash"/>
+            <a:round/>
+            <a:headEnd type="none" w="med" len="med"/>
+            <a:tailEnd type="none" w="med" len="med"/>
+          </a:ln>
+        </p:spPr>
+        <p:style>
+          <a:lnRef idx="0">
+            <a:scrgbClr r="0" g="0" b="0"/>
+          </a:lnRef>
+          <a:fillRef idx="0">
+            <a:scrgbClr r="0" g="0" b="0"/>
+          </a:fillRef>
+          <a:effectRef idx="0">
+            <a:scrgbClr r="0" g="0" b="0"/>
+          </a:effectRef>
+          <a:fontRef idx="minor">
+            <a:schemeClr val="tx1"/>
+          </a:fontRef>
+        </p:style>
+      </p:cxnSp>
+      <p:cxnSp>
+        <p:nvCxnSpPr>
+          <p:cNvPr id="18" name="직선 연결선 17">
+            <a:extLst>
+              <a:ext uri="{FF2B5EF4-FFF2-40B4-BE49-F238E27FC236}">
+                <a16:creationId xmlns:a16="http://schemas.microsoft.com/office/drawing/2014/main" id="{84966B10-596B-523B-9EC8-3805AE7AD631}"/>
+              </a:ext>
+            </a:extLst>
+          </p:cNvPr>
+          <p:cNvCxnSpPr>
+            <a:cxnSpLocks/>
+            <a:stCxn id="1028" idx="2"/>
+          </p:cNvCxnSpPr>
+          <p:nvPr/>
+        </p:nvCxnSpPr>
+        <p:spPr>
+          <a:xfrm>
+            <a:off x="10926654" y="2193764"/>
+            <a:ext cx="0" cy="3821142"/>
+          </a:xfrm>
+          <a:prstGeom prst="line">
+            <a:avLst/>
+          </a:prstGeom>
+          <a:ln w="76200" cap="flat" cmpd="sng" algn="ctr">
+            <a:solidFill>
+              <a:schemeClr val="accent1"/>
+            </a:solidFill>
+            <a:prstDash val="dash"/>
+            <a:round/>
+            <a:headEnd type="none" w="med" len="med"/>
+            <a:tailEnd type="none" w="med" len="med"/>
+          </a:ln>
+        </p:spPr>
+        <p:style>
+          <a:lnRef idx="0">
+            <a:scrgbClr r="0" g="0" b="0"/>
+          </a:lnRef>
+          <a:fillRef idx="0">
+            <a:scrgbClr r="0" g="0" b="0"/>
+          </a:fillRef>
+          <a:effectRef idx="0">
+            <a:scrgbClr r="0" g="0" b="0"/>
+          </a:effectRef>
+          <a:fontRef idx="minor">
+            <a:schemeClr val="tx1"/>
+          </a:fontRef>
+        </p:style>
+      </p:cxnSp>
+      <p:cxnSp>
+        <p:nvCxnSpPr>
+          <p:cNvPr id="24" name="직선 화살표 연결선 23">
+            <a:extLst>
+              <a:ext uri="{FF2B5EF4-FFF2-40B4-BE49-F238E27FC236}">
+                <a16:creationId xmlns:a16="http://schemas.microsoft.com/office/drawing/2014/main" id="{8ECD3AB4-BD05-FD03-ED6E-9E48B56E1395}"/>
+              </a:ext>
+            </a:extLst>
+          </p:cNvPr>
+          <p:cNvCxnSpPr>
+            <a:cxnSpLocks/>
+          </p:cNvCxnSpPr>
+          <p:nvPr/>
+        </p:nvCxnSpPr>
+        <p:spPr>
+          <a:xfrm>
+            <a:off x="1698845" y="2424418"/>
+            <a:ext cx="1812957" cy="0"/>
+          </a:xfrm>
+          <a:prstGeom prst="straightConnector1">
+            <a:avLst/>
+          </a:prstGeom>
+          <a:ln w="57150">
+            <a:tailEnd type="triangle"/>
+          </a:ln>
+        </p:spPr>
+        <p:style>
+          <a:lnRef idx="1">
+            <a:schemeClr val="accent6"/>
+          </a:lnRef>
+          <a:fillRef idx="0">
+            <a:schemeClr val="accent6"/>
+          </a:fillRef>
+          <a:effectRef idx="0">
+            <a:schemeClr val="accent6"/>
+          </a:effectRef>
+          <a:fontRef idx="minor">
+            <a:schemeClr val="tx1"/>
+          </a:fontRef>
+        </p:style>
+      </p:cxnSp>
+      <p:cxnSp>
+        <p:nvCxnSpPr>
+          <p:cNvPr id="26" name="직선 화살표 연결선 25">
+            <a:extLst>
+              <a:ext uri="{FF2B5EF4-FFF2-40B4-BE49-F238E27FC236}">
+                <a16:creationId xmlns:a16="http://schemas.microsoft.com/office/drawing/2014/main" id="{481397DA-9000-189E-4CA8-315E65414379}"/>
+              </a:ext>
+            </a:extLst>
+          </p:cNvPr>
+          <p:cNvCxnSpPr>
+            <a:cxnSpLocks/>
+          </p:cNvCxnSpPr>
+          <p:nvPr/>
+        </p:nvCxnSpPr>
+        <p:spPr>
+          <a:xfrm flipH="1">
+            <a:off x="3511802" y="3164048"/>
+            <a:ext cx="2007322" cy="0"/>
+          </a:xfrm>
+          <a:prstGeom prst="straightConnector1">
+            <a:avLst/>
+          </a:prstGeom>
+          <a:ln w="57150">
+            <a:tailEnd type="triangle"/>
+          </a:ln>
+        </p:spPr>
+        <p:style>
+          <a:lnRef idx="1">
+            <a:schemeClr val="accent6"/>
+          </a:lnRef>
+          <a:fillRef idx="0">
+            <a:schemeClr val="accent6"/>
+          </a:fillRef>
+          <a:effectRef idx="0">
+            <a:schemeClr val="accent6"/>
+          </a:effectRef>
+          <a:fontRef idx="minor">
+            <a:schemeClr val="tx1"/>
+          </a:fontRef>
+        </p:style>
+      </p:cxnSp>
+      <p:cxnSp>
+        <p:nvCxnSpPr>
+          <p:cNvPr id="29" name="직선 화살표 연결선 28">
+            <a:extLst>
+              <a:ext uri="{FF2B5EF4-FFF2-40B4-BE49-F238E27FC236}">
+                <a16:creationId xmlns:a16="http://schemas.microsoft.com/office/drawing/2014/main" id="{4AAF9DA5-B2F5-3EFC-22D6-71AB3835B908}"/>
+              </a:ext>
+            </a:extLst>
+          </p:cNvPr>
+          <p:cNvCxnSpPr>
+            <a:cxnSpLocks/>
+          </p:cNvCxnSpPr>
+          <p:nvPr/>
+        </p:nvCxnSpPr>
+        <p:spPr>
+          <a:xfrm flipH="1">
+            <a:off x="3511802" y="4210574"/>
+            <a:ext cx="4014643" cy="0"/>
+          </a:xfrm>
+          <a:prstGeom prst="straightConnector1">
+            <a:avLst/>
+          </a:prstGeom>
+          <a:ln w="57150">
+            <a:tailEnd type="triangle"/>
+          </a:ln>
+        </p:spPr>
+        <p:style>
+          <a:lnRef idx="1">
+            <a:schemeClr val="accent6"/>
+          </a:lnRef>
+          <a:fillRef idx="0">
+            <a:schemeClr val="accent6"/>
+          </a:fillRef>
+          <a:effectRef idx="0">
+            <a:schemeClr val="accent6"/>
+          </a:effectRef>
+          <a:fontRef idx="minor">
+            <a:schemeClr val="tx1"/>
+          </a:fontRef>
+        </p:style>
+      </p:cxnSp>
+      <p:cxnSp>
+        <p:nvCxnSpPr>
+          <p:cNvPr id="32" name="직선 화살표 연결선 31">
+            <a:extLst>
+              <a:ext uri="{FF2B5EF4-FFF2-40B4-BE49-F238E27FC236}">
+                <a16:creationId xmlns:a16="http://schemas.microsoft.com/office/drawing/2014/main" id="{A240F362-F95C-2090-66DE-93EBB2ED22E2}"/>
+              </a:ext>
+            </a:extLst>
+          </p:cNvPr>
+          <p:cNvCxnSpPr>
+            <a:cxnSpLocks/>
+          </p:cNvCxnSpPr>
+          <p:nvPr/>
+        </p:nvCxnSpPr>
+        <p:spPr>
+          <a:xfrm>
+            <a:off x="3511802" y="5412297"/>
+            <a:ext cx="5966669" cy="0"/>
+          </a:xfrm>
+          <a:prstGeom prst="straightConnector1">
+            <a:avLst/>
+          </a:prstGeom>
+          <a:ln w="57150">
+            <a:tailEnd type="triangle"/>
+          </a:ln>
+        </p:spPr>
+        <p:style>
+          <a:lnRef idx="1">
+            <a:schemeClr val="accent6"/>
+          </a:lnRef>
+          <a:fillRef idx="0">
+            <a:schemeClr val="accent6"/>
+          </a:fillRef>
+          <a:effectRef idx="0">
+            <a:schemeClr val="accent6"/>
+          </a:effectRef>
+          <a:fontRef idx="minor">
+            <a:schemeClr val="tx1"/>
+          </a:fontRef>
+        </p:style>
+      </p:cxnSp>
+      <p:sp>
+        <p:nvSpPr>
+          <p:cNvPr id="33" name="사각형: 둥근 모서리 32">
+            <a:extLst>
+              <a:ext uri="{FF2B5EF4-FFF2-40B4-BE49-F238E27FC236}">
+                <a16:creationId xmlns:a16="http://schemas.microsoft.com/office/drawing/2014/main" id="{8CB3BD3D-2231-1DC6-27C8-A7D3C2B702C8}"/>
+              </a:ext>
+            </a:extLst>
+          </p:cNvPr>
+          <p:cNvSpPr/>
+          <p:nvPr/>
+        </p:nvSpPr>
+        <p:spPr>
+          <a:xfrm>
+            <a:off x="8819939" y="1563580"/>
+            <a:ext cx="1317071" cy="549011"/>
+          </a:xfrm>
+          <a:prstGeom prst="roundRect">
+            <a:avLst/>
+          </a:prstGeom>
+        </p:spPr>
+        <p:style>
+          <a:lnRef idx="2">
+            <a:schemeClr val="accent1"/>
+          </a:lnRef>
+          <a:fillRef idx="1">
+            <a:schemeClr val="lt1"/>
+          </a:fillRef>
+          <a:effectRef idx="0">
+            <a:schemeClr val="accent1"/>
+          </a:effectRef>
+          <a:fontRef idx="minor">
+            <a:schemeClr val="dk1"/>
+          </a:fontRef>
+        </p:style>
+        <p:txBody>
+          <a:bodyPr rtlCol="0" anchor="ctr"/>
+          <a:lstStyle/>
+          <a:p>
+            <a:pPr algn="ctr"/>
+            <a:r>
+              <a:rPr lang="ko-KR" altLang="en-US" sz="1400" dirty="0"/>
+              <a:t>펌프모터</a:t>
+            </a:r>
+          </a:p>
+        </p:txBody>
+      </p:sp>
+      <p:cxnSp>
+        <p:nvCxnSpPr>
+          <p:cNvPr id="34" name="직선 연결선 33">
+            <a:extLst>
+              <a:ext uri="{FF2B5EF4-FFF2-40B4-BE49-F238E27FC236}">
+                <a16:creationId xmlns:a16="http://schemas.microsoft.com/office/drawing/2014/main" id="{E8900C7F-87C5-70C5-1A5A-1CBF053C665D}"/>
+              </a:ext>
+            </a:extLst>
+          </p:cNvPr>
+          <p:cNvCxnSpPr>
+            <a:cxnSpLocks/>
+            <a:stCxn id="33" idx="2"/>
+          </p:cNvCxnSpPr>
+          <p:nvPr/>
+        </p:nvCxnSpPr>
+        <p:spPr>
+          <a:xfrm flipH="1">
+            <a:off x="9478471" y="2112591"/>
+            <a:ext cx="4" cy="3872089"/>
+          </a:xfrm>
+          <a:prstGeom prst="line">
+            <a:avLst/>
+          </a:prstGeom>
+          <a:ln w="76200" cap="flat" cmpd="sng" algn="ctr">
+            <a:solidFill>
+              <a:schemeClr val="accent1"/>
+            </a:solidFill>
+            <a:prstDash val="dash"/>
+            <a:round/>
+            <a:headEnd type="none" w="med" len="med"/>
+            <a:tailEnd type="none" w="med" len="med"/>
+          </a:ln>
+        </p:spPr>
+        <p:style>
+          <a:lnRef idx="0">
+            <a:scrgbClr r="0" g="0" b="0"/>
+          </a:lnRef>
+          <a:fillRef idx="0">
+            <a:scrgbClr r="0" g="0" b="0"/>
+          </a:fillRef>
+          <a:effectRef idx="0">
+            <a:scrgbClr r="0" g="0" b="0"/>
+          </a:effectRef>
+          <a:fontRef idx="minor">
+            <a:schemeClr val="tx1"/>
+          </a:fontRef>
+        </p:style>
+      </p:cxnSp>
+      <p:cxnSp>
+        <p:nvCxnSpPr>
+          <p:cNvPr id="39" name="직선 화살표 연결선 38">
+            <a:extLst>
+              <a:ext uri="{FF2B5EF4-FFF2-40B4-BE49-F238E27FC236}">
+                <a16:creationId xmlns:a16="http://schemas.microsoft.com/office/drawing/2014/main" id="{EB0B4C4A-16EC-65AC-390B-D6F41956DE9C}"/>
+              </a:ext>
+            </a:extLst>
+          </p:cNvPr>
+          <p:cNvCxnSpPr>
+            <a:cxnSpLocks/>
+          </p:cNvCxnSpPr>
+          <p:nvPr/>
+        </p:nvCxnSpPr>
+        <p:spPr>
+          <a:xfrm>
+            <a:off x="9478471" y="5648587"/>
+            <a:ext cx="1448183" cy="0"/>
+          </a:xfrm>
+          <a:prstGeom prst="straightConnector1">
+            <a:avLst/>
+          </a:prstGeom>
+          <a:ln w="57150">
+            <a:tailEnd type="triangle"/>
+          </a:ln>
+        </p:spPr>
+        <p:style>
+          <a:lnRef idx="1">
+            <a:schemeClr val="accent6"/>
+          </a:lnRef>
+          <a:fillRef idx="0">
+            <a:schemeClr val="accent6"/>
+          </a:fillRef>
+          <a:effectRef idx="0">
+            <a:schemeClr val="accent6"/>
+          </a:effectRef>
+          <a:fontRef idx="minor">
+            <a:schemeClr val="tx1"/>
+          </a:fontRef>
+        </p:style>
+      </p:cxnSp>
+      <p:cxnSp>
+        <p:nvCxnSpPr>
+          <p:cNvPr id="43" name="직선 화살표 연결선 42">
+            <a:extLst>
+              <a:ext uri="{FF2B5EF4-FFF2-40B4-BE49-F238E27FC236}">
+                <a16:creationId xmlns:a16="http://schemas.microsoft.com/office/drawing/2014/main" id="{798FE8E3-93EF-82C3-A37E-EA87E248F415}"/>
+              </a:ext>
+            </a:extLst>
+          </p:cNvPr>
+          <p:cNvCxnSpPr>
+            <a:cxnSpLocks/>
+          </p:cNvCxnSpPr>
+          <p:nvPr/>
+        </p:nvCxnSpPr>
+        <p:spPr>
+          <a:xfrm>
+            <a:off x="3511802" y="2778154"/>
+            <a:ext cx="2007322" cy="0"/>
+          </a:xfrm>
+          <a:prstGeom prst="straightConnector1">
+            <a:avLst/>
+          </a:prstGeom>
+          <a:ln w="57150">
+            <a:tailEnd type="triangle"/>
+          </a:ln>
+        </p:spPr>
+        <p:style>
+          <a:lnRef idx="1">
+            <a:schemeClr val="accent6"/>
+          </a:lnRef>
+          <a:fillRef idx="0">
+            <a:schemeClr val="accent6"/>
+          </a:fillRef>
+          <a:effectRef idx="0">
+            <a:schemeClr val="accent6"/>
+          </a:effectRef>
+          <a:fontRef idx="minor">
+            <a:schemeClr val="tx1"/>
+          </a:fontRef>
+        </p:style>
+      </p:cxnSp>
+      <p:cxnSp>
+        <p:nvCxnSpPr>
+          <p:cNvPr id="45" name="직선 화살표 연결선 44">
+            <a:extLst>
+              <a:ext uri="{FF2B5EF4-FFF2-40B4-BE49-F238E27FC236}">
+                <a16:creationId xmlns:a16="http://schemas.microsoft.com/office/drawing/2014/main" id="{1B436AB1-9C66-6745-E849-EFFD04645190}"/>
+              </a:ext>
+            </a:extLst>
+          </p:cNvPr>
+          <p:cNvCxnSpPr>
+            <a:cxnSpLocks/>
+          </p:cNvCxnSpPr>
+          <p:nvPr/>
+        </p:nvCxnSpPr>
+        <p:spPr>
+          <a:xfrm>
+            <a:off x="3511802" y="3794620"/>
+            <a:ext cx="3954400" cy="0"/>
+          </a:xfrm>
+          <a:prstGeom prst="straightConnector1">
+            <a:avLst/>
+          </a:prstGeom>
+          <a:ln w="57150">
+            <a:tailEnd type="triangle"/>
+          </a:ln>
+        </p:spPr>
+        <p:style>
+          <a:lnRef idx="1">
+            <a:schemeClr val="accent6"/>
+          </a:lnRef>
+          <a:fillRef idx="0">
+            <a:schemeClr val="accent6"/>
+          </a:fillRef>
+          <a:effectRef idx="0">
+            <a:schemeClr val="accent6"/>
+          </a:effectRef>
+          <a:fontRef idx="minor">
+            <a:schemeClr val="tx1"/>
+          </a:fontRef>
+        </p:style>
+      </p:cxnSp>
+      <p:sp>
+        <p:nvSpPr>
+          <p:cNvPr id="47" name="TextBox 46">
+            <a:extLst>
+              <a:ext uri="{FF2B5EF4-FFF2-40B4-BE49-F238E27FC236}">
+                <a16:creationId xmlns:a16="http://schemas.microsoft.com/office/drawing/2014/main" id="{6403081D-9D52-D54E-EDD8-388FB3B6E70B}"/>
+              </a:ext>
+            </a:extLst>
+          </p:cNvPr>
+          <p:cNvSpPr txBox="1"/>
+          <p:nvPr/>
+        </p:nvSpPr>
+        <p:spPr>
+          <a:xfrm>
+            <a:off x="2054483" y="2112317"/>
+            <a:ext cx="1040670" cy="253916"/>
+          </a:xfrm>
+          <a:prstGeom prst="rect">
+            <a:avLst/>
+          </a:prstGeom>
+          <a:noFill/>
+        </p:spPr>
+        <p:txBody>
+          <a:bodyPr wrap="none" rtlCol="0">
+            <a:spAutoFit/>
+          </a:bodyPr>
+          <a:lstStyle/>
+          <a:p>
+            <a:r>
+              <a:rPr lang="ko-KR" altLang="en-US" sz="1050" err="1"/>
+              <a:t>아두이노</a:t>
+            </a:r>
+            <a:r>
+              <a:rPr lang="ko-KR" altLang="en-US" sz="1050" dirty="0"/>
+              <a:t> 작동</a:t>
+            </a:r>
+          </a:p>
+        </p:txBody>
+      </p:sp>
+      <p:sp>
+        <p:nvSpPr>
+          <p:cNvPr id="48" name="TextBox 47">
+            <a:extLst>
+              <a:ext uri="{FF2B5EF4-FFF2-40B4-BE49-F238E27FC236}">
+                <a16:creationId xmlns:a16="http://schemas.microsoft.com/office/drawing/2014/main" id="{AD9BD63B-1F3F-D816-EDCD-789C9E3AF76F}"/>
+              </a:ext>
+            </a:extLst>
+          </p:cNvPr>
+          <p:cNvSpPr txBox="1"/>
+          <p:nvPr/>
+        </p:nvSpPr>
+        <p:spPr>
+          <a:xfrm>
+            <a:off x="3901931" y="2447764"/>
+            <a:ext cx="1309974" cy="253916"/>
+          </a:xfrm>
+          <a:prstGeom prst="rect">
+            <a:avLst/>
+          </a:prstGeom>
+          <a:noFill/>
+        </p:spPr>
+        <p:txBody>
+          <a:bodyPr wrap="none" rtlCol="0">
+            <a:spAutoFit/>
+          </a:bodyPr>
+          <a:lstStyle/>
+          <a:p>
+            <a:r>
+              <a:rPr lang="ko-KR" altLang="en-US" sz="1050" dirty="0" err="1"/>
+              <a:t>토양습도센서</a:t>
+            </a:r>
+            <a:r>
+              <a:rPr lang="ko-KR" altLang="en-US" sz="1050" dirty="0"/>
+              <a:t> 가동</a:t>
+            </a:r>
+          </a:p>
+        </p:txBody>
+      </p:sp>
+      <p:sp>
+        <p:nvSpPr>
+          <p:cNvPr id="49" name="TextBox 48">
+            <a:extLst>
+              <a:ext uri="{FF2B5EF4-FFF2-40B4-BE49-F238E27FC236}">
+                <a16:creationId xmlns:a16="http://schemas.microsoft.com/office/drawing/2014/main" id="{6D6651F0-009A-A54E-94E2-2FBBF2F97783}"/>
+              </a:ext>
+            </a:extLst>
+          </p:cNvPr>
+          <p:cNvSpPr txBox="1"/>
+          <p:nvPr/>
+        </p:nvSpPr>
+        <p:spPr>
+          <a:xfrm>
+            <a:off x="4090105" y="2854629"/>
+            <a:ext cx="906017" cy="253916"/>
+          </a:xfrm>
+          <a:prstGeom prst="rect">
+            <a:avLst/>
+          </a:prstGeom>
+          <a:noFill/>
+        </p:spPr>
+        <p:txBody>
+          <a:bodyPr wrap="none" rtlCol="0">
+            <a:spAutoFit/>
+          </a:bodyPr>
+          <a:lstStyle/>
+          <a:p>
+            <a:r>
+              <a:rPr lang="ko-KR" altLang="en-US" sz="1050" dirty="0"/>
+              <a:t>센싱 데이터</a:t>
+            </a:r>
+          </a:p>
+        </p:txBody>
+      </p:sp>
+      <p:sp>
+        <p:nvSpPr>
+          <p:cNvPr id="50" name="TextBox 49">
+            <a:extLst>
+              <a:ext uri="{FF2B5EF4-FFF2-40B4-BE49-F238E27FC236}">
+                <a16:creationId xmlns:a16="http://schemas.microsoft.com/office/drawing/2014/main" id="{0280693E-70D6-1080-9EBB-4E88C1D6EC95}"/>
+              </a:ext>
+            </a:extLst>
+          </p:cNvPr>
+          <p:cNvSpPr txBox="1"/>
+          <p:nvPr/>
+        </p:nvSpPr>
+        <p:spPr>
+          <a:xfrm>
+            <a:off x="5782602" y="3494290"/>
+            <a:ext cx="1175322" cy="253916"/>
+          </a:xfrm>
+          <a:prstGeom prst="rect">
+            <a:avLst/>
+          </a:prstGeom>
+          <a:noFill/>
+        </p:spPr>
+        <p:txBody>
+          <a:bodyPr wrap="none" rtlCol="0">
+            <a:spAutoFit/>
+          </a:bodyPr>
+          <a:lstStyle/>
+          <a:p>
+            <a:r>
+              <a:rPr lang="ko-KR" altLang="en-US" sz="1050" dirty="0" err="1"/>
+              <a:t>온습도센서</a:t>
+            </a:r>
+            <a:r>
+              <a:rPr lang="ko-KR" altLang="en-US" sz="1050" dirty="0"/>
+              <a:t> 가동</a:t>
+            </a:r>
+          </a:p>
+        </p:txBody>
+      </p:sp>
+      <p:sp>
+        <p:nvSpPr>
+          <p:cNvPr id="51" name="TextBox 50">
+            <a:extLst>
+              <a:ext uri="{FF2B5EF4-FFF2-40B4-BE49-F238E27FC236}">
+                <a16:creationId xmlns:a16="http://schemas.microsoft.com/office/drawing/2014/main" id="{1C39C92D-69AA-E834-CF49-634D0F21F624}"/>
+              </a:ext>
+            </a:extLst>
+          </p:cNvPr>
+          <p:cNvSpPr txBox="1"/>
+          <p:nvPr/>
+        </p:nvSpPr>
+        <p:spPr>
+          <a:xfrm>
+            <a:off x="5970776" y="3901155"/>
+            <a:ext cx="906017" cy="253916"/>
+          </a:xfrm>
+          <a:prstGeom prst="rect">
+            <a:avLst/>
+          </a:prstGeom>
+          <a:noFill/>
+        </p:spPr>
+        <p:txBody>
+          <a:bodyPr wrap="none" rtlCol="0">
+            <a:spAutoFit/>
+          </a:bodyPr>
+          <a:lstStyle/>
+          <a:p>
+            <a:r>
+              <a:rPr lang="ko-KR" altLang="en-US" sz="1050" dirty="0"/>
+              <a:t>센싱 데이터</a:t>
+            </a:r>
+          </a:p>
+        </p:txBody>
+      </p:sp>
+      <p:cxnSp>
+        <p:nvCxnSpPr>
+          <p:cNvPr id="62" name="직선 연결선 61">
+            <a:extLst>
+              <a:ext uri="{FF2B5EF4-FFF2-40B4-BE49-F238E27FC236}">
+                <a16:creationId xmlns:a16="http://schemas.microsoft.com/office/drawing/2014/main" id="{697C7B9F-7DBD-5C1B-0E84-C646E8E060F0}"/>
+              </a:ext>
+            </a:extLst>
+          </p:cNvPr>
+          <p:cNvCxnSpPr>
+            <a:cxnSpLocks/>
+          </p:cNvCxnSpPr>
+          <p:nvPr/>
+        </p:nvCxnSpPr>
+        <p:spPr>
+          <a:xfrm>
+            <a:off x="3511802" y="4748169"/>
+            <a:ext cx="1043420" cy="0"/>
+          </a:xfrm>
+          <a:prstGeom prst="line">
+            <a:avLst/>
+          </a:prstGeom>
+          <a:ln w="57150"/>
+        </p:spPr>
+        <p:style>
+          <a:lnRef idx="1">
+            <a:schemeClr val="accent6"/>
+          </a:lnRef>
+          <a:fillRef idx="0">
+            <a:schemeClr val="accent6"/>
+          </a:fillRef>
+          <a:effectRef idx="0">
+            <a:schemeClr val="accent6"/>
+          </a:effectRef>
+          <a:fontRef idx="minor">
+            <a:schemeClr val="tx1"/>
+          </a:fontRef>
+        </p:style>
+      </p:cxnSp>
+      <p:cxnSp>
+        <p:nvCxnSpPr>
+          <p:cNvPr id="1024" name="직선 연결선 1023">
+            <a:extLst>
+              <a:ext uri="{FF2B5EF4-FFF2-40B4-BE49-F238E27FC236}">
+                <a16:creationId xmlns:a16="http://schemas.microsoft.com/office/drawing/2014/main" id="{74A713D0-8FF6-3C9D-1E14-2F19AC529342}"/>
+              </a:ext>
+            </a:extLst>
+          </p:cNvPr>
+          <p:cNvCxnSpPr>
+            <a:cxnSpLocks/>
+          </p:cNvCxnSpPr>
+          <p:nvPr/>
+        </p:nvCxnSpPr>
+        <p:spPr>
+          <a:xfrm>
+            <a:off x="4531062" y="4748169"/>
+            <a:ext cx="0" cy="419450"/>
+          </a:xfrm>
+          <a:prstGeom prst="line">
+            <a:avLst/>
+          </a:prstGeom>
+          <a:ln w="57150"/>
+        </p:spPr>
+        <p:style>
+          <a:lnRef idx="1">
+            <a:schemeClr val="accent6"/>
+          </a:lnRef>
+          <a:fillRef idx="0">
+            <a:schemeClr val="accent6"/>
+          </a:fillRef>
+          <a:effectRef idx="0">
+            <a:schemeClr val="accent6"/>
+          </a:effectRef>
+          <a:fontRef idx="minor">
+            <a:schemeClr val="tx1"/>
+          </a:fontRef>
+        </p:style>
+      </p:cxnSp>
+      <p:cxnSp>
+        <p:nvCxnSpPr>
+          <p:cNvPr id="1027" name="직선 화살표 연결선 1026">
+            <a:extLst>
+              <a:ext uri="{FF2B5EF4-FFF2-40B4-BE49-F238E27FC236}">
+                <a16:creationId xmlns:a16="http://schemas.microsoft.com/office/drawing/2014/main" id="{67096350-36E0-CB20-CE52-4D0D361E30C3}"/>
+              </a:ext>
+            </a:extLst>
+          </p:cNvPr>
+          <p:cNvCxnSpPr>
+            <a:cxnSpLocks/>
+          </p:cNvCxnSpPr>
+          <p:nvPr/>
+        </p:nvCxnSpPr>
+        <p:spPr>
+          <a:xfrm flipH="1">
+            <a:off x="3511802" y="5150840"/>
+            <a:ext cx="1043420" cy="0"/>
+          </a:xfrm>
+          <a:prstGeom prst="straightConnector1">
+            <a:avLst/>
+          </a:prstGeom>
+          <a:ln w="57150">
+            <a:tailEnd type="triangle"/>
+          </a:ln>
+        </p:spPr>
+        <p:style>
+          <a:lnRef idx="1">
+            <a:schemeClr val="accent6"/>
+          </a:lnRef>
+          <a:fillRef idx="0">
+            <a:schemeClr val="accent6"/>
+          </a:fillRef>
+          <a:effectRef idx="0">
+            <a:schemeClr val="accent6"/>
+          </a:effectRef>
+          <a:fontRef idx="minor">
+            <a:schemeClr val="tx1"/>
+          </a:fontRef>
+        </p:style>
+      </p:cxnSp>
+      <p:sp>
+        <p:nvSpPr>
+          <p:cNvPr id="1053" name="TextBox 1052">
+            <a:extLst>
+              <a:ext uri="{FF2B5EF4-FFF2-40B4-BE49-F238E27FC236}">
+                <a16:creationId xmlns:a16="http://schemas.microsoft.com/office/drawing/2014/main" id="{3C2E1FDD-329A-DD13-12C1-F2224DDFD16F}"/>
+              </a:ext>
+            </a:extLst>
+          </p:cNvPr>
+          <p:cNvSpPr txBox="1"/>
+          <p:nvPr/>
+        </p:nvSpPr>
+        <p:spPr>
+          <a:xfrm>
+            <a:off x="4052632" y="4279281"/>
+            <a:ext cx="1371133" cy="430887"/>
+          </a:xfrm>
+          <a:prstGeom prst="rect">
+            <a:avLst/>
+          </a:prstGeom>
+          <a:noFill/>
+        </p:spPr>
+        <p:txBody>
+          <a:bodyPr wrap="square" rtlCol="0">
+            <a:spAutoFit/>
+          </a:bodyPr>
+          <a:lstStyle/>
+          <a:p>
+            <a:r>
+              <a:rPr lang="ko-KR" altLang="en-US" sz="1100" dirty="0"/>
+              <a:t>퍼지 이론을 통해 </a:t>
+            </a:r>
+            <a:endParaRPr lang="en-US" altLang="ko-KR" sz="1100" dirty="0"/>
+          </a:p>
+          <a:p>
+            <a:r>
+              <a:rPr lang="ko-KR" altLang="en-US" sz="1100" dirty="0"/>
+              <a:t>출력 값 계산</a:t>
+            </a:r>
+          </a:p>
+        </p:txBody>
+      </p:sp>
+      <p:sp>
+        <p:nvSpPr>
+          <p:cNvPr id="1054" name="TextBox 1053">
+            <a:extLst>
+              <a:ext uri="{FF2B5EF4-FFF2-40B4-BE49-F238E27FC236}">
+                <a16:creationId xmlns:a16="http://schemas.microsoft.com/office/drawing/2014/main" id="{4EE78A6B-8B40-6660-59A8-8C795298F409}"/>
+              </a:ext>
+            </a:extLst>
+          </p:cNvPr>
+          <p:cNvSpPr txBox="1"/>
+          <p:nvPr/>
+        </p:nvSpPr>
+        <p:spPr>
+          <a:xfrm>
+            <a:off x="5990400" y="5079187"/>
+            <a:ext cx="1040670" cy="253916"/>
+          </a:xfrm>
+          <a:prstGeom prst="rect">
+            <a:avLst/>
+          </a:prstGeom>
+          <a:noFill/>
+        </p:spPr>
+        <p:txBody>
+          <a:bodyPr wrap="none" rtlCol="0">
+            <a:spAutoFit/>
+          </a:bodyPr>
+          <a:lstStyle/>
+          <a:p>
+            <a:r>
+              <a:rPr lang="ko-KR" altLang="en-US" sz="1050"/>
+              <a:t>펌프모터 가동</a:t>
+            </a:r>
+            <a:endParaRPr lang="ko-KR" altLang="en-US" sz="1050" dirty="0"/>
+          </a:p>
+        </p:txBody>
+      </p:sp>
+      <p:sp>
+        <p:nvSpPr>
+          <p:cNvPr id="1055" name="TextBox 1054">
+            <a:extLst>
+              <a:ext uri="{FF2B5EF4-FFF2-40B4-BE49-F238E27FC236}">
+                <a16:creationId xmlns:a16="http://schemas.microsoft.com/office/drawing/2014/main" id="{96D82ADD-A39D-2126-3B68-73BB2EA6DD69}"/>
+              </a:ext>
+            </a:extLst>
+          </p:cNvPr>
+          <p:cNvSpPr txBox="1"/>
+          <p:nvPr/>
+        </p:nvSpPr>
+        <p:spPr>
+          <a:xfrm>
+            <a:off x="9973846" y="5312495"/>
+            <a:ext cx="453970" cy="253916"/>
+          </a:xfrm>
+          <a:prstGeom prst="rect">
+            <a:avLst/>
+          </a:prstGeom>
+          <a:noFill/>
+        </p:spPr>
+        <p:txBody>
+          <a:bodyPr wrap="none" rtlCol="0">
+            <a:spAutoFit/>
+          </a:bodyPr>
+          <a:lstStyle/>
+          <a:p>
+            <a:r>
+              <a:rPr lang="ko-KR" altLang="en-US" sz="1050"/>
+              <a:t>급수</a:t>
+            </a:r>
+            <a:endParaRPr lang="ko-KR" altLang="en-US" sz="1050" dirty="0"/>
+          </a:p>
+        </p:txBody>
+      </p:sp>
+    </p:spTree>
+    <p:extLst>
+      <p:ext uri="{BB962C8B-B14F-4D97-AF65-F5344CB8AC3E}">
+        <p14:creationId xmlns:p14="http://schemas.microsoft.com/office/powerpoint/2010/main" val="271741222"/>
+      </p:ext>
+    </p:extLst>
+  </p:cSld>
+  <p:clrMapOvr>
+    <a:masterClrMapping/>
+  </p:clrMapOvr>
+</p:sld>
+</file>
+
+<file path=ppt/slides/slide9.xml><?xml version="1.0" encoding="utf-8"?>
+<p:sld xmlns:a="http://schemas.openxmlformats.org/drawingml/2006/main" xmlns:r="http://schemas.openxmlformats.org/officeDocument/2006/relationships" xmlns:p="http://schemas.openxmlformats.org/presentationml/2006/main">
+  <p:cSld>
+    <p:spTree>
+      <p:nvGrpSpPr>
+        <p:cNvPr id="1" name=""/>
+        <p:cNvGrpSpPr/>
+        <p:nvPr/>
+      </p:nvGrpSpPr>
+      <p:grpSpPr>
+        <a:xfrm>
+          <a:off x="0" y="0"/>
+          <a:ext cx="0" cy="0"/>
+          <a:chOff x="0" y="0"/>
+          <a:chExt cx="0" cy="0"/>
+        </a:xfrm>
+      </p:grpSpPr>
+      <p:sp>
+        <p:nvSpPr>
+          <p:cNvPr id="2" name="제목 1">
+            <a:extLst>
+              <a:ext uri="{FF2B5EF4-FFF2-40B4-BE49-F238E27FC236}">
+                <a16:creationId xmlns:a16="http://schemas.microsoft.com/office/drawing/2014/main" id="{224A9C33-385D-D428-A40B-D50E7420AD03}"/>
+              </a:ext>
+            </a:extLst>
+          </p:cNvPr>
+          <p:cNvSpPr>
+            <a:spLocks noGrp="1"/>
+          </p:cNvSpPr>
+          <p:nvPr>
+            <p:ph type="title"/>
+          </p:nvPr>
+        </p:nvSpPr>
+        <p:spPr/>
+        <p:txBody>
+          <a:bodyPr/>
+          <a:lstStyle/>
+          <a:p>
+            <a:r>
+              <a:rPr lang="ko-KR" altLang="en-US" dirty="0"/>
+              <a:t>개발환경</a:t>
             </a:r>
           </a:p>
         </p:txBody>
@@ -9137,7 +11225,7 @@
           <p:cNvPr id="3" name="내용 개체 틀 2">
             <a:extLst>
               <a:ext uri="{FF2B5EF4-FFF2-40B4-BE49-F238E27FC236}">
-                <a16:creationId xmlns:a16="http://schemas.microsoft.com/office/drawing/2014/main" id="{0617A873-5482-5F65-CA4C-6646CEA3CAD2}"/>
+                <a16:creationId xmlns:a16="http://schemas.microsoft.com/office/drawing/2014/main" id="{50490A5E-1421-31BC-365F-6B80B3F08DC6}"/>
               </a:ext>
             </a:extLst>
           </p:cNvPr>
@@ -9150,17 +11238,81 @@
         </p:nvSpPr>
         <p:spPr/>
         <p:txBody>
-          <a:bodyPr>
-            <a:normAutofit/>
-          </a:bodyPr>
+          <a:bodyPr/>
           <a:lstStyle/>
           <a:p>
             <a:pPr marL="0" indent="0">
               <a:buNone/>
             </a:pPr>
             <a:r>
+              <a:rPr lang="ko-KR" altLang="en-US" dirty="0"/>
+              <a:t>하드웨어</a:t>
+            </a:r>
+            <a:endParaRPr lang="en-US" altLang="ko-KR" dirty="0"/>
+          </a:p>
+          <a:p>
+            <a:pPr marL="0" indent="0">
+              <a:buNone/>
+            </a:pPr>
+            <a:r>
+              <a:rPr lang="en-US" altLang="ko-KR" sz="1600" dirty="0"/>
+              <a:t>1. </a:t>
+            </a:r>
+            <a:r>
               <a:rPr lang="ko-KR" altLang="en-US" sz="1600" dirty="0"/>
-              <a:t>기존 </a:t>
+              <a:t>센서 </a:t>
+            </a:r>
+            <a:r>
+              <a:rPr lang="en-US" altLang="ko-KR" sz="1600" dirty="0"/>
+              <a:t>: </a:t>
+            </a:r>
+            <a:r>
+              <a:rPr lang="ko-KR" altLang="en-US" sz="1600" dirty="0" err="1"/>
+              <a:t>온습도</a:t>
+            </a:r>
+            <a:r>
+              <a:rPr lang="ko-KR" altLang="en-US" sz="1600" dirty="0"/>
+              <a:t> 센서</a:t>
+            </a:r>
+            <a:r>
+              <a:rPr lang="en-US" altLang="ko-KR" sz="1600" dirty="0"/>
+              <a:t>, </a:t>
+            </a:r>
+            <a:r>
+              <a:rPr lang="ko-KR" altLang="en-US" sz="1600" dirty="0" err="1"/>
+              <a:t>토양습도센서</a:t>
+            </a:r>
+            <a:endParaRPr lang="en-US" altLang="ko-KR" sz="1600" dirty="0"/>
+          </a:p>
+          <a:p>
+            <a:pPr marL="0" indent="0">
+              <a:buNone/>
+            </a:pPr>
+            <a:r>
+              <a:rPr lang="en-US" altLang="ko-KR" sz="1600" dirty="0"/>
+              <a:t>2. </a:t>
+            </a:r>
+            <a:r>
+              <a:rPr lang="ko-KR" altLang="en-US" sz="1600" dirty="0"/>
+              <a:t>모터 </a:t>
+            </a:r>
+            <a:r>
+              <a:rPr lang="en-US" altLang="ko-KR" sz="1600" dirty="0"/>
+              <a:t>: </a:t>
+            </a:r>
+            <a:r>
+              <a:rPr lang="ko-KR" altLang="en-US" sz="1600" dirty="0"/>
+              <a:t>펌프모터</a:t>
+            </a:r>
+            <a:endParaRPr lang="en-US" altLang="ko-KR" sz="1600" dirty="0"/>
+          </a:p>
+          <a:p>
+            <a:pPr marL="0" indent="0">
+              <a:buNone/>
+            </a:pPr>
+            <a:r>
+              <a:rPr lang="en-US" altLang="ko-KR" sz="1600" dirty="0"/>
+              <a:t>3. </a:t>
             </a:r>
             <a:r>
               <a:rPr lang="ko-KR" altLang="en-US" sz="1600" dirty="0" err="1"/>
@@ -9168,32 +11320,110 @@
             </a:r>
             <a:r>
               <a:rPr lang="ko-KR" altLang="en-US" sz="1600" dirty="0"/>
-              <a:t> 프로그램 조사</a:t>
+              <a:t> </a:t>
+            </a:r>
+            <a:r>
+              <a:rPr lang="en-US" altLang="ko-KR" sz="1600" dirty="0"/>
+              <a:t>: </a:t>
+            </a:r>
+            <a:r>
+              <a:rPr lang="ko-KR" altLang="en-US" sz="1600" dirty="0" err="1"/>
+              <a:t>아두이노</a:t>
+            </a:r>
+            <a:r>
+              <a:rPr lang="ko-KR" altLang="en-US" sz="1600" dirty="0"/>
+              <a:t> </a:t>
+            </a:r>
+            <a:r>
+              <a:rPr lang="ko-KR" altLang="en-US" sz="1600" dirty="0" err="1"/>
+              <a:t>우노</a:t>
+            </a:r>
+            <a:r>
+              <a:rPr lang="ko-KR" altLang="en-US" sz="1600" dirty="0"/>
+              <a:t> 보드</a:t>
             </a:r>
             <a:endParaRPr lang="en-US" altLang="ko-KR" sz="1600" dirty="0"/>
           </a:p>
           <a:p>
+            <a:pPr marL="0" indent="0">
+              <a:buNone/>
+            </a:pPr>
+            <a:endParaRPr lang="en-US" altLang="ko-KR" sz="1600" dirty="0"/>
+          </a:p>
+          <a:p>
+            <a:pPr marL="0" indent="0">
+              <a:buNone/>
+            </a:pPr>
+            <a:r>
+              <a:rPr lang="ko-KR" altLang="en-US" dirty="0"/>
+              <a:t>소프트웨어</a:t>
+            </a:r>
+            <a:endParaRPr lang="en-US" altLang="ko-KR" dirty="0"/>
+          </a:p>
+          <a:p>
+            <a:pPr marL="0" indent="0">
+              <a:buNone/>
+            </a:pPr>
+            <a:r>
+              <a:rPr lang="ko-KR" altLang="en-US" sz="1600" dirty="0"/>
+              <a:t>컴파일러 </a:t>
+            </a:r>
             <a:r>
               <a:rPr lang="en-US" altLang="ko-KR" sz="1600" dirty="0"/>
-              <a:t>https://m.blog.naver.com/PostView.naver?isHttpsRedirect=true&amp;blogId=eduino&amp;logNo=221187957461</a:t>
-            </a:r>
-          </a:p>
-          <a:p>
-            <a:r>
-              <a:rPr lang="en-US" altLang="ko-KR" sz="1600" dirty="0">
-                <a:hlinkClick r:id="rId2"/>
-              </a:rPr>
-              <a:t>https://kocoafab.cc/tutorial/view/726</a:t>
+              <a:t>: </a:t>
+            </a:r>
+            <a:r>
+              <a:rPr lang="ko-KR" altLang="en-US" sz="1600" dirty="0" err="1"/>
+              <a:t>아두이노</a:t>
+            </a:r>
+            <a:r>
+              <a:rPr lang="ko-KR" altLang="en-US" sz="1600" dirty="0"/>
+              <a:t> 스케치</a:t>
             </a:r>
             <a:endParaRPr lang="en-US" altLang="ko-KR" sz="1600" dirty="0"/>
           </a:p>
           <a:p>
+            <a:pPr marL="0" indent="0">
+              <a:buNone/>
+            </a:pPr>
+            <a:endParaRPr lang="en-US" altLang="ko-KR" sz="1600" dirty="0"/>
+          </a:p>
+          <a:p>
+            <a:pPr marL="0" indent="0">
+              <a:buNone/>
+            </a:pPr>
+            <a:r>
+              <a:rPr lang="ko-KR" altLang="en-US" sz="1600" dirty="0"/>
+              <a:t>컴퓨터 사양</a:t>
+            </a:r>
+            <a:endParaRPr lang="en-US" altLang="ko-KR" sz="1600" dirty="0"/>
+          </a:p>
+          <a:p>
+            <a:pPr marL="342900" indent="-342900">
+              <a:buAutoNum type="arabicPeriod"/>
+            </a:pPr>
             <a:r>
               <a:rPr lang="en-US" altLang="ko-KR" sz="1600" dirty="0"/>
-              <a:t>https://m.blog.naver.com/eduino/220932193318</a:t>
-            </a:r>
-          </a:p>
-          <a:p>
+              <a:t>CPU : </a:t>
+            </a:r>
+            <a:r>
+              <a:rPr lang="pt-BR" altLang="ko-KR" sz="1600" dirty="0"/>
+              <a:t>Intel(R) Core(TM) i5-10400</a:t>
+            </a:r>
+            <a:endParaRPr lang="en-US" altLang="ko-KR" sz="1600" dirty="0"/>
+          </a:p>
+          <a:p>
+            <a:pPr marL="342900" indent="-342900">
+              <a:buAutoNum type="arabicPeriod"/>
+            </a:pPr>
+            <a:r>
+              <a:rPr lang="ko-KR" altLang="en-US" sz="1600" dirty="0"/>
+              <a:t>메모리 </a:t>
+            </a:r>
+            <a:r>
+              <a:rPr lang="en-US" altLang="ko-KR" sz="1600" dirty="0"/>
+              <a:t>: 16GB</a:t>
+            </a:r>
             <a:endParaRPr lang="ko-KR" altLang="en-US" sz="1600" dirty="0"/>
           </a:p>
         </p:txBody>
@@ -9201,7 +11431,7 @@
     </p:spTree>
     <p:extLst>
       <p:ext uri="{BB962C8B-B14F-4D97-AF65-F5344CB8AC3E}">
-        <p14:creationId xmlns:p14="http://schemas.microsoft.com/office/powerpoint/2010/main" val="3074141157"/>
+        <p14:creationId xmlns:p14="http://schemas.microsoft.com/office/powerpoint/2010/main" val="1798857334"/>
       </p:ext>
     </p:extLst>
   </p:cSld>

--- a/임베디드컴퓨팅 기말발표.pptx
+++ b/임베디드컴퓨팅 기말발표.pptx
@@ -10,12 +10,15 @@
     <p:sldId id="258" r:id="rId4"/>
     <p:sldId id="259" r:id="rId5"/>
     <p:sldId id="261" r:id="rId6"/>
-    <p:sldId id="262" r:id="rId7"/>
-    <p:sldId id="263" r:id="rId8"/>
-    <p:sldId id="264" r:id="rId9"/>
-    <p:sldId id="265" r:id="rId10"/>
-    <p:sldId id="266" r:id="rId11"/>
-    <p:sldId id="260" r:id="rId12"/>
+    <p:sldId id="263" r:id="rId7"/>
+    <p:sldId id="264" r:id="rId8"/>
+    <p:sldId id="265" r:id="rId9"/>
+    <p:sldId id="266" r:id="rId10"/>
+    <p:sldId id="267" r:id="rId11"/>
+    <p:sldId id="268" r:id="rId12"/>
+    <p:sldId id="269" r:id="rId13"/>
+    <p:sldId id="270" r:id="rId14"/>
+    <p:sldId id="260" r:id="rId15"/>
   </p:sldIdLst>
   <p:sldSz cx="12192000" cy="6858000"/>
   <p:notesSz cx="6858000" cy="9144000"/>
@@ -269,7 +272,7 @@
           <a:p>
             <a:fld id="{D98130FA-BAF7-4782-AE60-3CD72BAE011A}" type="datetimeFigureOut">
               <a:rPr lang="ko-KR" altLang="en-US" smtClean="0"/>
-              <a:t>2022-12-13</a:t>
+              <a:t>2022-12-15</a:t>
             </a:fld>
             <a:endParaRPr lang="ko-KR" altLang="en-US"/>
           </a:p>
@@ -467,7 +470,7 @@
           <a:p>
             <a:fld id="{D98130FA-BAF7-4782-AE60-3CD72BAE011A}" type="datetimeFigureOut">
               <a:rPr lang="ko-KR" altLang="en-US" smtClean="0"/>
-              <a:t>2022-12-13</a:t>
+              <a:t>2022-12-15</a:t>
             </a:fld>
             <a:endParaRPr lang="ko-KR" altLang="en-US"/>
           </a:p>
@@ -675,7 +678,7 @@
           <a:p>
             <a:fld id="{D98130FA-BAF7-4782-AE60-3CD72BAE011A}" type="datetimeFigureOut">
               <a:rPr lang="ko-KR" altLang="en-US" smtClean="0"/>
-              <a:t>2022-12-13</a:t>
+              <a:t>2022-12-15</a:t>
             </a:fld>
             <a:endParaRPr lang="ko-KR" altLang="en-US"/>
           </a:p>
@@ -873,7 +876,7 @@
           <a:p>
             <a:fld id="{D98130FA-BAF7-4782-AE60-3CD72BAE011A}" type="datetimeFigureOut">
               <a:rPr lang="ko-KR" altLang="en-US" smtClean="0"/>
-              <a:t>2022-12-13</a:t>
+              <a:t>2022-12-15</a:t>
             </a:fld>
             <a:endParaRPr lang="ko-KR" altLang="en-US"/>
           </a:p>
@@ -1148,7 +1151,7 @@
           <a:p>
             <a:fld id="{D98130FA-BAF7-4782-AE60-3CD72BAE011A}" type="datetimeFigureOut">
               <a:rPr lang="ko-KR" altLang="en-US" smtClean="0"/>
-              <a:t>2022-12-13</a:t>
+              <a:t>2022-12-15</a:t>
             </a:fld>
             <a:endParaRPr lang="ko-KR" altLang="en-US"/>
           </a:p>
@@ -1413,7 +1416,7 @@
           <a:p>
             <a:fld id="{D98130FA-BAF7-4782-AE60-3CD72BAE011A}" type="datetimeFigureOut">
               <a:rPr lang="ko-KR" altLang="en-US" smtClean="0"/>
-              <a:t>2022-12-13</a:t>
+              <a:t>2022-12-15</a:t>
             </a:fld>
             <a:endParaRPr lang="ko-KR" altLang="en-US"/>
           </a:p>
@@ -1825,7 +1828,7 @@
           <a:p>
             <a:fld id="{D98130FA-BAF7-4782-AE60-3CD72BAE011A}" type="datetimeFigureOut">
               <a:rPr lang="ko-KR" altLang="en-US" smtClean="0"/>
-              <a:t>2022-12-13</a:t>
+              <a:t>2022-12-15</a:t>
             </a:fld>
             <a:endParaRPr lang="ko-KR" altLang="en-US"/>
           </a:p>
@@ -1966,7 +1969,7 @@
           <a:p>
             <a:fld id="{D98130FA-BAF7-4782-AE60-3CD72BAE011A}" type="datetimeFigureOut">
               <a:rPr lang="ko-KR" altLang="en-US" smtClean="0"/>
-              <a:t>2022-12-13</a:t>
+              <a:t>2022-12-15</a:t>
             </a:fld>
             <a:endParaRPr lang="ko-KR" altLang="en-US"/>
           </a:p>
@@ -2079,7 +2082,7 @@
           <a:p>
             <a:fld id="{D98130FA-BAF7-4782-AE60-3CD72BAE011A}" type="datetimeFigureOut">
               <a:rPr lang="ko-KR" altLang="en-US" smtClean="0"/>
-              <a:t>2022-12-13</a:t>
+              <a:t>2022-12-15</a:t>
             </a:fld>
             <a:endParaRPr lang="ko-KR" altLang="en-US"/>
           </a:p>
@@ -2390,7 +2393,7 @@
           <a:p>
             <a:fld id="{D98130FA-BAF7-4782-AE60-3CD72BAE011A}" type="datetimeFigureOut">
               <a:rPr lang="ko-KR" altLang="en-US" smtClean="0"/>
-              <a:t>2022-12-13</a:t>
+              <a:t>2022-12-15</a:t>
             </a:fld>
             <a:endParaRPr lang="ko-KR" altLang="en-US"/>
           </a:p>
@@ -2678,7 +2681,7 @@
           <a:p>
             <a:fld id="{D98130FA-BAF7-4782-AE60-3CD72BAE011A}" type="datetimeFigureOut">
               <a:rPr lang="ko-KR" altLang="en-US" smtClean="0"/>
-              <a:t>2022-12-13</a:t>
+              <a:t>2022-12-15</a:t>
             </a:fld>
             <a:endParaRPr lang="ko-KR" altLang="en-US"/>
           </a:p>
@@ -2919,7 +2922,7 @@
           <a:p>
             <a:fld id="{D98130FA-BAF7-4782-AE60-3CD72BAE011A}" type="datetimeFigureOut">
               <a:rPr lang="ko-KR" altLang="en-US" smtClean="0"/>
-              <a:t>2022-12-13</a:t>
+              <a:t>2022-12-15</a:t>
             </a:fld>
             <a:endParaRPr lang="ko-KR" altLang="en-US"/>
           </a:p>
@@ -3503,14 +3506,14 @@
           <p:nvPr>
             <p:extLst>
               <p:ext uri="{D42A27DB-BD31-4B8C-83A1-F6EECF244321}">
-                <p14:modId xmlns:p14="http://schemas.microsoft.com/office/powerpoint/2010/main" val="3885315647"/>
+                <p14:modId xmlns:p14="http://schemas.microsoft.com/office/powerpoint/2010/main" val="1947855422"/>
               </p:ext>
             </p:extLst>
           </p:nvPr>
         </p:nvGraphicFramePr>
         <p:xfrm>
-          <a:off x="1327325" y="2501123"/>
-          <a:ext cx="8128000" cy="1855754"/>
+          <a:off x="1344103" y="1845476"/>
+          <a:ext cx="9091802" cy="4169430"/>
         </p:xfrm>
         <a:graphic>
           <a:graphicData uri="http://schemas.openxmlformats.org/drawingml/2006/table">
@@ -3519,14 +3522,14 @@
                 <a:tableStyleId>{5C22544A-7EE6-4342-B048-85BDC9FD1C3A}</a:tableStyleId>
               </a:tblPr>
               <a:tblGrid>
-                <a:gridCol w="4064000">
+                <a:gridCol w="3882238">
                   <a:extLst>
                     <a:ext uri="{9D8B030D-6E8A-4147-A177-3AD203B41FA5}">
                       <a16:colId xmlns:a16="http://schemas.microsoft.com/office/drawing/2014/main" val="3057513107"/>
                     </a:ext>
                   </a:extLst>
                 </a:gridCol>
-                <a:gridCol w="4064000">
+                <a:gridCol w="5209564">
                   <a:extLst>
                     <a:ext uri="{9D8B030D-6E8A-4147-A177-3AD203B41FA5}">
                       <a16:colId xmlns:a16="http://schemas.microsoft.com/office/drawing/2014/main" val="429643153"/>
@@ -3534,14 +3537,17 @@
                   </a:extLst>
                 </a:gridCol>
               </a:tblGrid>
-              <a:tr h="370840">
+              <a:tr h="374277">
                 <a:tc>
                   <a:txBody>
                     <a:bodyPr/>
                     <a:lstStyle/>
                     <a:p>
                       <a:pPr algn="ctr" latinLnBrk="1"/>
-                      <a:endParaRPr lang="ko-KR" altLang="en-US" dirty="0"/>
+                      <a:r>
+                        <a:rPr lang="ko-KR" altLang="en-US" dirty="0"/>
+                        <a:t>센서</a:t>
+                      </a:r>
                     </a:p>
                   </a:txBody>
                   <a:tcPr anchor="ctr">
@@ -3592,7 +3598,10 @@
                     <a:lstStyle/>
                     <a:p>
                       <a:pPr algn="ctr" latinLnBrk="1"/>
-                      <a:endParaRPr lang="ko-KR" altLang="en-US" dirty="0"/>
+                      <a:r>
+                        <a:rPr lang="ko-KR" altLang="en-US" dirty="0"/>
+                        <a:t>기능</a:t>
+                      </a:r>
                     </a:p>
                   </a:txBody>
                   <a:tcPr anchor="ctr">
@@ -3643,8 +3652,8 @@
                   </a:ext>
                 </a:extLst>
               </a:tr>
-              <a:tr h="370840">
-                <a:tc rowSpan="4">
+              <a:tr h="1655961">
+                <a:tc rowSpan="3">
                   <a:txBody>
                     <a:bodyPr/>
                     <a:lstStyle/>
@@ -3700,8 +3709,63 @@
                     <a:bodyPr/>
                     <a:lstStyle/>
                     <a:p>
-                      <a:pPr algn="ctr" latinLnBrk="1"/>
-                      <a:endParaRPr lang="ko-KR" altLang="en-US" dirty="0"/>
+                      <a:pPr algn="just" latinLnBrk="1"/>
+                      <a:r>
+                        <a:rPr lang="ko-KR" altLang="en-US" sz="1200" b="1" dirty="0" err="1"/>
+                        <a:t>토양습도센서</a:t>
+                      </a:r>
+                      <a:endParaRPr lang="en-US" altLang="ko-KR" sz="1200" b="1" dirty="0"/>
+                    </a:p>
+                    <a:p>
+                      <a:pPr algn="just" latinLnBrk="1"/>
+                      <a:r>
+                        <a:rPr lang="en-US" altLang="ko-KR" sz="1100" dirty="0"/>
+                        <a:t>-</a:t>
+                      </a:r>
+                      <a:r>
+                        <a:rPr lang="ko-KR" altLang="en-US" sz="1100" dirty="0"/>
+                        <a:t>토양의 수분을 감지하여 디지털 또는 아날로그 </a:t>
+                      </a:r>
+                      <a:r>
+                        <a:rPr lang="ko-KR" altLang="en-US" sz="1100" dirty="0" err="1"/>
+                        <a:t>센서값을</a:t>
+                      </a:r>
+                      <a:r>
+                        <a:rPr lang="ko-KR" altLang="en-US" sz="1100" dirty="0"/>
+                        <a:t> 출력하는 모듈</a:t>
+                      </a:r>
+                      <a:endParaRPr lang="en-US" altLang="ko-KR" sz="1100" dirty="0"/>
+                    </a:p>
+                    <a:p>
+                      <a:pPr algn="just" latinLnBrk="1"/>
+                      <a:endParaRPr lang="en-US" altLang="ko-KR" sz="1100" dirty="0"/>
+                    </a:p>
+                    <a:p>
+                      <a:pPr algn="just" latinLnBrk="1"/>
+                      <a:r>
+                        <a:rPr lang="ko-KR" altLang="en-US" sz="1200" b="1" dirty="0"/>
+                        <a:t>기능</a:t>
+                      </a:r>
+                      <a:endParaRPr lang="en-US" altLang="ko-KR" sz="1200" b="1" dirty="0"/>
+                    </a:p>
+                    <a:p>
+                      <a:pPr algn="just" latinLnBrk="1"/>
+                      <a:r>
+                        <a:rPr lang="en-US" altLang="ko-KR" sz="1100" dirty="0"/>
+                        <a:t>-</a:t>
+                      </a:r>
+                      <a:r>
+                        <a:rPr lang="ko-KR" altLang="en-US" sz="1100" dirty="0"/>
+                        <a:t>두 개의 전극부분은 토양의 수분함량에 따라 저항 값이 변화하며</a:t>
+                      </a:r>
+                      <a:r>
+                        <a:rPr lang="en-US" altLang="ko-KR" sz="1100" dirty="0"/>
+                        <a:t>, </a:t>
+                      </a:r>
+                      <a:r>
+                        <a:rPr lang="ko-KR" altLang="en-US" sz="1100" dirty="0"/>
+                        <a:t>이에 따라 전류의 세기 또한 변하게 됨</a:t>
+                      </a:r>
                     </a:p>
                   </a:txBody>
                   <a:tcPr anchor="ctr">
@@ -3752,7 +3816,7 @@
                   </a:ext>
                 </a:extLst>
               </a:tr>
-              <a:tr h="370840">
+              <a:tr h="369115">
                 <a:tc vMerge="1">
                   <a:txBody>
                     <a:bodyPr/>
@@ -3770,7 +3834,10 @@
                     <a:lstStyle/>
                     <a:p>
                       <a:pPr algn="ctr" latinLnBrk="1"/>
-                      <a:endParaRPr lang="ko-KR" altLang="en-US" dirty="0"/>
+                      <a:r>
+                        <a:rPr lang="ko-KR" altLang="en-US" dirty="0"/>
+                        <a:t>규격</a:t>
+                      </a:r>
                     </a:p>
                   </a:txBody>
                   <a:tcPr anchor="ctr">
@@ -3821,7 +3888,7 @@
                   </a:ext>
                 </a:extLst>
               </a:tr>
-              <a:tr h="370840">
+              <a:tr h="1770077">
                 <a:tc vMerge="1">
                   <a:txBody>
                     <a:bodyPr/>
@@ -3838,7 +3905,18 @@
                     <a:bodyPr/>
                     <a:lstStyle/>
                     <a:p>
-                      <a:pPr algn="ctr" latinLnBrk="1"/>
+                      <a:pPr marL="285750" indent="-285750" algn="just" latinLnBrk="1">
+                        <a:buFont typeface="Arial" panose="020B0604020202020204" pitchFamily="34" charset="0"/>
+                        <a:buChar char="•"/>
+                      </a:pPr>
+                      <a:r>
+                        <a:rPr lang="ko-KR" altLang="en-US" dirty="0"/>
+                        <a:t>동작 전압 </a:t>
+                      </a:r>
+                      <a:r>
+                        <a:rPr lang="en-US" altLang="ko-KR" dirty="0"/>
+                        <a:t>: 3.3V ~ 5V</a:t>
+                      </a:r>
                       <a:endParaRPr lang="ko-KR" altLang="en-US" dirty="0"/>
                     </a:p>
                   </a:txBody>
@@ -3890,83 +3968,61 @@
                   </a:ext>
                 </a:extLst>
               </a:tr>
-              <a:tr h="372394">
-                <a:tc vMerge="1">
-                  <a:txBody>
-                    <a:bodyPr/>
-                    <a:lstStyle/>
-                    <a:p>
-                      <a:pPr latinLnBrk="1"/>
-                      <a:endParaRPr lang="ko-KR" altLang="en-US" dirty="0"/>
-                    </a:p>
-                  </a:txBody>
-                  <a:tcPr/>
-                </a:tc>
-                <a:tc>
-                  <a:txBody>
-                    <a:bodyPr/>
-                    <a:lstStyle/>
-                    <a:p>
-                      <a:pPr algn="ctr" latinLnBrk="1"/>
-                      <a:endParaRPr lang="ko-KR" altLang="en-US" dirty="0"/>
-                    </a:p>
-                  </a:txBody>
-                  <a:tcPr anchor="ctr">
-                    <a:lnL w="12700" cap="flat" cmpd="sng" algn="ctr">
-                      <a:solidFill>
-                        <a:schemeClr val="tx1"/>
-                      </a:solidFill>
-                      <a:prstDash val="solid"/>
-                      <a:round/>
-                      <a:headEnd type="none" w="med" len="med"/>
-                      <a:tailEnd type="none" w="med" len="med"/>
-                    </a:lnL>
-                    <a:lnR w="12700" cap="flat" cmpd="sng" algn="ctr">
-                      <a:solidFill>
-                        <a:schemeClr val="tx1"/>
-                      </a:solidFill>
-                      <a:prstDash val="solid"/>
-                      <a:round/>
-                      <a:headEnd type="none" w="med" len="med"/>
-                      <a:tailEnd type="none" w="med" len="med"/>
-                    </a:lnR>
-                    <a:lnT w="12700" cap="flat" cmpd="sng" algn="ctr">
-                      <a:solidFill>
-                        <a:schemeClr val="tx1"/>
-                      </a:solidFill>
-                      <a:prstDash val="solid"/>
-                      <a:round/>
-                      <a:headEnd type="none" w="med" len="med"/>
-                      <a:tailEnd type="none" w="med" len="med"/>
-                    </a:lnT>
-                    <a:lnB w="12700" cap="flat" cmpd="sng" algn="ctr">
-                      <a:solidFill>
-                        <a:schemeClr val="tx1"/>
-                      </a:solidFill>
-                      <a:prstDash val="solid"/>
-                      <a:round/>
-                      <a:headEnd type="none" w="med" len="med"/>
-                      <a:tailEnd type="none" w="med" len="med"/>
-                    </a:lnB>
-                    <a:solidFill>
-                      <a:schemeClr val="bg1"/>
-                    </a:solidFill>
-                  </a:tcPr>
-                </a:tc>
-                <a:extLst>
-                  <a:ext uri="{0D108BD9-81ED-4DB2-BD59-A6C34878D82A}">
-                    <a16:rowId xmlns:a16="http://schemas.microsoft.com/office/drawing/2014/main" val="3938762273"/>
-                  </a:ext>
-                </a:extLst>
-              </a:tr>
             </a:tbl>
           </a:graphicData>
         </a:graphic>
       </p:graphicFrame>
+      <p:pic>
+        <p:nvPicPr>
+          <p:cNvPr id="3074" name="Picture 2">
+            <a:extLst>
+              <a:ext uri="{FF2B5EF4-FFF2-40B4-BE49-F238E27FC236}">
+                <a16:creationId xmlns:a16="http://schemas.microsoft.com/office/drawing/2014/main" id="{C3DAA2C8-4D09-9B98-E5E7-7512BD061312}"/>
+              </a:ext>
+            </a:extLst>
+          </p:cNvPr>
+          <p:cNvPicPr>
+            <a:picLocks noChangeAspect="1" noChangeArrowheads="1"/>
+          </p:cNvPicPr>
+          <p:nvPr/>
+        </p:nvPicPr>
+        <p:blipFill>
+          <a:blip r:embed="rId2">
+            <a:extLst>
+              <a:ext uri="{28A0092B-C50C-407E-A947-70E740481C1C}">
+                <a14:useLocalDpi xmlns:a14="http://schemas.microsoft.com/office/drawing/2010/main" val="0"/>
+              </a:ext>
+            </a:extLst>
+          </a:blip>
+          <a:srcRect/>
+          <a:stretch>
+            <a:fillRect/>
+          </a:stretch>
+        </p:blipFill>
+        <p:spPr bwMode="auto">
+          <a:xfrm>
+            <a:off x="1453160" y="2432807"/>
+            <a:ext cx="3611878" cy="3456264"/>
+          </a:xfrm>
+          <a:prstGeom prst="rect">
+            <a:avLst/>
+          </a:prstGeom>
+          <a:noFill/>
+          <a:extLst>
+            <a:ext uri="{909E8E84-426E-40DD-AFC4-6F175D3DCCD1}">
+              <a14:hiddenFill xmlns:a14="http://schemas.microsoft.com/office/drawing/2010/main">
+                <a:solidFill>
+                  <a:srgbClr val="FFFFFF"/>
+                </a:solidFill>
+              </a14:hiddenFill>
+            </a:ext>
+          </a:extLst>
+        </p:spPr>
+      </p:pic>
     </p:spTree>
     <p:extLst>
       <p:ext uri="{BB962C8B-B14F-4D97-AF65-F5344CB8AC3E}">
-        <p14:creationId xmlns:p14="http://schemas.microsoft.com/office/powerpoint/2010/main" val="2289234945"/>
+        <p14:creationId xmlns:p14="http://schemas.microsoft.com/office/powerpoint/2010/main" val="947181479"/>
       </p:ext>
     </p:extLst>
   </p:cSld>
@@ -3998,7 +4054,7 @@
           <p:cNvPr id="2" name="제목 1">
             <a:extLst>
               <a:ext uri="{FF2B5EF4-FFF2-40B4-BE49-F238E27FC236}">
-                <a16:creationId xmlns:a16="http://schemas.microsoft.com/office/drawing/2014/main" id="{637433FE-3326-ACE4-EB7B-9A184EAD3978}"/>
+                <a16:creationId xmlns:a16="http://schemas.microsoft.com/office/drawing/2014/main" id="{65BC78FF-ED87-0626-D409-704F15D08714}"/>
               </a:ext>
             </a:extLst>
           </p:cNvPr>
@@ -4016,6 +4072,1765 @@
           <a:p>
             <a:r>
               <a:rPr lang="ko-KR" altLang="en-US" dirty="0"/>
+              <a:t>개발 부품 및 기능 설명</a:t>
+            </a:r>
+          </a:p>
+        </p:txBody>
+      </p:sp>
+      <p:graphicFrame>
+        <p:nvGraphicFramePr>
+          <p:cNvPr id="5" name="표 5">
+            <a:extLst>
+              <a:ext uri="{FF2B5EF4-FFF2-40B4-BE49-F238E27FC236}">
+                <a16:creationId xmlns:a16="http://schemas.microsoft.com/office/drawing/2014/main" id="{79C17199-CE86-ADFB-E374-7C635DF402BA}"/>
+              </a:ext>
+            </a:extLst>
+          </p:cNvPr>
+          <p:cNvGraphicFramePr>
+            <a:graphicFrameLocks noGrp="1"/>
+          </p:cNvGraphicFramePr>
+          <p:nvPr>
+            <p:extLst>
+              <p:ext uri="{D42A27DB-BD31-4B8C-83A1-F6EECF244321}">
+                <p14:modId xmlns:p14="http://schemas.microsoft.com/office/powerpoint/2010/main" val="2765284023"/>
+              </p:ext>
+            </p:extLst>
+          </p:nvPr>
+        </p:nvGraphicFramePr>
+        <p:xfrm>
+          <a:off x="1344103" y="1845476"/>
+          <a:ext cx="9091802" cy="4169430"/>
+        </p:xfrm>
+        <a:graphic>
+          <a:graphicData uri="http://schemas.openxmlformats.org/drawingml/2006/table">
+            <a:tbl>
+              <a:tblPr>
+                <a:tableStyleId>{5C22544A-7EE6-4342-B048-85BDC9FD1C3A}</a:tableStyleId>
+              </a:tblPr>
+              <a:tblGrid>
+                <a:gridCol w="3882238">
+                  <a:extLst>
+                    <a:ext uri="{9D8B030D-6E8A-4147-A177-3AD203B41FA5}">
+                      <a16:colId xmlns:a16="http://schemas.microsoft.com/office/drawing/2014/main" val="3057513107"/>
+                    </a:ext>
+                  </a:extLst>
+                </a:gridCol>
+                <a:gridCol w="5209564">
+                  <a:extLst>
+                    <a:ext uri="{9D8B030D-6E8A-4147-A177-3AD203B41FA5}">
+                      <a16:colId xmlns:a16="http://schemas.microsoft.com/office/drawing/2014/main" val="429643153"/>
+                    </a:ext>
+                  </a:extLst>
+                </a:gridCol>
+              </a:tblGrid>
+              <a:tr h="374277">
+                <a:tc>
+                  <a:txBody>
+                    <a:bodyPr/>
+                    <a:lstStyle/>
+                    <a:p>
+                      <a:pPr algn="ctr" latinLnBrk="1"/>
+                      <a:r>
+                        <a:rPr lang="ko-KR" altLang="en-US" dirty="0"/>
+                        <a:t>센서</a:t>
+                      </a:r>
+                    </a:p>
+                  </a:txBody>
+                  <a:tcPr anchor="ctr">
+                    <a:lnL w="12700" cap="flat" cmpd="sng" algn="ctr">
+                      <a:solidFill>
+                        <a:schemeClr val="tx1"/>
+                      </a:solidFill>
+                      <a:prstDash val="solid"/>
+                      <a:round/>
+                      <a:headEnd type="none" w="med" len="med"/>
+                      <a:tailEnd type="none" w="med" len="med"/>
+                    </a:lnL>
+                    <a:lnR w="12700" cap="flat" cmpd="sng" algn="ctr">
+                      <a:solidFill>
+                        <a:schemeClr val="tx1"/>
+                      </a:solidFill>
+                      <a:prstDash val="solid"/>
+                      <a:round/>
+                      <a:headEnd type="none" w="med" len="med"/>
+                      <a:tailEnd type="none" w="med" len="med"/>
+                    </a:lnR>
+                    <a:lnT w="12700" cap="flat" cmpd="sng" algn="ctr">
+                      <a:solidFill>
+                        <a:schemeClr val="tx1"/>
+                      </a:solidFill>
+                      <a:prstDash val="solid"/>
+                      <a:round/>
+                      <a:headEnd type="none" w="med" len="med"/>
+                      <a:tailEnd type="none" w="med" len="med"/>
+                    </a:lnT>
+                    <a:lnB w="12700" cap="flat" cmpd="sng" algn="ctr">
+                      <a:solidFill>
+                        <a:schemeClr val="tx1"/>
+                      </a:solidFill>
+                      <a:prstDash val="solid"/>
+                      <a:round/>
+                      <a:headEnd type="none" w="med" len="med"/>
+                      <a:tailEnd type="none" w="med" len="med"/>
+                    </a:lnB>
+                    <a:solidFill>
+                      <a:schemeClr val="bg1"/>
+                    </a:solidFill>
+                  </a:tcPr>
+                </a:tc>
+                <a:tc>
+                  <a:txBody>
+                    <a:bodyPr/>
+                    <a:lstStyle/>
+                    <a:p>
+                      <a:pPr algn="ctr" latinLnBrk="1"/>
+                      <a:r>
+                        <a:rPr lang="ko-KR" altLang="en-US" dirty="0"/>
+                        <a:t>기능</a:t>
+                      </a:r>
+                    </a:p>
+                  </a:txBody>
+                  <a:tcPr anchor="ctr">
+                    <a:lnL w="12700" cap="flat" cmpd="sng" algn="ctr">
+                      <a:solidFill>
+                        <a:schemeClr val="tx1"/>
+                      </a:solidFill>
+                      <a:prstDash val="solid"/>
+                      <a:round/>
+                      <a:headEnd type="none" w="med" len="med"/>
+                      <a:tailEnd type="none" w="med" len="med"/>
+                    </a:lnL>
+                    <a:lnR w="12700" cap="flat" cmpd="sng" algn="ctr">
+                      <a:solidFill>
+                        <a:schemeClr val="tx1"/>
+                      </a:solidFill>
+                      <a:prstDash val="solid"/>
+                      <a:round/>
+                      <a:headEnd type="none" w="med" len="med"/>
+                      <a:tailEnd type="none" w="med" len="med"/>
+                    </a:lnR>
+                    <a:lnT w="12700" cap="flat" cmpd="sng" algn="ctr">
+                      <a:solidFill>
+                        <a:schemeClr val="tx1"/>
+                      </a:solidFill>
+                      <a:prstDash val="solid"/>
+                      <a:round/>
+                      <a:headEnd type="none" w="med" len="med"/>
+                      <a:tailEnd type="none" w="med" len="med"/>
+                    </a:lnT>
+                    <a:lnB w="12700" cap="flat" cmpd="sng" algn="ctr">
+                      <a:solidFill>
+                        <a:schemeClr val="tx1"/>
+                      </a:solidFill>
+                      <a:prstDash val="solid"/>
+                      <a:round/>
+                      <a:headEnd type="none" w="med" len="med"/>
+                      <a:tailEnd type="none" w="med" len="med"/>
+                    </a:lnB>
+                    <a:solidFill>
+                      <a:schemeClr val="bg1"/>
+                    </a:solidFill>
+                  </a:tcPr>
+                </a:tc>
+                <a:extLst>
+                  <a:ext uri="{0D108BD9-81ED-4DB2-BD59-A6C34878D82A}">
+                    <a16:rowId xmlns:a16="http://schemas.microsoft.com/office/drawing/2014/main" val="2391504428"/>
+                  </a:ext>
+                </a:extLst>
+              </a:tr>
+              <a:tr h="1655961">
+                <a:tc rowSpan="3">
+                  <a:txBody>
+                    <a:bodyPr/>
+                    <a:lstStyle/>
+                    <a:p>
+                      <a:pPr algn="ctr" latinLnBrk="1"/>
+                      <a:endParaRPr lang="ko-KR" altLang="en-US" dirty="0"/>
+                    </a:p>
+                  </a:txBody>
+                  <a:tcPr anchor="ctr">
+                    <a:lnL w="12700" cap="flat" cmpd="sng" algn="ctr">
+                      <a:solidFill>
+                        <a:schemeClr val="tx1"/>
+                      </a:solidFill>
+                      <a:prstDash val="solid"/>
+                      <a:round/>
+                      <a:headEnd type="none" w="med" len="med"/>
+                      <a:tailEnd type="none" w="med" len="med"/>
+                    </a:lnL>
+                    <a:lnR w="12700" cap="flat" cmpd="sng" algn="ctr">
+                      <a:solidFill>
+                        <a:schemeClr val="tx1"/>
+                      </a:solidFill>
+                      <a:prstDash val="solid"/>
+                      <a:round/>
+                      <a:headEnd type="none" w="med" len="med"/>
+                      <a:tailEnd type="none" w="med" len="med"/>
+                    </a:lnR>
+                    <a:lnT w="12700" cap="flat" cmpd="sng" algn="ctr">
+                      <a:solidFill>
+                        <a:schemeClr val="tx1"/>
+                      </a:solidFill>
+                      <a:prstDash val="solid"/>
+                      <a:round/>
+                      <a:headEnd type="none" w="med" len="med"/>
+                      <a:tailEnd type="none" w="med" len="med"/>
+                    </a:lnT>
+                    <a:lnB w="12700" cap="flat" cmpd="sng" algn="ctr">
+                      <a:solidFill>
+                        <a:schemeClr val="tx1"/>
+                      </a:solidFill>
+                      <a:prstDash val="solid"/>
+                      <a:round/>
+                      <a:headEnd type="none" w="med" len="med"/>
+                      <a:tailEnd type="none" w="med" len="med"/>
+                    </a:lnB>
+                    <a:solidFill>
+                      <a:schemeClr val="bg1"/>
+                    </a:solidFill>
+                  </a:tcPr>
+                </a:tc>
+                <a:tc>
+                  <a:txBody>
+                    <a:bodyPr/>
+                    <a:lstStyle/>
+                    <a:p>
+                      <a:pPr algn="just" latinLnBrk="1"/>
+                      <a:r>
+                        <a:rPr lang="en-US" altLang="ko-KR" sz="1200" b="1" dirty="0"/>
+                        <a:t>LCD</a:t>
+                      </a:r>
+                    </a:p>
+                    <a:p>
+                      <a:pPr algn="just" latinLnBrk="1"/>
+                      <a:r>
+                        <a:rPr lang="en-US" altLang="ko-KR" sz="1100" dirty="0"/>
+                        <a:t>-</a:t>
+                      </a:r>
+                      <a:r>
+                        <a:rPr lang="ko-KR" altLang="en-US" sz="1100" dirty="0"/>
+                        <a:t>후면에 </a:t>
+                      </a:r>
+                      <a:r>
+                        <a:rPr lang="ko-KR" altLang="en-US" sz="1100" dirty="0" err="1"/>
+                        <a:t>백라이트를</a:t>
+                      </a:r>
+                      <a:r>
+                        <a:rPr lang="ko-KR" altLang="en-US" sz="1100" dirty="0"/>
+                        <a:t> 두고 전면에 액정을 두어 액정이 전기 신호에 따라 빛을 차단하거나 통과시키는 방식으로 빛을 내는 액정 표시장치</a:t>
+                      </a:r>
+                      <a:endParaRPr lang="en-US" altLang="ko-KR" sz="1100" dirty="0"/>
+                    </a:p>
+                    <a:p>
+                      <a:pPr algn="just" latinLnBrk="1"/>
+                      <a:endParaRPr lang="en-US" altLang="ko-KR" sz="1100" dirty="0"/>
+                    </a:p>
+                    <a:p>
+                      <a:pPr algn="just" latinLnBrk="1"/>
+                      <a:r>
+                        <a:rPr lang="ko-KR" altLang="en-US" sz="1200" b="1" dirty="0"/>
+                        <a:t>기능</a:t>
+                      </a:r>
+                      <a:endParaRPr lang="en-US" altLang="ko-KR" sz="1200" b="1" dirty="0"/>
+                    </a:p>
+                    <a:p>
+                      <a:pPr algn="just" latinLnBrk="1"/>
+                      <a:r>
+                        <a:rPr lang="en-US" altLang="ko-KR" sz="1100" dirty="0"/>
+                        <a:t>-16</a:t>
+                      </a:r>
+                      <a:r>
+                        <a:rPr lang="ko-KR" altLang="en-US" sz="1100" dirty="0" err="1"/>
+                        <a:t>글자씩</a:t>
+                      </a:r>
+                      <a:r>
+                        <a:rPr lang="ko-KR" altLang="en-US" sz="1100" dirty="0"/>
+                        <a:t> </a:t>
+                      </a:r>
+                      <a:r>
+                        <a:rPr lang="en-US" altLang="ko-KR" sz="1100" dirty="0"/>
+                        <a:t>2</a:t>
+                      </a:r>
+                      <a:r>
+                        <a:rPr lang="ko-KR" altLang="en-US" sz="1100" dirty="0"/>
+                        <a:t>줄에 출력 가능</a:t>
+                      </a:r>
+                    </a:p>
+                  </a:txBody>
+                  <a:tcPr anchor="ctr">
+                    <a:lnL w="12700" cap="flat" cmpd="sng" algn="ctr">
+                      <a:solidFill>
+                        <a:schemeClr val="tx1"/>
+                      </a:solidFill>
+                      <a:prstDash val="solid"/>
+                      <a:round/>
+                      <a:headEnd type="none" w="med" len="med"/>
+                      <a:tailEnd type="none" w="med" len="med"/>
+                    </a:lnL>
+                    <a:lnR w="12700" cap="flat" cmpd="sng" algn="ctr">
+                      <a:solidFill>
+                        <a:schemeClr val="tx1"/>
+                      </a:solidFill>
+                      <a:prstDash val="solid"/>
+                      <a:round/>
+                      <a:headEnd type="none" w="med" len="med"/>
+                      <a:tailEnd type="none" w="med" len="med"/>
+                    </a:lnR>
+                    <a:lnT w="12700" cap="flat" cmpd="sng" algn="ctr">
+                      <a:solidFill>
+                        <a:schemeClr val="tx1"/>
+                      </a:solidFill>
+                      <a:prstDash val="solid"/>
+                      <a:round/>
+                      <a:headEnd type="none" w="med" len="med"/>
+                      <a:tailEnd type="none" w="med" len="med"/>
+                    </a:lnT>
+                    <a:lnB w="12700" cap="flat" cmpd="sng" algn="ctr">
+                      <a:solidFill>
+                        <a:schemeClr val="tx1"/>
+                      </a:solidFill>
+                      <a:prstDash val="solid"/>
+                      <a:round/>
+                      <a:headEnd type="none" w="med" len="med"/>
+                      <a:tailEnd type="none" w="med" len="med"/>
+                    </a:lnB>
+                    <a:solidFill>
+                      <a:schemeClr val="bg1"/>
+                    </a:solidFill>
+                  </a:tcPr>
+                </a:tc>
+                <a:extLst>
+                  <a:ext uri="{0D108BD9-81ED-4DB2-BD59-A6C34878D82A}">
+                    <a16:rowId xmlns:a16="http://schemas.microsoft.com/office/drawing/2014/main" val="2943886123"/>
+                  </a:ext>
+                </a:extLst>
+              </a:tr>
+              <a:tr h="369115">
+                <a:tc vMerge="1">
+                  <a:txBody>
+                    <a:bodyPr/>
+                    <a:lstStyle/>
+                    <a:p>
+                      <a:pPr latinLnBrk="1"/>
+                      <a:endParaRPr lang="ko-KR" altLang="en-US" dirty="0"/>
+                    </a:p>
+                  </a:txBody>
+                  <a:tcPr/>
+                </a:tc>
+                <a:tc>
+                  <a:txBody>
+                    <a:bodyPr/>
+                    <a:lstStyle/>
+                    <a:p>
+                      <a:pPr algn="ctr" latinLnBrk="1"/>
+                      <a:r>
+                        <a:rPr lang="ko-KR" altLang="en-US" dirty="0"/>
+                        <a:t>규격</a:t>
+                      </a:r>
+                    </a:p>
+                  </a:txBody>
+                  <a:tcPr anchor="ctr">
+                    <a:lnL w="12700" cap="flat" cmpd="sng" algn="ctr">
+                      <a:solidFill>
+                        <a:schemeClr val="tx1"/>
+                      </a:solidFill>
+                      <a:prstDash val="solid"/>
+                      <a:round/>
+                      <a:headEnd type="none" w="med" len="med"/>
+                      <a:tailEnd type="none" w="med" len="med"/>
+                    </a:lnL>
+                    <a:lnR w="12700" cap="flat" cmpd="sng" algn="ctr">
+                      <a:solidFill>
+                        <a:schemeClr val="tx1"/>
+                      </a:solidFill>
+                      <a:prstDash val="solid"/>
+                      <a:round/>
+                      <a:headEnd type="none" w="med" len="med"/>
+                      <a:tailEnd type="none" w="med" len="med"/>
+                    </a:lnR>
+                    <a:lnT w="12700" cap="flat" cmpd="sng" algn="ctr">
+                      <a:solidFill>
+                        <a:schemeClr val="tx1"/>
+                      </a:solidFill>
+                      <a:prstDash val="solid"/>
+                      <a:round/>
+                      <a:headEnd type="none" w="med" len="med"/>
+                      <a:tailEnd type="none" w="med" len="med"/>
+                    </a:lnT>
+                    <a:lnB w="12700" cap="flat" cmpd="sng" algn="ctr">
+                      <a:solidFill>
+                        <a:schemeClr val="tx1"/>
+                      </a:solidFill>
+                      <a:prstDash val="solid"/>
+                      <a:round/>
+                      <a:headEnd type="none" w="med" len="med"/>
+                      <a:tailEnd type="none" w="med" len="med"/>
+                    </a:lnB>
+                    <a:solidFill>
+                      <a:schemeClr val="bg1"/>
+                    </a:solidFill>
+                  </a:tcPr>
+                </a:tc>
+                <a:extLst>
+                  <a:ext uri="{0D108BD9-81ED-4DB2-BD59-A6C34878D82A}">
+                    <a16:rowId xmlns:a16="http://schemas.microsoft.com/office/drawing/2014/main" val="936401105"/>
+                  </a:ext>
+                </a:extLst>
+              </a:tr>
+              <a:tr h="1770077">
+                <a:tc vMerge="1">
+                  <a:txBody>
+                    <a:bodyPr/>
+                    <a:lstStyle/>
+                    <a:p>
+                      <a:pPr latinLnBrk="1"/>
+                      <a:endParaRPr lang="ko-KR" altLang="en-US" dirty="0"/>
+                    </a:p>
+                  </a:txBody>
+                  <a:tcPr/>
+                </a:tc>
+                <a:tc>
+                  <a:txBody>
+                    <a:bodyPr/>
+                    <a:lstStyle/>
+                    <a:p>
+                      <a:pPr marL="285750" indent="-285750" algn="just" latinLnBrk="1">
+                        <a:buFont typeface="Arial" panose="020B0604020202020204" pitchFamily="34" charset="0"/>
+                        <a:buChar char="•"/>
+                      </a:pPr>
+                      <a:r>
+                        <a:rPr lang="ko-KR" altLang="en-US" sz="1400" dirty="0"/>
+                        <a:t>소비전력 </a:t>
+                      </a:r>
+                      <a:r>
+                        <a:rPr lang="en-US" altLang="ko-KR" sz="1400" dirty="0"/>
+                        <a:t>: 0.4W</a:t>
+                      </a:r>
+                    </a:p>
+                    <a:p>
+                      <a:pPr marL="285750" indent="-285750" algn="just" latinLnBrk="1">
+                        <a:buFont typeface="Arial" panose="020B0604020202020204" pitchFamily="34" charset="0"/>
+                        <a:buChar char="•"/>
+                      </a:pPr>
+                      <a:r>
+                        <a:rPr lang="ko-KR" altLang="en-US" sz="1400" dirty="0"/>
+                        <a:t>무게 </a:t>
+                      </a:r>
+                      <a:r>
+                        <a:rPr lang="en-US" altLang="ko-KR" sz="1400" dirty="0"/>
+                        <a:t>: 3.2g</a:t>
+                      </a:r>
+                    </a:p>
+                    <a:p>
+                      <a:pPr marL="285750" indent="-285750" algn="just" latinLnBrk="1">
+                        <a:buFont typeface="Arial" panose="020B0604020202020204" pitchFamily="34" charset="0"/>
+                        <a:buChar char="•"/>
+                      </a:pPr>
+                      <a:r>
+                        <a:rPr lang="ko-KR" altLang="en-US" sz="1400" dirty="0"/>
+                        <a:t>크기 </a:t>
+                      </a:r>
+                      <a:r>
+                        <a:rPr lang="en-US" altLang="ko-KR" sz="1400" dirty="0"/>
+                        <a:t>: 85 x 35 x 18mm</a:t>
+                      </a:r>
+                      <a:endParaRPr lang="ko-KR" altLang="en-US" sz="1400" dirty="0"/>
+                    </a:p>
+                  </a:txBody>
+                  <a:tcPr anchor="ctr">
+                    <a:lnL w="12700" cap="flat" cmpd="sng" algn="ctr">
+                      <a:solidFill>
+                        <a:schemeClr val="tx1"/>
+                      </a:solidFill>
+                      <a:prstDash val="solid"/>
+                      <a:round/>
+                      <a:headEnd type="none" w="med" len="med"/>
+                      <a:tailEnd type="none" w="med" len="med"/>
+                    </a:lnL>
+                    <a:lnR w="12700" cap="flat" cmpd="sng" algn="ctr">
+                      <a:solidFill>
+                        <a:schemeClr val="tx1"/>
+                      </a:solidFill>
+                      <a:prstDash val="solid"/>
+                      <a:round/>
+                      <a:headEnd type="none" w="med" len="med"/>
+                      <a:tailEnd type="none" w="med" len="med"/>
+                    </a:lnR>
+                    <a:lnT w="12700" cap="flat" cmpd="sng" algn="ctr">
+                      <a:solidFill>
+                        <a:schemeClr val="tx1"/>
+                      </a:solidFill>
+                      <a:prstDash val="solid"/>
+                      <a:round/>
+                      <a:headEnd type="none" w="med" len="med"/>
+                      <a:tailEnd type="none" w="med" len="med"/>
+                    </a:lnT>
+                    <a:lnB w="12700" cap="flat" cmpd="sng" algn="ctr">
+                      <a:solidFill>
+                        <a:schemeClr val="tx1"/>
+                      </a:solidFill>
+                      <a:prstDash val="solid"/>
+                      <a:round/>
+                      <a:headEnd type="none" w="med" len="med"/>
+                      <a:tailEnd type="none" w="med" len="med"/>
+                    </a:lnB>
+                    <a:solidFill>
+                      <a:schemeClr val="bg1"/>
+                    </a:solidFill>
+                  </a:tcPr>
+                </a:tc>
+                <a:extLst>
+                  <a:ext uri="{0D108BD9-81ED-4DB2-BD59-A6C34878D82A}">
+                    <a16:rowId xmlns:a16="http://schemas.microsoft.com/office/drawing/2014/main" val="3582455734"/>
+                  </a:ext>
+                </a:extLst>
+              </a:tr>
+            </a:tbl>
+          </a:graphicData>
+        </a:graphic>
+      </p:graphicFrame>
+      <p:pic>
+        <p:nvPicPr>
+          <p:cNvPr id="2050" name="Picture 2" descr="Arduino] 아두이노 LCD 16x2 다양한 예제 응용하기">
+            <a:extLst>
+              <a:ext uri="{FF2B5EF4-FFF2-40B4-BE49-F238E27FC236}">
+                <a16:creationId xmlns:a16="http://schemas.microsoft.com/office/drawing/2014/main" id="{1E2498D3-418C-8E40-AE22-14E4F3978C01}"/>
+              </a:ext>
+            </a:extLst>
+          </p:cNvPr>
+          <p:cNvPicPr>
+            <a:picLocks noChangeAspect="1" noChangeArrowheads="1"/>
+          </p:cNvPicPr>
+          <p:nvPr/>
+        </p:nvPicPr>
+        <p:blipFill>
+          <a:blip r:embed="rId2">
+            <a:extLst>
+              <a:ext uri="{28A0092B-C50C-407E-A947-70E740481C1C}">
+                <a14:useLocalDpi xmlns:a14="http://schemas.microsoft.com/office/drawing/2010/main" val="0"/>
+              </a:ext>
+            </a:extLst>
+          </a:blip>
+          <a:srcRect/>
+          <a:stretch>
+            <a:fillRect/>
+          </a:stretch>
+        </p:blipFill>
+        <p:spPr bwMode="auto">
+          <a:xfrm>
+            <a:off x="1529593" y="2765133"/>
+            <a:ext cx="3470246" cy="2589337"/>
+          </a:xfrm>
+          <a:prstGeom prst="rect">
+            <a:avLst/>
+          </a:prstGeom>
+          <a:noFill/>
+          <a:extLst>
+            <a:ext uri="{909E8E84-426E-40DD-AFC4-6F175D3DCCD1}">
+              <a14:hiddenFill xmlns:a14="http://schemas.microsoft.com/office/drawing/2010/main">
+                <a:solidFill>
+                  <a:srgbClr val="FFFFFF"/>
+                </a:solidFill>
+              </a14:hiddenFill>
+            </a:ext>
+          </a:extLst>
+        </p:spPr>
+      </p:pic>
+    </p:spTree>
+    <p:extLst>
+      <p:ext uri="{BB962C8B-B14F-4D97-AF65-F5344CB8AC3E}">
+        <p14:creationId xmlns:p14="http://schemas.microsoft.com/office/powerpoint/2010/main" val="1876724469"/>
+      </p:ext>
+    </p:extLst>
+  </p:cSld>
+  <p:clrMapOvr>
+    <a:masterClrMapping/>
+  </p:clrMapOvr>
+</p:sld>
+</file>
+
+<file path=ppt/slides/slide12.xml><?xml version="1.0" encoding="utf-8"?>
+<p:sld xmlns:a="http://schemas.openxmlformats.org/drawingml/2006/main" xmlns:r="http://schemas.openxmlformats.org/officeDocument/2006/relationships" xmlns:p="http://schemas.openxmlformats.org/presentationml/2006/main">
+  <p:cSld>
+    <p:spTree>
+      <p:nvGrpSpPr>
+        <p:cNvPr id="1" name=""/>
+        <p:cNvGrpSpPr/>
+        <p:nvPr/>
+      </p:nvGrpSpPr>
+      <p:grpSpPr>
+        <a:xfrm>
+          <a:off x="0" y="0"/>
+          <a:ext cx="0" cy="0"/>
+          <a:chOff x="0" y="0"/>
+          <a:chExt cx="0" cy="0"/>
+        </a:xfrm>
+      </p:grpSpPr>
+      <p:sp>
+        <p:nvSpPr>
+          <p:cNvPr id="2" name="제목 1">
+            <a:extLst>
+              <a:ext uri="{FF2B5EF4-FFF2-40B4-BE49-F238E27FC236}">
+                <a16:creationId xmlns:a16="http://schemas.microsoft.com/office/drawing/2014/main" id="{65BC78FF-ED87-0626-D409-704F15D08714}"/>
+              </a:ext>
+            </a:extLst>
+          </p:cNvPr>
+          <p:cNvSpPr>
+            <a:spLocks noGrp="1"/>
+          </p:cNvSpPr>
+          <p:nvPr>
+            <p:ph type="title"/>
+          </p:nvPr>
+        </p:nvSpPr>
+        <p:spPr/>
+        <p:txBody>
+          <a:bodyPr/>
+          <a:lstStyle/>
+          <a:p>
+            <a:r>
+              <a:rPr lang="ko-KR" altLang="en-US" dirty="0"/>
+              <a:t>개발 부품 및 기능 설명</a:t>
+            </a:r>
+          </a:p>
+        </p:txBody>
+      </p:sp>
+      <p:graphicFrame>
+        <p:nvGraphicFramePr>
+          <p:cNvPr id="5" name="표 5">
+            <a:extLst>
+              <a:ext uri="{FF2B5EF4-FFF2-40B4-BE49-F238E27FC236}">
+                <a16:creationId xmlns:a16="http://schemas.microsoft.com/office/drawing/2014/main" id="{79C17199-CE86-ADFB-E374-7C635DF402BA}"/>
+              </a:ext>
+            </a:extLst>
+          </p:cNvPr>
+          <p:cNvGraphicFramePr>
+            <a:graphicFrameLocks noGrp="1"/>
+          </p:cNvGraphicFramePr>
+          <p:nvPr>
+            <p:extLst>
+              <p:ext uri="{D42A27DB-BD31-4B8C-83A1-F6EECF244321}">
+                <p14:modId xmlns:p14="http://schemas.microsoft.com/office/powerpoint/2010/main" val="1659467689"/>
+              </p:ext>
+            </p:extLst>
+          </p:nvPr>
+        </p:nvGraphicFramePr>
+        <p:xfrm>
+          <a:off x="1344103" y="1845476"/>
+          <a:ext cx="9091802" cy="4169430"/>
+        </p:xfrm>
+        <a:graphic>
+          <a:graphicData uri="http://schemas.openxmlformats.org/drawingml/2006/table">
+            <a:tbl>
+              <a:tblPr>
+                <a:tableStyleId>{5C22544A-7EE6-4342-B048-85BDC9FD1C3A}</a:tableStyleId>
+              </a:tblPr>
+              <a:tblGrid>
+                <a:gridCol w="3882238">
+                  <a:extLst>
+                    <a:ext uri="{9D8B030D-6E8A-4147-A177-3AD203B41FA5}">
+                      <a16:colId xmlns:a16="http://schemas.microsoft.com/office/drawing/2014/main" val="3057513107"/>
+                    </a:ext>
+                  </a:extLst>
+                </a:gridCol>
+                <a:gridCol w="5209564">
+                  <a:extLst>
+                    <a:ext uri="{9D8B030D-6E8A-4147-A177-3AD203B41FA5}">
+                      <a16:colId xmlns:a16="http://schemas.microsoft.com/office/drawing/2014/main" val="429643153"/>
+                    </a:ext>
+                  </a:extLst>
+                </a:gridCol>
+              </a:tblGrid>
+              <a:tr h="374277">
+                <a:tc>
+                  <a:txBody>
+                    <a:bodyPr/>
+                    <a:lstStyle/>
+                    <a:p>
+                      <a:pPr algn="ctr" latinLnBrk="1"/>
+                      <a:r>
+                        <a:rPr lang="ko-KR" altLang="en-US" dirty="0"/>
+                        <a:t>센서</a:t>
+                      </a:r>
+                    </a:p>
+                  </a:txBody>
+                  <a:tcPr anchor="ctr">
+                    <a:lnL w="12700" cap="flat" cmpd="sng" algn="ctr">
+                      <a:solidFill>
+                        <a:schemeClr val="tx1"/>
+                      </a:solidFill>
+                      <a:prstDash val="solid"/>
+                      <a:round/>
+                      <a:headEnd type="none" w="med" len="med"/>
+                      <a:tailEnd type="none" w="med" len="med"/>
+                    </a:lnL>
+                    <a:lnR w="12700" cap="flat" cmpd="sng" algn="ctr">
+                      <a:solidFill>
+                        <a:schemeClr val="tx1"/>
+                      </a:solidFill>
+                      <a:prstDash val="solid"/>
+                      <a:round/>
+                      <a:headEnd type="none" w="med" len="med"/>
+                      <a:tailEnd type="none" w="med" len="med"/>
+                    </a:lnR>
+                    <a:lnT w="12700" cap="flat" cmpd="sng" algn="ctr">
+                      <a:solidFill>
+                        <a:schemeClr val="tx1"/>
+                      </a:solidFill>
+                      <a:prstDash val="solid"/>
+                      <a:round/>
+                      <a:headEnd type="none" w="med" len="med"/>
+                      <a:tailEnd type="none" w="med" len="med"/>
+                    </a:lnT>
+                    <a:lnB w="12700" cap="flat" cmpd="sng" algn="ctr">
+                      <a:solidFill>
+                        <a:schemeClr val="tx1"/>
+                      </a:solidFill>
+                      <a:prstDash val="solid"/>
+                      <a:round/>
+                      <a:headEnd type="none" w="med" len="med"/>
+                      <a:tailEnd type="none" w="med" len="med"/>
+                    </a:lnB>
+                    <a:solidFill>
+                      <a:schemeClr val="bg1"/>
+                    </a:solidFill>
+                  </a:tcPr>
+                </a:tc>
+                <a:tc>
+                  <a:txBody>
+                    <a:bodyPr/>
+                    <a:lstStyle/>
+                    <a:p>
+                      <a:pPr algn="ctr" latinLnBrk="1"/>
+                      <a:r>
+                        <a:rPr lang="ko-KR" altLang="en-US" dirty="0"/>
+                        <a:t>기능</a:t>
+                      </a:r>
+                    </a:p>
+                  </a:txBody>
+                  <a:tcPr anchor="ctr">
+                    <a:lnL w="12700" cap="flat" cmpd="sng" algn="ctr">
+                      <a:solidFill>
+                        <a:schemeClr val="tx1"/>
+                      </a:solidFill>
+                      <a:prstDash val="solid"/>
+                      <a:round/>
+                      <a:headEnd type="none" w="med" len="med"/>
+                      <a:tailEnd type="none" w="med" len="med"/>
+                    </a:lnL>
+                    <a:lnR w="12700" cap="flat" cmpd="sng" algn="ctr">
+                      <a:solidFill>
+                        <a:schemeClr val="tx1"/>
+                      </a:solidFill>
+                      <a:prstDash val="solid"/>
+                      <a:round/>
+                      <a:headEnd type="none" w="med" len="med"/>
+                      <a:tailEnd type="none" w="med" len="med"/>
+                    </a:lnR>
+                    <a:lnT w="12700" cap="flat" cmpd="sng" algn="ctr">
+                      <a:solidFill>
+                        <a:schemeClr val="tx1"/>
+                      </a:solidFill>
+                      <a:prstDash val="solid"/>
+                      <a:round/>
+                      <a:headEnd type="none" w="med" len="med"/>
+                      <a:tailEnd type="none" w="med" len="med"/>
+                    </a:lnT>
+                    <a:lnB w="12700" cap="flat" cmpd="sng" algn="ctr">
+                      <a:solidFill>
+                        <a:schemeClr val="tx1"/>
+                      </a:solidFill>
+                      <a:prstDash val="solid"/>
+                      <a:round/>
+                      <a:headEnd type="none" w="med" len="med"/>
+                      <a:tailEnd type="none" w="med" len="med"/>
+                    </a:lnB>
+                    <a:solidFill>
+                      <a:schemeClr val="bg1"/>
+                    </a:solidFill>
+                  </a:tcPr>
+                </a:tc>
+                <a:extLst>
+                  <a:ext uri="{0D108BD9-81ED-4DB2-BD59-A6C34878D82A}">
+                    <a16:rowId xmlns:a16="http://schemas.microsoft.com/office/drawing/2014/main" val="2391504428"/>
+                  </a:ext>
+                </a:extLst>
+              </a:tr>
+              <a:tr h="1655961">
+                <a:tc rowSpan="3">
+                  <a:txBody>
+                    <a:bodyPr/>
+                    <a:lstStyle/>
+                    <a:p>
+                      <a:pPr algn="ctr" latinLnBrk="1"/>
+                      <a:endParaRPr lang="ko-KR" altLang="en-US" dirty="0"/>
+                    </a:p>
+                  </a:txBody>
+                  <a:tcPr anchor="ctr">
+                    <a:lnL w="12700" cap="flat" cmpd="sng" algn="ctr">
+                      <a:solidFill>
+                        <a:schemeClr val="tx1"/>
+                      </a:solidFill>
+                      <a:prstDash val="solid"/>
+                      <a:round/>
+                      <a:headEnd type="none" w="med" len="med"/>
+                      <a:tailEnd type="none" w="med" len="med"/>
+                    </a:lnL>
+                    <a:lnR w="12700" cap="flat" cmpd="sng" algn="ctr">
+                      <a:solidFill>
+                        <a:schemeClr val="tx1"/>
+                      </a:solidFill>
+                      <a:prstDash val="solid"/>
+                      <a:round/>
+                      <a:headEnd type="none" w="med" len="med"/>
+                      <a:tailEnd type="none" w="med" len="med"/>
+                    </a:lnR>
+                    <a:lnT w="12700" cap="flat" cmpd="sng" algn="ctr">
+                      <a:solidFill>
+                        <a:schemeClr val="tx1"/>
+                      </a:solidFill>
+                      <a:prstDash val="solid"/>
+                      <a:round/>
+                      <a:headEnd type="none" w="med" len="med"/>
+                      <a:tailEnd type="none" w="med" len="med"/>
+                    </a:lnT>
+                    <a:lnB w="12700" cap="flat" cmpd="sng" algn="ctr">
+                      <a:solidFill>
+                        <a:schemeClr val="tx1"/>
+                      </a:solidFill>
+                      <a:prstDash val="solid"/>
+                      <a:round/>
+                      <a:headEnd type="none" w="med" len="med"/>
+                      <a:tailEnd type="none" w="med" len="med"/>
+                    </a:lnB>
+                    <a:solidFill>
+                      <a:schemeClr val="bg1"/>
+                    </a:solidFill>
+                  </a:tcPr>
+                </a:tc>
+                <a:tc>
+                  <a:txBody>
+                    <a:bodyPr/>
+                    <a:lstStyle/>
+                    <a:p>
+                      <a:pPr algn="just" latinLnBrk="1"/>
+                      <a:r>
+                        <a:rPr lang="ko-KR" altLang="en-US" sz="1200" b="1" dirty="0"/>
+                        <a:t>펌프모터</a:t>
+                      </a:r>
+                      <a:endParaRPr lang="en-US" altLang="ko-KR" sz="1200" b="1" dirty="0"/>
+                    </a:p>
+                    <a:p>
+                      <a:pPr algn="just" latinLnBrk="1"/>
+                      <a:r>
+                        <a:rPr lang="en-US" altLang="ko-KR" sz="1100" dirty="0"/>
+                        <a:t>-</a:t>
+                      </a:r>
+                      <a:r>
+                        <a:rPr lang="ko-KR" altLang="en-US" sz="1100" dirty="0"/>
+                        <a:t>원동기로부터 기계적 에너지를 받아서 액체나 기체에 압력을 주어 낮은 압력인 곳에서 높은 압력인 곳으로 위치를 바꿔주는 기계</a:t>
+                      </a:r>
+                      <a:endParaRPr lang="en-US" altLang="ko-KR" sz="1100" dirty="0"/>
+                    </a:p>
+                    <a:p>
+                      <a:pPr algn="just" latinLnBrk="1"/>
+                      <a:endParaRPr lang="en-US" altLang="ko-KR" sz="1100" dirty="0"/>
+                    </a:p>
+                    <a:p>
+                      <a:pPr algn="just" latinLnBrk="1"/>
+                      <a:r>
+                        <a:rPr lang="ko-KR" altLang="en-US" sz="1200" b="1" dirty="0"/>
+                        <a:t>기능</a:t>
+                      </a:r>
+                      <a:endParaRPr lang="en-US" altLang="ko-KR" sz="1200" b="1" dirty="0"/>
+                    </a:p>
+                    <a:p>
+                      <a:pPr algn="just" latinLnBrk="1"/>
+                      <a:r>
+                        <a:rPr lang="en-US" altLang="ko-KR" sz="1100" dirty="0"/>
+                        <a:t>-</a:t>
+                      </a:r>
+                      <a:r>
+                        <a:rPr lang="ko-KR" altLang="en-US" sz="1100" dirty="0"/>
+                        <a:t>수중에서 </a:t>
+                      </a:r>
+                      <a:r>
+                        <a:rPr lang="ko-KR" altLang="en-US" sz="1100" dirty="0" err="1"/>
+                        <a:t>펌핑작용을</a:t>
+                      </a:r>
+                      <a:r>
+                        <a:rPr lang="ko-KR" altLang="en-US" sz="1100" dirty="0"/>
+                        <a:t> 하여 물을 빨아들인 후 연결된 호스로 내뱉음</a:t>
+                      </a:r>
+                    </a:p>
+                  </a:txBody>
+                  <a:tcPr anchor="ctr">
+                    <a:lnL w="12700" cap="flat" cmpd="sng" algn="ctr">
+                      <a:solidFill>
+                        <a:schemeClr val="tx1"/>
+                      </a:solidFill>
+                      <a:prstDash val="solid"/>
+                      <a:round/>
+                      <a:headEnd type="none" w="med" len="med"/>
+                      <a:tailEnd type="none" w="med" len="med"/>
+                    </a:lnL>
+                    <a:lnR w="12700" cap="flat" cmpd="sng" algn="ctr">
+                      <a:solidFill>
+                        <a:schemeClr val="tx1"/>
+                      </a:solidFill>
+                      <a:prstDash val="solid"/>
+                      <a:round/>
+                      <a:headEnd type="none" w="med" len="med"/>
+                      <a:tailEnd type="none" w="med" len="med"/>
+                    </a:lnR>
+                    <a:lnT w="12700" cap="flat" cmpd="sng" algn="ctr">
+                      <a:solidFill>
+                        <a:schemeClr val="tx1"/>
+                      </a:solidFill>
+                      <a:prstDash val="solid"/>
+                      <a:round/>
+                      <a:headEnd type="none" w="med" len="med"/>
+                      <a:tailEnd type="none" w="med" len="med"/>
+                    </a:lnT>
+                    <a:lnB w="12700" cap="flat" cmpd="sng" algn="ctr">
+                      <a:solidFill>
+                        <a:schemeClr val="tx1"/>
+                      </a:solidFill>
+                      <a:prstDash val="solid"/>
+                      <a:round/>
+                      <a:headEnd type="none" w="med" len="med"/>
+                      <a:tailEnd type="none" w="med" len="med"/>
+                    </a:lnB>
+                    <a:solidFill>
+                      <a:schemeClr val="bg1"/>
+                    </a:solidFill>
+                  </a:tcPr>
+                </a:tc>
+                <a:extLst>
+                  <a:ext uri="{0D108BD9-81ED-4DB2-BD59-A6C34878D82A}">
+                    <a16:rowId xmlns:a16="http://schemas.microsoft.com/office/drawing/2014/main" val="2943886123"/>
+                  </a:ext>
+                </a:extLst>
+              </a:tr>
+              <a:tr h="369115">
+                <a:tc vMerge="1">
+                  <a:txBody>
+                    <a:bodyPr/>
+                    <a:lstStyle/>
+                    <a:p>
+                      <a:pPr latinLnBrk="1"/>
+                      <a:endParaRPr lang="ko-KR" altLang="en-US" dirty="0"/>
+                    </a:p>
+                  </a:txBody>
+                  <a:tcPr/>
+                </a:tc>
+                <a:tc>
+                  <a:txBody>
+                    <a:bodyPr/>
+                    <a:lstStyle/>
+                    <a:p>
+                      <a:pPr algn="ctr" latinLnBrk="1"/>
+                      <a:r>
+                        <a:rPr lang="ko-KR" altLang="en-US" dirty="0"/>
+                        <a:t>규격</a:t>
+                      </a:r>
+                    </a:p>
+                  </a:txBody>
+                  <a:tcPr anchor="ctr">
+                    <a:lnL w="12700" cap="flat" cmpd="sng" algn="ctr">
+                      <a:solidFill>
+                        <a:schemeClr val="tx1"/>
+                      </a:solidFill>
+                      <a:prstDash val="solid"/>
+                      <a:round/>
+                      <a:headEnd type="none" w="med" len="med"/>
+                      <a:tailEnd type="none" w="med" len="med"/>
+                    </a:lnL>
+                    <a:lnR w="12700" cap="flat" cmpd="sng" algn="ctr">
+                      <a:solidFill>
+                        <a:schemeClr val="tx1"/>
+                      </a:solidFill>
+                      <a:prstDash val="solid"/>
+                      <a:round/>
+                      <a:headEnd type="none" w="med" len="med"/>
+                      <a:tailEnd type="none" w="med" len="med"/>
+                    </a:lnR>
+                    <a:lnT w="12700" cap="flat" cmpd="sng" algn="ctr">
+                      <a:solidFill>
+                        <a:schemeClr val="tx1"/>
+                      </a:solidFill>
+                      <a:prstDash val="solid"/>
+                      <a:round/>
+                      <a:headEnd type="none" w="med" len="med"/>
+                      <a:tailEnd type="none" w="med" len="med"/>
+                    </a:lnT>
+                    <a:lnB w="12700" cap="flat" cmpd="sng" algn="ctr">
+                      <a:solidFill>
+                        <a:schemeClr val="tx1"/>
+                      </a:solidFill>
+                      <a:prstDash val="solid"/>
+                      <a:round/>
+                      <a:headEnd type="none" w="med" len="med"/>
+                      <a:tailEnd type="none" w="med" len="med"/>
+                    </a:lnB>
+                    <a:solidFill>
+                      <a:schemeClr val="bg1"/>
+                    </a:solidFill>
+                  </a:tcPr>
+                </a:tc>
+                <a:extLst>
+                  <a:ext uri="{0D108BD9-81ED-4DB2-BD59-A6C34878D82A}">
+                    <a16:rowId xmlns:a16="http://schemas.microsoft.com/office/drawing/2014/main" val="936401105"/>
+                  </a:ext>
+                </a:extLst>
+              </a:tr>
+              <a:tr h="1770077">
+                <a:tc vMerge="1">
+                  <a:txBody>
+                    <a:bodyPr/>
+                    <a:lstStyle/>
+                    <a:p>
+                      <a:pPr latinLnBrk="1"/>
+                      <a:endParaRPr lang="ko-KR" altLang="en-US" dirty="0"/>
+                    </a:p>
+                  </a:txBody>
+                  <a:tcPr/>
+                </a:tc>
+                <a:tc>
+                  <a:txBody>
+                    <a:bodyPr/>
+                    <a:lstStyle/>
+                    <a:p>
+                      <a:pPr marL="285750" indent="-285750" algn="just" latinLnBrk="1">
+                        <a:buFont typeface="Arial" panose="020B0604020202020204" pitchFamily="34" charset="0"/>
+                        <a:buChar char="•"/>
+                      </a:pPr>
+                      <a:r>
+                        <a:rPr lang="ko-KR" altLang="en-US" sz="1400" dirty="0"/>
+                        <a:t>전압 </a:t>
+                      </a:r>
+                      <a:r>
+                        <a:rPr lang="en-US" altLang="ko-KR" sz="1400" dirty="0"/>
+                        <a:t>: 2.5V~6V</a:t>
+                      </a:r>
+                    </a:p>
+                    <a:p>
+                      <a:pPr marL="285750" indent="-285750" algn="just" latinLnBrk="1">
+                        <a:buFont typeface="Arial" panose="020B0604020202020204" pitchFamily="34" charset="0"/>
+                        <a:buChar char="•"/>
+                      </a:pPr>
+                      <a:r>
+                        <a:rPr lang="ko-KR" altLang="en-US" sz="1400" dirty="0"/>
+                        <a:t>전류 </a:t>
+                      </a:r>
+                      <a:r>
+                        <a:rPr lang="en-US" altLang="ko-KR" sz="1400" dirty="0"/>
+                        <a:t>: 130mA~240mA</a:t>
+                      </a:r>
+                    </a:p>
+                    <a:p>
+                      <a:pPr marL="285750" indent="-285750" algn="just" latinLnBrk="1">
+                        <a:buFont typeface="Arial" panose="020B0604020202020204" pitchFamily="34" charset="0"/>
+                        <a:buChar char="•"/>
+                      </a:pPr>
+                      <a:r>
+                        <a:rPr lang="ko-KR" altLang="en-US" sz="1400" dirty="0"/>
+                        <a:t>크기 </a:t>
+                      </a:r>
+                      <a:r>
+                        <a:rPr lang="en-US" altLang="ko-KR" sz="1400" dirty="0"/>
+                        <a:t>: 43 x 24 x 33mm</a:t>
+                      </a:r>
+                      <a:endParaRPr lang="ko-KR" altLang="en-US" sz="1400" dirty="0"/>
+                    </a:p>
+                  </a:txBody>
+                  <a:tcPr anchor="ctr">
+                    <a:lnL w="12700" cap="flat" cmpd="sng" algn="ctr">
+                      <a:solidFill>
+                        <a:schemeClr val="tx1"/>
+                      </a:solidFill>
+                      <a:prstDash val="solid"/>
+                      <a:round/>
+                      <a:headEnd type="none" w="med" len="med"/>
+                      <a:tailEnd type="none" w="med" len="med"/>
+                    </a:lnL>
+                    <a:lnR w="12700" cap="flat" cmpd="sng" algn="ctr">
+                      <a:solidFill>
+                        <a:schemeClr val="tx1"/>
+                      </a:solidFill>
+                      <a:prstDash val="solid"/>
+                      <a:round/>
+                      <a:headEnd type="none" w="med" len="med"/>
+                      <a:tailEnd type="none" w="med" len="med"/>
+                    </a:lnR>
+                    <a:lnT w="12700" cap="flat" cmpd="sng" algn="ctr">
+                      <a:solidFill>
+                        <a:schemeClr val="tx1"/>
+                      </a:solidFill>
+                      <a:prstDash val="solid"/>
+                      <a:round/>
+                      <a:headEnd type="none" w="med" len="med"/>
+                      <a:tailEnd type="none" w="med" len="med"/>
+                    </a:lnT>
+                    <a:lnB w="12700" cap="flat" cmpd="sng" algn="ctr">
+                      <a:solidFill>
+                        <a:schemeClr val="tx1"/>
+                      </a:solidFill>
+                      <a:prstDash val="solid"/>
+                      <a:round/>
+                      <a:headEnd type="none" w="med" len="med"/>
+                      <a:tailEnd type="none" w="med" len="med"/>
+                    </a:lnB>
+                    <a:solidFill>
+                      <a:schemeClr val="bg1"/>
+                    </a:solidFill>
+                  </a:tcPr>
+                </a:tc>
+                <a:extLst>
+                  <a:ext uri="{0D108BD9-81ED-4DB2-BD59-A6C34878D82A}">
+                    <a16:rowId xmlns:a16="http://schemas.microsoft.com/office/drawing/2014/main" val="3582455734"/>
+                  </a:ext>
+                </a:extLst>
+              </a:tr>
+            </a:tbl>
+          </a:graphicData>
+        </a:graphic>
+      </p:graphicFrame>
+      <p:pic>
+        <p:nvPicPr>
+          <p:cNvPr id="4098" name="Picture 2" descr="에듀이노-코딩교육 전문 쇼핑몰">
+            <a:extLst>
+              <a:ext uri="{FF2B5EF4-FFF2-40B4-BE49-F238E27FC236}">
+                <a16:creationId xmlns:a16="http://schemas.microsoft.com/office/drawing/2014/main" id="{AC82F1C9-1DFB-C25B-7814-8BE925F7E523}"/>
+              </a:ext>
+            </a:extLst>
+          </p:cNvPr>
+          <p:cNvPicPr>
+            <a:picLocks noChangeAspect="1" noChangeArrowheads="1"/>
+          </p:cNvPicPr>
+          <p:nvPr/>
+        </p:nvPicPr>
+        <p:blipFill>
+          <a:blip r:embed="rId2">
+            <a:extLst>
+              <a:ext uri="{28A0092B-C50C-407E-A947-70E740481C1C}">
+                <a14:useLocalDpi xmlns:a14="http://schemas.microsoft.com/office/drawing/2010/main" val="0"/>
+              </a:ext>
+            </a:extLst>
+          </a:blip>
+          <a:srcRect/>
+          <a:stretch>
+            <a:fillRect/>
+          </a:stretch>
+        </p:blipFill>
+        <p:spPr bwMode="auto">
+          <a:xfrm>
+            <a:off x="1667836" y="2483141"/>
+            <a:ext cx="3134162" cy="3134162"/>
+          </a:xfrm>
+          <a:prstGeom prst="rect">
+            <a:avLst/>
+          </a:prstGeom>
+          <a:noFill/>
+          <a:extLst>
+            <a:ext uri="{909E8E84-426E-40DD-AFC4-6F175D3DCCD1}">
+              <a14:hiddenFill xmlns:a14="http://schemas.microsoft.com/office/drawing/2010/main">
+                <a:solidFill>
+                  <a:srgbClr val="FFFFFF"/>
+                </a:solidFill>
+              </a14:hiddenFill>
+            </a:ext>
+          </a:extLst>
+        </p:spPr>
+      </p:pic>
+    </p:spTree>
+    <p:extLst>
+      <p:ext uri="{BB962C8B-B14F-4D97-AF65-F5344CB8AC3E}">
+        <p14:creationId xmlns:p14="http://schemas.microsoft.com/office/powerpoint/2010/main" val="294085977"/>
+      </p:ext>
+    </p:extLst>
+  </p:cSld>
+  <p:clrMapOvr>
+    <a:masterClrMapping/>
+  </p:clrMapOvr>
+</p:sld>
+</file>
+
+<file path=ppt/slides/slide13.xml><?xml version="1.0" encoding="utf-8"?>
+<p:sld xmlns:a="http://schemas.openxmlformats.org/drawingml/2006/main" xmlns:r="http://schemas.openxmlformats.org/officeDocument/2006/relationships" xmlns:p="http://schemas.openxmlformats.org/presentationml/2006/main">
+  <p:cSld>
+    <p:spTree>
+      <p:nvGrpSpPr>
+        <p:cNvPr id="1" name=""/>
+        <p:cNvGrpSpPr/>
+        <p:nvPr/>
+      </p:nvGrpSpPr>
+      <p:grpSpPr>
+        <a:xfrm>
+          <a:off x="0" y="0"/>
+          <a:ext cx="0" cy="0"/>
+          <a:chOff x="0" y="0"/>
+          <a:chExt cx="0" cy="0"/>
+        </a:xfrm>
+      </p:grpSpPr>
+      <p:sp>
+        <p:nvSpPr>
+          <p:cNvPr id="2" name="제목 1">
+            <a:extLst>
+              <a:ext uri="{FF2B5EF4-FFF2-40B4-BE49-F238E27FC236}">
+                <a16:creationId xmlns:a16="http://schemas.microsoft.com/office/drawing/2014/main" id="{65BC78FF-ED87-0626-D409-704F15D08714}"/>
+              </a:ext>
+            </a:extLst>
+          </p:cNvPr>
+          <p:cNvSpPr>
+            <a:spLocks noGrp="1"/>
+          </p:cNvSpPr>
+          <p:nvPr>
+            <p:ph type="title"/>
+          </p:nvPr>
+        </p:nvSpPr>
+        <p:spPr/>
+        <p:txBody>
+          <a:bodyPr/>
+          <a:lstStyle/>
+          <a:p>
+            <a:r>
+              <a:rPr lang="ko-KR" altLang="en-US" dirty="0"/>
+              <a:t>개발 부품 및 기능 설명</a:t>
+            </a:r>
+          </a:p>
+        </p:txBody>
+      </p:sp>
+      <p:graphicFrame>
+        <p:nvGraphicFramePr>
+          <p:cNvPr id="5" name="표 5">
+            <a:extLst>
+              <a:ext uri="{FF2B5EF4-FFF2-40B4-BE49-F238E27FC236}">
+                <a16:creationId xmlns:a16="http://schemas.microsoft.com/office/drawing/2014/main" id="{79C17199-CE86-ADFB-E374-7C635DF402BA}"/>
+              </a:ext>
+            </a:extLst>
+          </p:cNvPr>
+          <p:cNvGraphicFramePr>
+            <a:graphicFrameLocks noGrp="1"/>
+          </p:cNvGraphicFramePr>
+          <p:nvPr>
+            <p:extLst>
+              <p:ext uri="{D42A27DB-BD31-4B8C-83A1-F6EECF244321}">
+                <p14:modId xmlns:p14="http://schemas.microsoft.com/office/powerpoint/2010/main" val="1477039218"/>
+              </p:ext>
+            </p:extLst>
+          </p:nvPr>
+        </p:nvGraphicFramePr>
+        <p:xfrm>
+          <a:off x="1268602" y="2432707"/>
+          <a:ext cx="9192470" cy="2994971"/>
+        </p:xfrm>
+        <a:graphic>
+          <a:graphicData uri="http://schemas.openxmlformats.org/drawingml/2006/table">
+            <a:tbl>
+              <a:tblPr>
+                <a:tableStyleId>{5C22544A-7EE6-4342-B048-85BDC9FD1C3A}</a:tableStyleId>
+              </a:tblPr>
+              <a:tblGrid>
+                <a:gridCol w="3925224">
+                  <a:extLst>
+                    <a:ext uri="{9D8B030D-6E8A-4147-A177-3AD203B41FA5}">
+                      <a16:colId xmlns:a16="http://schemas.microsoft.com/office/drawing/2014/main" val="3057513107"/>
+                    </a:ext>
+                  </a:extLst>
+                </a:gridCol>
+                <a:gridCol w="5267246">
+                  <a:extLst>
+                    <a:ext uri="{9D8B030D-6E8A-4147-A177-3AD203B41FA5}">
+                      <a16:colId xmlns:a16="http://schemas.microsoft.com/office/drawing/2014/main" val="429643153"/>
+                    </a:ext>
+                  </a:extLst>
+                </a:gridCol>
+              </a:tblGrid>
+              <a:tr h="374277">
+                <a:tc>
+                  <a:txBody>
+                    <a:bodyPr/>
+                    <a:lstStyle/>
+                    <a:p>
+                      <a:pPr algn="ctr" latinLnBrk="1"/>
+                      <a:r>
+                        <a:rPr lang="ko-KR" altLang="en-US" dirty="0"/>
+                        <a:t>보드</a:t>
+                      </a:r>
+                    </a:p>
+                  </a:txBody>
+                  <a:tcPr anchor="ctr">
+                    <a:lnL w="12700" cap="flat" cmpd="sng" algn="ctr">
+                      <a:solidFill>
+                        <a:schemeClr val="tx1"/>
+                      </a:solidFill>
+                      <a:prstDash val="solid"/>
+                      <a:round/>
+                      <a:headEnd type="none" w="med" len="med"/>
+                      <a:tailEnd type="none" w="med" len="med"/>
+                    </a:lnL>
+                    <a:lnR w="12700" cap="flat" cmpd="sng" algn="ctr">
+                      <a:solidFill>
+                        <a:schemeClr val="tx1"/>
+                      </a:solidFill>
+                      <a:prstDash val="solid"/>
+                      <a:round/>
+                      <a:headEnd type="none" w="med" len="med"/>
+                      <a:tailEnd type="none" w="med" len="med"/>
+                    </a:lnR>
+                    <a:lnT w="12700" cap="flat" cmpd="sng" algn="ctr">
+                      <a:solidFill>
+                        <a:schemeClr val="tx1"/>
+                      </a:solidFill>
+                      <a:prstDash val="solid"/>
+                      <a:round/>
+                      <a:headEnd type="none" w="med" len="med"/>
+                      <a:tailEnd type="none" w="med" len="med"/>
+                    </a:lnT>
+                    <a:lnB w="12700" cap="flat" cmpd="sng" algn="ctr">
+                      <a:solidFill>
+                        <a:schemeClr val="tx1"/>
+                      </a:solidFill>
+                      <a:prstDash val="solid"/>
+                      <a:round/>
+                      <a:headEnd type="none" w="med" len="med"/>
+                      <a:tailEnd type="none" w="med" len="med"/>
+                    </a:lnB>
+                    <a:solidFill>
+                      <a:schemeClr val="bg1"/>
+                    </a:solidFill>
+                  </a:tcPr>
+                </a:tc>
+                <a:tc>
+                  <a:txBody>
+                    <a:bodyPr/>
+                    <a:lstStyle/>
+                    <a:p>
+                      <a:pPr algn="ctr" latinLnBrk="1"/>
+                      <a:r>
+                        <a:rPr lang="ko-KR" altLang="en-US" dirty="0"/>
+                        <a:t>규격 및 기능</a:t>
+                      </a:r>
+                    </a:p>
+                  </a:txBody>
+                  <a:tcPr anchor="ctr">
+                    <a:lnL w="12700" cap="flat" cmpd="sng" algn="ctr">
+                      <a:solidFill>
+                        <a:schemeClr val="tx1"/>
+                      </a:solidFill>
+                      <a:prstDash val="solid"/>
+                      <a:round/>
+                      <a:headEnd type="none" w="med" len="med"/>
+                      <a:tailEnd type="none" w="med" len="med"/>
+                    </a:lnL>
+                    <a:lnR w="12700" cap="flat" cmpd="sng" algn="ctr">
+                      <a:solidFill>
+                        <a:schemeClr val="tx1"/>
+                      </a:solidFill>
+                      <a:prstDash val="solid"/>
+                      <a:round/>
+                      <a:headEnd type="none" w="med" len="med"/>
+                      <a:tailEnd type="none" w="med" len="med"/>
+                    </a:lnR>
+                    <a:lnT w="12700" cap="flat" cmpd="sng" algn="ctr">
+                      <a:solidFill>
+                        <a:schemeClr val="tx1"/>
+                      </a:solidFill>
+                      <a:prstDash val="solid"/>
+                      <a:round/>
+                      <a:headEnd type="none" w="med" len="med"/>
+                      <a:tailEnd type="none" w="med" len="med"/>
+                    </a:lnT>
+                    <a:lnB w="12700" cap="flat" cmpd="sng" algn="ctr">
+                      <a:solidFill>
+                        <a:schemeClr val="tx1"/>
+                      </a:solidFill>
+                      <a:prstDash val="solid"/>
+                      <a:round/>
+                      <a:headEnd type="none" w="med" len="med"/>
+                      <a:tailEnd type="none" w="med" len="med"/>
+                    </a:lnB>
+                    <a:solidFill>
+                      <a:schemeClr val="bg1"/>
+                    </a:solidFill>
+                  </a:tcPr>
+                </a:tc>
+                <a:extLst>
+                  <a:ext uri="{0D108BD9-81ED-4DB2-BD59-A6C34878D82A}">
+                    <a16:rowId xmlns:a16="http://schemas.microsoft.com/office/drawing/2014/main" val="2391504428"/>
+                  </a:ext>
+                </a:extLst>
+              </a:tr>
+              <a:tr h="2620694">
+                <a:tc>
+                  <a:txBody>
+                    <a:bodyPr/>
+                    <a:lstStyle/>
+                    <a:p>
+                      <a:pPr algn="ctr" latinLnBrk="1"/>
+                      <a:endParaRPr lang="ko-KR" altLang="en-US" dirty="0"/>
+                    </a:p>
+                  </a:txBody>
+                  <a:tcPr anchor="ctr">
+                    <a:lnL w="12700" cap="flat" cmpd="sng" algn="ctr">
+                      <a:solidFill>
+                        <a:schemeClr val="tx1"/>
+                      </a:solidFill>
+                      <a:prstDash val="solid"/>
+                      <a:round/>
+                      <a:headEnd type="none" w="med" len="med"/>
+                      <a:tailEnd type="none" w="med" len="med"/>
+                    </a:lnL>
+                    <a:lnR w="12700" cap="flat" cmpd="sng" algn="ctr">
+                      <a:solidFill>
+                        <a:schemeClr val="tx1"/>
+                      </a:solidFill>
+                      <a:prstDash val="solid"/>
+                      <a:round/>
+                      <a:headEnd type="none" w="med" len="med"/>
+                      <a:tailEnd type="none" w="med" len="med"/>
+                    </a:lnR>
+                    <a:lnT w="12700" cap="flat" cmpd="sng" algn="ctr">
+                      <a:solidFill>
+                        <a:schemeClr val="tx1"/>
+                      </a:solidFill>
+                      <a:prstDash val="solid"/>
+                      <a:round/>
+                      <a:headEnd type="none" w="med" len="med"/>
+                      <a:tailEnd type="none" w="med" len="med"/>
+                    </a:lnT>
+                    <a:lnB w="12700" cap="flat" cmpd="sng" algn="ctr">
+                      <a:solidFill>
+                        <a:schemeClr val="tx1"/>
+                      </a:solidFill>
+                      <a:prstDash val="solid"/>
+                      <a:round/>
+                      <a:headEnd type="none" w="med" len="med"/>
+                      <a:tailEnd type="none" w="med" len="med"/>
+                    </a:lnB>
+                    <a:solidFill>
+                      <a:schemeClr val="bg1"/>
+                    </a:solidFill>
+                  </a:tcPr>
+                </a:tc>
+                <a:tc>
+                  <a:txBody>
+                    <a:bodyPr/>
+                    <a:lstStyle/>
+                    <a:p>
+                      <a:pPr algn="just" latinLnBrk="1"/>
+                      <a:r>
+                        <a:rPr lang="ko-KR" altLang="en-US" sz="1600" b="1" dirty="0" err="1"/>
+                        <a:t>아두이노</a:t>
+                      </a:r>
+                      <a:r>
+                        <a:rPr lang="ko-KR" altLang="en-US" sz="1600" b="1" dirty="0"/>
+                        <a:t> </a:t>
+                      </a:r>
+                      <a:r>
+                        <a:rPr lang="ko-KR" altLang="en-US" sz="1600" b="1" dirty="0" err="1"/>
+                        <a:t>우노</a:t>
+                      </a:r>
+                      <a:r>
+                        <a:rPr lang="ko-KR" altLang="en-US" sz="1600" b="1" dirty="0"/>
+                        <a:t> 보드</a:t>
+                      </a:r>
+                      <a:endParaRPr lang="en-US" altLang="ko-KR" sz="1600" b="1" dirty="0"/>
+                    </a:p>
+                    <a:p>
+                      <a:pPr algn="just" latinLnBrk="1"/>
+                      <a:endParaRPr lang="en-US" altLang="ko-KR" sz="1400" dirty="0"/>
+                    </a:p>
+                    <a:p>
+                      <a:pPr marL="285750" indent="-285750" algn="just" latinLnBrk="1">
+                        <a:buFont typeface="Arial" panose="020B0604020202020204" pitchFamily="34" charset="0"/>
+                        <a:buChar char="•"/>
+                      </a:pPr>
+                      <a:r>
+                        <a:rPr lang="ko-KR" altLang="en-US" sz="1400" dirty="0"/>
+                        <a:t>규격</a:t>
+                      </a:r>
+                      <a:endParaRPr lang="en-US" altLang="ko-KR" sz="1400" dirty="0"/>
+                    </a:p>
+                    <a:p>
+                      <a:pPr marL="0" indent="0" algn="just" latinLnBrk="1">
+                        <a:buFont typeface="Arial" panose="020B0604020202020204" pitchFamily="34" charset="0"/>
+                        <a:buNone/>
+                      </a:pPr>
+                      <a:r>
+                        <a:rPr lang="en-US" altLang="ko-KR" sz="1400" dirty="0"/>
+                        <a:t>-</a:t>
+                      </a:r>
+                      <a:r>
+                        <a:rPr lang="ko-KR" altLang="en-US" sz="1400" dirty="0"/>
+                        <a:t>마이크로 컨트롤러</a:t>
+                      </a:r>
+                      <a:endParaRPr lang="en-US" altLang="ko-KR" sz="1400" dirty="0"/>
+                    </a:p>
+                    <a:p>
+                      <a:pPr marL="0" indent="0" algn="just" latinLnBrk="1">
+                        <a:buFont typeface="Arial" panose="020B0604020202020204" pitchFamily="34" charset="0"/>
+                        <a:buNone/>
+                      </a:pPr>
+                      <a:r>
+                        <a:rPr lang="en-US" altLang="ko-KR" sz="1400" dirty="0"/>
+                        <a:t>-</a:t>
+                      </a:r>
+                      <a:r>
+                        <a:rPr lang="ko-KR" altLang="en-US" sz="1400" dirty="0"/>
+                        <a:t>시스템 전압</a:t>
+                      </a:r>
+                      <a:r>
+                        <a:rPr lang="en-US" altLang="ko-KR" sz="1400" dirty="0"/>
+                        <a:t> : 5V</a:t>
+                      </a:r>
+                    </a:p>
+                    <a:p>
+                      <a:pPr marL="0" indent="0" algn="just" latinLnBrk="1">
+                        <a:buFont typeface="Arial" panose="020B0604020202020204" pitchFamily="34" charset="0"/>
+                        <a:buNone/>
+                      </a:pPr>
+                      <a:r>
+                        <a:rPr lang="en-US" altLang="ko-KR" sz="1400" dirty="0"/>
+                        <a:t>-</a:t>
+                      </a:r>
+                      <a:r>
+                        <a:rPr lang="ko-KR" altLang="en-US" sz="1400" dirty="0" err="1"/>
+                        <a:t>크키</a:t>
+                      </a:r>
+                      <a:r>
+                        <a:rPr lang="ko-KR" altLang="en-US" sz="1400" dirty="0"/>
+                        <a:t> </a:t>
+                      </a:r>
+                      <a:r>
+                        <a:rPr lang="en-US" altLang="ko-KR" sz="1400" dirty="0"/>
+                        <a:t>: 68</a:t>
+                      </a:r>
+                      <a:r>
+                        <a:rPr lang="ko-KR" altLang="en-US" sz="1400" dirty="0"/>
+                        <a:t> </a:t>
+                      </a:r>
+                      <a:r>
+                        <a:rPr lang="en-US" altLang="ko-KR" sz="1400" dirty="0"/>
+                        <a:t>x</a:t>
+                      </a:r>
+                      <a:r>
+                        <a:rPr lang="ko-KR" altLang="en-US" sz="1400" dirty="0"/>
+                        <a:t> </a:t>
+                      </a:r>
+                      <a:r>
+                        <a:rPr lang="en-US" altLang="ko-KR" sz="1400" dirty="0"/>
+                        <a:t>53mm</a:t>
+                      </a:r>
+                    </a:p>
+                    <a:p>
+                      <a:pPr marL="0" indent="0" algn="just" latinLnBrk="1">
+                        <a:buFont typeface="Arial" panose="020B0604020202020204" pitchFamily="34" charset="0"/>
+                        <a:buNone/>
+                      </a:pPr>
+                      <a:r>
+                        <a:rPr lang="en-US" altLang="ko-KR" sz="1400" dirty="0"/>
+                        <a:t>-</a:t>
+                      </a:r>
+                      <a:r>
+                        <a:rPr lang="ko-KR" altLang="en-US" sz="1400" dirty="0"/>
+                        <a:t>디지털 입출력 핀 </a:t>
+                      </a:r>
+                      <a:r>
+                        <a:rPr lang="en-US" altLang="ko-KR" sz="1400" dirty="0"/>
+                        <a:t>: 20</a:t>
+                      </a:r>
+                    </a:p>
+                    <a:p>
+                      <a:pPr marL="0" indent="0" algn="just" latinLnBrk="1">
+                        <a:buFont typeface="Arial" panose="020B0604020202020204" pitchFamily="34" charset="0"/>
+                        <a:buNone/>
+                      </a:pPr>
+                      <a:r>
+                        <a:rPr lang="en-US" altLang="ko-KR" sz="1400" dirty="0"/>
+                        <a:t>-</a:t>
+                      </a:r>
+                      <a:r>
+                        <a:rPr lang="ko-KR" altLang="en-US" sz="1400" dirty="0"/>
+                        <a:t>아날로그 입력 핀 </a:t>
+                      </a:r>
+                      <a:r>
+                        <a:rPr lang="en-US" altLang="ko-KR" sz="1400" dirty="0"/>
+                        <a:t>: 6</a:t>
+                      </a:r>
+                    </a:p>
+                    <a:p>
+                      <a:pPr marL="0" indent="0" algn="just" latinLnBrk="1">
+                        <a:buFont typeface="Arial" panose="020B0604020202020204" pitchFamily="34" charset="0"/>
+                        <a:buNone/>
+                      </a:pPr>
+                      <a:r>
+                        <a:rPr lang="en-US" altLang="ko-KR" sz="1400" dirty="0"/>
+                        <a:t>-PWM </a:t>
+                      </a:r>
+                      <a:r>
+                        <a:rPr lang="ko-KR" altLang="en-US" sz="1400" dirty="0"/>
+                        <a:t>출력 핀 </a:t>
+                      </a:r>
+                      <a:r>
+                        <a:rPr lang="en-US" altLang="ko-KR" sz="1400" dirty="0"/>
+                        <a:t>: 6</a:t>
+                      </a:r>
+                      <a:endParaRPr lang="ko-KR" altLang="en-US" sz="1400" dirty="0"/>
+                    </a:p>
+                  </a:txBody>
+                  <a:tcPr anchor="ctr">
+                    <a:lnL w="12700" cap="flat" cmpd="sng" algn="ctr">
+                      <a:solidFill>
+                        <a:schemeClr val="tx1"/>
+                      </a:solidFill>
+                      <a:prstDash val="solid"/>
+                      <a:round/>
+                      <a:headEnd type="none" w="med" len="med"/>
+                      <a:tailEnd type="none" w="med" len="med"/>
+                    </a:lnL>
+                    <a:lnR w="12700" cap="flat" cmpd="sng" algn="ctr">
+                      <a:solidFill>
+                        <a:schemeClr val="tx1"/>
+                      </a:solidFill>
+                      <a:prstDash val="solid"/>
+                      <a:round/>
+                      <a:headEnd type="none" w="med" len="med"/>
+                      <a:tailEnd type="none" w="med" len="med"/>
+                    </a:lnR>
+                    <a:lnT w="12700" cap="flat" cmpd="sng" algn="ctr">
+                      <a:solidFill>
+                        <a:schemeClr val="tx1"/>
+                      </a:solidFill>
+                      <a:prstDash val="solid"/>
+                      <a:round/>
+                      <a:headEnd type="none" w="med" len="med"/>
+                      <a:tailEnd type="none" w="med" len="med"/>
+                    </a:lnT>
+                    <a:lnB w="12700" cap="flat" cmpd="sng" algn="ctr">
+                      <a:solidFill>
+                        <a:schemeClr val="tx1"/>
+                      </a:solidFill>
+                      <a:prstDash val="solid"/>
+                      <a:round/>
+                      <a:headEnd type="none" w="med" len="med"/>
+                      <a:tailEnd type="none" w="med" len="med"/>
+                    </a:lnB>
+                    <a:solidFill>
+                      <a:schemeClr val="bg1"/>
+                    </a:solidFill>
+                  </a:tcPr>
+                </a:tc>
+                <a:extLst>
+                  <a:ext uri="{0D108BD9-81ED-4DB2-BD59-A6C34878D82A}">
+                    <a16:rowId xmlns:a16="http://schemas.microsoft.com/office/drawing/2014/main" val="2943886123"/>
+                  </a:ext>
+                </a:extLst>
+              </a:tr>
+            </a:tbl>
+          </a:graphicData>
+        </a:graphic>
+      </p:graphicFrame>
+      <p:pic>
+        <p:nvPicPr>
+          <p:cNvPr id="5122" name="Picture 2" descr="아두이노 보드 목록 - 위키백과, 우리 모두의 백과사전">
+            <a:extLst>
+              <a:ext uri="{FF2B5EF4-FFF2-40B4-BE49-F238E27FC236}">
+                <a16:creationId xmlns:a16="http://schemas.microsoft.com/office/drawing/2014/main" id="{F8D74F07-184C-444A-9223-782444B25A26}"/>
+              </a:ext>
+            </a:extLst>
+          </p:cNvPr>
+          <p:cNvPicPr>
+            <a:picLocks noChangeAspect="1" noChangeArrowheads="1"/>
+          </p:cNvPicPr>
+          <p:nvPr/>
+        </p:nvPicPr>
+        <p:blipFill>
+          <a:blip r:embed="rId2">
+            <a:extLst>
+              <a:ext uri="{28A0092B-C50C-407E-A947-70E740481C1C}">
+                <a14:useLocalDpi xmlns:a14="http://schemas.microsoft.com/office/drawing/2010/main" val="0"/>
+              </a:ext>
+            </a:extLst>
+          </a:blip>
+          <a:srcRect/>
+          <a:stretch>
+            <a:fillRect/>
+          </a:stretch>
+        </p:blipFill>
+        <p:spPr bwMode="auto">
+          <a:xfrm>
+            <a:off x="1401182" y="2925661"/>
+            <a:ext cx="3521280" cy="2315362"/>
+          </a:xfrm>
+          <a:prstGeom prst="rect">
+            <a:avLst/>
+          </a:prstGeom>
+          <a:noFill/>
+          <a:extLst>
+            <a:ext uri="{909E8E84-426E-40DD-AFC4-6F175D3DCCD1}">
+              <a14:hiddenFill xmlns:a14="http://schemas.microsoft.com/office/drawing/2010/main">
+                <a:solidFill>
+                  <a:srgbClr val="FFFFFF"/>
+                </a:solidFill>
+              </a14:hiddenFill>
+            </a:ext>
+          </a:extLst>
+        </p:spPr>
+      </p:pic>
+    </p:spTree>
+    <p:extLst>
+      <p:ext uri="{BB962C8B-B14F-4D97-AF65-F5344CB8AC3E}">
+        <p14:creationId xmlns:p14="http://schemas.microsoft.com/office/powerpoint/2010/main" val="128534017"/>
+      </p:ext>
+    </p:extLst>
+  </p:cSld>
+  <p:clrMapOvr>
+    <a:masterClrMapping/>
+  </p:clrMapOvr>
+</p:sld>
+</file>
+
+<file path=ppt/slides/slide14.xml><?xml version="1.0" encoding="utf-8"?>
+<p:sld xmlns:a="http://schemas.openxmlformats.org/drawingml/2006/main" xmlns:r="http://schemas.openxmlformats.org/officeDocument/2006/relationships" xmlns:p="http://schemas.openxmlformats.org/presentationml/2006/main">
+  <p:cSld>
+    <p:spTree>
+      <p:nvGrpSpPr>
+        <p:cNvPr id="1" name=""/>
+        <p:cNvGrpSpPr/>
+        <p:nvPr/>
+      </p:nvGrpSpPr>
+      <p:grpSpPr>
+        <a:xfrm>
+          <a:off x="0" y="0"/>
+          <a:ext cx="0" cy="0"/>
+          <a:chOff x="0" y="0"/>
+          <a:chExt cx="0" cy="0"/>
+        </a:xfrm>
+      </p:grpSpPr>
+      <p:sp>
+        <p:nvSpPr>
+          <p:cNvPr id="2" name="제목 1">
+            <a:extLst>
+              <a:ext uri="{FF2B5EF4-FFF2-40B4-BE49-F238E27FC236}">
+                <a16:creationId xmlns:a16="http://schemas.microsoft.com/office/drawing/2014/main" id="{637433FE-3326-ACE4-EB7B-9A184EAD3978}"/>
+              </a:ext>
+            </a:extLst>
+          </p:cNvPr>
+          <p:cNvSpPr>
+            <a:spLocks noGrp="1"/>
+          </p:cNvSpPr>
+          <p:nvPr>
+            <p:ph type="title"/>
+          </p:nvPr>
+        </p:nvSpPr>
+        <p:spPr/>
+        <p:txBody>
+          <a:bodyPr/>
+          <a:lstStyle/>
+          <a:p>
+            <a:r>
+              <a:rPr lang="ko-KR" altLang="en-US" dirty="0"/>
               <a:t>출처</a:t>
             </a:r>
           </a:p>
@@ -4037,10 +5852,15 @@
             <p:ph idx="1"/>
           </p:nvPr>
         </p:nvSpPr>
-        <p:spPr/>
+        <p:spPr>
+          <a:xfrm>
+            <a:off x="838200" y="1439731"/>
+            <a:ext cx="10515600" cy="4351338"/>
+          </a:xfrm>
+        </p:spPr>
         <p:txBody>
           <a:bodyPr>
-            <a:normAutofit/>
+            <a:normAutofit lnSpcReduction="10000"/>
           </a:bodyPr>
           <a:lstStyle/>
           <a:p>
@@ -4109,8 +5929,48 @@
           </a:p>
           <a:p>
             <a:r>
+              <a:rPr lang="en-US" altLang="ko-KR" sz="1600" dirty="0">
+                <a:hlinkClick r:id="rId5"/>
+              </a:rPr>
+              <a:t>https://www.flaticon.com/kr/free-icon/flower-shape_3977192</a:t>
+            </a:r>
+            <a:endParaRPr lang="en-US" altLang="ko-KR" sz="1600" dirty="0"/>
+          </a:p>
+          <a:p>
+            <a:endParaRPr lang="en-US" altLang="ko-KR" sz="1600" dirty="0"/>
+          </a:p>
+          <a:p>
+            <a:pPr marL="0" indent="0">
+              <a:buNone/>
+            </a:pPr>
+            <a:r>
+              <a:rPr lang="ko-KR" altLang="en-US" sz="1600" dirty="0"/>
+              <a:t>개발 부품 및 기능 설명</a:t>
+            </a:r>
+            <a:endParaRPr lang="en-US" altLang="ko-KR" sz="1600" dirty="0"/>
+          </a:p>
+          <a:p>
+            <a:r>
+              <a:rPr lang="en-US" altLang="ko-KR" sz="1600" dirty="0">
+                <a:hlinkClick r:id="rId6"/>
+              </a:rPr>
+              <a:t>http://vctec.co.kr/product/dht11-%EC%98%A8%EC%8A%B5%EB%8F%84-%EC%84%BC%EC%84%9C-%EB%AA%A8%EB%93%88-dht11-digital-temperature-humidity-sensor/10797/</a:t>
+            </a:r>
+            <a:endParaRPr lang="en-US" altLang="ko-KR" sz="1600" dirty="0"/>
+          </a:p>
+          <a:p>
+            <a:r>
+              <a:rPr lang="en-US" altLang="ko-KR" sz="1600" dirty="0">
+                <a:hlinkClick r:id="rId7"/>
+              </a:rPr>
+              <a:t>https://artsung410.tistory.com/43</a:t>
+            </a:r>
+            <a:endParaRPr lang="en-US" altLang="ko-KR" sz="1600" dirty="0"/>
+          </a:p>
+          <a:p>
+            <a:r>
               <a:rPr lang="en-US" altLang="ko-KR" sz="1600" dirty="0"/>
-              <a:t>https://www.flaticon.com/kr/free-icon/flower-shape_3977192</a:t>
+              <a:t>https://www.eduino.kr/product/detail.html?product_no=984</a:t>
             </a:r>
           </a:p>
           <a:p>
@@ -6423,7 +8283,7 @@
           <p:nvPr>
             <p:extLst>
               <p:ext uri="{D42A27DB-BD31-4B8C-83A1-F6EECF244321}">
-                <p14:modId xmlns:p14="http://schemas.microsoft.com/office/powerpoint/2010/main" val="4263882614"/>
+                <p14:modId xmlns:p14="http://schemas.microsoft.com/office/powerpoint/2010/main" val="535958236"/>
               </p:ext>
             </p:extLst>
           </p:nvPr>
@@ -6474,14 +8334,14 @@
                     </a:ext>
                   </a:extLst>
                 </a:gridCol>
-                <a:gridCol w="1249960">
+                <a:gridCol w="1300294">
                   <a:extLst>
                     <a:ext uri="{9D8B030D-6E8A-4147-A177-3AD203B41FA5}">
                       <a16:colId xmlns:a16="http://schemas.microsoft.com/office/drawing/2014/main" val="3666117351"/>
                     </a:ext>
                   </a:extLst>
                 </a:gridCol>
-                <a:gridCol w="963997">
+                <a:gridCol w="913663">
                   <a:extLst>
                     <a:ext uri="{9D8B030D-6E8A-4147-A177-3AD203B41FA5}">
                       <a16:colId xmlns:a16="http://schemas.microsoft.com/office/drawing/2014/main" val="1735258011"/>
@@ -6551,11 +8411,14 @@
                     <a:lstStyle/>
                     <a:p>
                       <a:pPr algn="ctr" latinLnBrk="1"/>
-                      <a:endParaRPr lang="ko-KR" altLang="en-US" sz="1050" b="0" dirty="0">
-                        <a:solidFill>
-                          <a:schemeClr val="tx1"/>
-                        </a:solidFill>
-                      </a:endParaRPr>
+                      <a:r>
+                        <a:rPr lang="ko-KR" altLang="en-US" sz="1050" b="0" dirty="0">
+                          <a:solidFill>
+                            <a:schemeClr val="tx1"/>
+                          </a:solidFill>
+                        </a:rPr>
+                        <a:t>개요</a:t>
+                      </a:r>
                     </a:p>
                   </a:txBody>
                   <a:tcPr anchor="ctr">
@@ -6606,11 +8469,14 @@
                     <a:lstStyle/>
                     <a:p>
                       <a:pPr algn="ctr" latinLnBrk="1"/>
-                      <a:endParaRPr lang="ko-KR" altLang="en-US" sz="1050" b="0" dirty="0">
-                        <a:solidFill>
-                          <a:schemeClr val="tx1"/>
-                        </a:solidFill>
-                      </a:endParaRPr>
+                      <a:r>
+                        <a:rPr lang="ko-KR" altLang="en-US" sz="1050" b="0" dirty="0">
+                          <a:solidFill>
+                            <a:schemeClr val="tx1"/>
+                          </a:solidFill>
+                        </a:rPr>
+                        <a:t>주요기능</a:t>
+                      </a:r>
                     </a:p>
                   </a:txBody>
                   <a:tcPr anchor="ctr">
@@ -6661,6 +8527,14 @@
                     <a:lstStyle/>
                     <a:p>
                       <a:pPr algn="ctr" latinLnBrk="1"/>
+                      <a:r>
+                        <a:rPr lang="ko-KR" altLang="en-US" sz="1050" b="0" dirty="0" err="1">
+                          <a:solidFill>
+                            <a:schemeClr val="tx1"/>
+                          </a:solidFill>
+                        </a:rPr>
+                        <a:t>제공컨텐츠</a:t>
+                      </a:r>
                       <a:endParaRPr lang="ko-KR" altLang="en-US" sz="1050" b="0" dirty="0">
                         <a:solidFill>
                           <a:schemeClr val="tx1"/>
@@ -6716,11 +8590,30 @@
                     <a:lstStyle/>
                     <a:p>
                       <a:pPr algn="ctr" latinLnBrk="1"/>
-                      <a:endParaRPr lang="ko-KR" altLang="en-US" sz="1050" b="0" dirty="0">
-                        <a:solidFill>
-                          <a:schemeClr val="tx1"/>
-                        </a:solidFill>
-                      </a:endParaRPr>
+                      <a:r>
+                        <a:rPr lang="ko-KR" altLang="en-US" sz="1050" b="0" dirty="0">
+                          <a:solidFill>
+                            <a:schemeClr val="tx1"/>
+                          </a:solidFill>
+                        </a:rPr>
+                        <a:t>유료</a:t>
+                      </a:r>
+                      <a:r>
+                        <a:rPr lang="en-US" altLang="ko-KR" sz="1050" b="0" dirty="0">
+                          <a:solidFill>
+                            <a:schemeClr val="tx1"/>
+                          </a:solidFill>
+                        </a:rPr>
+                        <a:t>/</a:t>
+                      </a:r>
+                      <a:r>
+                        <a:rPr lang="ko-KR" altLang="en-US" sz="1050" b="0" dirty="0">
+                          <a:solidFill>
+                            <a:schemeClr val="tx1"/>
+                          </a:solidFill>
+                        </a:rPr>
+                        <a:t>무료</a:t>
+                      </a:r>
                     </a:p>
                   </a:txBody>
                   <a:tcPr anchor="ctr">
@@ -6771,11 +8664,14 @@
                     <a:lstStyle/>
                     <a:p>
                       <a:pPr algn="ctr" latinLnBrk="1"/>
-                      <a:endParaRPr lang="ko-KR" altLang="en-US" sz="1050" b="0" dirty="0">
-                        <a:solidFill>
-                          <a:schemeClr val="tx1"/>
-                        </a:solidFill>
-                      </a:endParaRPr>
+                      <a:r>
+                        <a:rPr lang="ko-KR" altLang="en-US" sz="1050" b="0" dirty="0">
+                          <a:solidFill>
+                            <a:schemeClr val="tx1"/>
+                          </a:solidFill>
+                        </a:rPr>
+                        <a:t>개발자</a:t>
+                      </a:r>
                     </a:p>
                   </a:txBody>
                   <a:tcPr anchor="ctr">
@@ -6826,11 +8722,14 @@
                     <a:lstStyle/>
                     <a:p>
                       <a:pPr algn="ctr" latinLnBrk="1"/>
-                      <a:endParaRPr lang="ko-KR" altLang="en-US" sz="1050" b="0" dirty="0">
-                        <a:solidFill>
-                          <a:schemeClr val="tx1"/>
-                        </a:solidFill>
-                      </a:endParaRPr>
+                      <a:r>
+                        <a:rPr lang="ko-KR" altLang="en-US" sz="1050" b="0" dirty="0">
+                          <a:solidFill>
+                            <a:schemeClr val="tx1"/>
+                          </a:solidFill>
+                        </a:rPr>
+                        <a:t>개발날짜</a:t>
+                      </a:r>
                     </a:p>
                   </a:txBody>
                   <a:tcPr anchor="ctr">
@@ -6943,6 +8842,54 @@
                     <a:lstStyle/>
                     <a:p>
                       <a:pPr algn="ctr" latinLnBrk="1"/>
+                      <a:r>
+                        <a:rPr lang="ko-KR" altLang="en-US" sz="1050" dirty="0">
+                          <a:solidFill>
+                            <a:schemeClr val="tx1"/>
+                          </a:solidFill>
+                        </a:rPr>
+                        <a:t>펌프모터와 </a:t>
+                      </a:r>
+                      <a:r>
+                        <a:rPr lang="ko-KR" altLang="en-US" sz="1050" dirty="0" err="1">
+                          <a:solidFill>
+                            <a:schemeClr val="tx1"/>
+                          </a:solidFill>
+                        </a:rPr>
+                        <a:t>아두이노</a:t>
+                      </a:r>
+                      <a:r>
+                        <a:rPr lang="ko-KR" altLang="en-US" sz="1050" dirty="0">
+                          <a:solidFill>
+                            <a:schemeClr val="tx1"/>
+                          </a:solidFill>
+                        </a:rPr>
+                        <a:t> </a:t>
+                      </a:r>
+                      <a:r>
+                        <a:rPr lang="ko-KR" altLang="en-US" sz="1050" dirty="0" err="1">
+                          <a:solidFill>
+                            <a:schemeClr val="tx1"/>
+                          </a:solidFill>
+                        </a:rPr>
+                        <a:t>택트</a:t>
+                      </a:r>
+                      <a:r>
+                        <a:rPr lang="ko-KR" altLang="en-US" sz="1050" dirty="0">
+                          <a:solidFill>
+                            <a:schemeClr val="tx1"/>
+                          </a:solidFill>
+                        </a:rPr>
+                        <a:t> 스위치 모듈을 사용해 물을 </a:t>
+                      </a:r>
+                      <a:r>
+                        <a:rPr lang="ko-KR" altLang="en-US" sz="1050" dirty="0" err="1">
+                          <a:solidFill>
+                            <a:schemeClr val="tx1"/>
+                          </a:solidFill>
+                        </a:rPr>
+                        <a:t>펌핑</a:t>
+                      </a:r>
                       <a:endParaRPr lang="ko-KR" altLang="en-US" sz="1050" dirty="0">
                         <a:solidFill>
                           <a:schemeClr val="tx1"/>
@@ -6998,11 +8945,14 @@
                     <a:lstStyle/>
                     <a:p>
                       <a:pPr algn="ctr" latinLnBrk="1"/>
-                      <a:endParaRPr lang="ko-KR" altLang="en-US" sz="1050" dirty="0">
-                        <a:solidFill>
-                          <a:schemeClr val="tx1"/>
-                        </a:solidFill>
-                      </a:endParaRPr>
+                      <a:r>
+                        <a:rPr lang="ko-KR" altLang="en-US" sz="1050" dirty="0">
+                          <a:solidFill>
+                            <a:schemeClr val="tx1"/>
+                          </a:solidFill>
+                        </a:rPr>
+                        <a:t>스위치를 누르면 펌프가 작동해 물을 내뱉음</a:t>
+                      </a:r>
                     </a:p>
                   </a:txBody>
                   <a:tcPr anchor="ctr">
@@ -7053,11 +9003,14 @@
                     <a:lstStyle/>
                     <a:p>
                       <a:pPr algn="ctr" latinLnBrk="1"/>
-                      <a:endParaRPr lang="ko-KR" altLang="en-US" sz="1050" dirty="0">
-                        <a:solidFill>
-                          <a:schemeClr val="tx1"/>
-                        </a:solidFill>
-                      </a:endParaRPr>
+                      <a:r>
+                        <a:rPr lang="ko-KR" altLang="en-US" sz="1050" dirty="0">
+                          <a:solidFill>
+                            <a:schemeClr val="tx1"/>
+                          </a:solidFill>
+                        </a:rPr>
+                        <a:t>수분 공급</a:t>
+                      </a:r>
                     </a:p>
                   </a:txBody>
                   <a:tcPr anchor="ctr">
@@ -7108,11 +9061,14 @@
                     <a:lstStyle/>
                     <a:p>
                       <a:pPr algn="ctr" latinLnBrk="1"/>
-                      <a:endParaRPr lang="ko-KR" altLang="en-US" sz="1050" dirty="0">
-                        <a:solidFill>
-                          <a:schemeClr val="tx1"/>
-                        </a:solidFill>
-                      </a:endParaRPr>
+                      <a:r>
+                        <a:rPr lang="ko-KR" altLang="en-US" sz="1050" dirty="0">
+                          <a:solidFill>
+                            <a:schemeClr val="tx1"/>
+                          </a:solidFill>
+                        </a:rPr>
+                        <a:t>무료</a:t>
+                      </a:r>
                     </a:p>
                   </a:txBody>
                   <a:tcPr anchor="ctr">
@@ -7163,11 +9119,14 @@
                     <a:lstStyle/>
                     <a:p>
                       <a:pPr algn="ctr" latinLnBrk="1"/>
-                      <a:endParaRPr lang="ko-KR" altLang="en-US" sz="1050" dirty="0">
-                        <a:solidFill>
-                          <a:schemeClr val="tx1"/>
-                        </a:solidFill>
-                      </a:endParaRPr>
+                      <a:r>
+                        <a:rPr lang="ko-KR" altLang="en-US" sz="1050" dirty="0">
+                          <a:solidFill>
+                            <a:schemeClr val="tx1"/>
+                          </a:solidFill>
+                        </a:rPr>
+                        <a:t>배씨의 프로그래밍</a:t>
+                      </a:r>
                     </a:p>
                   </a:txBody>
                   <a:tcPr anchor="ctr">
@@ -7218,6 +9177,14 @@
                     <a:lstStyle/>
                     <a:p>
                       <a:pPr algn="ctr" latinLnBrk="1"/>
+                      <a:r>
+                        <a:rPr lang="en-US" altLang="ko-KR" sz="1050" dirty="0">
+                          <a:solidFill>
+                            <a:schemeClr val="tx1"/>
+                          </a:solidFill>
+                        </a:rPr>
+                        <a:t>2019-04-25</a:t>
+                      </a:r>
                       <a:endParaRPr lang="ko-KR" altLang="en-US" sz="1050" dirty="0">
                         <a:solidFill>
                           <a:schemeClr val="tx1"/>
@@ -7335,11 +9302,22 @@
                     <a:lstStyle/>
                     <a:p>
                       <a:pPr algn="ctr" latinLnBrk="1"/>
-                      <a:endParaRPr lang="ko-KR" altLang="en-US" sz="1050" dirty="0">
-                        <a:solidFill>
-                          <a:schemeClr val="tx1"/>
-                        </a:solidFill>
-                      </a:endParaRPr>
+                      <a:r>
+                        <a:rPr lang="en-US" altLang="ko-KR" sz="1050" dirty="0">
+                          <a:solidFill>
+                            <a:schemeClr val="tx1"/>
+                          </a:solidFill>
+                        </a:rPr>
+                        <a:t>LCD</a:t>
+                      </a:r>
+                      <a:r>
+                        <a:rPr lang="ko-KR" altLang="en-US" sz="1050" dirty="0">
+                          <a:solidFill>
+                            <a:schemeClr val="tx1"/>
+                          </a:solidFill>
+                        </a:rPr>
+                        <a:t>에 문자 출력</a:t>
+                      </a:r>
                     </a:p>
                   </a:txBody>
                   <a:tcPr anchor="ctr">
@@ -7390,11 +9368,38 @@
                     <a:lstStyle/>
                     <a:p>
                       <a:pPr algn="ctr" latinLnBrk="1"/>
-                      <a:endParaRPr lang="ko-KR" altLang="en-US" sz="1050" dirty="0">
-                        <a:solidFill>
-                          <a:schemeClr val="tx1"/>
-                        </a:solidFill>
-                      </a:endParaRPr>
+                      <a:r>
+                        <a:rPr lang="en-US" altLang="ko-KR" sz="1050" dirty="0">
+                          <a:solidFill>
+                            <a:schemeClr val="tx1"/>
+                          </a:solidFill>
+                        </a:rPr>
+                        <a:t>LCD</a:t>
+                      </a:r>
+                      <a:r>
+                        <a:rPr lang="ko-KR" altLang="en-US" sz="1050" dirty="0">
+                          <a:solidFill>
+                            <a:schemeClr val="tx1"/>
+                          </a:solidFill>
+                        </a:rPr>
+                        <a:t>제어를 통해 </a:t>
+                      </a:r>
+                      <a:r>
+                        <a:rPr lang="ko-KR" altLang="en-US" sz="1050" dirty="0" err="1">
+                          <a:solidFill>
+                            <a:schemeClr val="tx1"/>
+                          </a:solidFill>
+                        </a:rPr>
+                        <a:t>문를</a:t>
+                      </a:r>
+                      <a:r>
+                        <a:rPr lang="ko-KR" altLang="en-US" sz="1050" dirty="0">
+                          <a:solidFill>
+                            <a:schemeClr val="tx1"/>
+                          </a:solidFill>
+                        </a:rPr>
+                        <a:t> 출력 가능</a:t>
+                      </a:r>
                     </a:p>
                   </a:txBody>
                   <a:tcPr anchor="ctr">
@@ -7445,11 +9450,14 @@
                     <a:lstStyle/>
                     <a:p>
                       <a:pPr algn="ctr" latinLnBrk="1"/>
-                      <a:endParaRPr lang="ko-KR" altLang="en-US" sz="1050" dirty="0">
-                        <a:solidFill>
-                          <a:schemeClr val="tx1"/>
-                        </a:solidFill>
-                      </a:endParaRPr>
+                      <a:r>
+                        <a:rPr lang="ko-KR" altLang="en-US" sz="1050" dirty="0">
+                          <a:solidFill>
+                            <a:schemeClr val="tx1"/>
+                          </a:solidFill>
+                        </a:rPr>
+                        <a:t>문자 출력</a:t>
+                      </a:r>
                     </a:p>
                   </a:txBody>
                   <a:tcPr anchor="ctr">
@@ -7500,11 +9508,14 @@
                     <a:lstStyle/>
                     <a:p>
                       <a:pPr algn="ctr" latinLnBrk="1"/>
-                      <a:endParaRPr lang="ko-KR" altLang="en-US" sz="1050" dirty="0">
-                        <a:solidFill>
-                          <a:schemeClr val="tx1"/>
-                        </a:solidFill>
-                      </a:endParaRPr>
+                      <a:r>
+                        <a:rPr lang="ko-KR" altLang="en-US" sz="1050" dirty="0">
+                          <a:solidFill>
+                            <a:schemeClr val="tx1"/>
+                          </a:solidFill>
+                        </a:rPr>
+                        <a:t>무료</a:t>
+                      </a:r>
                     </a:p>
                   </a:txBody>
                   <a:tcPr anchor="ctr">
@@ -7555,6 +9566,14 @@
                     <a:lstStyle/>
                     <a:p>
                       <a:pPr algn="ctr" latinLnBrk="1"/>
+                      <a:r>
+                        <a:rPr lang="en-US" altLang="ko-KR" sz="1050" dirty="0" err="1">
+                          <a:solidFill>
+                            <a:schemeClr val="tx1"/>
+                          </a:solidFill>
+                        </a:rPr>
+                        <a:t>kocoafab</a:t>
+                      </a:r>
                       <a:endParaRPr lang="ko-KR" altLang="en-US" sz="1050" dirty="0">
                         <a:solidFill>
                           <a:schemeClr val="tx1"/>
@@ -7610,6 +9629,14 @@
                     <a:lstStyle/>
                     <a:p>
                       <a:pPr algn="ctr" latinLnBrk="1"/>
+                      <a:r>
+                        <a:rPr lang="en-US" altLang="ko-KR" sz="1050" dirty="0">
+                          <a:solidFill>
+                            <a:schemeClr val="tx1"/>
+                          </a:solidFill>
+                        </a:rPr>
+                        <a:t>2017-11-01</a:t>
+                      </a:r>
                       <a:endParaRPr lang="ko-KR" altLang="en-US" sz="1050" dirty="0">
                         <a:solidFill>
                           <a:schemeClr val="tx1"/>
@@ -7727,11 +9754,46 @@
                     <a:lstStyle/>
                     <a:p>
                       <a:pPr algn="ctr" latinLnBrk="1"/>
-                      <a:endParaRPr lang="ko-KR" altLang="en-US" sz="1050" dirty="0">
-                        <a:solidFill>
-                          <a:schemeClr val="tx1"/>
-                        </a:solidFill>
-                      </a:endParaRPr>
+                      <a:r>
+                        <a:rPr lang="ko-KR" altLang="en-US" sz="1050" dirty="0">
+                          <a:solidFill>
+                            <a:schemeClr val="tx1"/>
+                          </a:solidFill>
+                        </a:rPr>
+                        <a:t>토양수분센서와 </a:t>
+                      </a:r>
+                      <a:r>
+                        <a:rPr lang="ko-KR" altLang="en-US" sz="1050" dirty="0" err="1">
+                          <a:solidFill>
+                            <a:schemeClr val="tx1"/>
+                          </a:solidFill>
+                        </a:rPr>
+                        <a:t>피에조</a:t>
+                      </a:r>
+                      <a:r>
+                        <a:rPr lang="ko-KR" altLang="en-US" sz="1050" dirty="0">
+                          <a:solidFill>
+                            <a:schemeClr val="tx1"/>
+                          </a:solidFill>
+                        </a:rPr>
+                        <a:t> </a:t>
+                      </a:r>
+                      <a:r>
+                        <a:rPr lang="ko-KR" altLang="en-US" sz="1050" dirty="0" err="1">
+                          <a:solidFill>
+                            <a:schemeClr val="tx1"/>
+                          </a:solidFill>
+                        </a:rPr>
+                        <a:t>부저를</a:t>
+                      </a:r>
+                      <a:r>
+                        <a:rPr lang="ko-KR" altLang="en-US" sz="1050" dirty="0">
+                          <a:solidFill>
+                            <a:schemeClr val="tx1"/>
+                          </a:solidFill>
+                        </a:rPr>
+                        <a:t> 이용해 수분량에 따른 소리 출력</a:t>
+                      </a:r>
                     </a:p>
                   </a:txBody>
                   <a:tcPr anchor="ctr">
@@ -7782,11 +9844,14 @@
                     <a:lstStyle/>
                     <a:p>
                       <a:pPr algn="ctr" latinLnBrk="1"/>
-                      <a:endParaRPr lang="ko-KR" altLang="en-US" sz="1050" dirty="0">
-                        <a:solidFill>
-                          <a:schemeClr val="tx1"/>
-                        </a:solidFill>
-                      </a:endParaRPr>
+                      <a:r>
+                        <a:rPr lang="ko-KR" altLang="en-US" sz="1050" dirty="0">
+                          <a:solidFill>
+                            <a:schemeClr val="tx1"/>
+                          </a:solidFill>
+                        </a:rPr>
+                        <a:t>토양의 수분량을 측정해 값을 매핑한 후 그에 맞는 음계의 음을 출력</a:t>
+                      </a:r>
                     </a:p>
                   </a:txBody>
                   <a:tcPr anchor="ctr">
@@ -7837,11 +9902,14 @@
                     <a:lstStyle/>
                     <a:p>
                       <a:pPr algn="ctr" latinLnBrk="1"/>
-                      <a:endParaRPr lang="ko-KR" altLang="en-US" sz="1050" dirty="0">
-                        <a:solidFill>
-                          <a:schemeClr val="tx1"/>
-                        </a:solidFill>
-                      </a:endParaRPr>
+                      <a:r>
+                        <a:rPr lang="ko-KR" altLang="en-US" sz="1050" dirty="0">
+                          <a:solidFill>
+                            <a:schemeClr val="tx1"/>
+                          </a:solidFill>
+                        </a:rPr>
+                        <a:t>소리 출력</a:t>
+                      </a:r>
                     </a:p>
                   </a:txBody>
                   <a:tcPr anchor="ctr">
@@ -7892,11 +9960,14 @@
                     <a:lstStyle/>
                     <a:p>
                       <a:pPr algn="ctr" latinLnBrk="1"/>
-                      <a:endParaRPr lang="ko-KR" altLang="en-US" sz="1050" dirty="0">
-                        <a:solidFill>
-                          <a:schemeClr val="tx1"/>
-                        </a:solidFill>
-                      </a:endParaRPr>
+                      <a:r>
+                        <a:rPr lang="ko-KR" altLang="en-US" sz="1050" dirty="0">
+                          <a:solidFill>
+                            <a:schemeClr val="tx1"/>
+                          </a:solidFill>
+                        </a:rPr>
+                        <a:t>무료</a:t>
+                      </a:r>
                     </a:p>
                   </a:txBody>
                   <a:tcPr anchor="ctr">
@@ -7947,6 +10018,14 @@
                     <a:lstStyle/>
                     <a:p>
                       <a:pPr algn="ctr" latinLnBrk="1"/>
+                      <a:r>
+                        <a:rPr lang="en-US" altLang="ko-KR" sz="1050" dirty="0" err="1">
+                          <a:solidFill>
+                            <a:schemeClr val="tx1"/>
+                          </a:solidFill>
+                        </a:rPr>
+                        <a:t>kocoafab</a:t>
+                      </a:r>
                       <a:endParaRPr lang="ko-KR" altLang="en-US" sz="1050" dirty="0">
                         <a:solidFill>
                           <a:schemeClr val="tx1"/>
@@ -8002,6 +10081,14 @@
                     <a:lstStyle/>
                     <a:p>
                       <a:pPr algn="ctr" latinLnBrk="1"/>
+                      <a:r>
+                        <a:rPr lang="en-US" altLang="ko-KR" sz="1050" dirty="0">
+                          <a:solidFill>
+                            <a:schemeClr val="tx1"/>
+                          </a:solidFill>
+                        </a:rPr>
+                        <a:t>2015-01-21</a:t>
+                      </a:r>
                       <a:endParaRPr lang="ko-KR" altLang="en-US" sz="1050" dirty="0">
                         <a:solidFill>
                           <a:schemeClr val="tx1"/>
@@ -8061,6 +10148,130 @@
           </a:graphicData>
         </a:graphic>
       </p:graphicFrame>
+      <p:pic>
+        <p:nvPicPr>
+          <p:cNvPr id="5" name="그림 4">
+            <a:extLst>
+              <a:ext uri="{FF2B5EF4-FFF2-40B4-BE49-F238E27FC236}">
+                <a16:creationId xmlns:a16="http://schemas.microsoft.com/office/drawing/2014/main" id="{32EA3D30-ABE0-6425-13F0-4712401E9F6E}"/>
+              </a:ext>
+            </a:extLst>
+          </p:cNvPr>
+          <p:cNvPicPr>
+            <a:picLocks noChangeAspect="1"/>
+          </p:cNvPicPr>
+          <p:nvPr/>
+        </p:nvPicPr>
+        <p:blipFill>
+          <a:blip r:embed="rId2"/>
+          <a:stretch>
+            <a:fillRect/>
+          </a:stretch>
+        </p:blipFill>
+        <p:spPr>
+          <a:xfrm>
+            <a:off x="691431" y="2361814"/>
+            <a:ext cx="1848857" cy="1308873"/>
+          </a:xfrm>
+          <a:prstGeom prst="rect">
+            <a:avLst/>
+          </a:prstGeom>
+        </p:spPr>
+      </p:pic>
+      <p:pic>
+        <p:nvPicPr>
+          <p:cNvPr id="6146" name="Picture 2">
+            <a:extLst>
+              <a:ext uri="{FF2B5EF4-FFF2-40B4-BE49-F238E27FC236}">
+                <a16:creationId xmlns:a16="http://schemas.microsoft.com/office/drawing/2014/main" id="{909AB95E-DCEF-7793-1B6D-A2D1558B8257}"/>
+              </a:ext>
+            </a:extLst>
+          </p:cNvPr>
+          <p:cNvPicPr>
+            <a:picLocks noChangeAspect="1" noChangeArrowheads="1"/>
+          </p:cNvPicPr>
+          <p:nvPr/>
+        </p:nvPicPr>
+        <p:blipFill>
+          <a:blip r:embed="rId3">
+            <a:extLst>
+              <a:ext uri="{28A0092B-C50C-407E-A947-70E740481C1C}">
+                <a14:useLocalDpi xmlns:a14="http://schemas.microsoft.com/office/drawing/2010/main" val="0"/>
+              </a:ext>
+            </a:extLst>
+          </a:blip>
+          <a:srcRect/>
+          <a:stretch>
+            <a:fillRect/>
+          </a:stretch>
+        </p:blipFill>
+        <p:spPr bwMode="auto">
+          <a:xfrm>
+            <a:off x="579089" y="3929959"/>
+            <a:ext cx="2073539" cy="1192285"/>
+          </a:xfrm>
+          <a:prstGeom prst="rect">
+            <a:avLst/>
+          </a:prstGeom>
+          <a:noFill/>
+          <a:extLst>
+            <a:ext uri="{909E8E84-426E-40DD-AFC4-6F175D3DCCD1}">
+              <a14:hiddenFill xmlns:a14="http://schemas.microsoft.com/office/drawing/2010/main">
+                <a:solidFill>
+                  <a:srgbClr val="FFFFFF"/>
+                </a:solidFill>
+              </a14:hiddenFill>
+            </a:ext>
+          </a:extLst>
+        </p:spPr>
+      </p:pic>
+      <p:pic>
+        <p:nvPicPr>
+          <p:cNvPr id="6148" name="Picture 4">
+            <a:extLst>
+              <a:ext uri="{FF2B5EF4-FFF2-40B4-BE49-F238E27FC236}">
+                <a16:creationId xmlns:a16="http://schemas.microsoft.com/office/drawing/2014/main" id="{82D94CED-1409-D3ED-2CBF-F2E119C662A7}"/>
+              </a:ext>
+            </a:extLst>
+          </p:cNvPr>
+          <p:cNvPicPr>
+            <a:picLocks noChangeAspect="1" noChangeArrowheads="1"/>
+          </p:cNvPicPr>
+          <p:nvPr/>
+        </p:nvPicPr>
+        <p:blipFill>
+          <a:blip r:embed="rId4">
+            <a:extLst>
+              <a:ext uri="{28A0092B-C50C-407E-A947-70E740481C1C}">
+                <a14:useLocalDpi xmlns:a14="http://schemas.microsoft.com/office/drawing/2010/main" val="0"/>
+              </a:ext>
+            </a:extLst>
+          </a:blip>
+          <a:srcRect/>
+          <a:stretch>
+            <a:fillRect/>
+          </a:stretch>
+        </p:blipFill>
+        <p:spPr bwMode="auto">
+          <a:xfrm>
+            <a:off x="522753" y="5284307"/>
+            <a:ext cx="2129875" cy="1251302"/>
+          </a:xfrm>
+          <a:prstGeom prst="rect">
+            <a:avLst/>
+          </a:prstGeom>
+          <a:noFill/>
+          <a:extLst>
+            <a:ext uri="{909E8E84-426E-40DD-AFC4-6F175D3DCCD1}">
+              <a14:hiddenFill xmlns:a14="http://schemas.microsoft.com/office/drawing/2010/main">
+                <a:solidFill>
+                  <a:srgbClr val="FFFFFF"/>
+                </a:solidFill>
+              </a14:hiddenFill>
+            </a:ext>
+          </a:extLst>
+        </p:spPr>
+      </p:pic>
     </p:spTree>
     <p:extLst>
       <p:ext uri="{BB962C8B-B14F-4D97-AF65-F5344CB8AC3E}">
@@ -8096,7 +10307,7 @@
           <p:cNvPr id="2" name="제목 1">
             <a:extLst>
               <a:ext uri="{FF2B5EF4-FFF2-40B4-BE49-F238E27FC236}">
-                <a16:creationId xmlns:a16="http://schemas.microsoft.com/office/drawing/2014/main" id="{B2C13722-37C2-C057-AD0A-337096D0368C}"/>
+                <a16:creationId xmlns:a16="http://schemas.microsoft.com/office/drawing/2014/main" id="{25530B73-02C0-3356-2DE8-F6BB62FAB3E6}"/>
               </a:ext>
             </a:extLst>
           </p:cNvPr>
@@ -8113,1715 +10324,1231 @@
           <a:lstStyle/>
           <a:p>
             <a:r>
-              <a:rPr lang="ko-KR" altLang="en-US" dirty="0"/>
-              <a:t>조사</a:t>
-            </a:r>
+              <a:rPr lang="ko-KR" altLang="en-US" dirty="0" err="1"/>
+              <a:t>플로우차트</a:t>
+            </a:r>
+            <a:endParaRPr lang="ko-KR" altLang="en-US" dirty="0"/>
           </a:p>
         </p:txBody>
       </p:sp>
-      <p:graphicFrame>
-        <p:nvGraphicFramePr>
-          <p:cNvPr id="4" name="표 4">
-            <a:extLst>
-              <a:ext uri="{FF2B5EF4-FFF2-40B4-BE49-F238E27FC236}">
-                <a16:creationId xmlns:a16="http://schemas.microsoft.com/office/drawing/2014/main" id="{32FD6D79-0AA2-58B7-6920-A6716084214B}"/>
-              </a:ext>
-            </a:extLst>
-          </p:cNvPr>
-          <p:cNvGraphicFramePr>
-            <a:graphicFrameLocks noGrp="1"/>
-          </p:cNvGraphicFramePr>
-          <p:nvPr/>
-        </p:nvGraphicFramePr>
-        <p:xfrm>
-          <a:off x="417095" y="1690688"/>
-          <a:ext cx="11486146" cy="4883114"/>
-        </p:xfrm>
-        <a:graphic>
-          <a:graphicData uri="http://schemas.openxmlformats.org/drawingml/2006/table">
-            <a:tbl>
-              <a:tblPr firstRow="1" bandRow="1">
-                <a:tableStyleId>{5C22544A-7EE6-4342-B048-85BDC9FD1C3A}</a:tableStyleId>
-              </a:tblPr>
-              <a:tblGrid>
-                <a:gridCol w="2292549">
-                  <a:extLst>
-                    <a:ext uri="{9D8B030D-6E8A-4147-A177-3AD203B41FA5}">
-                      <a16:colId xmlns:a16="http://schemas.microsoft.com/office/drawing/2014/main" val="2632039864"/>
-                    </a:ext>
-                  </a:extLst>
-                </a:gridCol>
-                <a:gridCol w="1610686">
-                  <a:extLst>
-                    <a:ext uri="{9D8B030D-6E8A-4147-A177-3AD203B41FA5}">
-                      <a16:colId xmlns:a16="http://schemas.microsoft.com/office/drawing/2014/main" val="3654145008"/>
-                    </a:ext>
-                  </a:extLst>
-                </a:gridCol>
-                <a:gridCol w="3103927">
-                  <a:extLst>
-                    <a:ext uri="{9D8B030D-6E8A-4147-A177-3AD203B41FA5}">
-                      <a16:colId xmlns:a16="http://schemas.microsoft.com/office/drawing/2014/main" val="3869361868"/>
-                    </a:ext>
-                  </a:extLst>
-                </a:gridCol>
-                <a:gridCol w="1317071">
-                  <a:extLst>
-                    <a:ext uri="{9D8B030D-6E8A-4147-A177-3AD203B41FA5}">
-                      <a16:colId xmlns:a16="http://schemas.microsoft.com/office/drawing/2014/main" val="2842260674"/>
-                    </a:ext>
-                  </a:extLst>
-                </a:gridCol>
-                <a:gridCol w="947956">
-                  <a:extLst>
-                    <a:ext uri="{9D8B030D-6E8A-4147-A177-3AD203B41FA5}">
-                      <a16:colId xmlns:a16="http://schemas.microsoft.com/office/drawing/2014/main" val="3521952355"/>
-                    </a:ext>
-                  </a:extLst>
-                </a:gridCol>
-                <a:gridCol w="1249960">
-                  <a:extLst>
-                    <a:ext uri="{9D8B030D-6E8A-4147-A177-3AD203B41FA5}">
-                      <a16:colId xmlns:a16="http://schemas.microsoft.com/office/drawing/2014/main" val="3666117351"/>
-                    </a:ext>
-                  </a:extLst>
-                </a:gridCol>
-                <a:gridCol w="963997">
-                  <a:extLst>
-                    <a:ext uri="{9D8B030D-6E8A-4147-A177-3AD203B41FA5}">
-                      <a16:colId xmlns:a16="http://schemas.microsoft.com/office/drawing/2014/main" val="1735258011"/>
-                    </a:ext>
-                  </a:extLst>
-                </a:gridCol>
-              </a:tblGrid>
-              <a:tr h="599506">
-                <a:tc>
-                  <a:txBody>
-                    <a:bodyPr/>
-                    <a:lstStyle/>
-                    <a:p>
-                      <a:pPr algn="ctr" latinLnBrk="1"/>
-                      <a:endParaRPr lang="ko-KR" altLang="en-US" dirty="0">
-                        <a:solidFill>
-                          <a:schemeClr val="tx1"/>
-                        </a:solidFill>
-                      </a:endParaRPr>
-                    </a:p>
-                  </a:txBody>
-                  <a:tcPr anchor="ctr">
-                    <a:lnL w="12700" cap="flat" cmpd="sng" algn="ctr">
-                      <a:solidFill>
-                        <a:schemeClr val="tx1"/>
-                      </a:solidFill>
-                      <a:prstDash val="solid"/>
-                      <a:round/>
-                      <a:headEnd type="none" w="med" len="med"/>
-                      <a:tailEnd type="none" w="med" len="med"/>
-                    </a:lnL>
-                    <a:lnR w="12700" cap="flat" cmpd="sng" algn="ctr">
-                      <a:solidFill>
-                        <a:schemeClr val="tx1"/>
-                      </a:solidFill>
-                      <a:prstDash val="solid"/>
-                      <a:round/>
-                      <a:headEnd type="none" w="med" len="med"/>
-                      <a:tailEnd type="none" w="med" len="med"/>
-                    </a:lnR>
-                    <a:lnT w="12700" cap="flat" cmpd="sng" algn="ctr">
-                      <a:solidFill>
-                        <a:schemeClr val="tx1"/>
-                      </a:solidFill>
-                      <a:prstDash val="solid"/>
-                      <a:round/>
-                      <a:headEnd type="none" w="med" len="med"/>
-                      <a:tailEnd type="none" w="med" len="med"/>
-                    </a:lnT>
-                    <a:lnB w="12700" cap="flat" cmpd="sng" algn="ctr">
-                      <a:solidFill>
-                        <a:schemeClr val="tx1"/>
-                      </a:solidFill>
-                      <a:prstDash val="solid"/>
-                      <a:round/>
-                      <a:headEnd type="none" w="med" len="med"/>
-                      <a:tailEnd type="none" w="med" len="med"/>
-                    </a:lnB>
-                    <a:solidFill>
-                      <a:schemeClr val="bg1"/>
-                    </a:solidFill>
-                  </a:tcPr>
-                </a:tc>
-                <a:tc>
-                  <a:txBody>
-                    <a:bodyPr/>
-                    <a:lstStyle/>
-                    <a:p>
-                      <a:pPr algn="ctr" latinLnBrk="1"/>
-                      <a:endParaRPr lang="ko-KR" altLang="en-US" sz="1050" b="0" dirty="0">
-                        <a:solidFill>
-                          <a:schemeClr val="tx1"/>
-                        </a:solidFill>
-                      </a:endParaRPr>
-                    </a:p>
-                  </a:txBody>
-                  <a:tcPr anchor="ctr">
-                    <a:lnL w="12700" cap="flat" cmpd="sng" algn="ctr">
-                      <a:solidFill>
-                        <a:schemeClr val="tx1"/>
-                      </a:solidFill>
-                      <a:prstDash val="solid"/>
-                      <a:round/>
-                      <a:headEnd type="none" w="med" len="med"/>
-                      <a:tailEnd type="none" w="med" len="med"/>
-                    </a:lnL>
-                    <a:lnR w="12700" cap="flat" cmpd="sng" algn="ctr">
-                      <a:solidFill>
-                        <a:schemeClr val="tx1"/>
-                      </a:solidFill>
-                      <a:prstDash val="solid"/>
-                      <a:round/>
-                      <a:headEnd type="none" w="med" len="med"/>
-                      <a:tailEnd type="none" w="med" len="med"/>
-                    </a:lnR>
-                    <a:lnT w="12700" cap="flat" cmpd="sng" algn="ctr">
-                      <a:solidFill>
-                        <a:schemeClr val="tx1"/>
-                      </a:solidFill>
-                      <a:prstDash val="solid"/>
-                      <a:round/>
-                      <a:headEnd type="none" w="med" len="med"/>
-                      <a:tailEnd type="none" w="med" len="med"/>
-                    </a:lnT>
-                    <a:lnB w="12700" cap="flat" cmpd="sng" algn="ctr">
-                      <a:solidFill>
-                        <a:schemeClr val="tx1"/>
-                      </a:solidFill>
-                      <a:prstDash val="solid"/>
-                      <a:round/>
-                      <a:headEnd type="none" w="med" len="med"/>
-                      <a:tailEnd type="none" w="med" len="med"/>
-                    </a:lnB>
-                    <a:solidFill>
-                      <a:schemeClr val="bg1"/>
-                    </a:solidFill>
-                  </a:tcPr>
-                </a:tc>
-                <a:tc>
-                  <a:txBody>
-                    <a:bodyPr/>
-                    <a:lstStyle/>
-                    <a:p>
-                      <a:pPr algn="ctr" latinLnBrk="1"/>
-                      <a:endParaRPr lang="ko-KR" altLang="en-US" sz="1050" b="0" dirty="0">
-                        <a:solidFill>
-                          <a:schemeClr val="tx1"/>
-                        </a:solidFill>
-                      </a:endParaRPr>
-                    </a:p>
-                  </a:txBody>
-                  <a:tcPr anchor="ctr">
-                    <a:lnL w="12700" cap="flat" cmpd="sng" algn="ctr">
-                      <a:solidFill>
-                        <a:schemeClr val="tx1"/>
-                      </a:solidFill>
-                      <a:prstDash val="solid"/>
-                      <a:round/>
-                      <a:headEnd type="none" w="med" len="med"/>
-                      <a:tailEnd type="none" w="med" len="med"/>
-                    </a:lnL>
-                    <a:lnR w="12700" cap="flat" cmpd="sng" algn="ctr">
-                      <a:solidFill>
-                        <a:schemeClr val="tx1"/>
-                      </a:solidFill>
-                      <a:prstDash val="solid"/>
-                      <a:round/>
-                      <a:headEnd type="none" w="med" len="med"/>
-                      <a:tailEnd type="none" w="med" len="med"/>
-                    </a:lnR>
-                    <a:lnT w="12700" cap="flat" cmpd="sng" algn="ctr">
-                      <a:solidFill>
-                        <a:schemeClr val="tx1"/>
-                      </a:solidFill>
-                      <a:prstDash val="solid"/>
-                      <a:round/>
-                      <a:headEnd type="none" w="med" len="med"/>
-                      <a:tailEnd type="none" w="med" len="med"/>
-                    </a:lnT>
-                    <a:lnB w="12700" cap="flat" cmpd="sng" algn="ctr">
-                      <a:solidFill>
-                        <a:schemeClr val="tx1"/>
-                      </a:solidFill>
-                      <a:prstDash val="solid"/>
-                      <a:round/>
-                      <a:headEnd type="none" w="med" len="med"/>
-                      <a:tailEnd type="none" w="med" len="med"/>
-                    </a:lnB>
-                    <a:solidFill>
-                      <a:schemeClr val="bg1"/>
-                    </a:solidFill>
-                  </a:tcPr>
-                </a:tc>
-                <a:tc>
-                  <a:txBody>
-                    <a:bodyPr/>
-                    <a:lstStyle/>
-                    <a:p>
-                      <a:pPr algn="ctr" latinLnBrk="1"/>
-                      <a:endParaRPr lang="ko-KR" altLang="en-US" sz="1050" b="0" dirty="0">
-                        <a:solidFill>
-                          <a:schemeClr val="tx1"/>
-                        </a:solidFill>
-                      </a:endParaRPr>
-                    </a:p>
-                  </a:txBody>
-                  <a:tcPr anchor="ctr">
-                    <a:lnL w="12700" cap="flat" cmpd="sng" algn="ctr">
-                      <a:solidFill>
-                        <a:schemeClr val="tx1"/>
-                      </a:solidFill>
-                      <a:prstDash val="solid"/>
-                      <a:round/>
-                      <a:headEnd type="none" w="med" len="med"/>
-                      <a:tailEnd type="none" w="med" len="med"/>
-                    </a:lnL>
-                    <a:lnR w="12700" cap="flat" cmpd="sng" algn="ctr">
-                      <a:solidFill>
-                        <a:schemeClr val="tx1"/>
-                      </a:solidFill>
-                      <a:prstDash val="solid"/>
-                      <a:round/>
-                      <a:headEnd type="none" w="med" len="med"/>
-                      <a:tailEnd type="none" w="med" len="med"/>
-                    </a:lnR>
-                    <a:lnT w="12700" cap="flat" cmpd="sng" algn="ctr">
-                      <a:solidFill>
-                        <a:schemeClr val="tx1"/>
-                      </a:solidFill>
-                      <a:prstDash val="solid"/>
-                      <a:round/>
-                      <a:headEnd type="none" w="med" len="med"/>
-                      <a:tailEnd type="none" w="med" len="med"/>
-                    </a:lnT>
-                    <a:lnB w="12700" cap="flat" cmpd="sng" algn="ctr">
-                      <a:solidFill>
-                        <a:schemeClr val="tx1"/>
-                      </a:solidFill>
-                      <a:prstDash val="solid"/>
-                      <a:round/>
-                      <a:headEnd type="none" w="med" len="med"/>
-                      <a:tailEnd type="none" w="med" len="med"/>
-                    </a:lnB>
-                    <a:solidFill>
-                      <a:schemeClr val="bg1"/>
-                    </a:solidFill>
-                  </a:tcPr>
-                </a:tc>
-                <a:tc>
-                  <a:txBody>
-                    <a:bodyPr/>
-                    <a:lstStyle/>
-                    <a:p>
-                      <a:pPr algn="ctr" latinLnBrk="1"/>
-                      <a:endParaRPr lang="ko-KR" altLang="en-US" sz="1050" b="0" dirty="0">
-                        <a:solidFill>
-                          <a:schemeClr val="tx1"/>
-                        </a:solidFill>
-                      </a:endParaRPr>
-                    </a:p>
-                  </a:txBody>
-                  <a:tcPr anchor="ctr">
-                    <a:lnL w="12700" cap="flat" cmpd="sng" algn="ctr">
-                      <a:solidFill>
-                        <a:schemeClr val="tx1"/>
-                      </a:solidFill>
-                      <a:prstDash val="solid"/>
-                      <a:round/>
-                      <a:headEnd type="none" w="med" len="med"/>
-                      <a:tailEnd type="none" w="med" len="med"/>
-                    </a:lnL>
-                    <a:lnR w="12700" cap="flat" cmpd="sng" algn="ctr">
-                      <a:solidFill>
-                        <a:schemeClr val="tx1"/>
-                      </a:solidFill>
-                      <a:prstDash val="solid"/>
-                      <a:round/>
-                      <a:headEnd type="none" w="med" len="med"/>
-                      <a:tailEnd type="none" w="med" len="med"/>
-                    </a:lnR>
-                    <a:lnT w="12700" cap="flat" cmpd="sng" algn="ctr">
-                      <a:solidFill>
-                        <a:schemeClr val="tx1"/>
-                      </a:solidFill>
-                      <a:prstDash val="solid"/>
-                      <a:round/>
-                      <a:headEnd type="none" w="med" len="med"/>
-                      <a:tailEnd type="none" w="med" len="med"/>
-                    </a:lnT>
-                    <a:lnB w="12700" cap="flat" cmpd="sng" algn="ctr">
-                      <a:solidFill>
-                        <a:schemeClr val="tx1"/>
-                      </a:solidFill>
-                      <a:prstDash val="solid"/>
-                      <a:round/>
-                      <a:headEnd type="none" w="med" len="med"/>
-                      <a:tailEnd type="none" w="med" len="med"/>
-                    </a:lnB>
-                    <a:solidFill>
-                      <a:schemeClr val="bg1"/>
-                    </a:solidFill>
-                  </a:tcPr>
-                </a:tc>
-                <a:tc>
-                  <a:txBody>
-                    <a:bodyPr/>
-                    <a:lstStyle/>
-                    <a:p>
-                      <a:pPr algn="ctr" latinLnBrk="1"/>
-                      <a:endParaRPr lang="ko-KR" altLang="en-US" sz="1050" b="0" dirty="0">
-                        <a:solidFill>
-                          <a:schemeClr val="tx1"/>
-                        </a:solidFill>
-                      </a:endParaRPr>
-                    </a:p>
-                  </a:txBody>
-                  <a:tcPr anchor="ctr">
-                    <a:lnL w="12700" cap="flat" cmpd="sng" algn="ctr">
-                      <a:solidFill>
-                        <a:schemeClr val="tx1"/>
-                      </a:solidFill>
-                      <a:prstDash val="solid"/>
-                      <a:round/>
-                      <a:headEnd type="none" w="med" len="med"/>
-                      <a:tailEnd type="none" w="med" len="med"/>
-                    </a:lnL>
-                    <a:lnR w="12700" cap="flat" cmpd="sng" algn="ctr">
-                      <a:solidFill>
-                        <a:schemeClr val="tx1"/>
-                      </a:solidFill>
-                      <a:prstDash val="solid"/>
-                      <a:round/>
-                      <a:headEnd type="none" w="med" len="med"/>
-                      <a:tailEnd type="none" w="med" len="med"/>
-                    </a:lnR>
-                    <a:lnT w="12700" cap="flat" cmpd="sng" algn="ctr">
-                      <a:solidFill>
-                        <a:schemeClr val="tx1"/>
-                      </a:solidFill>
-                      <a:prstDash val="solid"/>
-                      <a:round/>
-                      <a:headEnd type="none" w="med" len="med"/>
-                      <a:tailEnd type="none" w="med" len="med"/>
-                    </a:lnT>
-                    <a:lnB w="12700" cap="flat" cmpd="sng" algn="ctr">
-                      <a:solidFill>
-                        <a:schemeClr val="tx1"/>
-                      </a:solidFill>
-                      <a:prstDash val="solid"/>
-                      <a:round/>
-                      <a:headEnd type="none" w="med" len="med"/>
-                      <a:tailEnd type="none" w="med" len="med"/>
-                    </a:lnB>
-                    <a:solidFill>
-                      <a:schemeClr val="bg1"/>
-                    </a:solidFill>
-                  </a:tcPr>
-                </a:tc>
-                <a:tc>
-                  <a:txBody>
-                    <a:bodyPr/>
-                    <a:lstStyle/>
-                    <a:p>
-                      <a:pPr algn="ctr" latinLnBrk="1"/>
-                      <a:endParaRPr lang="ko-KR" altLang="en-US" sz="1050" b="0" dirty="0">
-                        <a:solidFill>
-                          <a:schemeClr val="tx1"/>
-                        </a:solidFill>
-                      </a:endParaRPr>
-                    </a:p>
-                  </a:txBody>
-                  <a:tcPr anchor="ctr">
-                    <a:lnL w="12700" cap="flat" cmpd="sng" algn="ctr">
-                      <a:solidFill>
-                        <a:schemeClr val="tx1"/>
-                      </a:solidFill>
-                      <a:prstDash val="solid"/>
-                      <a:round/>
-                      <a:headEnd type="none" w="med" len="med"/>
-                      <a:tailEnd type="none" w="med" len="med"/>
-                    </a:lnL>
-                    <a:lnR w="12700" cap="flat" cmpd="sng" algn="ctr">
-                      <a:solidFill>
-                        <a:schemeClr val="tx1"/>
-                      </a:solidFill>
-                      <a:prstDash val="solid"/>
-                      <a:round/>
-                      <a:headEnd type="none" w="med" len="med"/>
-                      <a:tailEnd type="none" w="med" len="med"/>
-                    </a:lnR>
-                    <a:lnT w="12700" cap="flat" cmpd="sng" algn="ctr">
-                      <a:solidFill>
-                        <a:schemeClr val="tx1"/>
-                      </a:solidFill>
-                      <a:prstDash val="solid"/>
-                      <a:round/>
-                      <a:headEnd type="none" w="med" len="med"/>
-                      <a:tailEnd type="none" w="med" len="med"/>
-                    </a:lnT>
-                    <a:lnB w="12700" cap="flat" cmpd="sng" algn="ctr">
-                      <a:solidFill>
-                        <a:schemeClr val="tx1"/>
-                      </a:solidFill>
-                      <a:prstDash val="solid"/>
-                      <a:round/>
-                      <a:headEnd type="none" w="med" len="med"/>
-                      <a:tailEnd type="none" w="med" len="med"/>
-                    </a:lnB>
-                    <a:solidFill>
-                      <a:schemeClr val="bg1"/>
-                    </a:solidFill>
-                  </a:tcPr>
-                </a:tc>
-                <a:extLst>
-                  <a:ext uri="{0D108BD9-81ED-4DB2-BD59-A6C34878D82A}">
-                    <a16:rowId xmlns:a16="http://schemas.microsoft.com/office/drawing/2014/main" val="3056655366"/>
-                  </a:ext>
-                </a:extLst>
-              </a:tr>
-              <a:tr h="1550064">
-                <a:tc>
-                  <a:txBody>
-                    <a:bodyPr/>
-                    <a:lstStyle/>
-                    <a:p>
-                      <a:pPr algn="ctr" latinLnBrk="1"/>
-                      <a:endParaRPr lang="ko-KR" altLang="en-US" dirty="0">
-                        <a:solidFill>
-                          <a:schemeClr val="tx1"/>
-                        </a:solidFill>
-                      </a:endParaRPr>
-                    </a:p>
-                  </a:txBody>
-                  <a:tcPr anchor="ctr">
-                    <a:lnL w="12700" cap="flat" cmpd="sng" algn="ctr">
-                      <a:solidFill>
-                        <a:schemeClr val="tx1"/>
-                      </a:solidFill>
-                      <a:prstDash val="solid"/>
-                      <a:round/>
-                      <a:headEnd type="none" w="med" len="med"/>
-                      <a:tailEnd type="none" w="med" len="med"/>
-                    </a:lnL>
-                    <a:lnR w="12700" cap="flat" cmpd="sng" algn="ctr">
-                      <a:solidFill>
-                        <a:schemeClr val="tx1"/>
-                      </a:solidFill>
-                      <a:prstDash val="solid"/>
-                      <a:round/>
-                      <a:headEnd type="none" w="med" len="med"/>
-                      <a:tailEnd type="none" w="med" len="med"/>
-                    </a:lnR>
-                    <a:lnT w="12700" cap="flat" cmpd="sng" algn="ctr">
-                      <a:solidFill>
-                        <a:schemeClr val="tx1"/>
-                      </a:solidFill>
-                      <a:prstDash val="solid"/>
-                      <a:round/>
-                      <a:headEnd type="none" w="med" len="med"/>
-                      <a:tailEnd type="none" w="med" len="med"/>
-                    </a:lnT>
-                    <a:lnB w="12700" cap="flat" cmpd="sng" algn="ctr">
-                      <a:solidFill>
-                        <a:schemeClr val="tx1"/>
-                      </a:solidFill>
-                      <a:prstDash val="solid"/>
-                      <a:round/>
-                      <a:headEnd type="none" w="med" len="med"/>
-                      <a:tailEnd type="none" w="med" len="med"/>
-                    </a:lnB>
-                    <a:solidFill>
-                      <a:schemeClr val="bg1"/>
-                    </a:solidFill>
-                  </a:tcPr>
-                </a:tc>
-                <a:tc>
-                  <a:txBody>
-                    <a:bodyPr/>
-                    <a:lstStyle/>
-                    <a:p>
-                      <a:pPr algn="ctr" latinLnBrk="1"/>
-                      <a:endParaRPr lang="ko-KR" altLang="en-US" sz="1050" dirty="0">
-                        <a:solidFill>
-                          <a:schemeClr val="tx1"/>
-                        </a:solidFill>
-                      </a:endParaRPr>
-                    </a:p>
-                  </a:txBody>
-                  <a:tcPr anchor="ctr">
-                    <a:lnL w="12700" cap="flat" cmpd="sng" algn="ctr">
-                      <a:solidFill>
-                        <a:schemeClr val="tx1"/>
-                      </a:solidFill>
-                      <a:prstDash val="solid"/>
-                      <a:round/>
-                      <a:headEnd type="none" w="med" len="med"/>
-                      <a:tailEnd type="none" w="med" len="med"/>
-                    </a:lnL>
-                    <a:lnR w="12700" cap="flat" cmpd="sng" algn="ctr">
-                      <a:solidFill>
-                        <a:schemeClr val="tx1"/>
-                      </a:solidFill>
-                      <a:prstDash val="solid"/>
-                      <a:round/>
-                      <a:headEnd type="none" w="med" len="med"/>
-                      <a:tailEnd type="none" w="med" len="med"/>
-                    </a:lnR>
-                    <a:lnT w="12700" cap="flat" cmpd="sng" algn="ctr">
-                      <a:solidFill>
-                        <a:schemeClr val="tx1"/>
-                      </a:solidFill>
-                      <a:prstDash val="solid"/>
-                      <a:round/>
-                      <a:headEnd type="none" w="med" len="med"/>
-                      <a:tailEnd type="none" w="med" len="med"/>
-                    </a:lnT>
-                    <a:lnB w="12700" cap="flat" cmpd="sng" algn="ctr">
-                      <a:solidFill>
-                        <a:schemeClr val="tx1"/>
-                      </a:solidFill>
-                      <a:prstDash val="solid"/>
-                      <a:round/>
-                      <a:headEnd type="none" w="med" len="med"/>
-                      <a:tailEnd type="none" w="med" len="med"/>
-                    </a:lnB>
-                    <a:solidFill>
-                      <a:schemeClr val="bg1"/>
-                    </a:solidFill>
-                  </a:tcPr>
-                </a:tc>
-                <a:tc>
-                  <a:txBody>
-                    <a:bodyPr/>
-                    <a:lstStyle/>
-                    <a:p>
-                      <a:pPr algn="ctr" latinLnBrk="1"/>
-                      <a:endParaRPr lang="ko-KR" altLang="en-US" sz="1050" dirty="0">
-                        <a:solidFill>
-                          <a:schemeClr val="tx1"/>
-                        </a:solidFill>
-                      </a:endParaRPr>
-                    </a:p>
-                  </a:txBody>
-                  <a:tcPr anchor="ctr">
-                    <a:lnL w="12700" cap="flat" cmpd="sng" algn="ctr">
-                      <a:solidFill>
-                        <a:schemeClr val="tx1"/>
-                      </a:solidFill>
-                      <a:prstDash val="solid"/>
-                      <a:round/>
-                      <a:headEnd type="none" w="med" len="med"/>
-                      <a:tailEnd type="none" w="med" len="med"/>
-                    </a:lnL>
-                    <a:lnR w="12700" cap="flat" cmpd="sng" algn="ctr">
-                      <a:solidFill>
-                        <a:schemeClr val="tx1"/>
-                      </a:solidFill>
-                      <a:prstDash val="solid"/>
-                      <a:round/>
-                      <a:headEnd type="none" w="med" len="med"/>
-                      <a:tailEnd type="none" w="med" len="med"/>
-                    </a:lnR>
-                    <a:lnT w="12700" cap="flat" cmpd="sng" algn="ctr">
-                      <a:solidFill>
-                        <a:schemeClr val="tx1"/>
-                      </a:solidFill>
-                      <a:prstDash val="solid"/>
-                      <a:round/>
-                      <a:headEnd type="none" w="med" len="med"/>
-                      <a:tailEnd type="none" w="med" len="med"/>
-                    </a:lnT>
-                    <a:lnB w="12700" cap="flat" cmpd="sng" algn="ctr">
-                      <a:solidFill>
-                        <a:schemeClr val="tx1"/>
-                      </a:solidFill>
-                      <a:prstDash val="solid"/>
-                      <a:round/>
-                      <a:headEnd type="none" w="med" len="med"/>
-                      <a:tailEnd type="none" w="med" len="med"/>
-                    </a:lnB>
-                    <a:solidFill>
-                      <a:schemeClr val="bg1"/>
-                    </a:solidFill>
-                  </a:tcPr>
-                </a:tc>
-                <a:tc>
-                  <a:txBody>
-                    <a:bodyPr/>
-                    <a:lstStyle/>
-                    <a:p>
-                      <a:pPr algn="ctr" latinLnBrk="1"/>
-                      <a:endParaRPr lang="ko-KR" altLang="en-US" sz="1050" dirty="0">
-                        <a:solidFill>
-                          <a:schemeClr val="tx1"/>
-                        </a:solidFill>
-                      </a:endParaRPr>
-                    </a:p>
-                  </a:txBody>
-                  <a:tcPr anchor="ctr">
-                    <a:lnL w="12700" cap="flat" cmpd="sng" algn="ctr">
-                      <a:solidFill>
-                        <a:schemeClr val="tx1"/>
-                      </a:solidFill>
-                      <a:prstDash val="solid"/>
-                      <a:round/>
-                      <a:headEnd type="none" w="med" len="med"/>
-                      <a:tailEnd type="none" w="med" len="med"/>
-                    </a:lnL>
-                    <a:lnR w="12700" cap="flat" cmpd="sng" algn="ctr">
-                      <a:solidFill>
-                        <a:schemeClr val="tx1"/>
-                      </a:solidFill>
-                      <a:prstDash val="solid"/>
-                      <a:round/>
-                      <a:headEnd type="none" w="med" len="med"/>
-                      <a:tailEnd type="none" w="med" len="med"/>
-                    </a:lnR>
-                    <a:lnT w="12700" cap="flat" cmpd="sng" algn="ctr">
-                      <a:solidFill>
-                        <a:schemeClr val="tx1"/>
-                      </a:solidFill>
-                      <a:prstDash val="solid"/>
-                      <a:round/>
-                      <a:headEnd type="none" w="med" len="med"/>
-                      <a:tailEnd type="none" w="med" len="med"/>
-                    </a:lnT>
-                    <a:lnB w="12700" cap="flat" cmpd="sng" algn="ctr">
-                      <a:solidFill>
-                        <a:schemeClr val="tx1"/>
-                      </a:solidFill>
-                      <a:prstDash val="solid"/>
-                      <a:round/>
-                      <a:headEnd type="none" w="med" len="med"/>
-                      <a:tailEnd type="none" w="med" len="med"/>
-                    </a:lnB>
-                    <a:solidFill>
-                      <a:schemeClr val="bg1"/>
-                    </a:solidFill>
-                  </a:tcPr>
-                </a:tc>
-                <a:tc>
-                  <a:txBody>
-                    <a:bodyPr/>
-                    <a:lstStyle/>
-                    <a:p>
-                      <a:pPr algn="ctr" latinLnBrk="1"/>
-                      <a:endParaRPr lang="ko-KR" altLang="en-US" sz="1050" dirty="0">
-                        <a:solidFill>
-                          <a:schemeClr val="tx1"/>
-                        </a:solidFill>
-                      </a:endParaRPr>
-                    </a:p>
-                  </a:txBody>
-                  <a:tcPr anchor="ctr">
-                    <a:lnL w="12700" cap="flat" cmpd="sng" algn="ctr">
-                      <a:solidFill>
-                        <a:schemeClr val="tx1"/>
-                      </a:solidFill>
-                      <a:prstDash val="solid"/>
-                      <a:round/>
-                      <a:headEnd type="none" w="med" len="med"/>
-                      <a:tailEnd type="none" w="med" len="med"/>
-                    </a:lnL>
-                    <a:lnR w="12700" cap="flat" cmpd="sng" algn="ctr">
-                      <a:solidFill>
-                        <a:schemeClr val="tx1"/>
-                      </a:solidFill>
-                      <a:prstDash val="solid"/>
-                      <a:round/>
-                      <a:headEnd type="none" w="med" len="med"/>
-                      <a:tailEnd type="none" w="med" len="med"/>
-                    </a:lnR>
-                    <a:lnT w="12700" cap="flat" cmpd="sng" algn="ctr">
-                      <a:solidFill>
-                        <a:schemeClr val="tx1"/>
-                      </a:solidFill>
-                      <a:prstDash val="solid"/>
-                      <a:round/>
-                      <a:headEnd type="none" w="med" len="med"/>
-                      <a:tailEnd type="none" w="med" len="med"/>
-                    </a:lnT>
-                    <a:lnB w="12700" cap="flat" cmpd="sng" algn="ctr">
-                      <a:solidFill>
-                        <a:schemeClr val="tx1"/>
-                      </a:solidFill>
-                      <a:prstDash val="solid"/>
-                      <a:round/>
-                      <a:headEnd type="none" w="med" len="med"/>
-                      <a:tailEnd type="none" w="med" len="med"/>
-                    </a:lnB>
-                    <a:solidFill>
-                      <a:schemeClr val="bg1"/>
-                    </a:solidFill>
-                  </a:tcPr>
-                </a:tc>
-                <a:tc>
-                  <a:txBody>
-                    <a:bodyPr/>
-                    <a:lstStyle/>
-                    <a:p>
-                      <a:pPr algn="ctr" latinLnBrk="1"/>
-                      <a:endParaRPr lang="ko-KR" altLang="en-US" sz="1050" dirty="0">
-                        <a:solidFill>
-                          <a:schemeClr val="tx1"/>
-                        </a:solidFill>
-                      </a:endParaRPr>
-                    </a:p>
-                  </a:txBody>
-                  <a:tcPr anchor="ctr">
-                    <a:lnL w="12700" cap="flat" cmpd="sng" algn="ctr">
-                      <a:solidFill>
-                        <a:schemeClr val="tx1"/>
-                      </a:solidFill>
-                      <a:prstDash val="solid"/>
-                      <a:round/>
-                      <a:headEnd type="none" w="med" len="med"/>
-                      <a:tailEnd type="none" w="med" len="med"/>
-                    </a:lnL>
-                    <a:lnR w="12700" cap="flat" cmpd="sng" algn="ctr">
-                      <a:solidFill>
-                        <a:schemeClr val="tx1"/>
-                      </a:solidFill>
-                      <a:prstDash val="solid"/>
-                      <a:round/>
-                      <a:headEnd type="none" w="med" len="med"/>
-                      <a:tailEnd type="none" w="med" len="med"/>
-                    </a:lnR>
-                    <a:lnT w="12700" cap="flat" cmpd="sng" algn="ctr">
-                      <a:solidFill>
-                        <a:schemeClr val="tx1"/>
-                      </a:solidFill>
-                      <a:prstDash val="solid"/>
-                      <a:round/>
-                      <a:headEnd type="none" w="med" len="med"/>
-                      <a:tailEnd type="none" w="med" len="med"/>
-                    </a:lnT>
-                    <a:lnB w="12700" cap="flat" cmpd="sng" algn="ctr">
-                      <a:solidFill>
-                        <a:schemeClr val="tx1"/>
-                      </a:solidFill>
-                      <a:prstDash val="solid"/>
-                      <a:round/>
-                      <a:headEnd type="none" w="med" len="med"/>
-                      <a:tailEnd type="none" w="med" len="med"/>
-                    </a:lnB>
-                    <a:solidFill>
-                      <a:schemeClr val="bg1"/>
-                    </a:solidFill>
-                  </a:tcPr>
-                </a:tc>
-                <a:tc>
-                  <a:txBody>
-                    <a:bodyPr/>
-                    <a:lstStyle/>
-                    <a:p>
-                      <a:pPr algn="ctr" latinLnBrk="1"/>
-                      <a:endParaRPr lang="ko-KR" altLang="en-US" sz="1050" dirty="0">
-                        <a:solidFill>
-                          <a:schemeClr val="tx1"/>
-                        </a:solidFill>
-                      </a:endParaRPr>
-                    </a:p>
-                  </a:txBody>
-                  <a:tcPr anchor="ctr">
-                    <a:lnL w="12700" cap="flat" cmpd="sng" algn="ctr">
-                      <a:solidFill>
-                        <a:schemeClr val="tx1"/>
-                      </a:solidFill>
-                      <a:prstDash val="solid"/>
-                      <a:round/>
-                      <a:headEnd type="none" w="med" len="med"/>
-                      <a:tailEnd type="none" w="med" len="med"/>
-                    </a:lnL>
-                    <a:lnR w="12700" cap="flat" cmpd="sng" algn="ctr">
-                      <a:solidFill>
-                        <a:schemeClr val="tx1"/>
-                      </a:solidFill>
-                      <a:prstDash val="solid"/>
-                      <a:round/>
-                      <a:headEnd type="none" w="med" len="med"/>
-                      <a:tailEnd type="none" w="med" len="med"/>
-                    </a:lnR>
-                    <a:lnT w="12700" cap="flat" cmpd="sng" algn="ctr">
-                      <a:solidFill>
-                        <a:schemeClr val="tx1"/>
-                      </a:solidFill>
-                      <a:prstDash val="solid"/>
-                      <a:round/>
-                      <a:headEnd type="none" w="med" len="med"/>
-                      <a:tailEnd type="none" w="med" len="med"/>
-                    </a:lnT>
-                    <a:lnB w="12700" cap="flat" cmpd="sng" algn="ctr">
-                      <a:solidFill>
-                        <a:schemeClr val="tx1"/>
-                      </a:solidFill>
-                      <a:prstDash val="solid"/>
-                      <a:round/>
-                      <a:headEnd type="none" w="med" len="med"/>
-                      <a:tailEnd type="none" w="med" len="med"/>
-                    </a:lnB>
-                    <a:solidFill>
-                      <a:schemeClr val="bg1"/>
-                    </a:solidFill>
-                  </a:tcPr>
-                </a:tc>
-                <a:extLst>
-                  <a:ext uri="{0D108BD9-81ED-4DB2-BD59-A6C34878D82A}">
-                    <a16:rowId xmlns:a16="http://schemas.microsoft.com/office/drawing/2014/main" val="4013274749"/>
-                  </a:ext>
-                </a:extLst>
-              </a:tr>
-              <a:tr h="1366772">
-                <a:tc>
-                  <a:txBody>
-                    <a:bodyPr/>
-                    <a:lstStyle/>
-                    <a:p>
-                      <a:pPr algn="ctr" latinLnBrk="1"/>
-                      <a:endParaRPr lang="ko-KR" altLang="en-US" dirty="0">
-                        <a:solidFill>
-                          <a:schemeClr val="tx1"/>
-                        </a:solidFill>
-                      </a:endParaRPr>
-                    </a:p>
-                  </a:txBody>
-                  <a:tcPr anchor="ctr">
-                    <a:lnL w="12700" cap="flat" cmpd="sng" algn="ctr">
-                      <a:solidFill>
-                        <a:schemeClr val="tx1"/>
-                      </a:solidFill>
-                      <a:prstDash val="solid"/>
-                      <a:round/>
-                      <a:headEnd type="none" w="med" len="med"/>
-                      <a:tailEnd type="none" w="med" len="med"/>
-                    </a:lnL>
-                    <a:lnR w="12700" cap="flat" cmpd="sng" algn="ctr">
-                      <a:solidFill>
-                        <a:schemeClr val="tx1"/>
-                      </a:solidFill>
-                      <a:prstDash val="solid"/>
-                      <a:round/>
-                      <a:headEnd type="none" w="med" len="med"/>
-                      <a:tailEnd type="none" w="med" len="med"/>
-                    </a:lnR>
-                    <a:lnT w="12700" cap="flat" cmpd="sng" algn="ctr">
-                      <a:solidFill>
-                        <a:schemeClr val="tx1"/>
-                      </a:solidFill>
-                      <a:prstDash val="solid"/>
-                      <a:round/>
-                      <a:headEnd type="none" w="med" len="med"/>
-                      <a:tailEnd type="none" w="med" len="med"/>
-                    </a:lnT>
-                    <a:lnB w="12700" cap="flat" cmpd="sng" algn="ctr">
-                      <a:solidFill>
-                        <a:schemeClr val="tx1"/>
-                      </a:solidFill>
-                      <a:prstDash val="solid"/>
-                      <a:round/>
-                      <a:headEnd type="none" w="med" len="med"/>
-                      <a:tailEnd type="none" w="med" len="med"/>
-                    </a:lnB>
-                    <a:solidFill>
-                      <a:schemeClr val="bg1"/>
-                    </a:solidFill>
-                  </a:tcPr>
-                </a:tc>
-                <a:tc>
-                  <a:txBody>
-                    <a:bodyPr/>
-                    <a:lstStyle/>
-                    <a:p>
-                      <a:pPr algn="ctr" latinLnBrk="1"/>
-                      <a:endParaRPr lang="ko-KR" altLang="en-US" sz="1050" dirty="0">
-                        <a:solidFill>
-                          <a:schemeClr val="tx1"/>
-                        </a:solidFill>
-                      </a:endParaRPr>
-                    </a:p>
-                  </a:txBody>
-                  <a:tcPr anchor="ctr">
-                    <a:lnL w="12700" cap="flat" cmpd="sng" algn="ctr">
-                      <a:solidFill>
-                        <a:schemeClr val="tx1"/>
-                      </a:solidFill>
-                      <a:prstDash val="solid"/>
-                      <a:round/>
-                      <a:headEnd type="none" w="med" len="med"/>
-                      <a:tailEnd type="none" w="med" len="med"/>
-                    </a:lnL>
-                    <a:lnR w="12700" cap="flat" cmpd="sng" algn="ctr">
-                      <a:solidFill>
-                        <a:schemeClr val="tx1"/>
-                      </a:solidFill>
-                      <a:prstDash val="solid"/>
-                      <a:round/>
-                      <a:headEnd type="none" w="med" len="med"/>
-                      <a:tailEnd type="none" w="med" len="med"/>
-                    </a:lnR>
-                    <a:lnT w="12700" cap="flat" cmpd="sng" algn="ctr">
-                      <a:solidFill>
-                        <a:schemeClr val="tx1"/>
-                      </a:solidFill>
-                      <a:prstDash val="solid"/>
-                      <a:round/>
-                      <a:headEnd type="none" w="med" len="med"/>
-                      <a:tailEnd type="none" w="med" len="med"/>
-                    </a:lnT>
-                    <a:lnB w="12700" cap="flat" cmpd="sng" algn="ctr">
-                      <a:solidFill>
-                        <a:schemeClr val="tx1"/>
-                      </a:solidFill>
-                      <a:prstDash val="solid"/>
-                      <a:round/>
-                      <a:headEnd type="none" w="med" len="med"/>
-                      <a:tailEnd type="none" w="med" len="med"/>
-                    </a:lnB>
-                    <a:solidFill>
-                      <a:schemeClr val="bg1"/>
-                    </a:solidFill>
-                  </a:tcPr>
-                </a:tc>
-                <a:tc>
-                  <a:txBody>
-                    <a:bodyPr/>
-                    <a:lstStyle/>
-                    <a:p>
-                      <a:pPr algn="ctr" latinLnBrk="1"/>
-                      <a:endParaRPr lang="ko-KR" altLang="en-US" sz="1050" dirty="0">
-                        <a:solidFill>
-                          <a:schemeClr val="tx1"/>
-                        </a:solidFill>
-                      </a:endParaRPr>
-                    </a:p>
-                  </a:txBody>
-                  <a:tcPr anchor="ctr">
-                    <a:lnL w="12700" cap="flat" cmpd="sng" algn="ctr">
-                      <a:solidFill>
-                        <a:schemeClr val="tx1"/>
-                      </a:solidFill>
-                      <a:prstDash val="solid"/>
-                      <a:round/>
-                      <a:headEnd type="none" w="med" len="med"/>
-                      <a:tailEnd type="none" w="med" len="med"/>
-                    </a:lnL>
-                    <a:lnR w="12700" cap="flat" cmpd="sng" algn="ctr">
-                      <a:solidFill>
-                        <a:schemeClr val="tx1"/>
-                      </a:solidFill>
-                      <a:prstDash val="solid"/>
-                      <a:round/>
-                      <a:headEnd type="none" w="med" len="med"/>
-                      <a:tailEnd type="none" w="med" len="med"/>
-                    </a:lnR>
-                    <a:lnT w="12700" cap="flat" cmpd="sng" algn="ctr">
-                      <a:solidFill>
-                        <a:schemeClr val="tx1"/>
-                      </a:solidFill>
-                      <a:prstDash val="solid"/>
-                      <a:round/>
-                      <a:headEnd type="none" w="med" len="med"/>
-                      <a:tailEnd type="none" w="med" len="med"/>
-                    </a:lnT>
-                    <a:lnB w="12700" cap="flat" cmpd="sng" algn="ctr">
-                      <a:solidFill>
-                        <a:schemeClr val="tx1"/>
-                      </a:solidFill>
-                      <a:prstDash val="solid"/>
-                      <a:round/>
-                      <a:headEnd type="none" w="med" len="med"/>
-                      <a:tailEnd type="none" w="med" len="med"/>
-                    </a:lnB>
-                    <a:solidFill>
-                      <a:schemeClr val="bg1"/>
-                    </a:solidFill>
-                  </a:tcPr>
-                </a:tc>
-                <a:tc>
-                  <a:txBody>
-                    <a:bodyPr/>
-                    <a:lstStyle/>
-                    <a:p>
-                      <a:pPr algn="ctr" latinLnBrk="1"/>
-                      <a:endParaRPr lang="ko-KR" altLang="en-US" sz="1050" dirty="0">
-                        <a:solidFill>
-                          <a:schemeClr val="tx1"/>
-                        </a:solidFill>
-                      </a:endParaRPr>
-                    </a:p>
-                  </a:txBody>
-                  <a:tcPr anchor="ctr">
-                    <a:lnL w="12700" cap="flat" cmpd="sng" algn="ctr">
-                      <a:solidFill>
-                        <a:schemeClr val="tx1"/>
-                      </a:solidFill>
-                      <a:prstDash val="solid"/>
-                      <a:round/>
-                      <a:headEnd type="none" w="med" len="med"/>
-                      <a:tailEnd type="none" w="med" len="med"/>
-                    </a:lnL>
-                    <a:lnR w="12700" cap="flat" cmpd="sng" algn="ctr">
-                      <a:solidFill>
-                        <a:schemeClr val="tx1"/>
-                      </a:solidFill>
-                      <a:prstDash val="solid"/>
-                      <a:round/>
-                      <a:headEnd type="none" w="med" len="med"/>
-                      <a:tailEnd type="none" w="med" len="med"/>
-                    </a:lnR>
-                    <a:lnT w="12700" cap="flat" cmpd="sng" algn="ctr">
-                      <a:solidFill>
-                        <a:schemeClr val="tx1"/>
-                      </a:solidFill>
-                      <a:prstDash val="solid"/>
-                      <a:round/>
-                      <a:headEnd type="none" w="med" len="med"/>
-                      <a:tailEnd type="none" w="med" len="med"/>
-                    </a:lnT>
-                    <a:lnB w="12700" cap="flat" cmpd="sng" algn="ctr">
-                      <a:solidFill>
-                        <a:schemeClr val="tx1"/>
-                      </a:solidFill>
-                      <a:prstDash val="solid"/>
-                      <a:round/>
-                      <a:headEnd type="none" w="med" len="med"/>
-                      <a:tailEnd type="none" w="med" len="med"/>
-                    </a:lnB>
-                    <a:solidFill>
-                      <a:schemeClr val="bg1"/>
-                    </a:solidFill>
-                  </a:tcPr>
-                </a:tc>
-                <a:tc>
-                  <a:txBody>
-                    <a:bodyPr/>
-                    <a:lstStyle/>
-                    <a:p>
-                      <a:pPr algn="ctr" latinLnBrk="1"/>
-                      <a:endParaRPr lang="ko-KR" altLang="en-US" sz="1050" dirty="0">
-                        <a:solidFill>
-                          <a:schemeClr val="tx1"/>
-                        </a:solidFill>
-                      </a:endParaRPr>
-                    </a:p>
-                  </a:txBody>
-                  <a:tcPr anchor="ctr">
-                    <a:lnL w="12700" cap="flat" cmpd="sng" algn="ctr">
-                      <a:solidFill>
-                        <a:schemeClr val="tx1"/>
-                      </a:solidFill>
-                      <a:prstDash val="solid"/>
-                      <a:round/>
-                      <a:headEnd type="none" w="med" len="med"/>
-                      <a:tailEnd type="none" w="med" len="med"/>
-                    </a:lnL>
-                    <a:lnR w="12700" cap="flat" cmpd="sng" algn="ctr">
-                      <a:solidFill>
-                        <a:schemeClr val="tx1"/>
-                      </a:solidFill>
-                      <a:prstDash val="solid"/>
-                      <a:round/>
-                      <a:headEnd type="none" w="med" len="med"/>
-                      <a:tailEnd type="none" w="med" len="med"/>
-                    </a:lnR>
-                    <a:lnT w="12700" cap="flat" cmpd="sng" algn="ctr">
-                      <a:solidFill>
-                        <a:schemeClr val="tx1"/>
-                      </a:solidFill>
-                      <a:prstDash val="solid"/>
-                      <a:round/>
-                      <a:headEnd type="none" w="med" len="med"/>
-                      <a:tailEnd type="none" w="med" len="med"/>
-                    </a:lnT>
-                    <a:lnB w="12700" cap="flat" cmpd="sng" algn="ctr">
-                      <a:solidFill>
-                        <a:schemeClr val="tx1"/>
-                      </a:solidFill>
-                      <a:prstDash val="solid"/>
-                      <a:round/>
-                      <a:headEnd type="none" w="med" len="med"/>
-                      <a:tailEnd type="none" w="med" len="med"/>
-                    </a:lnB>
-                    <a:solidFill>
-                      <a:schemeClr val="bg1"/>
-                    </a:solidFill>
-                  </a:tcPr>
-                </a:tc>
-                <a:tc>
-                  <a:txBody>
-                    <a:bodyPr/>
-                    <a:lstStyle/>
-                    <a:p>
-                      <a:pPr algn="ctr" latinLnBrk="1"/>
-                      <a:endParaRPr lang="ko-KR" altLang="en-US" sz="1050" dirty="0">
-                        <a:solidFill>
-                          <a:schemeClr val="tx1"/>
-                        </a:solidFill>
-                      </a:endParaRPr>
-                    </a:p>
-                  </a:txBody>
-                  <a:tcPr anchor="ctr">
-                    <a:lnL w="12700" cap="flat" cmpd="sng" algn="ctr">
-                      <a:solidFill>
-                        <a:schemeClr val="tx1"/>
-                      </a:solidFill>
-                      <a:prstDash val="solid"/>
-                      <a:round/>
-                      <a:headEnd type="none" w="med" len="med"/>
-                      <a:tailEnd type="none" w="med" len="med"/>
-                    </a:lnL>
-                    <a:lnR w="12700" cap="flat" cmpd="sng" algn="ctr">
-                      <a:solidFill>
-                        <a:schemeClr val="tx1"/>
-                      </a:solidFill>
-                      <a:prstDash val="solid"/>
-                      <a:round/>
-                      <a:headEnd type="none" w="med" len="med"/>
-                      <a:tailEnd type="none" w="med" len="med"/>
-                    </a:lnR>
-                    <a:lnT w="12700" cap="flat" cmpd="sng" algn="ctr">
-                      <a:solidFill>
-                        <a:schemeClr val="tx1"/>
-                      </a:solidFill>
-                      <a:prstDash val="solid"/>
-                      <a:round/>
-                      <a:headEnd type="none" w="med" len="med"/>
-                      <a:tailEnd type="none" w="med" len="med"/>
-                    </a:lnT>
-                    <a:lnB w="12700" cap="flat" cmpd="sng" algn="ctr">
-                      <a:solidFill>
-                        <a:schemeClr val="tx1"/>
-                      </a:solidFill>
-                      <a:prstDash val="solid"/>
-                      <a:round/>
-                      <a:headEnd type="none" w="med" len="med"/>
-                      <a:tailEnd type="none" w="med" len="med"/>
-                    </a:lnB>
-                    <a:solidFill>
-                      <a:schemeClr val="bg1"/>
-                    </a:solidFill>
-                  </a:tcPr>
-                </a:tc>
-                <a:tc>
-                  <a:txBody>
-                    <a:bodyPr/>
-                    <a:lstStyle/>
-                    <a:p>
-                      <a:pPr algn="ctr" latinLnBrk="1"/>
-                      <a:endParaRPr lang="ko-KR" altLang="en-US" sz="1050" dirty="0">
-                        <a:solidFill>
-                          <a:schemeClr val="tx1"/>
-                        </a:solidFill>
-                      </a:endParaRPr>
-                    </a:p>
-                  </a:txBody>
-                  <a:tcPr anchor="ctr">
-                    <a:lnL w="12700" cap="flat" cmpd="sng" algn="ctr">
-                      <a:solidFill>
-                        <a:schemeClr val="tx1"/>
-                      </a:solidFill>
-                      <a:prstDash val="solid"/>
-                      <a:round/>
-                      <a:headEnd type="none" w="med" len="med"/>
-                      <a:tailEnd type="none" w="med" len="med"/>
-                    </a:lnL>
-                    <a:lnR w="12700" cap="flat" cmpd="sng" algn="ctr">
-                      <a:solidFill>
-                        <a:schemeClr val="tx1"/>
-                      </a:solidFill>
-                      <a:prstDash val="solid"/>
-                      <a:round/>
-                      <a:headEnd type="none" w="med" len="med"/>
-                      <a:tailEnd type="none" w="med" len="med"/>
-                    </a:lnR>
-                    <a:lnT w="12700" cap="flat" cmpd="sng" algn="ctr">
-                      <a:solidFill>
-                        <a:schemeClr val="tx1"/>
-                      </a:solidFill>
-                      <a:prstDash val="solid"/>
-                      <a:round/>
-                      <a:headEnd type="none" w="med" len="med"/>
-                      <a:tailEnd type="none" w="med" len="med"/>
-                    </a:lnT>
-                    <a:lnB w="12700" cap="flat" cmpd="sng" algn="ctr">
-                      <a:solidFill>
-                        <a:schemeClr val="tx1"/>
-                      </a:solidFill>
-                      <a:prstDash val="solid"/>
-                      <a:round/>
-                      <a:headEnd type="none" w="med" len="med"/>
-                      <a:tailEnd type="none" w="med" len="med"/>
-                    </a:lnB>
-                    <a:solidFill>
-                      <a:schemeClr val="bg1"/>
-                    </a:solidFill>
-                  </a:tcPr>
-                </a:tc>
-                <a:extLst>
-                  <a:ext uri="{0D108BD9-81ED-4DB2-BD59-A6C34878D82A}">
-                    <a16:rowId xmlns:a16="http://schemas.microsoft.com/office/drawing/2014/main" val="2851431691"/>
-                  </a:ext>
-                </a:extLst>
-              </a:tr>
-              <a:tr h="1366772">
-                <a:tc>
-                  <a:txBody>
-                    <a:bodyPr/>
-                    <a:lstStyle/>
-                    <a:p>
-                      <a:pPr algn="ctr" latinLnBrk="1"/>
-                      <a:endParaRPr lang="ko-KR" altLang="en-US">
-                        <a:solidFill>
-                          <a:schemeClr val="tx1"/>
-                        </a:solidFill>
-                      </a:endParaRPr>
-                    </a:p>
-                  </a:txBody>
-                  <a:tcPr anchor="ctr">
-                    <a:lnL w="12700" cap="flat" cmpd="sng" algn="ctr">
-                      <a:solidFill>
-                        <a:schemeClr val="tx1"/>
-                      </a:solidFill>
-                      <a:prstDash val="solid"/>
-                      <a:round/>
-                      <a:headEnd type="none" w="med" len="med"/>
-                      <a:tailEnd type="none" w="med" len="med"/>
-                    </a:lnL>
-                    <a:lnR w="12700" cap="flat" cmpd="sng" algn="ctr">
-                      <a:solidFill>
-                        <a:schemeClr val="tx1"/>
-                      </a:solidFill>
-                      <a:prstDash val="solid"/>
-                      <a:round/>
-                      <a:headEnd type="none" w="med" len="med"/>
-                      <a:tailEnd type="none" w="med" len="med"/>
-                    </a:lnR>
-                    <a:lnT w="12700" cap="flat" cmpd="sng" algn="ctr">
-                      <a:solidFill>
-                        <a:schemeClr val="tx1"/>
-                      </a:solidFill>
-                      <a:prstDash val="solid"/>
-                      <a:round/>
-                      <a:headEnd type="none" w="med" len="med"/>
-                      <a:tailEnd type="none" w="med" len="med"/>
-                    </a:lnT>
-                    <a:lnB w="12700" cap="flat" cmpd="sng" algn="ctr">
-                      <a:solidFill>
-                        <a:schemeClr val="tx1"/>
-                      </a:solidFill>
-                      <a:prstDash val="solid"/>
-                      <a:round/>
-                      <a:headEnd type="none" w="med" len="med"/>
-                      <a:tailEnd type="none" w="med" len="med"/>
-                    </a:lnB>
-                    <a:solidFill>
-                      <a:schemeClr val="bg1"/>
-                    </a:solidFill>
-                  </a:tcPr>
-                </a:tc>
-                <a:tc>
-                  <a:txBody>
-                    <a:bodyPr/>
-                    <a:lstStyle/>
-                    <a:p>
-                      <a:pPr algn="ctr" latinLnBrk="1"/>
-                      <a:endParaRPr lang="ko-KR" altLang="en-US" sz="1050" dirty="0">
-                        <a:solidFill>
-                          <a:schemeClr val="tx1"/>
-                        </a:solidFill>
-                      </a:endParaRPr>
-                    </a:p>
-                  </a:txBody>
-                  <a:tcPr anchor="ctr">
-                    <a:lnL w="12700" cap="flat" cmpd="sng" algn="ctr">
-                      <a:solidFill>
-                        <a:schemeClr val="tx1"/>
-                      </a:solidFill>
-                      <a:prstDash val="solid"/>
-                      <a:round/>
-                      <a:headEnd type="none" w="med" len="med"/>
-                      <a:tailEnd type="none" w="med" len="med"/>
-                    </a:lnL>
-                    <a:lnR w="12700" cap="flat" cmpd="sng" algn="ctr">
-                      <a:solidFill>
-                        <a:schemeClr val="tx1"/>
-                      </a:solidFill>
-                      <a:prstDash val="solid"/>
-                      <a:round/>
-                      <a:headEnd type="none" w="med" len="med"/>
-                      <a:tailEnd type="none" w="med" len="med"/>
-                    </a:lnR>
-                    <a:lnT w="12700" cap="flat" cmpd="sng" algn="ctr">
-                      <a:solidFill>
-                        <a:schemeClr val="tx1"/>
-                      </a:solidFill>
-                      <a:prstDash val="solid"/>
-                      <a:round/>
-                      <a:headEnd type="none" w="med" len="med"/>
-                      <a:tailEnd type="none" w="med" len="med"/>
-                    </a:lnT>
-                    <a:lnB w="12700" cap="flat" cmpd="sng" algn="ctr">
-                      <a:solidFill>
-                        <a:schemeClr val="tx1"/>
-                      </a:solidFill>
-                      <a:prstDash val="solid"/>
-                      <a:round/>
-                      <a:headEnd type="none" w="med" len="med"/>
-                      <a:tailEnd type="none" w="med" len="med"/>
-                    </a:lnB>
-                    <a:solidFill>
-                      <a:schemeClr val="bg1"/>
-                    </a:solidFill>
-                  </a:tcPr>
-                </a:tc>
-                <a:tc>
-                  <a:txBody>
-                    <a:bodyPr/>
-                    <a:lstStyle/>
-                    <a:p>
-                      <a:pPr algn="ctr" latinLnBrk="1"/>
-                      <a:endParaRPr lang="ko-KR" altLang="en-US" sz="1050" dirty="0">
-                        <a:solidFill>
-                          <a:schemeClr val="tx1"/>
-                        </a:solidFill>
-                      </a:endParaRPr>
-                    </a:p>
-                  </a:txBody>
-                  <a:tcPr anchor="ctr">
-                    <a:lnL w="12700" cap="flat" cmpd="sng" algn="ctr">
-                      <a:solidFill>
-                        <a:schemeClr val="tx1"/>
-                      </a:solidFill>
-                      <a:prstDash val="solid"/>
-                      <a:round/>
-                      <a:headEnd type="none" w="med" len="med"/>
-                      <a:tailEnd type="none" w="med" len="med"/>
-                    </a:lnL>
-                    <a:lnR w="12700" cap="flat" cmpd="sng" algn="ctr">
-                      <a:solidFill>
-                        <a:schemeClr val="tx1"/>
-                      </a:solidFill>
-                      <a:prstDash val="solid"/>
-                      <a:round/>
-                      <a:headEnd type="none" w="med" len="med"/>
-                      <a:tailEnd type="none" w="med" len="med"/>
-                    </a:lnR>
-                    <a:lnT w="12700" cap="flat" cmpd="sng" algn="ctr">
-                      <a:solidFill>
-                        <a:schemeClr val="tx1"/>
-                      </a:solidFill>
-                      <a:prstDash val="solid"/>
-                      <a:round/>
-                      <a:headEnd type="none" w="med" len="med"/>
-                      <a:tailEnd type="none" w="med" len="med"/>
-                    </a:lnT>
-                    <a:lnB w="12700" cap="flat" cmpd="sng" algn="ctr">
-                      <a:solidFill>
-                        <a:schemeClr val="tx1"/>
-                      </a:solidFill>
-                      <a:prstDash val="solid"/>
-                      <a:round/>
-                      <a:headEnd type="none" w="med" len="med"/>
-                      <a:tailEnd type="none" w="med" len="med"/>
-                    </a:lnB>
-                    <a:solidFill>
-                      <a:schemeClr val="bg1"/>
-                    </a:solidFill>
-                  </a:tcPr>
-                </a:tc>
-                <a:tc>
-                  <a:txBody>
-                    <a:bodyPr/>
-                    <a:lstStyle/>
-                    <a:p>
-                      <a:pPr algn="ctr" latinLnBrk="1"/>
-                      <a:endParaRPr lang="ko-KR" altLang="en-US" sz="1050" dirty="0">
-                        <a:solidFill>
-                          <a:schemeClr val="tx1"/>
-                        </a:solidFill>
-                      </a:endParaRPr>
-                    </a:p>
-                  </a:txBody>
-                  <a:tcPr anchor="ctr">
-                    <a:lnL w="12700" cap="flat" cmpd="sng" algn="ctr">
-                      <a:solidFill>
-                        <a:schemeClr val="tx1"/>
-                      </a:solidFill>
-                      <a:prstDash val="solid"/>
-                      <a:round/>
-                      <a:headEnd type="none" w="med" len="med"/>
-                      <a:tailEnd type="none" w="med" len="med"/>
-                    </a:lnL>
-                    <a:lnR w="12700" cap="flat" cmpd="sng" algn="ctr">
-                      <a:solidFill>
-                        <a:schemeClr val="tx1"/>
-                      </a:solidFill>
-                      <a:prstDash val="solid"/>
-                      <a:round/>
-                      <a:headEnd type="none" w="med" len="med"/>
-                      <a:tailEnd type="none" w="med" len="med"/>
-                    </a:lnR>
-                    <a:lnT w="12700" cap="flat" cmpd="sng" algn="ctr">
-                      <a:solidFill>
-                        <a:schemeClr val="tx1"/>
-                      </a:solidFill>
-                      <a:prstDash val="solid"/>
-                      <a:round/>
-                      <a:headEnd type="none" w="med" len="med"/>
-                      <a:tailEnd type="none" w="med" len="med"/>
-                    </a:lnT>
-                    <a:lnB w="12700" cap="flat" cmpd="sng" algn="ctr">
-                      <a:solidFill>
-                        <a:schemeClr val="tx1"/>
-                      </a:solidFill>
-                      <a:prstDash val="solid"/>
-                      <a:round/>
-                      <a:headEnd type="none" w="med" len="med"/>
-                      <a:tailEnd type="none" w="med" len="med"/>
-                    </a:lnB>
-                    <a:solidFill>
-                      <a:schemeClr val="bg1"/>
-                    </a:solidFill>
-                  </a:tcPr>
-                </a:tc>
-                <a:tc>
-                  <a:txBody>
-                    <a:bodyPr/>
-                    <a:lstStyle/>
-                    <a:p>
-                      <a:pPr algn="ctr" latinLnBrk="1"/>
-                      <a:endParaRPr lang="ko-KR" altLang="en-US" sz="1050" dirty="0">
-                        <a:solidFill>
-                          <a:schemeClr val="tx1"/>
-                        </a:solidFill>
-                      </a:endParaRPr>
-                    </a:p>
-                  </a:txBody>
-                  <a:tcPr anchor="ctr">
-                    <a:lnL w="12700" cap="flat" cmpd="sng" algn="ctr">
-                      <a:solidFill>
-                        <a:schemeClr val="tx1"/>
-                      </a:solidFill>
-                      <a:prstDash val="solid"/>
-                      <a:round/>
-                      <a:headEnd type="none" w="med" len="med"/>
-                      <a:tailEnd type="none" w="med" len="med"/>
-                    </a:lnL>
-                    <a:lnR w="12700" cap="flat" cmpd="sng" algn="ctr">
-                      <a:solidFill>
-                        <a:schemeClr val="tx1"/>
-                      </a:solidFill>
-                      <a:prstDash val="solid"/>
-                      <a:round/>
-                      <a:headEnd type="none" w="med" len="med"/>
-                      <a:tailEnd type="none" w="med" len="med"/>
-                    </a:lnR>
-                    <a:lnT w="12700" cap="flat" cmpd="sng" algn="ctr">
-                      <a:solidFill>
-                        <a:schemeClr val="tx1"/>
-                      </a:solidFill>
-                      <a:prstDash val="solid"/>
-                      <a:round/>
-                      <a:headEnd type="none" w="med" len="med"/>
-                      <a:tailEnd type="none" w="med" len="med"/>
-                    </a:lnT>
-                    <a:lnB w="12700" cap="flat" cmpd="sng" algn="ctr">
-                      <a:solidFill>
-                        <a:schemeClr val="tx1"/>
-                      </a:solidFill>
-                      <a:prstDash val="solid"/>
-                      <a:round/>
-                      <a:headEnd type="none" w="med" len="med"/>
-                      <a:tailEnd type="none" w="med" len="med"/>
-                    </a:lnB>
-                    <a:solidFill>
-                      <a:schemeClr val="bg1"/>
-                    </a:solidFill>
-                  </a:tcPr>
-                </a:tc>
-                <a:tc>
-                  <a:txBody>
-                    <a:bodyPr/>
-                    <a:lstStyle/>
-                    <a:p>
-                      <a:pPr algn="ctr" latinLnBrk="1"/>
-                      <a:endParaRPr lang="ko-KR" altLang="en-US" sz="1050" dirty="0">
-                        <a:solidFill>
-                          <a:schemeClr val="tx1"/>
-                        </a:solidFill>
-                      </a:endParaRPr>
-                    </a:p>
-                  </a:txBody>
-                  <a:tcPr anchor="ctr">
-                    <a:lnL w="12700" cap="flat" cmpd="sng" algn="ctr">
-                      <a:solidFill>
-                        <a:schemeClr val="tx1"/>
-                      </a:solidFill>
-                      <a:prstDash val="solid"/>
-                      <a:round/>
-                      <a:headEnd type="none" w="med" len="med"/>
-                      <a:tailEnd type="none" w="med" len="med"/>
-                    </a:lnL>
-                    <a:lnR w="12700" cap="flat" cmpd="sng" algn="ctr">
-                      <a:solidFill>
-                        <a:schemeClr val="tx1"/>
-                      </a:solidFill>
-                      <a:prstDash val="solid"/>
-                      <a:round/>
-                      <a:headEnd type="none" w="med" len="med"/>
-                      <a:tailEnd type="none" w="med" len="med"/>
-                    </a:lnR>
-                    <a:lnT w="12700" cap="flat" cmpd="sng" algn="ctr">
-                      <a:solidFill>
-                        <a:schemeClr val="tx1"/>
-                      </a:solidFill>
-                      <a:prstDash val="solid"/>
-                      <a:round/>
-                      <a:headEnd type="none" w="med" len="med"/>
-                      <a:tailEnd type="none" w="med" len="med"/>
-                    </a:lnT>
-                    <a:lnB w="12700" cap="flat" cmpd="sng" algn="ctr">
-                      <a:solidFill>
-                        <a:schemeClr val="tx1"/>
-                      </a:solidFill>
-                      <a:prstDash val="solid"/>
-                      <a:round/>
-                      <a:headEnd type="none" w="med" len="med"/>
-                      <a:tailEnd type="none" w="med" len="med"/>
-                    </a:lnB>
-                    <a:solidFill>
-                      <a:schemeClr val="bg1"/>
-                    </a:solidFill>
-                  </a:tcPr>
-                </a:tc>
-                <a:tc>
-                  <a:txBody>
-                    <a:bodyPr/>
-                    <a:lstStyle/>
-                    <a:p>
-                      <a:pPr algn="ctr" latinLnBrk="1"/>
-                      <a:endParaRPr lang="ko-KR" altLang="en-US" sz="1050" dirty="0">
-                        <a:solidFill>
-                          <a:schemeClr val="tx1"/>
-                        </a:solidFill>
-                      </a:endParaRPr>
-                    </a:p>
-                  </a:txBody>
-                  <a:tcPr anchor="ctr">
-                    <a:lnL w="12700" cap="flat" cmpd="sng" algn="ctr">
-                      <a:solidFill>
-                        <a:schemeClr val="tx1"/>
-                      </a:solidFill>
-                      <a:prstDash val="solid"/>
-                      <a:round/>
-                      <a:headEnd type="none" w="med" len="med"/>
-                      <a:tailEnd type="none" w="med" len="med"/>
-                    </a:lnL>
-                    <a:lnR w="12700" cap="flat" cmpd="sng" algn="ctr">
-                      <a:solidFill>
-                        <a:schemeClr val="tx1"/>
-                      </a:solidFill>
-                      <a:prstDash val="solid"/>
-                      <a:round/>
-                      <a:headEnd type="none" w="med" len="med"/>
-                      <a:tailEnd type="none" w="med" len="med"/>
-                    </a:lnR>
-                    <a:lnT w="12700" cap="flat" cmpd="sng" algn="ctr">
-                      <a:solidFill>
-                        <a:schemeClr val="tx1"/>
-                      </a:solidFill>
-                      <a:prstDash val="solid"/>
-                      <a:round/>
-                      <a:headEnd type="none" w="med" len="med"/>
-                      <a:tailEnd type="none" w="med" len="med"/>
-                    </a:lnT>
-                    <a:lnB w="12700" cap="flat" cmpd="sng" algn="ctr">
-                      <a:solidFill>
-                        <a:schemeClr val="tx1"/>
-                      </a:solidFill>
-                      <a:prstDash val="solid"/>
-                      <a:round/>
-                      <a:headEnd type="none" w="med" len="med"/>
-                      <a:tailEnd type="none" w="med" len="med"/>
-                    </a:lnB>
-                    <a:solidFill>
-                      <a:schemeClr val="bg1"/>
-                    </a:solidFill>
-                  </a:tcPr>
-                </a:tc>
-                <a:extLst>
-                  <a:ext uri="{0D108BD9-81ED-4DB2-BD59-A6C34878D82A}">
-                    <a16:rowId xmlns:a16="http://schemas.microsoft.com/office/drawing/2014/main" val="2889210737"/>
-                  </a:ext>
-                </a:extLst>
-              </a:tr>
-            </a:tbl>
-          </a:graphicData>
-        </a:graphic>
-      </p:graphicFrame>
-    </p:spTree>
-    <p:extLst>
-      <p:ext uri="{BB962C8B-B14F-4D97-AF65-F5344CB8AC3E}">
-        <p14:creationId xmlns:p14="http://schemas.microsoft.com/office/powerpoint/2010/main" val="4223110751"/>
-      </p:ext>
-    </p:extLst>
-  </p:cSld>
-  <p:clrMapOvr>
-    <a:masterClrMapping/>
-  </p:clrMapOvr>
-</p:sld>
-</file>
-
-<file path=ppt/slides/slide7.xml><?xml version="1.0" encoding="utf-8"?>
-<p:sld xmlns:a="http://schemas.openxmlformats.org/drawingml/2006/main" xmlns:r="http://schemas.openxmlformats.org/officeDocument/2006/relationships" xmlns:p="http://schemas.openxmlformats.org/presentationml/2006/main">
-  <p:cSld>
-    <p:spTree>
-      <p:nvGrpSpPr>
-        <p:cNvPr id="1" name=""/>
-        <p:cNvGrpSpPr/>
-        <p:nvPr/>
-      </p:nvGrpSpPr>
-      <p:grpSpPr>
-        <a:xfrm>
-          <a:off x="0" y="0"/>
-          <a:ext cx="0" cy="0"/>
-          <a:chOff x="0" y="0"/>
-          <a:chExt cx="0" cy="0"/>
-        </a:xfrm>
-      </p:grpSpPr>
       <p:sp>
         <p:nvSpPr>
-          <p:cNvPr id="2" name="제목 1">
-            <a:extLst>
-              <a:ext uri="{FF2B5EF4-FFF2-40B4-BE49-F238E27FC236}">
-                <a16:creationId xmlns:a16="http://schemas.microsoft.com/office/drawing/2014/main" id="{25530B73-02C0-3356-2DE8-F6BB62FAB3E6}"/>
-              </a:ext>
-            </a:extLst>
-          </p:cNvPr>
-          <p:cNvSpPr>
-            <a:spLocks noGrp="1"/>
-          </p:cNvSpPr>
-          <p:nvPr>
-            <p:ph type="title"/>
-          </p:nvPr>
+          <p:cNvPr id="4" name="순서도: 처리 3">
+            <a:extLst>
+              <a:ext uri="{FF2B5EF4-FFF2-40B4-BE49-F238E27FC236}">
+                <a16:creationId xmlns:a16="http://schemas.microsoft.com/office/drawing/2014/main" id="{BB125D34-F76F-40BE-8A95-C4175B63A963}"/>
+              </a:ext>
+            </a:extLst>
+          </p:cNvPr>
+          <p:cNvSpPr/>
+          <p:nvPr/>
         </p:nvSpPr>
-        <p:spPr/>
+        <p:spPr>
+          <a:xfrm>
+            <a:off x="6505664" y="1132513"/>
+            <a:ext cx="1241570" cy="528506"/>
+          </a:xfrm>
+          <a:prstGeom prst="flowChartProcess">
+            <a:avLst/>
+          </a:prstGeom>
+          <a:solidFill>
+            <a:schemeClr val="bg1">
+              <a:lumMod val="85000"/>
+            </a:schemeClr>
+          </a:solidFill>
+          <a:ln>
+            <a:solidFill>
+              <a:schemeClr val="tx1"/>
+            </a:solidFill>
+          </a:ln>
+        </p:spPr>
+        <p:style>
+          <a:lnRef idx="2">
+            <a:schemeClr val="accent1">
+              <a:shade val="50000"/>
+            </a:schemeClr>
+          </a:lnRef>
+          <a:fillRef idx="1">
+            <a:schemeClr val="accent1"/>
+          </a:fillRef>
+          <a:effectRef idx="0">
+            <a:schemeClr val="accent1"/>
+          </a:effectRef>
+          <a:fontRef idx="minor">
+            <a:schemeClr val="lt1"/>
+          </a:fontRef>
+        </p:style>
         <p:txBody>
-          <a:bodyPr/>
+          <a:bodyPr rtlCol="0" anchor="ctr"/>
           <a:lstStyle/>
           <a:p>
-            <a:r>
-              <a:rPr lang="ko-KR" altLang="en-US" dirty="0" err="1"/>
-              <a:t>플로우차트</a:t>
-            </a:r>
-            <a:endParaRPr lang="ko-KR" altLang="en-US" dirty="0"/>
+            <a:pPr algn="ctr"/>
+            <a:r>
+              <a:rPr lang="ko-KR" altLang="en-US" sz="1200" dirty="0">
+                <a:solidFill>
+                  <a:schemeClr val="tx1"/>
+                </a:solidFill>
+              </a:rPr>
+              <a:t>습도</a:t>
+            </a:r>
+            <a:r>
+              <a:rPr lang="en-US" altLang="ko-KR" sz="1200" dirty="0">
+                <a:solidFill>
+                  <a:schemeClr val="tx1"/>
+                </a:solidFill>
+              </a:rPr>
+              <a:t>, </a:t>
+            </a:r>
+            <a:r>
+              <a:rPr lang="ko-KR" altLang="en-US" sz="1200" dirty="0">
+                <a:solidFill>
+                  <a:schemeClr val="tx1"/>
+                </a:solidFill>
+              </a:rPr>
+              <a:t>토양습도 측정</a:t>
+            </a:r>
+          </a:p>
+        </p:txBody>
+      </p:sp>
+      <p:sp>
+        <p:nvSpPr>
+          <p:cNvPr id="6" name="순서도: 수행의 시작/종료 5">
+            <a:extLst>
+              <a:ext uri="{FF2B5EF4-FFF2-40B4-BE49-F238E27FC236}">
+                <a16:creationId xmlns:a16="http://schemas.microsoft.com/office/drawing/2014/main" id="{40C581F9-FDB6-2618-B3C0-51E37EAA2B10}"/>
+              </a:ext>
+            </a:extLst>
+          </p:cNvPr>
+          <p:cNvSpPr/>
+          <p:nvPr/>
+        </p:nvSpPr>
+        <p:spPr>
+          <a:xfrm>
+            <a:off x="6576970" y="382976"/>
+            <a:ext cx="1107347" cy="451062"/>
+          </a:xfrm>
+          <a:prstGeom prst="flowChartTerminator">
+            <a:avLst/>
+          </a:prstGeom>
+          <a:solidFill>
+            <a:schemeClr val="bg1">
+              <a:lumMod val="85000"/>
+            </a:schemeClr>
+          </a:solidFill>
+          <a:ln>
+            <a:solidFill>
+              <a:schemeClr val="tx1"/>
+            </a:solidFill>
+          </a:ln>
+        </p:spPr>
+        <p:style>
+          <a:lnRef idx="2">
+            <a:schemeClr val="accent1">
+              <a:shade val="50000"/>
+            </a:schemeClr>
+          </a:lnRef>
+          <a:fillRef idx="1">
+            <a:schemeClr val="accent1"/>
+          </a:fillRef>
+          <a:effectRef idx="0">
+            <a:schemeClr val="accent1"/>
+          </a:effectRef>
+          <a:fontRef idx="minor">
+            <a:schemeClr val="lt1"/>
+          </a:fontRef>
+        </p:style>
+        <p:txBody>
+          <a:bodyPr rtlCol="0" anchor="ctr"/>
+          <a:lstStyle/>
+          <a:p>
+            <a:pPr algn="ctr"/>
+            <a:r>
+              <a:rPr lang="ko-KR" altLang="en-US">
+                <a:solidFill>
+                  <a:schemeClr val="tx1"/>
+                </a:solidFill>
+              </a:rPr>
+              <a:t>시작</a:t>
+            </a:r>
+          </a:p>
+        </p:txBody>
+      </p:sp>
+      <p:sp>
+        <p:nvSpPr>
+          <p:cNvPr id="7" name="순서도: 처리 6">
+            <a:extLst>
+              <a:ext uri="{FF2B5EF4-FFF2-40B4-BE49-F238E27FC236}">
+                <a16:creationId xmlns:a16="http://schemas.microsoft.com/office/drawing/2014/main" id="{27AEF7E6-DE0F-9990-B401-B198C84654E3}"/>
+              </a:ext>
+            </a:extLst>
+          </p:cNvPr>
+          <p:cNvSpPr/>
+          <p:nvPr/>
+        </p:nvSpPr>
+        <p:spPr>
+          <a:xfrm>
+            <a:off x="8284130" y="1490989"/>
+            <a:ext cx="1241570" cy="528506"/>
+          </a:xfrm>
+          <a:prstGeom prst="flowChartProcess">
+            <a:avLst/>
+          </a:prstGeom>
+          <a:solidFill>
+            <a:schemeClr val="bg1">
+              <a:lumMod val="85000"/>
+            </a:schemeClr>
+          </a:solidFill>
+          <a:ln>
+            <a:solidFill>
+              <a:schemeClr val="tx1"/>
+            </a:solidFill>
+          </a:ln>
+        </p:spPr>
+        <p:style>
+          <a:lnRef idx="2">
+            <a:schemeClr val="accent1">
+              <a:shade val="50000"/>
+            </a:schemeClr>
+          </a:lnRef>
+          <a:fillRef idx="1">
+            <a:schemeClr val="accent1"/>
+          </a:fillRef>
+          <a:effectRef idx="0">
+            <a:schemeClr val="accent1"/>
+          </a:effectRef>
+          <a:fontRef idx="minor">
+            <a:schemeClr val="lt1"/>
+          </a:fontRef>
+        </p:style>
+        <p:txBody>
+          <a:bodyPr rtlCol="0" anchor="ctr"/>
+          <a:lstStyle/>
+          <a:p>
+            <a:pPr algn="ctr"/>
+            <a:r>
+              <a:rPr lang="en-US" altLang="ko-KR" sz="1200" dirty="0">
+                <a:solidFill>
+                  <a:schemeClr val="tx1"/>
+                </a:solidFill>
+              </a:rPr>
+              <a:t>LCD </a:t>
+            </a:r>
+            <a:r>
+              <a:rPr lang="ko-KR" altLang="en-US" sz="1200" dirty="0">
+                <a:solidFill>
+                  <a:schemeClr val="tx1"/>
+                </a:solidFill>
+              </a:rPr>
+              <a:t>출력</a:t>
+            </a:r>
+          </a:p>
+        </p:txBody>
+      </p:sp>
+      <p:sp>
+        <p:nvSpPr>
+          <p:cNvPr id="8" name="순서도: 처리 7">
+            <a:extLst>
+              <a:ext uri="{FF2B5EF4-FFF2-40B4-BE49-F238E27FC236}">
+                <a16:creationId xmlns:a16="http://schemas.microsoft.com/office/drawing/2014/main" id="{A9C45934-3DA9-5809-3212-0828397FD602}"/>
+              </a:ext>
+            </a:extLst>
+          </p:cNvPr>
+          <p:cNvSpPr/>
+          <p:nvPr/>
+        </p:nvSpPr>
+        <p:spPr>
+          <a:xfrm>
+            <a:off x="6505664" y="1883022"/>
+            <a:ext cx="1241570" cy="528506"/>
+          </a:xfrm>
+          <a:prstGeom prst="flowChartProcess">
+            <a:avLst/>
+          </a:prstGeom>
+          <a:solidFill>
+            <a:schemeClr val="bg1">
+              <a:lumMod val="85000"/>
+            </a:schemeClr>
+          </a:solidFill>
+          <a:ln>
+            <a:solidFill>
+              <a:schemeClr val="tx1"/>
+            </a:solidFill>
+          </a:ln>
+        </p:spPr>
+        <p:style>
+          <a:lnRef idx="2">
+            <a:schemeClr val="accent1">
+              <a:shade val="50000"/>
+            </a:schemeClr>
+          </a:lnRef>
+          <a:fillRef idx="1">
+            <a:schemeClr val="accent1"/>
+          </a:fillRef>
+          <a:effectRef idx="0">
+            <a:schemeClr val="accent1"/>
+          </a:effectRef>
+          <a:fontRef idx="minor">
+            <a:schemeClr val="lt1"/>
+          </a:fontRef>
+        </p:style>
+        <p:txBody>
+          <a:bodyPr rtlCol="0" anchor="ctr"/>
+          <a:lstStyle/>
+          <a:p>
+            <a:pPr algn="ctr"/>
+            <a:r>
+              <a:rPr lang="ko-KR" altLang="en-US" sz="1200" dirty="0">
+                <a:solidFill>
+                  <a:schemeClr val="tx1"/>
+                </a:solidFill>
+              </a:rPr>
+              <a:t>퍼지화</a:t>
+            </a:r>
+          </a:p>
+        </p:txBody>
+      </p:sp>
+      <p:sp>
+        <p:nvSpPr>
+          <p:cNvPr id="9" name="순서도: 처리 8">
+            <a:extLst>
+              <a:ext uri="{FF2B5EF4-FFF2-40B4-BE49-F238E27FC236}">
+                <a16:creationId xmlns:a16="http://schemas.microsoft.com/office/drawing/2014/main" id="{1AAD0A6E-0BAE-FF26-C0CF-FD719D634219}"/>
+              </a:ext>
+            </a:extLst>
+          </p:cNvPr>
+          <p:cNvSpPr/>
+          <p:nvPr/>
+        </p:nvSpPr>
+        <p:spPr>
+          <a:xfrm>
+            <a:off x="6505664" y="2633531"/>
+            <a:ext cx="1241570" cy="528506"/>
+          </a:xfrm>
+          <a:prstGeom prst="flowChartProcess">
+            <a:avLst/>
+          </a:prstGeom>
+          <a:solidFill>
+            <a:schemeClr val="bg1">
+              <a:lumMod val="85000"/>
+            </a:schemeClr>
+          </a:solidFill>
+          <a:ln>
+            <a:solidFill>
+              <a:schemeClr val="tx1"/>
+            </a:solidFill>
+          </a:ln>
+        </p:spPr>
+        <p:style>
+          <a:lnRef idx="2">
+            <a:schemeClr val="accent1">
+              <a:shade val="50000"/>
+            </a:schemeClr>
+          </a:lnRef>
+          <a:fillRef idx="1">
+            <a:schemeClr val="accent1"/>
+          </a:fillRef>
+          <a:effectRef idx="0">
+            <a:schemeClr val="accent1"/>
+          </a:effectRef>
+          <a:fontRef idx="minor">
+            <a:schemeClr val="lt1"/>
+          </a:fontRef>
+        </p:style>
+        <p:txBody>
+          <a:bodyPr rtlCol="0" anchor="ctr"/>
+          <a:lstStyle/>
+          <a:p>
+            <a:pPr algn="ctr"/>
+            <a:r>
+              <a:rPr lang="ko-KR" altLang="en-US" sz="1200" dirty="0">
+                <a:solidFill>
+                  <a:schemeClr val="tx1"/>
+                </a:solidFill>
+              </a:rPr>
+              <a:t>추론</a:t>
+            </a:r>
+          </a:p>
+        </p:txBody>
+      </p:sp>
+      <p:sp>
+        <p:nvSpPr>
+          <p:cNvPr id="10" name="순서도: 처리 9">
+            <a:extLst>
+              <a:ext uri="{FF2B5EF4-FFF2-40B4-BE49-F238E27FC236}">
+                <a16:creationId xmlns:a16="http://schemas.microsoft.com/office/drawing/2014/main" id="{BC72E374-5783-6ACF-02B4-0CCD2FE29EEE}"/>
+              </a:ext>
+            </a:extLst>
+          </p:cNvPr>
+          <p:cNvSpPr/>
+          <p:nvPr/>
+        </p:nvSpPr>
+        <p:spPr>
+          <a:xfrm>
+            <a:off x="6505664" y="3491217"/>
+            <a:ext cx="1241570" cy="528506"/>
+          </a:xfrm>
+          <a:prstGeom prst="flowChartProcess">
+            <a:avLst/>
+          </a:prstGeom>
+          <a:solidFill>
+            <a:schemeClr val="bg1">
+              <a:lumMod val="85000"/>
+            </a:schemeClr>
+          </a:solidFill>
+          <a:ln>
+            <a:solidFill>
+              <a:schemeClr val="tx1"/>
+            </a:solidFill>
+          </a:ln>
+        </p:spPr>
+        <p:style>
+          <a:lnRef idx="2">
+            <a:schemeClr val="accent1">
+              <a:shade val="50000"/>
+            </a:schemeClr>
+          </a:lnRef>
+          <a:fillRef idx="1">
+            <a:schemeClr val="accent1"/>
+          </a:fillRef>
+          <a:effectRef idx="0">
+            <a:schemeClr val="accent1"/>
+          </a:effectRef>
+          <a:fontRef idx="minor">
+            <a:schemeClr val="lt1"/>
+          </a:fontRef>
+        </p:style>
+        <p:txBody>
+          <a:bodyPr rtlCol="0" anchor="ctr"/>
+          <a:lstStyle/>
+          <a:p>
+            <a:pPr algn="ctr"/>
+            <a:r>
+              <a:rPr lang="ko-KR" altLang="en-US" sz="1200" dirty="0" err="1">
+                <a:solidFill>
+                  <a:schemeClr val="tx1"/>
+                </a:solidFill>
+              </a:rPr>
+              <a:t>역퍼지화</a:t>
+            </a:r>
+            <a:endParaRPr lang="ko-KR" altLang="en-US" sz="1200" dirty="0">
+              <a:solidFill>
+                <a:schemeClr val="tx1"/>
+              </a:solidFill>
+            </a:endParaRPr>
+          </a:p>
+        </p:txBody>
+      </p:sp>
+      <p:sp>
+        <p:nvSpPr>
+          <p:cNvPr id="13" name="순서도: 처리 12">
+            <a:extLst>
+              <a:ext uri="{FF2B5EF4-FFF2-40B4-BE49-F238E27FC236}">
+                <a16:creationId xmlns:a16="http://schemas.microsoft.com/office/drawing/2014/main" id="{BC405A65-975F-3C99-467A-303F2E7A3EAC}"/>
+              </a:ext>
+            </a:extLst>
+          </p:cNvPr>
+          <p:cNvSpPr/>
+          <p:nvPr/>
+        </p:nvSpPr>
+        <p:spPr>
+          <a:xfrm>
+            <a:off x="6216243" y="4254615"/>
+            <a:ext cx="1820411" cy="528506"/>
+          </a:xfrm>
+          <a:prstGeom prst="flowChartProcess">
+            <a:avLst/>
+          </a:prstGeom>
+          <a:solidFill>
+            <a:schemeClr val="bg1">
+              <a:lumMod val="85000"/>
+            </a:schemeClr>
+          </a:solidFill>
+          <a:ln>
+            <a:solidFill>
+              <a:schemeClr val="tx1"/>
+            </a:solidFill>
+          </a:ln>
+        </p:spPr>
+        <p:style>
+          <a:lnRef idx="2">
+            <a:schemeClr val="accent1">
+              <a:shade val="50000"/>
+            </a:schemeClr>
+          </a:lnRef>
+          <a:fillRef idx="1">
+            <a:schemeClr val="accent1"/>
+          </a:fillRef>
+          <a:effectRef idx="0">
+            <a:schemeClr val="accent1"/>
+          </a:effectRef>
+          <a:fontRef idx="minor">
+            <a:schemeClr val="lt1"/>
+          </a:fontRef>
+        </p:style>
+        <p:txBody>
+          <a:bodyPr rtlCol="0" anchor="ctr"/>
+          <a:lstStyle/>
+          <a:p>
+            <a:pPr algn="ctr"/>
+            <a:r>
+              <a:rPr lang="ko-KR" altLang="en-US" sz="1200">
+                <a:solidFill>
+                  <a:schemeClr val="tx1"/>
+                </a:solidFill>
+              </a:rPr>
+              <a:t>퍼지 출력 값으로 모터 가동시간 계산</a:t>
+            </a:r>
+            <a:endParaRPr lang="ko-KR" altLang="en-US" sz="1200" dirty="0">
+              <a:solidFill>
+                <a:schemeClr val="tx1"/>
+              </a:solidFill>
+            </a:endParaRPr>
+          </a:p>
+        </p:txBody>
+      </p:sp>
+      <p:sp>
+        <p:nvSpPr>
+          <p:cNvPr id="14" name="순서도: 처리 13">
+            <a:extLst>
+              <a:ext uri="{FF2B5EF4-FFF2-40B4-BE49-F238E27FC236}">
+                <a16:creationId xmlns:a16="http://schemas.microsoft.com/office/drawing/2014/main" id="{CF94F1CC-66A7-35BE-1D15-B7D13AA4CDAA}"/>
+              </a:ext>
+            </a:extLst>
+          </p:cNvPr>
+          <p:cNvSpPr/>
+          <p:nvPr/>
+        </p:nvSpPr>
+        <p:spPr>
+          <a:xfrm>
+            <a:off x="6514052" y="6102787"/>
+            <a:ext cx="1241570" cy="528506"/>
+          </a:xfrm>
+          <a:prstGeom prst="flowChartProcess">
+            <a:avLst/>
+          </a:prstGeom>
+          <a:solidFill>
+            <a:schemeClr val="bg1">
+              <a:lumMod val="85000"/>
+            </a:schemeClr>
+          </a:solidFill>
+          <a:ln>
+            <a:solidFill>
+              <a:schemeClr val="tx1"/>
+            </a:solidFill>
+          </a:ln>
+        </p:spPr>
+        <p:style>
+          <a:lnRef idx="2">
+            <a:schemeClr val="accent1">
+              <a:shade val="50000"/>
+            </a:schemeClr>
+          </a:lnRef>
+          <a:fillRef idx="1">
+            <a:schemeClr val="accent1"/>
+          </a:fillRef>
+          <a:effectRef idx="0">
+            <a:schemeClr val="accent1"/>
+          </a:effectRef>
+          <a:fontRef idx="minor">
+            <a:schemeClr val="lt1"/>
+          </a:fontRef>
+        </p:style>
+        <p:txBody>
+          <a:bodyPr rtlCol="0" anchor="ctr"/>
+          <a:lstStyle/>
+          <a:p>
+            <a:pPr algn="ctr"/>
+            <a:r>
+              <a:rPr lang="ko-KR" altLang="en-US" sz="1200" dirty="0">
+                <a:solidFill>
+                  <a:schemeClr val="tx1"/>
+                </a:solidFill>
+              </a:rPr>
+              <a:t>화분에 물 공급</a:t>
+            </a:r>
+          </a:p>
+        </p:txBody>
+      </p:sp>
+      <p:cxnSp>
+        <p:nvCxnSpPr>
+          <p:cNvPr id="16" name="직선 화살표 연결선 15">
+            <a:extLst>
+              <a:ext uri="{FF2B5EF4-FFF2-40B4-BE49-F238E27FC236}">
+                <a16:creationId xmlns:a16="http://schemas.microsoft.com/office/drawing/2014/main" id="{18F65B35-28EB-6FBC-F06A-A61ABAD06A96}"/>
+              </a:ext>
+            </a:extLst>
+          </p:cNvPr>
+          <p:cNvCxnSpPr>
+            <a:stCxn id="6" idx="2"/>
+            <a:endCxn id="4" idx="0"/>
+          </p:cNvCxnSpPr>
+          <p:nvPr/>
+        </p:nvCxnSpPr>
+        <p:spPr>
+          <a:xfrm flipH="1">
+            <a:off x="7126449" y="834038"/>
+            <a:ext cx="4195" cy="298475"/>
+          </a:xfrm>
+          <a:prstGeom prst="straightConnector1">
+            <a:avLst/>
+          </a:prstGeom>
+          <a:ln>
+            <a:solidFill>
+              <a:schemeClr val="tx1"/>
+            </a:solidFill>
+            <a:tailEnd type="triangle"/>
+          </a:ln>
+        </p:spPr>
+        <p:style>
+          <a:lnRef idx="1">
+            <a:schemeClr val="accent1"/>
+          </a:lnRef>
+          <a:fillRef idx="0">
+            <a:schemeClr val="accent1"/>
+          </a:fillRef>
+          <a:effectRef idx="0">
+            <a:schemeClr val="accent1"/>
+          </a:effectRef>
+          <a:fontRef idx="minor">
+            <a:schemeClr val="tx1"/>
+          </a:fontRef>
+        </p:style>
+      </p:cxnSp>
+      <p:cxnSp>
+        <p:nvCxnSpPr>
+          <p:cNvPr id="18" name="직선 화살표 연결선 17">
+            <a:extLst>
+              <a:ext uri="{FF2B5EF4-FFF2-40B4-BE49-F238E27FC236}">
+                <a16:creationId xmlns:a16="http://schemas.microsoft.com/office/drawing/2014/main" id="{2BF8091C-3BFB-D4C9-487A-61E11BF6E519}"/>
+              </a:ext>
+            </a:extLst>
+          </p:cNvPr>
+          <p:cNvCxnSpPr>
+            <a:stCxn id="4" idx="2"/>
+            <a:endCxn id="8" idx="0"/>
+          </p:cNvCxnSpPr>
+          <p:nvPr/>
+        </p:nvCxnSpPr>
+        <p:spPr>
+          <a:xfrm>
+            <a:off x="7126449" y="1661019"/>
+            <a:ext cx="0" cy="222003"/>
+          </a:xfrm>
+          <a:prstGeom prst="straightConnector1">
+            <a:avLst/>
+          </a:prstGeom>
+          <a:ln>
+            <a:solidFill>
+              <a:schemeClr val="tx1"/>
+            </a:solidFill>
+            <a:tailEnd type="triangle"/>
+          </a:ln>
+        </p:spPr>
+        <p:style>
+          <a:lnRef idx="1">
+            <a:schemeClr val="accent1"/>
+          </a:lnRef>
+          <a:fillRef idx="0">
+            <a:schemeClr val="accent1"/>
+          </a:fillRef>
+          <a:effectRef idx="0">
+            <a:schemeClr val="accent1"/>
+          </a:effectRef>
+          <a:fontRef idx="minor">
+            <a:schemeClr val="tx1"/>
+          </a:fontRef>
+        </p:style>
+      </p:cxnSp>
+      <p:cxnSp>
+        <p:nvCxnSpPr>
+          <p:cNvPr id="20" name="직선 화살표 연결선 19">
+            <a:extLst>
+              <a:ext uri="{FF2B5EF4-FFF2-40B4-BE49-F238E27FC236}">
+                <a16:creationId xmlns:a16="http://schemas.microsoft.com/office/drawing/2014/main" id="{1F3362E8-E18E-8CBF-D76B-106242EEABB9}"/>
+              </a:ext>
+            </a:extLst>
+          </p:cNvPr>
+          <p:cNvCxnSpPr>
+            <a:stCxn id="8" idx="2"/>
+            <a:endCxn id="9" idx="0"/>
+          </p:cNvCxnSpPr>
+          <p:nvPr/>
+        </p:nvCxnSpPr>
+        <p:spPr>
+          <a:xfrm>
+            <a:off x="7126449" y="2411528"/>
+            <a:ext cx="0" cy="222003"/>
+          </a:xfrm>
+          <a:prstGeom prst="straightConnector1">
+            <a:avLst/>
+          </a:prstGeom>
+          <a:ln>
+            <a:solidFill>
+              <a:schemeClr val="tx1"/>
+            </a:solidFill>
+            <a:tailEnd type="triangle"/>
+          </a:ln>
+        </p:spPr>
+        <p:style>
+          <a:lnRef idx="1">
+            <a:schemeClr val="accent1"/>
+          </a:lnRef>
+          <a:fillRef idx="0">
+            <a:schemeClr val="accent1"/>
+          </a:fillRef>
+          <a:effectRef idx="0">
+            <a:schemeClr val="accent1"/>
+          </a:effectRef>
+          <a:fontRef idx="minor">
+            <a:schemeClr val="tx1"/>
+          </a:fontRef>
+        </p:style>
+      </p:cxnSp>
+      <p:cxnSp>
+        <p:nvCxnSpPr>
+          <p:cNvPr id="22" name="직선 화살표 연결선 21">
+            <a:extLst>
+              <a:ext uri="{FF2B5EF4-FFF2-40B4-BE49-F238E27FC236}">
+                <a16:creationId xmlns:a16="http://schemas.microsoft.com/office/drawing/2014/main" id="{523B0D92-89A9-3FC0-1C37-E8677C4A27DD}"/>
+              </a:ext>
+            </a:extLst>
+          </p:cNvPr>
+          <p:cNvCxnSpPr>
+            <a:stCxn id="9" idx="2"/>
+            <a:endCxn id="10" idx="0"/>
+          </p:cNvCxnSpPr>
+          <p:nvPr/>
+        </p:nvCxnSpPr>
+        <p:spPr>
+          <a:xfrm>
+            <a:off x="7126449" y="3162037"/>
+            <a:ext cx="0" cy="329180"/>
+          </a:xfrm>
+          <a:prstGeom prst="straightConnector1">
+            <a:avLst/>
+          </a:prstGeom>
+          <a:ln>
+            <a:solidFill>
+              <a:schemeClr val="tx1"/>
+            </a:solidFill>
+            <a:tailEnd type="triangle"/>
+          </a:ln>
+        </p:spPr>
+        <p:style>
+          <a:lnRef idx="1">
+            <a:schemeClr val="accent1"/>
+          </a:lnRef>
+          <a:fillRef idx="0">
+            <a:schemeClr val="accent1"/>
+          </a:fillRef>
+          <a:effectRef idx="0">
+            <a:schemeClr val="accent1"/>
+          </a:effectRef>
+          <a:fontRef idx="minor">
+            <a:schemeClr val="tx1"/>
+          </a:fontRef>
+        </p:style>
+      </p:cxnSp>
+      <p:cxnSp>
+        <p:nvCxnSpPr>
+          <p:cNvPr id="24" name="직선 화살표 연결선 23">
+            <a:extLst>
+              <a:ext uri="{FF2B5EF4-FFF2-40B4-BE49-F238E27FC236}">
+                <a16:creationId xmlns:a16="http://schemas.microsoft.com/office/drawing/2014/main" id="{374FCE5F-ABB3-D59C-1313-EE7F4AD4BF84}"/>
+              </a:ext>
+            </a:extLst>
+          </p:cNvPr>
+          <p:cNvCxnSpPr>
+            <a:stCxn id="10" idx="2"/>
+            <a:endCxn id="13" idx="0"/>
+          </p:cNvCxnSpPr>
+          <p:nvPr/>
+        </p:nvCxnSpPr>
+        <p:spPr>
+          <a:xfrm>
+            <a:off x="7126449" y="4019723"/>
+            <a:ext cx="0" cy="234892"/>
+          </a:xfrm>
+          <a:prstGeom prst="straightConnector1">
+            <a:avLst/>
+          </a:prstGeom>
+          <a:ln>
+            <a:solidFill>
+              <a:schemeClr val="tx1"/>
+            </a:solidFill>
+            <a:tailEnd type="triangle"/>
+          </a:ln>
+        </p:spPr>
+        <p:style>
+          <a:lnRef idx="1">
+            <a:schemeClr val="accent1"/>
+          </a:lnRef>
+          <a:fillRef idx="0">
+            <a:schemeClr val="accent1"/>
+          </a:fillRef>
+          <a:effectRef idx="0">
+            <a:schemeClr val="accent1"/>
+          </a:effectRef>
+          <a:fontRef idx="minor">
+            <a:schemeClr val="tx1"/>
+          </a:fontRef>
+        </p:style>
+      </p:cxnSp>
+      <p:cxnSp>
+        <p:nvCxnSpPr>
+          <p:cNvPr id="26" name="직선 화살표 연결선 25">
+            <a:extLst>
+              <a:ext uri="{FF2B5EF4-FFF2-40B4-BE49-F238E27FC236}">
+                <a16:creationId xmlns:a16="http://schemas.microsoft.com/office/drawing/2014/main" id="{B8C6BB6C-886A-A776-7538-16F51C48598D}"/>
+              </a:ext>
+            </a:extLst>
+          </p:cNvPr>
+          <p:cNvCxnSpPr>
+            <a:cxnSpLocks/>
+            <a:stCxn id="13" idx="2"/>
+            <a:endCxn id="39" idx="0"/>
+          </p:cNvCxnSpPr>
+          <p:nvPr/>
+        </p:nvCxnSpPr>
+        <p:spPr>
+          <a:xfrm>
+            <a:off x="7126449" y="4783121"/>
+            <a:ext cx="8388" cy="284578"/>
+          </a:xfrm>
+          <a:prstGeom prst="straightConnector1">
+            <a:avLst/>
+          </a:prstGeom>
+          <a:ln>
+            <a:solidFill>
+              <a:schemeClr val="tx1"/>
+            </a:solidFill>
+            <a:tailEnd type="triangle"/>
+          </a:ln>
+        </p:spPr>
+        <p:style>
+          <a:lnRef idx="1">
+            <a:schemeClr val="accent1"/>
+          </a:lnRef>
+          <a:fillRef idx="0">
+            <a:schemeClr val="accent1"/>
+          </a:fillRef>
+          <a:effectRef idx="0">
+            <a:schemeClr val="accent1"/>
+          </a:effectRef>
+          <a:fontRef idx="minor">
+            <a:schemeClr val="tx1"/>
+          </a:fontRef>
+        </p:style>
+      </p:cxnSp>
+      <p:cxnSp>
+        <p:nvCxnSpPr>
+          <p:cNvPr id="28" name="직선 화살표 연결선 27">
+            <a:extLst>
+              <a:ext uri="{FF2B5EF4-FFF2-40B4-BE49-F238E27FC236}">
+                <a16:creationId xmlns:a16="http://schemas.microsoft.com/office/drawing/2014/main" id="{1EFE598E-69B8-7725-8362-E2423DA4765E}"/>
+              </a:ext>
+            </a:extLst>
+          </p:cNvPr>
+          <p:cNvCxnSpPr>
+            <a:cxnSpLocks/>
+          </p:cNvCxnSpPr>
+          <p:nvPr/>
+        </p:nvCxnSpPr>
+        <p:spPr>
+          <a:xfrm>
+            <a:off x="7134837" y="1755242"/>
+            <a:ext cx="1157682" cy="0"/>
+          </a:xfrm>
+          <a:prstGeom prst="straightConnector1">
+            <a:avLst/>
+          </a:prstGeom>
+          <a:ln>
+            <a:solidFill>
+              <a:schemeClr val="tx1"/>
+            </a:solidFill>
+            <a:tailEnd type="triangle"/>
+          </a:ln>
+        </p:spPr>
+        <p:style>
+          <a:lnRef idx="1">
+            <a:schemeClr val="accent1"/>
+          </a:lnRef>
+          <a:fillRef idx="0">
+            <a:schemeClr val="accent1"/>
+          </a:fillRef>
+          <a:effectRef idx="0">
+            <a:schemeClr val="accent1"/>
+          </a:effectRef>
+          <a:fontRef idx="minor">
+            <a:schemeClr val="tx1"/>
+          </a:fontRef>
+        </p:style>
+      </p:cxnSp>
+      <p:cxnSp>
+        <p:nvCxnSpPr>
+          <p:cNvPr id="30" name="직선 연결선 29">
+            <a:extLst>
+              <a:ext uri="{FF2B5EF4-FFF2-40B4-BE49-F238E27FC236}">
+                <a16:creationId xmlns:a16="http://schemas.microsoft.com/office/drawing/2014/main" id="{63CB7722-A0C6-999B-8749-8CC80DB36909}"/>
+              </a:ext>
+            </a:extLst>
+          </p:cNvPr>
+          <p:cNvCxnSpPr>
+            <a:stCxn id="14" idx="1"/>
+          </p:cNvCxnSpPr>
+          <p:nvPr/>
+        </p:nvCxnSpPr>
+        <p:spPr>
+          <a:xfrm flipH="1">
+            <a:off x="5461232" y="6367040"/>
+            <a:ext cx="1052820" cy="0"/>
+          </a:xfrm>
+          <a:prstGeom prst="line">
+            <a:avLst/>
+          </a:prstGeom>
+          <a:ln>
+            <a:solidFill>
+              <a:schemeClr val="tx1"/>
+            </a:solidFill>
+          </a:ln>
+        </p:spPr>
+        <p:style>
+          <a:lnRef idx="1">
+            <a:schemeClr val="accent1"/>
+          </a:lnRef>
+          <a:fillRef idx="0">
+            <a:schemeClr val="accent1"/>
+          </a:fillRef>
+          <a:effectRef idx="0">
+            <a:schemeClr val="accent1"/>
+          </a:effectRef>
+          <a:fontRef idx="minor">
+            <a:schemeClr val="tx1"/>
+          </a:fontRef>
+        </p:style>
+      </p:cxnSp>
+      <p:cxnSp>
+        <p:nvCxnSpPr>
+          <p:cNvPr id="32" name="직선 연결선 31">
+            <a:extLst>
+              <a:ext uri="{FF2B5EF4-FFF2-40B4-BE49-F238E27FC236}">
+                <a16:creationId xmlns:a16="http://schemas.microsoft.com/office/drawing/2014/main" id="{E63DCAE0-0FA6-CBE4-D8F8-0B71EDF6E72F}"/>
+              </a:ext>
+            </a:extLst>
+          </p:cNvPr>
+          <p:cNvCxnSpPr>
+            <a:cxnSpLocks/>
+          </p:cNvCxnSpPr>
+          <p:nvPr/>
+        </p:nvCxnSpPr>
+        <p:spPr>
+          <a:xfrm flipV="1">
+            <a:off x="5461232" y="1396766"/>
+            <a:ext cx="16779" cy="4970274"/>
+          </a:xfrm>
+          <a:prstGeom prst="line">
+            <a:avLst/>
+          </a:prstGeom>
+          <a:ln>
+            <a:solidFill>
+              <a:schemeClr val="tx1"/>
+            </a:solidFill>
+          </a:ln>
+        </p:spPr>
+        <p:style>
+          <a:lnRef idx="1">
+            <a:schemeClr val="accent1"/>
+          </a:lnRef>
+          <a:fillRef idx="0">
+            <a:schemeClr val="accent1"/>
+          </a:fillRef>
+          <a:effectRef idx="0">
+            <a:schemeClr val="accent1"/>
+          </a:effectRef>
+          <a:fontRef idx="minor">
+            <a:schemeClr val="tx1"/>
+          </a:fontRef>
+        </p:style>
+      </p:cxnSp>
+      <p:cxnSp>
+        <p:nvCxnSpPr>
+          <p:cNvPr id="34" name="직선 화살표 연결선 33">
+            <a:extLst>
+              <a:ext uri="{FF2B5EF4-FFF2-40B4-BE49-F238E27FC236}">
+                <a16:creationId xmlns:a16="http://schemas.microsoft.com/office/drawing/2014/main" id="{03BC585B-5678-ACC3-69D9-EB678195E187}"/>
+              </a:ext>
+            </a:extLst>
+          </p:cNvPr>
+          <p:cNvCxnSpPr>
+            <a:endCxn id="4" idx="1"/>
+          </p:cNvCxnSpPr>
+          <p:nvPr/>
+        </p:nvCxnSpPr>
+        <p:spPr>
+          <a:xfrm>
+            <a:off x="5478011" y="1396766"/>
+            <a:ext cx="1027653" cy="0"/>
+          </a:xfrm>
+          <a:prstGeom prst="straightConnector1">
+            <a:avLst/>
+          </a:prstGeom>
+          <a:ln>
+            <a:solidFill>
+              <a:schemeClr val="tx1"/>
+            </a:solidFill>
+            <a:tailEnd type="triangle"/>
+          </a:ln>
+        </p:spPr>
+        <p:style>
+          <a:lnRef idx="1">
+            <a:schemeClr val="accent1"/>
+          </a:lnRef>
+          <a:fillRef idx="0">
+            <a:schemeClr val="accent1"/>
+          </a:fillRef>
+          <a:effectRef idx="0">
+            <a:schemeClr val="accent1"/>
+          </a:effectRef>
+          <a:fontRef idx="minor">
+            <a:schemeClr val="tx1"/>
+          </a:fontRef>
+        </p:style>
+      </p:cxnSp>
+      <p:sp>
+        <p:nvSpPr>
+          <p:cNvPr id="39" name="순서도: 판단 38">
+            <a:extLst>
+              <a:ext uri="{FF2B5EF4-FFF2-40B4-BE49-F238E27FC236}">
+                <a16:creationId xmlns:a16="http://schemas.microsoft.com/office/drawing/2014/main" id="{28B4FDE0-D11C-1370-71CF-1340B03D5A6B}"/>
+              </a:ext>
+            </a:extLst>
+          </p:cNvPr>
+          <p:cNvSpPr/>
+          <p:nvPr/>
+        </p:nvSpPr>
+        <p:spPr>
+          <a:xfrm>
+            <a:off x="6375636" y="5067699"/>
+            <a:ext cx="1518401" cy="750509"/>
+          </a:xfrm>
+          <a:prstGeom prst="flowChartDecision">
+            <a:avLst/>
+          </a:prstGeom>
+          <a:solidFill>
+            <a:schemeClr val="bg1">
+              <a:lumMod val="85000"/>
+            </a:schemeClr>
+          </a:solidFill>
+          <a:ln>
+            <a:solidFill>
+              <a:schemeClr val="tx1"/>
+            </a:solidFill>
+          </a:ln>
+        </p:spPr>
+        <p:style>
+          <a:lnRef idx="2">
+            <a:schemeClr val="accent3">
+              <a:shade val="50000"/>
+            </a:schemeClr>
+          </a:lnRef>
+          <a:fillRef idx="1">
+            <a:schemeClr val="accent3"/>
+          </a:fillRef>
+          <a:effectRef idx="0">
+            <a:schemeClr val="accent3"/>
+          </a:effectRef>
+          <a:fontRef idx="minor">
+            <a:schemeClr val="lt1"/>
+          </a:fontRef>
+        </p:style>
+        <p:txBody>
+          <a:bodyPr rtlCol="0" anchor="ctr"/>
+          <a:lstStyle/>
+          <a:p>
+            <a:pPr algn="ctr"/>
+            <a:r>
+              <a:rPr lang="ko-KR" altLang="en-US" sz="1100" dirty="0">
+                <a:solidFill>
+                  <a:schemeClr val="tx1"/>
+                </a:solidFill>
+              </a:rPr>
+              <a:t>지정된 시간인가</a:t>
+            </a:r>
+            <a:r>
+              <a:rPr lang="en-US" altLang="ko-KR" sz="1100" dirty="0">
+                <a:solidFill>
+                  <a:schemeClr val="tx1"/>
+                </a:solidFill>
+              </a:rPr>
+              <a:t>?</a:t>
+            </a:r>
+            <a:endParaRPr lang="ko-KR" altLang="en-US" sz="1100" dirty="0">
+              <a:solidFill>
+                <a:schemeClr val="tx1"/>
+              </a:solidFill>
+            </a:endParaRPr>
+          </a:p>
+        </p:txBody>
+      </p:sp>
+      <p:cxnSp>
+        <p:nvCxnSpPr>
+          <p:cNvPr id="40" name="직선 화살표 연결선 39">
+            <a:extLst>
+              <a:ext uri="{FF2B5EF4-FFF2-40B4-BE49-F238E27FC236}">
+                <a16:creationId xmlns:a16="http://schemas.microsoft.com/office/drawing/2014/main" id="{5691809E-B261-DEB2-124A-44151F265251}"/>
+              </a:ext>
+            </a:extLst>
+          </p:cNvPr>
+          <p:cNvCxnSpPr>
+            <a:cxnSpLocks/>
+            <a:stCxn id="39" idx="2"/>
+            <a:endCxn id="14" idx="0"/>
+          </p:cNvCxnSpPr>
+          <p:nvPr/>
+        </p:nvCxnSpPr>
+        <p:spPr>
+          <a:xfrm>
+            <a:off x="7134837" y="5818208"/>
+            <a:ext cx="0" cy="284579"/>
+          </a:xfrm>
+          <a:prstGeom prst="straightConnector1">
+            <a:avLst/>
+          </a:prstGeom>
+          <a:ln>
+            <a:solidFill>
+              <a:schemeClr val="tx1"/>
+            </a:solidFill>
+            <a:tailEnd type="triangle"/>
+          </a:ln>
+        </p:spPr>
+        <p:style>
+          <a:lnRef idx="1">
+            <a:schemeClr val="accent1"/>
+          </a:lnRef>
+          <a:fillRef idx="0">
+            <a:schemeClr val="accent1"/>
+          </a:fillRef>
+          <a:effectRef idx="0">
+            <a:schemeClr val="accent1"/>
+          </a:effectRef>
+          <a:fontRef idx="minor">
+            <a:schemeClr val="tx1"/>
+          </a:fontRef>
+        </p:style>
+      </p:cxnSp>
+      <p:cxnSp>
+        <p:nvCxnSpPr>
+          <p:cNvPr id="48" name="직선 연결선 47">
+            <a:extLst>
+              <a:ext uri="{FF2B5EF4-FFF2-40B4-BE49-F238E27FC236}">
+                <a16:creationId xmlns:a16="http://schemas.microsoft.com/office/drawing/2014/main" id="{1D8C51A4-1785-EF6A-127C-0A9E35A25ED3}"/>
+              </a:ext>
+            </a:extLst>
+          </p:cNvPr>
+          <p:cNvCxnSpPr>
+            <a:cxnSpLocks/>
+            <a:stCxn id="39" idx="1"/>
+          </p:cNvCxnSpPr>
+          <p:nvPr/>
+        </p:nvCxnSpPr>
+        <p:spPr>
+          <a:xfrm flipH="1" flipV="1">
+            <a:off x="5478011" y="5442953"/>
+            <a:ext cx="897625" cy="1"/>
+          </a:xfrm>
+          <a:prstGeom prst="line">
+            <a:avLst/>
+          </a:prstGeom>
+          <a:ln>
+            <a:solidFill>
+              <a:schemeClr val="tx1"/>
+            </a:solidFill>
+          </a:ln>
+        </p:spPr>
+        <p:style>
+          <a:lnRef idx="1">
+            <a:schemeClr val="accent1"/>
+          </a:lnRef>
+          <a:fillRef idx="0">
+            <a:schemeClr val="accent1"/>
+          </a:fillRef>
+          <a:effectRef idx="0">
+            <a:schemeClr val="accent1"/>
+          </a:effectRef>
+          <a:fontRef idx="minor">
+            <a:schemeClr val="tx1"/>
+          </a:fontRef>
+        </p:style>
+      </p:cxnSp>
+      <p:sp>
+        <p:nvSpPr>
+          <p:cNvPr id="50" name="TextBox 49">
+            <a:extLst>
+              <a:ext uri="{FF2B5EF4-FFF2-40B4-BE49-F238E27FC236}">
+                <a16:creationId xmlns:a16="http://schemas.microsoft.com/office/drawing/2014/main" id="{16E09D67-4134-B999-C0FA-D926A99DC0AC}"/>
+              </a:ext>
+            </a:extLst>
+          </p:cNvPr>
+          <p:cNvSpPr txBox="1"/>
+          <p:nvPr/>
+        </p:nvSpPr>
+        <p:spPr>
+          <a:xfrm>
+            <a:off x="7134836" y="5737199"/>
+            <a:ext cx="408253" cy="276999"/>
+          </a:xfrm>
+          <a:prstGeom prst="rect">
+            <a:avLst/>
+          </a:prstGeom>
+          <a:noFill/>
+        </p:spPr>
+        <p:txBody>
+          <a:bodyPr wrap="none" rtlCol="0">
+            <a:spAutoFit/>
+          </a:bodyPr>
+          <a:lstStyle/>
+          <a:p>
+            <a:r>
+              <a:rPr lang="en-US" altLang="ko-KR" sz="1200" dirty="0"/>
+              <a:t>yes</a:t>
+            </a:r>
+            <a:endParaRPr lang="ko-KR" altLang="en-US" sz="1200" dirty="0"/>
+          </a:p>
+        </p:txBody>
+      </p:sp>
+      <p:sp>
+        <p:nvSpPr>
+          <p:cNvPr id="51" name="TextBox 50">
+            <a:extLst>
+              <a:ext uri="{FF2B5EF4-FFF2-40B4-BE49-F238E27FC236}">
+                <a16:creationId xmlns:a16="http://schemas.microsoft.com/office/drawing/2014/main" id="{7BEA5533-BA06-E5DB-42AD-5887B6B7D069}"/>
+              </a:ext>
+            </a:extLst>
+          </p:cNvPr>
+          <p:cNvSpPr txBox="1"/>
+          <p:nvPr/>
+        </p:nvSpPr>
+        <p:spPr>
+          <a:xfrm>
+            <a:off x="5749021" y="5116827"/>
+            <a:ext cx="367408" cy="276999"/>
+          </a:xfrm>
+          <a:prstGeom prst="rect">
+            <a:avLst/>
+          </a:prstGeom>
+          <a:noFill/>
+        </p:spPr>
+        <p:txBody>
+          <a:bodyPr wrap="none" rtlCol="0">
+            <a:spAutoFit/>
+          </a:bodyPr>
+          <a:lstStyle/>
+          <a:p>
+            <a:r>
+              <a:rPr lang="en-US" altLang="ko-KR" sz="1200" dirty="0"/>
+              <a:t>no</a:t>
+            </a:r>
+            <a:endParaRPr lang="ko-KR" altLang="en-US" sz="1200" dirty="0"/>
           </a:p>
         </p:txBody>
       </p:sp>
@@ -9838,7 +11565,7 @@
 </p:sld>
 </file>
 
-<file path=ppt/slides/slide8.xml><?xml version="1.0" encoding="utf-8"?>
+<file path=ppt/slides/slide7.xml><?xml version="1.0" encoding="utf-8"?>
 <p:sld xmlns:a="http://schemas.openxmlformats.org/drawingml/2006/main" xmlns:r="http://schemas.openxmlformats.org/officeDocument/2006/relationships" xmlns:p="http://schemas.openxmlformats.org/presentationml/2006/main">
   <p:cSld>
     <p:spTree>
@@ -11175,6 +12902,272 @@
 </p:sld>
 </file>
 
+<file path=ppt/slides/slide8.xml><?xml version="1.0" encoding="utf-8"?>
+<p:sld xmlns:a="http://schemas.openxmlformats.org/drawingml/2006/main" xmlns:r="http://schemas.openxmlformats.org/officeDocument/2006/relationships" xmlns:p="http://schemas.openxmlformats.org/presentationml/2006/main">
+  <p:cSld>
+    <p:spTree>
+      <p:nvGrpSpPr>
+        <p:cNvPr id="1" name=""/>
+        <p:cNvGrpSpPr/>
+        <p:nvPr/>
+      </p:nvGrpSpPr>
+      <p:grpSpPr>
+        <a:xfrm>
+          <a:off x="0" y="0"/>
+          <a:ext cx="0" cy="0"/>
+          <a:chOff x="0" y="0"/>
+          <a:chExt cx="0" cy="0"/>
+        </a:xfrm>
+      </p:grpSpPr>
+      <p:sp>
+        <p:nvSpPr>
+          <p:cNvPr id="2" name="제목 1">
+            <a:extLst>
+              <a:ext uri="{FF2B5EF4-FFF2-40B4-BE49-F238E27FC236}">
+                <a16:creationId xmlns:a16="http://schemas.microsoft.com/office/drawing/2014/main" id="{224A9C33-385D-D428-A40B-D50E7420AD03}"/>
+              </a:ext>
+            </a:extLst>
+          </p:cNvPr>
+          <p:cNvSpPr>
+            <a:spLocks noGrp="1"/>
+          </p:cNvSpPr>
+          <p:nvPr>
+            <p:ph type="title"/>
+          </p:nvPr>
+        </p:nvSpPr>
+        <p:spPr/>
+        <p:txBody>
+          <a:bodyPr/>
+          <a:lstStyle/>
+          <a:p>
+            <a:r>
+              <a:rPr lang="ko-KR" altLang="en-US" dirty="0"/>
+              <a:t>개발환경</a:t>
+            </a:r>
+          </a:p>
+        </p:txBody>
+      </p:sp>
+      <p:sp>
+        <p:nvSpPr>
+          <p:cNvPr id="3" name="내용 개체 틀 2">
+            <a:extLst>
+              <a:ext uri="{FF2B5EF4-FFF2-40B4-BE49-F238E27FC236}">
+                <a16:creationId xmlns:a16="http://schemas.microsoft.com/office/drawing/2014/main" id="{50490A5E-1421-31BC-365F-6B80B3F08DC6}"/>
+              </a:ext>
+            </a:extLst>
+          </p:cNvPr>
+          <p:cNvSpPr>
+            <a:spLocks noGrp="1"/>
+          </p:cNvSpPr>
+          <p:nvPr>
+            <p:ph idx="1"/>
+          </p:nvPr>
+        </p:nvSpPr>
+        <p:spPr/>
+        <p:txBody>
+          <a:bodyPr/>
+          <a:lstStyle/>
+          <a:p>
+            <a:pPr marL="0" indent="0">
+              <a:buNone/>
+            </a:pPr>
+            <a:r>
+              <a:rPr lang="ko-KR" altLang="en-US" dirty="0"/>
+              <a:t>하드웨어</a:t>
+            </a:r>
+            <a:endParaRPr lang="en-US" altLang="ko-KR" dirty="0"/>
+          </a:p>
+          <a:p>
+            <a:pPr marL="0" indent="0">
+              <a:buNone/>
+            </a:pPr>
+            <a:r>
+              <a:rPr lang="en-US" altLang="ko-KR" sz="1600" dirty="0"/>
+              <a:t>1. </a:t>
+            </a:r>
+            <a:r>
+              <a:rPr lang="ko-KR" altLang="en-US" sz="1600" dirty="0"/>
+              <a:t>센서 </a:t>
+            </a:r>
+            <a:r>
+              <a:rPr lang="en-US" altLang="ko-KR" sz="1600" dirty="0"/>
+              <a:t>: </a:t>
+            </a:r>
+            <a:r>
+              <a:rPr lang="ko-KR" altLang="en-US" sz="1600" dirty="0" err="1"/>
+              <a:t>온습도</a:t>
+            </a:r>
+            <a:r>
+              <a:rPr lang="ko-KR" altLang="en-US" sz="1600" dirty="0"/>
+              <a:t> 센서</a:t>
+            </a:r>
+            <a:r>
+              <a:rPr lang="en-US" altLang="ko-KR" sz="1600" dirty="0"/>
+              <a:t>, </a:t>
+            </a:r>
+            <a:r>
+              <a:rPr lang="ko-KR" altLang="en-US" sz="1600" dirty="0" err="1"/>
+              <a:t>토양습도센서</a:t>
+            </a:r>
+            <a:endParaRPr lang="en-US" altLang="ko-KR" sz="1600" dirty="0"/>
+          </a:p>
+          <a:p>
+            <a:pPr marL="0" indent="0">
+              <a:buNone/>
+            </a:pPr>
+            <a:r>
+              <a:rPr lang="en-US" altLang="ko-KR" sz="1600" dirty="0"/>
+              <a:t>2. </a:t>
+            </a:r>
+            <a:r>
+              <a:rPr lang="ko-KR" altLang="en-US" sz="1600" dirty="0"/>
+              <a:t>모터 </a:t>
+            </a:r>
+            <a:r>
+              <a:rPr lang="en-US" altLang="ko-KR" sz="1600" dirty="0"/>
+              <a:t>: </a:t>
+            </a:r>
+            <a:r>
+              <a:rPr lang="ko-KR" altLang="en-US" sz="1600" dirty="0"/>
+              <a:t>펌프모터</a:t>
+            </a:r>
+            <a:endParaRPr lang="en-US" altLang="ko-KR" sz="1600" dirty="0"/>
+          </a:p>
+          <a:p>
+            <a:pPr marL="0" indent="0">
+              <a:buNone/>
+            </a:pPr>
+            <a:r>
+              <a:rPr lang="en-US" altLang="ko-KR" sz="1600" dirty="0"/>
+              <a:t>3. </a:t>
+            </a:r>
+            <a:r>
+              <a:rPr lang="ko-KR" altLang="en-US" sz="1600" dirty="0" err="1"/>
+              <a:t>아두이노</a:t>
+            </a:r>
+            <a:r>
+              <a:rPr lang="ko-KR" altLang="en-US" sz="1600" dirty="0"/>
+              <a:t> </a:t>
+            </a:r>
+            <a:r>
+              <a:rPr lang="en-US" altLang="ko-KR" sz="1600" dirty="0"/>
+              <a:t>: </a:t>
+            </a:r>
+            <a:r>
+              <a:rPr lang="ko-KR" altLang="en-US" sz="1600" dirty="0" err="1"/>
+              <a:t>아두이노</a:t>
+            </a:r>
+            <a:r>
+              <a:rPr lang="ko-KR" altLang="en-US" sz="1600" dirty="0"/>
+              <a:t> </a:t>
+            </a:r>
+            <a:r>
+              <a:rPr lang="ko-KR" altLang="en-US" sz="1600" dirty="0" err="1"/>
+              <a:t>우노</a:t>
+            </a:r>
+            <a:r>
+              <a:rPr lang="ko-KR" altLang="en-US" sz="1600" dirty="0"/>
+              <a:t> 보드</a:t>
+            </a:r>
+            <a:endParaRPr lang="en-US" altLang="ko-KR" sz="1600" dirty="0"/>
+          </a:p>
+          <a:p>
+            <a:pPr marL="0" indent="0">
+              <a:buNone/>
+            </a:pPr>
+            <a:endParaRPr lang="en-US" altLang="ko-KR" sz="1600" dirty="0"/>
+          </a:p>
+          <a:p>
+            <a:pPr marL="0" indent="0">
+              <a:buNone/>
+            </a:pPr>
+            <a:r>
+              <a:rPr lang="ko-KR" altLang="en-US" dirty="0"/>
+              <a:t>소프트웨어</a:t>
+            </a:r>
+            <a:endParaRPr lang="en-US" altLang="ko-KR" dirty="0"/>
+          </a:p>
+          <a:p>
+            <a:pPr marL="0" indent="0">
+              <a:buNone/>
+            </a:pPr>
+            <a:r>
+              <a:rPr lang="ko-KR" altLang="en-US" sz="1600" dirty="0"/>
+              <a:t>컴파일러 </a:t>
+            </a:r>
+            <a:r>
+              <a:rPr lang="en-US" altLang="ko-KR" sz="1600" dirty="0"/>
+              <a:t>: </a:t>
+            </a:r>
+            <a:r>
+              <a:rPr lang="ko-KR" altLang="en-US" sz="1600" dirty="0" err="1"/>
+              <a:t>아두이노</a:t>
+            </a:r>
+            <a:r>
+              <a:rPr lang="ko-KR" altLang="en-US" sz="1600" dirty="0"/>
+              <a:t> 스케치</a:t>
+            </a:r>
+            <a:endParaRPr lang="en-US" altLang="ko-KR" sz="1600" dirty="0"/>
+          </a:p>
+          <a:p>
+            <a:pPr marL="0" indent="0">
+              <a:buNone/>
+            </a:pPr>
+            <a:endParaRPr lang="en-US" altLang="ko-KR" sz="1600" dirty="0"/>
+          </a:p>
+          <a:p>
+            <a:pPr marL="0" indent="0">
+              <a:buNone/>
+            </a:pPr>
+            <a:r>
+              <a:rPr lang="ko-KR" altLang="en-US" sz="1600" dirty="0"/>
+              <a:t>컴퓨터 사양</a:t>
+            </a:r>
+            <a:endParaRPr lang="en-US" altLang="ko-KR" sz="1600" dirty="0"/>
+          </a:p>
+          <a:p>
+            <a:pPr marL="342900" indent="-342900">
+              <a:buAutoNum type="arabicPeriod"/>
+            </a:pPr>
+            <a:r>
+              <a:rPr lang="en-US" altLang="ko-KR" sz="1600" dirty="0"/>
+              <a:t>CPU : </a:t>
+            </a:r>
+            <a:r>
+              <a:rPr lang="pt-BR" altLang="ko-KR" sz="1600" dirty="0"/>
+              <a:t>Intel(R) Core(TM) i5-10400</a:t>
+            </a:r>
+            <a:endParaRPr lang="en-US" altLang="ko-KR" sz="1600" dirty="0"/>
+          </a:p>
+          <a:p>
+            <a:pPr marL="342900" indent="-342900">
+              <a:buAutoNum type="arabicPeriod"/>
+            </a:pPr>
+            <a:r>
+              <a:rPr lang="ko-KR" altLang="en-US" sz="1600" dirty="0"/>
+              <a:t>메모리 </a:t>
+            </a:r>
+            <a:r>
+              <a:rPr lang="en-US" altLang="ko-KR" sz="1600" dirty="0"/>
+              <a:t>: 16GB</a:t>
+            </a:r>
+            <a:endParaRPr lang="ko-KR" altLang="en-US" sz="1600" dirty="0"/>
+          </a:p>
+        </p:txBody>
+      </p:sp>
+    </p:spTree>
+    <p:extLst>
+      <p:ext uri="{BB962C8B-B14F-4D97-AF65-F5344CB8AC3E}">
+        <p14:creationId xmlns:p14="http://schemas.microsoft.com/office/powerpoint/2010/main" val="1798857334"/>
+      </p:ext>
+    </p:extLst>
+  </p:cSld>
+  <p:clrMapOvr>
+    <a:masterClrMapping/>
+  </p:clrMapOvr>
+</p:sld>
+</file>
+
 <file path=ppt/slides/slide9.xml><?xml version="1.0" encoding="utf-8"?>
 <p:sld xmlns:a="http://schemas.openxmlformats.org/drawingml/2006/main" xmlns:r="http://schemas.openxmlformats.org/officeDocument/2006/relationships" xmlns:p="http://schemas.openxmlformats.org/presentationml/2006/main">
   <p:cSld>
@@ -11197,7 +13190,7 @@
           <p:cNvPr id="2" name="제목 1">
             <a:extLst>
               <a:ext uri="{FF2B5EF4-FFF2-40B4-BE49-F238E27FC236}">
-                <a16:creationId xmlns:a16="http://schemas.microsoft.com/office/drawing/2014/main" id="{224A9C33-385D-D428-A40B-D50E7420AD03}"/>
+                <a16:creationId xmlns:a16="http://schemas.microsoft.com/office/drawing/2014/main" id="{65BC78FF-ED87-0626-D409-704F15D08714}"/>
               </a:ext>
             </a:extLst>
           </p:cNvPr>
@@ -11215,223 +13208,618 @@
           <a:p>
             <a:r>
               <a:rPr lang="ko-KR" altLang="en-US" dirty="0"/>
-              <a:t>개발환경</a:t>
+              <a:t>개발 부품 및 기능 설명</a:t>
             </a:r>
           </a:p>
         </p:txBody>
       </p:sp>
-      <p:sp>
-        <p:nvSpPr>
-          <p:cNvPr id="3" name="내용 개체 틀 2">
-            <a:extLst>
-              <a:ext uri="{FF2B5EF4-FFF2-40B4-BE49-F238E27FC236}">
-                <a16:creationId xmlns:a16="http://schemas.microsoft.com/office/drawing/2014/main" id="{50490A5E-1421-31BC-365F-6B80B3F08DC6}"/>
-              </a:ext>
-            </a:extLst>
-          </p:cNvPr>
-          <p:cNvSpPr>
-            <a:spLocks noGrp="1"/>
-          </p:cNvSpPr>
+      <p:graphicFrame>
+        <p:nvGraphicFramePr>
+          <p:cNvPr id="5" name="표 5">
+            <a:extLst>
+              <a:ext uri="{FF2B5EF4-FFF2-40B4-BE49-F238E27FC236}">
+                <a16:creationId xmlns:a16="http://schemas.microsoft.com/office/drawing/2014/main" id="{79C17199-CE86-ADFB-E374-7C635DF402BA}"/>
+              </a:ext>
+            </a:extLst>
+          </p:cNvPr>
+          <p:cNvGraphicFramePr>
+            <a:graphicFrameLocks noGrp="1"/>
+          </p:cNvGraphicFramePr>
           <p:nvPr>
-            <p:ph idx="1"/>
+            <p:extLst>
+              <p:ext uri="{D42A27DB-BD31-4B8C-83A1-F6EECF244321}">
+                <p14:modId xmlns:p14="http://schemas.microsoft.com/office/powerpoint/2010/main" val="2078981791"/>
+              </p:ext>
+            </p:extLst>
           </p:nvPr>
-        </p:nvSpPr>
-        <p:spPr/>
-        <p:txBody>
-          <a:bodyPr/>
-          <a:lstStyle/>
-          <a:p>
-            <a:pPr marL="0" indent="0">
-              <a:buNone/>
-            </a:pPr>
-            <a:r>
-              <a:rPr lang="ko-KR" altLang="en-US" dirty="0"/>
-              <a:t>하드웨어</a:t>
-            </a:r>
-            <a:endParaRPr lang="en-US" altLang="ko-KR" dirty="0"/>
-          </a:p>
-          <a:p>
-            <a:pPr marL="0" indent="0">
-              <a:buNone/>
-            </a:pPr>
-            <a:r>
-              <a:rPr lang="en-US" altLang="ko-KR" sz="1600" dirty="0"/>
-              <a:t>1. </a:t>
-            </a:r>
-            <a:r>
-              <a:rPr lang="ko-KR" altLang="en-US" sz="1600" dirty="0"/>
-              <a:t>센서 </a:t>
-            </a:r>
-            <a:r>
-              <a:rPr lang="en-US" altLang="ko-KR" sz="1600" dirty="0"/>
-              <a:t>: </a:t>
-            </a:r>
-            <a:r>
-              <a:rPr lang="ko-KR" altLang="en-US" sz="1600" dirty="0" err="1"/>
-              <a:t>온습도</a:t>
-            </a:r>
-            <a:r>
-              <a:rPr lang="ko-KR" altLang="en-US" sz="1600" dirty="0"/>
-              <a:t> 센서</a:t>
-            </a:r>
-            <a:r>
-              <a:rPr lang="en-US" altLang="ko-KR" sz="1600" dirty="0"/>
-              <a:t>, </a:t>
-            </a:r>
-            <a:r>
-              <a:rPr lang="ko-KR" altLang="en-US" sz="1600" dirty="0" err="1"/>
-              <a:t>토양습도센서</a:t>
-            </a:r>
-            <a:endParaRPr lang="en-US" altLang="ko-KR" sz="1600" dirty="0"/>
-          </a:p>
-          <a:p>
-            <a:pPr marL="0" indent="0">
-              <a:buNone/>
-            </a:pPr>
-            <a:r>
-              <a:rPr lang="en-US" altLang="ko-KR" sz="1600" dirty="0"/>
-              <a:t>2. </a:t>
-            </a:r>
-            <a:r>
-              <a:rPr lang="ko-KR" altLang="en-US" sz="1600" dirty="0"/>
-              <a:t>모터 </a:t>
-            </a:r>
-            <a:r>
-              <a:rPr lang="en-US" altLang="ko-KR" sz="1600" dirty="0"/>
-              <a:t>: </a:t>
-            </a:r>
-            <a:r>
-              <a:rPr lang="ko-KR" altLang="en-US" sz="1600" dirty="0"/>
-              <a:t>펌프모터</a:t>
-            </a:r>
-            <a:endParaRPr lang="en-US" altLang="ko-KR" sz="1600" dirty="0"/>
-          </a:p>
-          <a:p>
-            <a:pPr marL="0" indent="0">
-              <a:buNone/>
-            </a:pPr>
-            <a:r>
-              <a:rPr lang="en-US" altLang="ko-KR" sz="1600" dirty="0"/>
-              <a:t>3. </a:t>
-            </a:r>
-            <a:r>
-              <a:rPr lang="ko-KR" altLang="en-US" sz="1600" dirty="0" err="1"/>
-              <a:t>아두이노</a:t>
-            </a:r>
-            <a:r>
-              <a:rPr lang="ko-KR" altLang="en-US" sz="1600" dirty="0"/>
-              <a:t> </a:t>
-            </a:r>
-            <a:r>
-              <a:rPr lang="en-US" altLang="ko-KR" sz="1600" dirty="0"/>
-              <a:t>: </a:t>
-            </a:r>
-            <a:r>
-              <a:rPr lang="ko-KR" altLang="en-US" sz="1600" dirty="0" err="1"/>
-              <a:t>아두이노</a:t>
-            </a:r>
-            <a:r>
-              <a:rPr lang="ko-KR" altLang="en-US" sz="1600" dirty="0"/>
-              <a:t> </a:t>
-            </a:r>
-            <a:r>
-              <a:rPr lang="ko-KR" altLang="en-US" sz="1600" dirty="0" err="1"/>
-              <a:t>우노</a:t>
-            </a:r>
-            <a:r>
-              <a:rPr lang="ko-KR" altLang="en-US" sz="1600" dirty="0"/>
-              <a:t> 보드</a:t>
-            </a:r>
-            <a:endParaRPr lang="en-US" altLang="ko-KR" sz="1600" dirty="0"/>
-          </a:p>
-          <a:p>
-            <a:pPr marL="0" indent="0">
-              <a:buNone/>
-            </a:pPr>
-            <a:endParaRPr lang="en-US" altLang="ko-KR" sz="1600" dirty="0"/>
-          </a:p>
-          <a:p>
-            <a:pPr marL="0" indent="0">
-              <a:buNone/>
-            </a:pPr>
-            <a:r>
-              <a:rPr lang="ko-KR" altLang="en-US" dirty="0"/>
-              <a:t>소프트웨어</a:t>
-            </a:r>
-            <a:endParaRPr lang="en-US" altLang="ko-KR" dirty="0"/>
-          </a:p>
-          <a:p>
-            <a:pPr marL="0" indent="0">
-              <a:buNone/>
-            </a:pPr>
-            <a:r>
-              <a:rPr lang="ko-KR" altLang="en-US" sz="1600" dirty="0"/>
-              <a:t>컴파일러 </a:t>
-            </a:r>
-            <a:r>
-              <a:rPr lang="en-US" altLang="ko-KR" sz="1600" dirty="0"/>
-              <a:t>: </a:t>
-            </a:r>
-            <a:r>
-              <a:rPr lang="ko-KR" altLang="en-US" sz="1600" dirty="0" err="1"/>
-              <a:t>아두이노</a:t>
-            </a:r>
-            <a:r>
-              <a:rPr lang="ko-KR" altLang="en-US" sz="1600" dirty="0"/>
-              <a:t> 스케치</a:t>
-            </a:r>
-            <a:endParaRPr lang="en-US" altLang="ko-KR" sz="1600" dirty="0"/>
-          </a:p>
-          <a:p>
-            <a:pPr marL="0" indent="0">
-              <a:buNone/>
-            </a:pPr>
-            <a:endParaRPr lang="en-US" altLang="ko-KR" sz="1600" dirty="0"/>
-          </a:p>
-          <a:p>
-            <a:pPr marL="0" indent="0">
-              <a:buNone/>
-            </a:pPr>
-            <a:r>
-              <a:rPr lang="ko-KR" altLang="en-US" sz="1600" dirty="0"/>
-              <a:t>컴퓨터 사양</a:t>
-            </a:r>
-            <a:endParaRPr lang="en-US" altLang="ko-KR" sz="1600" dirty="0"/>
-          </a:p>
-          <a:p>
-            <a:pPr marL="342900" indent="-342900">
-              <a:buAutoNum type="arabicPeriod"/>
-            </a:pPr>
-            <a:r>
-              <a:rPr lang="en-US" altLang="ko-KR" sz="1600" dirty="0"/>
-              <a:t>CPU : </a:t>
-            </a:r>
-            <a:r>
-              <a:rPr lang="pt-BR" altLang="ko-KR" sz="1600" dirty="0"/>
-              <a:t>Intel(R) Core(TM) i5-10400</a:t>
-            </a:r>
-            <a:endParaRPr lang="en-US" altLang="ko-KR" sz="1600" dirty="0"/>
-          </a:p>
-          <a:p>
-            <a:pPr marL="342900" indent="-342900">
-              <a:buAutoNum type="arabicPeriod"/>
-            </a:pPr>
-            <a:r>
-              <a:rPr lang="ko-KR" altLang="en-US" sz="1600" dirty="0"/>
-              <a:t>메모리 </a:t>
-            </a:r>
-            <a:r>
-              <a:rPr lang="en-US" altLang="ko-KR" sz="1600" dirty="0"/>
-              <a:t>: 16GB</a:t>
-            </a:r>
-            <a:endParaRPr lang="ko-KR" altLang="en-US" sz="1600" dirty="0"/>
-          </a:p>
-        </p:txBody>
-      </p:sp>
+        </p:nvGraphicFramePr>
+        <p:xfrm>
+          <a:off x="1344103" y="1845476"/>
+          <a:ext cx="9091802" cy="4169430"/>
+        </p:xfrm>
+        <a:graphic>
+          <a:graphicData uri="http://schemas.openxmlformats.org/drawingml/2006/table">
+            <a:tbl>
+              <a:tblPr>
+                <a:tableStyleId>{5C22544A-7EE6-4342-B048-85BDC9FD1C3A}</a:tableStyleId>
+              </a:tblPr>
+              <a:tblGrid>
+                <a:gridCol w="3882238">
+                  <a:extLst>
+                    <a:ext uri="{9D8B030D-6E8A-4147-A177-3AD203B41FA5}">
+                      <a16:colId xmlns:a16="http://schemas.microsoft.com/office/drawing/2014/main" val="3057513107"/>
+                    </a:ext>
+                  </a:extLst>
+                </a:gridCol>
+                <a:gridCol w="5209564">
+                  <a:extLst>
+                    <a:ext uri="{9D8B030D-6E8A-4147-A177-3AD203B41FA5}">
+                      <a16:colId xmlns:a16="http://schemas.microsoft.com/office/drawing/2014/main" val="429643153"/>
+                    </a:ext>
+                  </a:extLst>
+                </a:gridCol>
+              </a:tblGrid>
+              <a:tr h="374277">
+                <a:tc>
+                  <a:txBody>
+                    <a:bodyPr/>
+                    <a:lstStyle/>
+                    <a:p>
+                      <a:pPr algn="ctr" latinLnBrk="1"/>
+                      <a:r>
+                        <a:rPr lang="ko-KR" altLang="en-US" dirty="0"/>
+                        <a:t>센서</a:t>
+                      </a:r>
+                    </a:p>
+                  </a:txBody>
+                  <a:tcPr anchor="ctr">
+                    <a:lnL w="12700" cap="flat" cmpd="sng" algn="ctr">
+                      <a:solidFill>
+                        <a:schemeClr val="tx1"/>
+                      </a:solidFill>
+                      <a:prstDash val="solid"/>
+                      <a:round/>
+                      <a:headEnd type="none" w="med" len="med"/>
+                      <a:tailEnd type="none" w="med" len="med"/>
+                    </a:lnL>
+                    <a:lnR w="12700" cap="flat" cmpd="sng" algn="ctr">
+                      <a:solidFill>
+                        <a:schemeClr val="tx1"/>
+                      </a:solidFill>
+                      <a:prstDash val="solid"/>
+                      <a:round/>
+                      <a:headEnd type="none" w="med" len="med"/>
+                      <a:tailEnd type="none" w="med" len="med"/>
+                    </a:lnR>
+                    <a:lnT w="12700" cap="flat" cmpd="sng" algn="ctr">
+                      <a:solidFill>
+                        <a:schemeClr val="tx1"/>
+                      </a:solidFill>
+                      <a:prstDash val="solid"/>
+                      <a:round/>
+                      <a:headEnd type="none" w="med" len="med"/>
+                      <a:tailEnd type="none" w="med" len="med"/>
+                    </a:lnT>
+                    <a:lnB w="12700" cap="flat" cmpd="sng" algn="ctr">
+                      <a:solidFill>
+                        <a:schemeClr val="tx1"/>
+                      </a:solidFill>
+                      <a:prstDash val="solid"/>
+                      <a:round/>
+                      <a:headEnd type="none" w="med" len="med"/>
+                      <a:tailEnd type="none" w="med" len="med"/>
+                    </a:lnB>
+                    <a:solidFill>
+                      <a:schemeClr val="bg1"/>
+                    </a:solidFill>
+                  </a:tcPr>
+                </a:tc>
+                <a:tc>
+                  <a:txBody>
+                    <a:bodyPr/>
+                    <a:lstStyle/>
+                    <a:p>
+                      <a:pPr algn="ctr" latinLnBrk="1"/>
+                      <a:r>
+                        <a:rPr lang="ko-KR" altLang="en-US" dirty="0"/>
+                        <a:t>기능</a:t>
+                      </a:r>
+                    </a:p>
+                  </a:txBody>
+                  <a:tcPr anchor="ctr">
+                    <a:lnL w="12700" cap="flat" cmpd="sng" algn="ctr">
+                      <a:solidFill>
+                        <a:schemeClr val="tx1"/>
+                      </a:solidFill>
+                      <a:prstDash val="solid"/>
+                      <a:round/>
+                      <a:headEnd type="none" w="med" len="med"/>
+                      <a:tailEnd type="none" w="med" len="med"/>
+                    </a:lnL>
+                    <a:lnR w="12700" cap="flat" cmpd="sng" algn="ctr">
+                      <a:solidFill>
+                        <a:schemeClr val="tx1"/>
+                      </a:solidFill>
+                      <a:prstDash val="solid"/>
+                      <a:round/>
+                      <a:headEnd type="none" w="med" len="med"/>
+                      <a:tailEnd type="none" w="med" len="med"/>
+                    </a:lnR>
+                    <a:lnT w="12700" cap="flat" cmpd="sng" algn="ctr">
+                      <a:solidFill>
+                        <a:schemeClr val="tx1"/>
+                      </a:solidFill>
+                      <a:prstDash val="solid"/>
+                      <a:round/>
+                      <a:headEnd type="none" w="med" len="med"/>
+                      <a:tailEnd type="none" w="med" len="med"/>
+                    </a:lnT>
+                    <a:lnB w="12700" cap="flat" cmpd="sng" algn="ctr">
+                      <a:solidFill>
+                        <a:schemeClr val="tx1"/>
+                      </a:solidFill>
+                      <a:prstDash val="solid"/>
+                      <a:round/>
+                      <a:headEnd type="none" w="med" len="med"/>
+                      <a:tailEnd type="none" w="med" len="med"/>
+                    </a:lnB>
+                    <a:solidFill>
+                      <a:schemeClr val="bg1"/>
+                    </a:solidFill>
+                  </a:tcPr>
+                </a:tc>
+                <a:extLst>
+                  <a:ext uri="{0D108BD9-81ED-4DB2-BD59-A6C34878D82A}">
+                    <a16:rowId xmlns:a16="http://schemas.microsoft.com/office/drawing/2014/main" val="2391504428"/>
+                  </a:ext>
+                </a:extLst>
+              </a:tr>
+              <a:tr h="1655961">
+                <a:tc rowSpan="3">
+                  <a:txBody>
+                    <a:bodyPr/>
+                    <a:lstStyle/>
+                    <a:p>
+                      <a:pPr algn="ctr" latinLnBrk="1"/>
+                      <a:endParaRPr lang="ko-KR" altLang="en-US" dirty="0"/>
+                    </a:p>
+                  </a:txBody>
+                  <a:tcPr anchor="ctr">
+                    <a:lnL w="12700" cap="flat" cmpd="sng" algn="ctr">
+                      <a:solidFill>
+                        <a:schemeClr val="tx1"/>
+                      </a:solidFill>
+                      <a:prstDash val="solid"/>
+                      <a:round/>
+                      <a:headEnd type="none" w="med" len="med"/>
+                      <a:tailEnd type="none" w="med" len="med"/>
+                    </a:lnL>
+                    <a:lnR w="12700" cap="flat" cmpd="sng" algn="ctr">
+                      <a:solidFill>
+                        <a:schemeClr val="tx1"/>
+                      </a:solidFill>
+                      <a:prstDash val="solid"/>
+                      <a:round/>
+                      <a:headEnd type="none" w="med" len="med"/>
+                      <a:tailEnd type="none" w="med" len="med"/>
+                    </a:lnR>
+                    <a:lnT w="12700" cap="flat" cmpd="sng" algn="ctr">
+                      <a:solidFill>
+                        <a:schemeClr val="tx1"/>
+                      </a:solidFill>
+                      <a:prstDash val="solid"/>
+                      <a:round/>
+                      <a:headEnd type="none" w="med" len="med"/>
+                      <a:tailEnd type="none" w="med" len="med"/>
+                    </a:lnT>
+                    <a:lnB w="12700" cap="flat" cmpd="sng" algn="ctr">
+                      <a:solidFill>
+                        <a:schemeClr val="tx1"/>
+                      </a:solidFill>
+                      <a:prstDash val="solid"/>
+                      <a:round/>
+                      <a:headEnd type="none" w="med" len="med"/>
+                      <a:tailEnd type="none" w="med" len="med"/>
+                    </a:lnB>
+                    <a:solidFill>
+                      <a:schemeClr val="bg1"/>
+                    </a:solidFill>
+                  </a:tcPr>
+                </a:tc>
+                <a:tc>
+                  <a:txBody>
+                    <a:bodyPr/>
+                    <a:lstStyle/>
+                    <a:p>
+                      <a:pPr algn="just" latinLnBrk="1"/>
+                      <a:r>
+                        <a:rPr lang="ko-KR" altLang="en-US" sz="1200" b="1" dirty="0" err="1"/>
+                        <a:t>온습도</a:t>
+                      </a:r>
+                      <a:r>
+                        <a:rPr lang="ko-KR" altLang="en-US" sz="1200" b="1" dirty="0"/>
+                        <a:t> 센서</a:t>
+                      </a:r>
+                      <a:endParaRPr lang="en-US" altLang="ko-KR" sz="1200" b="1" dirty="0"/>
+                    </a:p>
+                    <a:p>
+                      <a:pPr algn="just" latinLnBrk="1"/>
+                      <a:r>
+                        <a:rPr lang="en-US" altLang="ko-KR" sz="1100" dirty="0"/>
+                        <a:t>-</a:t>
+                      </a:r>
+                      <a:r>
+                        <a:rPr lang="ko-KR" altLang="en-US" sz="1100" dirty="0" err="1"/>
+                        <a:t>정전식</a:t>
+                      </a:r>
+                      <a:r>
+                        <a:rPr lang="ko-KR" altLang="en-US" sz="1100" dirty="0"/>
+                        <a:t> 습도센서와 </a:t>
+                      </a:r>
+                      <a:r>
+                        <a:rPr lang="ko-KR" altLang="en-US" sz="1100" dirty="0" err="1"/>
+                        <a:t>서미스터를</a:t>
+                      </a:r>
+                      <a:r>
+                        <a:rPr lang="ko-KR" altLang="en-US" sz="1100" dirty="0"/>
+                        <a:t> 이용하여 대기온도와 습도를 측정하고 디지털 센서 신호로 출력하는 센서</a:t>
+                      </a:r>
+                      <a:endParaRPr lang="en-US" altLang="ko-KR" sz="1100" dirty="0"/>
+                    </a:p>
+                    <a:p>
+                      <a:pPr algn="just" latinLnBrk="1"/>
+                      <a:endParaRPr lang="en-US" altLang="ko-KR" sz="1100" dirty="0"/>
+                    </a:p>
+                    <a:p>
+                      <a:pPr algn="just" latinLnBrk="1"/>
+                      <a:r>
+                        <a:rPr lang="ko-KR" altLang="en-US" sz="1200" b="1" dirty="0"/>
+                        <a:t>기능</a:t>
+                      </a:r>
+                      <a:endParaRPr lang="en-US" altLang="ko-KR" sz="1200" b="1" dirty="0"/>
+                    </a:p>
+                    <a:p>
+                      <a:pPr algn="just" latinLnBrk="1"/>
+                      <a:r>
+                        <a:rPr lang="en-US" altLang="ko-KR" sz="1100" dirty="0"/>
+                        <a:t>-</a:t>
+                      </a:r>
+                      <a:r>
+                        <a:rPr lang="ko-KR" altLang="en-US" sz="1100" dirty="0"/>
+                        <a:t>두 전극 사이의 저항 변화를 측정함으로써 공기중의 습도 변화를 확인할 수 있음</a:t>
+                      </a:r>
+                    </a:p>
+                  </a:txBody>
+                  <a:tcPr anchor="ctr">
+                    <a:lnL w="12700" cap="flat" cmpd="sng" algn="ctr">
+                      <a:solidFill>
+                        <a:schemeClr val="tx1"/>
+                      </a:solidFill>
+                      <a:prstDash val="solid"/>
+                      <a:round/>
+                      <a:headEnd type="none" w="med" len="med"/>
+                      <a:tailEnd type="none" w="med" len="med"/>
+                    </a:lnL>
+                    <a:lnR w="12700" cap="flat" cmpd="sng" algn="ctr">
+                      <a:solidFill>
+                        <a:schemeClr val="tx1"/>
+                      </a:solidFill>
+                      <a:prstDash val="solid"/>
+                      <a:round/>
+                      <a:headEnd type="none" w="med" len="med"/>
+                      <a:tailEnd type="none" w="med" len="med"/>
+                    </a:lnR>
+                    <a:lnT w="12700" cap="flat" cmpd="sng" algn="ctr">
+                      <a:solidFill>
+                        <a:schemeClr val="tx1"/>
+                      </a:solidFill>
+                      <a:prstDash val="solid"/>
+                      <a:round/>
+                      <a:headEnd type="none" w="med" len="med"/>
+                      <a:tailEnd type="none" w="med" len="med"/>
+                    </a:lnT>
+                    <a:lnB w="12700" cap="flat" cmpd="sng" algn="ctr">
+                      <a:solidFill>
+                        <a:schemeClr val="tx1"/>
+                      </a:solidFill>
+                      <a:prstDash val="solid"/>
+                      <a:round/>
+                      <a:headEnd type="none" w="med" len="med"/>
+                      <a:tailEnd type="none" w="med" len="med"/>
+                    </a:lnB>
+                    <a:solidFill>
+                      <a:schemeClr val="bg1"/>
+                    </a:solidFill>
+                  </a:tcPr>
+                </a:tc>
+                <a:extLst>
+                  <a:ext uri="{0D108BD9-81ED-4DB2-BD59-A6C34878D82A}">
+                    <a16:rowId xmlns:a16="http://schemas.microsoft.com/office/drawing/2014/main" val="2943886123"/>
+                  </a:ext>
+                </a:extLst>
+              </a:tr>
+              <a:tr h="369115">
+                <a:tc vMerge="1">
+                  <a:txBody>
+                    <a:bodyPr/>
+                    <a:lstStyle/>
+                    <a:p>
+                      <a:pPr latinLnBrk="1"/>
+                      <a:endParaRPr lang="ko-KR" altLang="en-US" dirty="0"/>
+                    </a:p>
+                  </a:txBody>
+                  <a:tcPr/>
+                </a:tc>
+                <a:tc>
+                  <a:txBody>
+                    <a:bodyPr/>
+                    <a:lstStyle/>
+                    <a:p>
+                      <a:pPr algn="ctr" latinLnBrk="1"/>
+                      <a:r>
+                        <a:rPr lang="ko-KR" altLang="en-US" dirty="0"/>
+                        <a:t>규격</a:t>
+                      </a:r>
+                    </a:p>
+                  </a:txBody>
+                  <a:tcPr anchor="ctr">
+                    <a:lnL w="12700" cap="flat" cmpd="sng" algn="ctr">
+                      <a:solidFill>
+                        <a:schemeClr val="tx1"/>
+                      </a:solidFill>
+                      <a:prstDash val="solid"/>
+                      <a:round/>
+                      <a:headEnd type="none" w="med" len="med"/>
+                      <a:tailEnd type="none" w="med" len="med"/>
+                    </a:lnL>
+                    <a:lnR w="12700" cap="flat" cmpd="sng" algn="ctr">
+                      <a:solidFill>
+                        <a:schemeClr val="tx1"/>
+                      </a:solidFill>
+                      <a:prstDash val="solid"/>
+                      <a:round/>
+                      <a:headEnd type="none" w="med" len="med"/>
+                      <a:tailEnd type="none" w="med" len="med"/>
+                    </a:lnR>
+                    <a:lnT w="12700" cap="flat" cmpd="sng" algn="ctr">
+                      <a:solidFill>
+                        <a:schemeClr val="tx1"/>
+                      </a:solidFill>
+                      <a:prstDash val="solid"/>
+                      <a:round/>
+                      <a:headEnd type="none" w="med" len="med"/>
+                      <a:tailEnd type="none" w="med" len="med"/>
+                    </a:lnT>
+                    <a:lnB w="12700" cap="flat" cmpd="sng" algn="ctr">
+                      <a:solidFill>
+                        <a:schemeClr val="tx1"/>
+                      </a:solidFill>
+                      <a:prstDash val="solid"/>
+                      <a:round/>
+                      <a:headEnd type="none" w="med" len="med"/>
+                      <a:tailEnd type="none" w="med" len="med"/>
+                    </a:lnB>
+                    <a:solidFill>
+                      <a:schemeClr val="bg1"/>
+                    </a:solidFill>
+                  </a:tcPr>
+                </a:tc>
+                <a:extLst>
+                  <a:ext uri="{0D108BD9-81ED-4DB2-BD59-A6C34878D82A}">
+                    <a16:rowId xmlns:a16="http://schemas.microsoft.com/office/drawing/2014/main" val="936401105"/>
+                  </a:ext>
+                </a:extLst>
+              </a:tr>
+              <a:tr h="1770077">
+                <a:tc vMerge="1">
+                  <a:txBody>
+                    <a:bodyPr/>
+                    <a:lstStyle/>
+                    <a:p>
+                      <a:pPr latinLnBrk="1"/>
+                      <a:endParaRPr lang="ko-KR" altLang="en-US" dirty="0"/>
+                    </a:p>
+                  </a:txBody>
+                  <a:tcPr/>
+                </a:tc>
+                <a:tc>
+                  <a:txBody>
+                    <a:bodyPr/>
+                    <a:lstStyle/>
+                    <a:p>
+                      <a:pPr marL="285750" indent="-285750" algn="just" latinLnBrk="1">
+                        <a:buFont typeface="Arial" panose="020B0604020202020204" pitchFamily="34" charset="0"/>
+                        <a:buChar char="•"/>
+                      </a:pPr>
+                      <a:r>
+                        <a:rPr lang="ko-KR" altLang="en-US" dirty="0"/>
+                        <a:t>정격 전압 </a:t>
+                      </a:r>
+                      <a:r>
+                        <a:rPr lang="en-US" altLang="ko-KR" dirty="0"/>
+                        <a:t>: +5V(3.5V~5.5VDC)</a:t>
+                      </a:r>
+                    </a:p>
+                    <a:p>
+                      <a:pPr marL="285750" indent="-285750" algn="just" latinLnBrk="1">
+                        <a:buFont typeface="Arial" panose="020B0604020202020204" pitchFamily="34" charset="0"/>
+                        <a:buChar char="•"/>
+                      </a:pPr>
+                      <a:r>
+                        <a:rPr lang="ko-KR" altLang="en-US" dirty="0"/>
+                        <a:t>온도 범위 </a:t>
+                      </a:r>
+                      <a:r>
+                        <a:rPr lang="en-US" altLang="ko-KR" dirty="0"/>
+                        <a:t>: 0~50</a:t>
+                      </a:r>
+                      <a:r>
+                        <a:rPr lang="en-US" altLang="ko-KR" sz="1800" b="0" i="0" kern="1200" dirty="0">
+                          <a:solidFill>
+                            <a:schemeClr val="dk1"/>
+                          </a:solidFill>
+                          <a:effectLst/>
+                          <a:latin typeface="+mn-lt"/>
+                          <a:ea typeface="+mn-ea"/>
+                          <a:cs typeface="+mn-cs"/>
+                        </a:rPr>
+                        <a:t>°C ± 2 °C</a:t>
+                      </a:r>
+                    </a:p>
+                    <a:p>
+                      <a:pPr marL="285750" marR="0" lvl="0" indent="-285750" algn="just" defTabSz="914400" rtl="0" eaLnBrk="1" fontAlgn="auto" latinLnBrk="1" hangingPunct="1">
+                        <a:lnSpc>
+                          <a:spcPct val="100000"/>
+                        </a:lnSpc>
+                        <a:spcBef>
+                          <a:spcPts val="0"/>
+                        </a:spcBef>
+                        <a:spcAft>
+                          <a:spcPts val="0"/>
+                        </a:spcAft>
+                        <a:buClrTx/>
+                        <a:buSzTx/>
+                        <a:buFont typeface="Arial" panose="020B0604020202020204" pitchFamily="34" charset="0"/>
+                        <a:buChar char="•"/>
+                        <a:tabLst/>
+                        <a:defRPr/>
+                      </a:pPr>
+                      <a:r>
+                        <a:rPr lang="ko-KR" altLang="en-US" sz="1800" b="0" i="0" kern="1200" dirty="0">
+                          <a:solidFill>
+                            <a:schemeClr val="dk1"/>
+                          </a:solidFill>
+                          <a:effectLst/>
+                          <a:latin typeface="+mn-lt"/>
+                          <a:ea typeface="+mn-ea"/>
+                          <a:cs typeface="+mn-cs"/>
+                        </a:rPr>
+                        <a:t>습도 범위 </a:t>
+                      </a:r>
+                      <a:r>
+                        <a:rPr lang="en-US" altLang="ko-KR" sz="1800" b="0" i="0" kern="1200" dirty="0">
+                          <a:solidFill>
+                            <a:schemeClr val="dk1"/>
+                          </a:solidFill>
+                          <a:effectLst/>
+                          <a:latin typeface="+mn-lt"/>
+                          <a:ea typeface="+mn-ea"/>
+                          <a:cs typeface="+mn-cs"/>
+                        </a:rPr>
+                        <a:t>: 20-90% RH ± 5%</a:t>
+                      </a:r>
+                    </a:p>
+                    <a:p>
+                      <a:pPr marL="285750" indent="-285750" algn="just" latinLnBrk="1">
+                        <a:buFont typeface="Arial" panose="020B0604020202020204" pitchFamily="34" charset="0"/>
+                        <a:buChar char="•"/>
+                      </a:pPr>
+                      <a:endParaRPr lang="ko-KR" altLang="en-US" dirty="0"/>
+                    </a:p>
+                  </a:txBody>
+                  <a:tcPr anchor="ctr">
+                    <a:lnL w="12700" cap="flat" cmpd="sng" algn="ctr">
+                      <a:solidFill>
+                        <a:schemeClr val="tx1"/>
+                      </a:solidFill>
+                      <a:prstDash val="solid"/>
+                      <a:round/>
+                      <a:headEnd type="none" w="med" len="med"/>
+                      <a:tailEnd type="none" w="med" len="med"/>
+                    </a:lnL>
+                    <a:lnR w="12700" cap="flat" cmpd="sng" algn="ctr">
+                      <a:solidFill>
+                        <a:schemeClr val="tx1"/>
+                      </a:solidFill>
+                      <a:prstDash val="solid"/>
+                      <a:round/>
+                      <a:headEnd type="none" w="med" len="med"/>
+                      <a:tailEnd type="none" w="med" len="med"/>
+                    </a:lnR>
+                    <a:lnT w="12700" cap="flat" cmpd="sng" algn="ctr">
+                      <a:solidFill>
+                        <a:schemeClr val="tx1"/>
+                      </a:solidFill>
+                      <a:prstDash val="solid"/>
+                      <a:round/>
+                      <a:headEnd type="none" w="med" len="med"/>
+                      <a:tailEnd type="none" w="med" len="med"/>
+                    </a:lnT>
+                    <a:lnB w="12700" cap="flat" cmpd="sng" algn="ctr">
+                      <a:solidFill>
+                        <a:schemeClr val="tx1"/>
+                      </a:solidFill>
+                      <a:prstDash val="solid"/>
+                      <a:round/>
+                      <a:headEnd type="none" w="med" len="med"/>
+                      <a:tailEnd type="none" w="med" len="med"/>
+                    </a:lnB>
+                    <a:solidFill>
+                      <a:schemeClr val="bg1"/>
+                    </a:solidFill>
+                  </a:tcPr>
+                </a:tc>
+                <a:extLst>
+                  <a:ext uri="{0D108BD9-81ED-4DB2-BD59-A6C34878D82A}">
+                    <a16:rowId xmlns:a16="http://schemas.microsoft.com/office/drawing/2014/main" val="3582455734"/>
+                  </a:ext>
+                </a:extLst>
+              </a:tr>
+            </a:tbl>
+          </a:graphicData>
+        </a:graphic>
+      </p:graphicFrame>
+      <p:pic>
+        <p:nvPicPr>
+          <p:cNvPr id="1026" name="Picture 2" descr="DHT11 온습도 센서 모듈 (DHT11 Digital Temperature Humidity Sensor)">
+            <a:extLst>
+              <a:ext uri="{FF2B5EF4-FFF2-40B4-BE49-F238E27FC236}">
+                <a16:creationId xmlns:a16="http://schemas.microsoft.com/office/drawing/2014/main" id="{AB67E21E-CA30-5627-8FD4-615D16B51B20}"/>
+              </a:ext>
+            </a:extLst>
+          </p:cNvPr>
+          <p:cNvPicPr>
+            <a:picLocks noChangeAspect="1" noChangeArrowheads="1"/>
+          </p:cNvPicPr>
+          <p:nvPr/>
+        </p:nvPicPr>
+        <p:blipFill>
+          <a:blip r:embed="rId2">
+            <a:extLst>
+              <a:ext uri="{28A0092B-C50C-407E-A947-70E740481C1C}">
+                <a14:useLocalDpi xmlns:a14="http://schemas.microsoft.com/office/drawing/2010/main" val="0"/>
+              </a:ext>
+            </a:extLst>
+          </a:blip>
+          <a:srcRect/>
+          <a:stretch>
+            <a:fillRect/>
+          </a:stretch>
+        </p:blipFill>
+        <p:spPr bwMode="auto">
+          <a:xfrm>
+            <a:off x="1684614" y="2558640"/>
+            <a:ext cx="2994871" cy="2994871"/>
+          </a:xfrm>
+          <a:prstGeom prst="rect">
+            <a:avLst/>
+          </a:prstGeom>
+          <a:noFill/>
+          <a:extLst>
+            <a:ext uri="{909E8E84-426E-40DD-AFC4-6F175D3DCCD1}">
+              <a14:hiddenFill xmlns:a14="http://schemas.microsoft.com/office/drawing/2010/main">
+                <a:solidFill>
+                  <a:srgbClr val="FFFFFF"/>
+                </a:solidFill>
+              </a14:hiddenFill>
+            </a:ext>
+          </a:extLst>
+        </p:spPr>
+      </p:pic>
     </p:spTree>
     <p:extLst>
       <p:ext uri="{BB962C8B-B14F-4D97-AF65-F5344CB8AC3E}">
-        <p14:creationId xmlns:p14="http://schemas.microsoft.com/office/powerpoint/2010/main" val="1798857334"/>
+        <p14:creationId xmlns:p14="http://schemas.microsoft.com/office/powerpoint/2010/main" val="2289234945"/>
       </p:ext>
     </p:extLst>
   </p:cSld>
